--- a/Using DI and IOC - Mocking and Testing/Using DI and IOC - Mocking and Testing.pptx
+++ b/Using DI and IOC - Mocking and Testing/Using DI and IOC - Mocking and Testing.pptx
@@ -5,7 +5,7 @@
     <p:sldMasterId id="2147483660" r:id="rId1"/>
   </p:sldMasterIdLst>
   <p:notesMasterIdLst>
-    <p:notesMasterId r:id="rId14"/>
+    <p:notesMasterId r:id="rId23"/>
   </p:notesMasterIdLst>
   <p:sldIdLst>
     <p:sldId id="256" r:id="rId2"/>
@@ -14,12 +14,21 @@
     <p:sldId id="267" r:id="rId5"/>
     <p:sldId id="266" r:id="rId6"/>
     <p:sldId id="257" r:id="rId7"/>
-    <p:sldId id="260" r:id="rId8"/>
-    <p:sldId id="262" r:id="rId9"/>
-    <p:sldId id="261" r:id="rId10"/>
-    <p:sldId id="263" r:id="rId11"/>
-    <p:sldId id="264" r:id="rId12"/>
-    <p:sldId id="265" r:id="rId13"/>
+    <p:sldId id="269" r:id="rId8"/>
+    <p:sldId id="268" r:id="rId9"/>
+    <p:sldId id="260" r:id="rId10"/>
+    <p:sldId id="262" r:id="rId11"/>
+    <p:sldId id="261" r:id="rId12"/>
+    <p:sldId id="263" r:id="rId13"/>
+    <p:sldId id="270" r:id="rId14"/>
+    <p:sldId id="271" r:id="rId15"/>
+    <p:sldId id="265" r:id="rId16"/>
+    <p:sldId id="272" r:id="rId17"/>
+    <p:sldId id="273" r:id="rId18"/>
+    <p:sldId id="277" r:id="rId19"/>
+    <p:sldId id="274" r:id="rId20"/>
+    <p:sldId id="275" r:id="rId21"/>
+    <p:sldId id="276" r:id="rId22"/>
   </p:sldIdLst>
   <p:sldSz cx="12192000" cy="6858000"/>
   <p:notesSz cx="6858000" cy="9144000"/>
@@ -118,6 +127,11 @@
       </a:defRPr>
     </a:lvl9pPr>
   </p:defaultTextStyle>
+  <p:extLst>
+    <p:ext uri="{EFAFB233-063F-42B5-8137-9DF3F51BA10A}">
+      <p15:sldGuideLst xmlns:p15="http://schemas.microsoft.com/office/powerpoint/2012/main"/>
+    </p:ext>
+  </p:extLst>
 </p:presentation>
 </file>
 
@@ -145,7 +159,7 @@
           </ac:spMkLst>
         </pc:spChg>
         <pc:spChg chg="add mod">
-          <ac:chgData name="Ken Hill" userId="7eb67d12b2902226" providerId="LiveId" clId="{F6703EE6-FAA2-429C-918B-75BF34DB5324}" dt="2018-02-01T19:38:38.843" v="884"/>
+          <ac:chgData name="Ken Hill" userId="7eb67d12b2902226" providerId="LiveId" clId="{F6703EE6-FAA2-429C-918B-75BF34DB5324}" dt="2018-02-01T19:38:38.843" v="884" actId="14100"/>
           <ac:spMkLst>
             <pc:docMk/>
             <pc:sldMk cId="393369059" sldId="258"/>
@@ -153,7 +167,7 @@
           </ac:spMkLst>
         </pc:spChg>
         <pc:picChg chg="add del">
-          <ac:chgData name="Ken Hill" userId="7eb67d12b2902226" providerId="LiveId" clId="{F6703EE6-FAA2-429C-918B-75BF34DB5324}" dt="2018-02-01T19:37:54.943" v="870"/>
+          <ac:chgData name="Ken Hill" userId="7eb67d12b2902226" providerId="LiveId" clId="{F6703EE6-FAA2-429C-918B-75BF34DB5324}" dt="2018-02-01T19:37:54.943" v="870" actId="14100"/>
           <ac:picMkLst>
             <pc:docMk/>
             <pc:sldMk cId="393369059" sldId="258"/>
@@ -207,7 +221,7 @@
         </pc:spChg>
       </pc:sldChg>
       <pc:sldChg chg="modSp add ord">
-        <pc:chgData name="Ken Hill" userId="7eb67d12b2902226" providerId="LiveId" clId="{F6703EE6-FAA2-429C-918B-75BF34DB5324}" dt="2018-02-01T19:26:17.268" v="98"/>
+        <pc:chgData name="Ken Hill" userId="7eb67d12b2902226" providerId="LiveId" clId="{F6703EE6-FAA2-429C-918B-75BF34DB5324}" dt="2018-02-01T19:26:17.268" v="98" actId="20577"/>
         <pc:sldMkLst>
           <pc:docMk/>
           <pc:sldMk cId="3380224213" sldId="262"/>
@@ -232,21 +246,6 @@
           <ac:spMkLst>
             <pc:docMk/>
             <pc:sldMk cId="4134464957" sldId="263"/>
-            <ac:spMk id="2" creationId="{59BAE30E-542C-4C72-8518-A24CDB90D61B}"/>
-          </ac:spMkLst>
-        </pc:spChg>
-      </pc:sldChg>
-      <pc:sldChg chg="modSp add">
-        <pc:chgData name="Ken Hill" userId="7eb67d12b2902226" providerId="LiveId" clId="{F6703EE6-FAA2-429C-918B-75BF34DB5324}" dt="2018-02-01T20:16:54.856" v="1062" actId="20577"/>
-        <pc:sldMkLst>
-          <pc:docMk/>
-          <pc:sldMk cId="966552352" sldId="264"/>
-        </pc:sldMkLst>
-        <pc:spChg chg="mod">
-          <ac:chgData name="Ken Hill" userId="7eb67d12b2902226" providerId="LiveId" clId="{F6703EE6-FAA2-429C-918B-75BF34DB5324}" dt="2018-02-01T20:16:54.856" v="1062" actId="20577"/>
-          <ac:spMkLst>
-            <pc:docMk/>
-            <pc:sldMk cId="966552352" sldId="264"/>
             <ac:spMk id="2" creationId="{59BAE30E-542C-4C72-8518-A24CDB90D61B}"/>
           </ac:spMkLst>
         </pc:spChg>
@@ -330,6 +329,518 @@
       </pc:sldChg>
     </pc:docChg>
   </pc:docChgLst>
+  <pc:docChgLst>
+    <pc:chgData name="Ken Hill" userId="7eb67d12b2902226" providerId="LiveId" clId="{832C7E6A-C4C5-47E8-8107-350B661CE4E2}"/>
+    <pc:docChg chg="undo redo custSel addSld delSld modSld">
+      <pc:chgData name="Ken Hill" userId="7eb67d12b2902226" providerId="LiveId" clId="{832C7E6A-C4C5-47E8-8107-350B661CE4E2}" dt="2018-02-27T13:46:28.372" v="6306" actId="5793"/>
+      <pc:docMkLst>
+        <pc:docMk/>
+      </pc:docMkLst>
+      <pc:sldChg chg="addSp modSp">
+        <pc:chgData name="Ken Hill" userId="7eb67d12b2902226" providerId="LiveId" clId="{832C7E6A-C4C5-47E8-8107-350B661CE4E2}" dt="2018-02-27T00:35:41.523" v="2279" actId="1076"/>
+        <pc:sldMkLst>
+          <pc:docMk/>
+          <pc:sldMk cId="758762179" sldId="260"/>
+        </pc:sldMkLst>
+        <pc:spChg chg="mod">
+          <ac:chgData name="Ken Hill" userId="7eb67d12b2902226" providerId="LiveId" clId="{832C7E6A-C4C5-47E8-8107-350B661CE4E2}" dt="2018-02-27T00:35:30.721" v="2277" actId="14100"/>
+          <ac:spMkLst>
+            <pc:docMk/>
+            <pc:sldMk cId="758762179" sldId="260"/>
+            <ac:spMk id="3" creationId="{B4B912AC-4C96-4499-9B8F-134A6D06A133}"/>
+          </ac:spMkLst>
+        </pc:spChg>
+        <pc:spChg chg="add mod">
+          <ac:chgData name="Ken Hill" userId="7eb67d12b2902226" providerId="LiveId" clId="{832C7E6A-C4C5-47E8-8107-350B661CE4E2}" dt="2018-02-27T00:35:41.523" v="2279" actId="1076"/>
+          <ac:spMkLst>
+            <pc:docMk/>
+            <pc:sldMk cId="758762179" sldId="260"/>
+            <ac:spMk id="5" creationId="{D7EDD74E-2343-4BA9-AE62-8F795AC8536D}"/>
+          </ac:spMkLst>
+        </pc:spChg>
+        <pc:spChg chg="add mod">
+          <ac:chgData name="Ken Hill" userId="7eb67d12b2902226" providerId="LiveId" clId="{832C7E6A-C4C5-47E8-8107-350B661CE4E2}" dt="2018-02-27T00:35:37.800" v="2278" actId="1076"/>
+          <ac:spMkLst>
+            <pc:docMk/>
+            <pc:sldMk cId="758762179" sldId="260"/>
+            <ac:spMk id="6" creationId="{FE81CF9A-A145-47BC-8D55-51BE0B245326}"/>
+          </ac:spMkLst>
+        </pc:spChg>
+        <pc:cxnChg chg="add mod">
+          <ac:chgData name="Ken Hill" userId="7eb67d12b2902226" providerId="LiveId" clId="{832C7E6A-C4C5-47E8-8107-350B661CE4E2}" dt="2018-02-27T00:35:41.523" v="2279" actId="1076"/>
+          <ac:cxnSpMkLst>
+            <pc:docMk/>
+            <pc:sldMk cId="758762179" sldId="260"/>
+            <ac:cxnSpMk id="8" creationId="{E7AEF8CA-7361-4BF1-A8A7-0B25F3747DAE}"/>
+          </ac:cxnSpMkLst>
+        </pc:cxnChg>
+      </pc:sldChg>
+      <pc:sldChg chg="addSp modSp">
+        <pc:chgData name="Ken Hill" userId="7eb67d12b2902226" providerId="LiveId" clId="{832C7E6A-C4C5-47E8-8107-350B661CE4E2}" dt="2018-02-27T00:39:32.440" v="2368" actId="14100"/>
+        <pc:sldMkLst>
+          <pc:docMk/>
+          <pc:sldMk cId="814672665" sldId="261"/>
+        </pc:sldMkLst>
+        <pc:spChg chg="mod">
+          <ac:chgData name="Ken Hill" userId="7eb67d12b2902226" providerId="LiveId" clId="{832C7E6A-C4C5-47E8-8107-350B661CE4E2}" dt="2018-02-27T00:36:03.044" v="2280" actId="20577"/>
+          <ac:spMkLst>
+            <pc:docMk/>
+            <pc:sldMk cId="814672665" sldId="261"/>
+            <ac:spMk id="3" creationId="{6E7F8D11-975E-46B8-8AB4-EC9E36A624AD}"/>
+          </ac:spMkLst>
+        </pc:spChg>
+        <pc:spChg chg="add mod">
+          <ac:chgData name="Ken Hill" userId="7eb67d12b2902226" providerId="LiveId" clId="{832C7E6A-C4C5-47E8-8107-350B661CE4E2}" dt="2018-02-27T00:38:25.956" v="2341" actId="1076"/>
+          <ac:spMkLst>
+            <pc:docMk/>
+            <pc:sldMk cId="814672665" sldId="261"/>
+            <ac:spMk id="5" creationId="{6C2BA4F4-FED3-4F10-BBD9-DC508C83013B}"/>
+          </ac:spMkLst>
+        </pc:spChg>
+        <pc:spChg chg="add mod">
+          <ac:chgData name="Ken Hill" userId="7eb67d12b2902226" providerId="LiveId" clId="{832C7E6A-C4C5-47E8-8107-350B661CE4E2}" dt="2018-02-27T00:38:00.666" v="2330" actId="14100"/>
+          <ac:spMkLst>
+            <pc:docMk/>
+            <pc:sldMk cId="814672665" sldId="261"/>
+            <ac:spMk id="6" creationId="{02507367-82D5-43CB-9E6E-D9614DDF1ABD}"/>
+          </ac:spMkLst>
+        </pc:spChg>
+        <pc:spChg chg="add mod">
+          <ac:chgData name="Ken Hill" userId="7eb67d12b2902226" providerId="LiveId" clId="{832C7E6A-C4C5-47E8-8107-350B661CE4E2}" dt="2018-02-27T00:38:10.348" v="2336" actId="20577"/>
+          <ac:spMkLst>
+            <pc:docMk/>
+            <pc:sldMk cId="814672665" sldId="261"/>
+            <ac:spMk id="7" creationId="{76B4F1D0-9132-4E9A-8FDB-183460E00A21}"/>
+          </ac:spMkLst>
+        </pc:spChg>
+        <pc:spChg chg="add mod">
+          <ac:chgData name="Ken Hill" userId="7eb67d12b2902226" providerId="LiveId" clId="{832C7E6A-C4C5-47E8-8107-350B661CE4E2}" dt="2018-02-27T00:38:19.147" v="2340" actId="20577"/>
+          <ac:spMkLst>
+            <pc:docMk/>
+            <pc:sldMk cId="814672665" sldId="261"/>
+            <ac:spMk id="8" creationId="{435221B3-A486-4B94-9B52-7395E62761C4}"/>
+          </ac:spMkLst>
+        </pc:spChg>
+        <pc:cxnChg chg="add mod">
+          <ac:chgData name="Ken Hill" userId="7eb67d12b2902226" providerId="LiveId" clId="{832C7E6A-C4C5-47E8-8107-350B661CE4E2}" dt="2018-02-27T00:39:01.273" v="2361" actId="14100"/>
+          <ac:cxnSpMkLst>
+            <pc:docMk/>
+            <pc:sldMk cId="814672665" sldId="261"/>
+            <ac:cxnSpMk id="10" creationId="{FEE21A9F-7F60-452E-B472-4380C6B36B6E}"/>
+          </ac:cxnSpMkLst>
+        </pc:cxnChg>
+        <pc:cxnChg chg="add mod">
+          <ac:chgData name="Ken Hill" userId="7eb67d12b2902226" providerId="LiveId" clId="{832C7E6A-C4C5-47E8-8107-350B661CE4E2}" dt="2018-02-27T00:39:20.734" v="2365" actId="14100"/>
+          <ac:cxnSpMkLst>
+            <pc:docMk/>
+            <pc:sldMk cId="814672665" sldId="261"/>
+            <ac:cxnSpMk id="12" creationId="{537DBC81-96AB-4208-BB1D-320FDF228F86}"/>
+          </ac:cxnSpMkLst>
+        </pc:cxnChg>
+        <pc:cxnChg chg="add mod">
+          <ac:chgData name="Ken Hill" userId="7eb67d12b2902226" providerId="LiveId" clId="{832C7E6A-C4C5-47E8-8107-350B661CE4E2}" dt="2018-02-27T00:39:32.440" v="2368" actId="14100"/>
+          <ac:cxnSpMkLst>
+            <pc:docMk/>
+            <pc:sldMk cId="814672665" sldId="261"/>
+            <ac:cxnSpMk id="16" creationId="{5074F6B5-6BB2-4B18-B740-D74E5C97E247}"/>
+          </ac:cxnSpMkLst>
+        </pc:cxnChg>
+      </pc:sldChg>
+      <pc:sldChg chg="addSp delSp modSp">
+        <pc:chgData name="Ken Hill" userId="7eb67d12b2902226" providerId="LiveId" clId="{832C7E6A-C4C5-47E8-8107-350B661CE4E2}" dt="2018-02-27T00:23:46.074" v="1157" actId="20577"/>
+        <pc:sldMkLst>
+          <pc:docMk/>
+          <pc:sldMk cId="3380224213" sldId="262"/>
+        </pc:sldMkLst>
+        <pc:spChg chg="del mod">
+          <ac:chgData name="Ken Hill" userId="7eb67d12b2902226" providerId="LiveId" clId="{832C7E6A-C4C5-47E8-8107-350B661CE4E2}" dt="2018-02-27T00:18:12.324" v="354" actId="478"/>
+          <ac:spMkLst>
+            <pc:docMk/>
+            <pc:sldMk cId="3380224213" sldId="262"/>
+            <ac:spMk id="3" creationId="{EF67EFA2-4549-4181-AD8D-44007BC83E28}"/>
+          </ac:spMkLst>
+        </pc:spChg>
+        <pc:spChg chg="add mod">
+          <ac:chgData name="Ken Hill" userId="7eb67d12b2902226" providerId="LiveId" clId="{832C7E6A-C4C5-47E8-8107-350B661CE4E2}" dt="2018-02-27T00:23:46.074" v="1157" actId="20577"/>
+          <ac:spMkLst>
+            <pc:docMk/>
+            <pc:sldMk cId="3380224213" sldId="262"/>
+            <ac:spMk id="5" creationId="{36E8B4C5-335A-4DCE-A34C-31519D3C08D6}"/>
+          </ac:spMkLst>
+        </pc:spChg>
+      </pc:sldChg>
+      <pc:sldChg chg="addSp delSp modSp">
+        <pc:chgData name="Ken Hill" userId="7eb67d12b2902226" providerId="LiveId" clId="{832C7E6A-C4C5-47E8-8107-350B661CE4E2}" dt="2018-02-27T13:39:25.269" v="5966" actId="20577"/>
+        <pc:sldMkLst>
+          <pc:docMk/>
+          <pc:sldMk cId="4134464957" sldId="263"/>
+        </pc:sldMkLst>
+        <pc:spChg chg="mod">
+          <ac:chgData name="Ken Hill" userId="7eb67d12b2902226" providerId="LiveId" clId="{832C7E6A-C4C5-47E8-8107-350B661CE4E2}" dt="2018-02-27T00:39:53.870" v="2372" actId="14100"/>
+          <ac:spMkLst>
+            <pc:docMk/>
+            <pc:sldMk cId="4134464957" sldId="263"/>
+            <ac:spMk id="2" creationId="{59BAE30E-542C-4C72-8518-A24CDB90D61B}"/>
+          </ac:spMkLst>
+        </pc:spChg>
+        <pc:spChg chg="del">
+          <ac:chgData name="Ken Hill" userId="7eb67d12b2902226" providerId="LiveId" clId="{832C7E6A-C4C5-47E8-8107-350B661CE4E2}" dt="2018-02-27T00:39:45.136" v="2369" actId="478"/>
+          <ac:spMkLst>
+            <pc:docMk/>
+            <pc:sldMk cId="4134464957" sldId="263"/>
+            <ac:spMk id="3" creationId="{0515283B-D8D3-4EB3-BE99-17835BB57068}"/>
+          </ac:spMkLst>
+        </pc:spChg>
+        <pc:spChg chg="add mod">
+          <ac:chgData name="Ken Hill" userId="7eb67d12b2902226" providerId="LiveId" clId="{832C7E6A-C4C5-47E8-8107-350B661CE4E2}" dt="2018-02-27T13:39:25.269" v="5966" actId="20577"/>
+          <ac:spMkLst>
+            <pc:docMk/>
+            <pc:sldMk cId="4134464957" sldId="263"/>
+            <ac:spMk id="5" creationId="{A1B749C3-6A51-4B56-86A5-1B6E9FBCCD6C}"/>
+          </ac:spMkLst>
+        </pc:spChg>
+      </pc:sldChg>
+      <pc:sldChg chg="del">
+        <pc:chgData name="Ken Hill" userId="7eb67d12b2902226" providerId="LiveId" clId="{832C7E6A-C4C5-47E8-8107-350B661CE4E2}" dt="2018-02-27T00:49:26.416" v="3181" actId="2696"/>
+        <pc:sldMkLst>
+          <pc:docMk/>
+          <pc:sldMk cId="966552352" sldId="264"/>
+        </pc:sldMkLst>
+      </pc:sldChg>
+      <pc:sldChg chg="addSp delSp modSp">
+        <pc:chgData name="Ken Hill" userId="7eb67d12b2902226" providerId="LiveId" clId="{832C7E6A-C4C5-47E8-8107-350B661CE4E2}" dt="2018-02-27T13:41:11.566" v="6034" actId="20577"/>
+        <pc:sldMkLst>
+          <pc:docMk/>
+          <pc:sldMk cId="3948583333" sldId="265"/>
+        </pc:sldMkLst>
+        <pc:spChg chg="mod">
+          <ac:chgData name="Ken Hill" userId="7eb67d12b2902226" providerId="LiveId" clId="{832C7E6A-C4C5-47E8-8107-350B661CE4E2}" dt="2018-02-27T13:03:32.547" v="4339" actId="14100"/>
+          <ac:spMkLst>
+            <pc:docMk/>
+            <pc:sldMk cId="3948583333" sldId="265"/>
+            <ac:spMk id="2" creationId="{DCA58F1A-F41E-4ABE-B971-E7D7A2948E0A}"/>
+          </ac:spMkLst>
+        </pc:spChg>
+        <pc:spChg chg="add del mod">
+          <ac:chgData name="Ken Hill" userId="7eb67d12b2902226" providerId="LiveId" clId="{832C7E6A-C4C5-47E8-8107-350B661CE4E2}" dt="2018-02-27T13:41:11.566" v="6034" actId="20577"/>
+          <ac:spMkLst>
+            <pc:docMk/>
+            <pc:sldMk cId="3948583333" sldId="265"/>
+            <ac:spMk id="3" creationId="{D7569734-1897-4C2C-BD84-C43F7DD1D3F0}"/>
+          </ac:spMkLst>
+        </pc:spChg>
+      </pc:sldChg>
+      <pc:sldChg chg="modSp">
+        <pc:chgData name="Ken Hill" userId="7eb67d12b2902226" providerId="LiveId" clId="{832C7E6A-C4C5-47E8-8107-350B661CE4E2}" dt="2018-02-27T13:35:14.938" v="5906" actId="1076"/>
+        <pc:sldMkLst>
+          <pc:docMk/>
+          <pc:sldMk cId="2414779948" sldId="266"/>
+        </pc:sldMkLst>
+        <pc:spChg chg="mod">
+          <ac:chgData name="Ken Hill" userId="7eb67d12b2902226" providerId="LiveId" clId="{832C7E6A-C4C5-47E8-8107-350B661CE4E2}" dt="2018-02-27T13:35:14.938" v="5906" actId="1076"/>
+          <ac:spMkLst>
+            <pc:docMk/>
+            <pc:sldMk cId="2414779948" sldId="266"/>
+            <ac:spMk id="3" creationId="{5B98F245-9DF9-4E82-BD00-C48D2A1AA1C4}"/>
+          </ac:spMkLst>
+        </pc:spChg>
+        <pc:picChg chg="mod">
+          <ac:chgData name="Ken Hill" userId="7eb67d12b2902226" providerId="LiveId" clId="{832C7E6A-C4C5-47E8-8107-350B661CE4E2}" dt="2018-02-27T13:35:09.682" v="5905" actId="1076"/>
+          <ac:picMkLst>
+            <pc:docMk/>
+            <pc:sldMk cId="2414779948" sldId="266"/>
+            <ac:picMk id="3074" creationId="{4DE760B2-02AC-420A-A998-6ECD2C9117B1}"/>
+          </ac:picMkLst>
+        </pc:picChg>
+      </pc:sldChg>
+      <pc:sldChg chg="modSp add">
+        <pc:chgData name="Ken Hill" userId="7eb67d12b2902226" providerId="LiveId" clId="{832C7E6A-C4C5-47E8-8107-350B661CE4E2}" dt="2018-02-27T13:36:19.502" v="5917" actId="20577"/>
+        <pc:sldMkLst>
+          <pc:docMk/>
+          <pc:sldMk cId="2253168129" sldId="268"/>
+        </pc:sldMkLst>
+        <pc:spChg chg="mod">
+          <ac:chgData name="Ken Hill" userId="7eb67d12b2902226" providerId="LiveId" clId="{832C7E6A-C4C5-47E8-8107-350B661CE4E2}" dt="2018-02-27T00:24:42.865" v="1184" actId="14100"/>
+          <ac:spMkLst>
+            <pc:docMk/>
+            <pc:sldMk cId="2253168129" sldId="268"/>
+            <ac:spMk id="2" creationId="{C5F6FC87-4F17-4153-AE34-427BF237906E}"/>
+          </ac:spMkLst>
+        </pc:spChg>
+        <pc:spChg chg="mod">
+          <ac:chgData name="Ken Hill" userId="7eb67d12b2902226" providerId="LiveId" clId="{832C7E6A-C4C5-47E8-8107-350B661CE4E2}" dt="2018-02-27T13:36:19.502" v="5917" actId="20577"/>
+          <ac:spMkLst>
+            <pc:docMk/>
+            <pc:sldMk cId="2253168129" sldId="268"/>
+            <ac:spMk id="3" creationId="{6E7F8D11-975E-46B8-8AB4-EC9E36A624AD}"/>
+          </ac:spMkLst>
+        </pc:spChg>
+      </pc:sldChg>
+      <pc:sldChg chg="modSp add">
+        <pc:chgData name="Ken Hill" userId="7eb67d12b2902226" providerId="LiveId" clId="{832C7E6A-C4C5-47E8-8107-350B661CE4E2}" dt="2018-02-27T13:36:01.344" v="5909" actId="20577"/>
+        <pc:sldMkLst>
+          <pc:docMk/>
+          <pc:sldMk cId="2635404593" sldId="269"/>
+        </pc:sldMkLst>
+        <pc:spChg chg="mod">
+          <ac:chgData name="Ken Hill" userId="7eb67d12b2902226" providerId="LiveId" clId="{832C7E6A-C4C5-47E8-8107-350B661CE4E2}" dt="2018-02-27T00:27:44.099" v="1637" actId="14100"/>
+          <ac:spMkLst>
+            <pc:docMk/>
+            <pc:sldMk cId="2635404593" sldId="269"/>
+            <ac:spMk id="2" creationId="{C5F6FC87-4F17-4153-AE34-427BF237906E}"/>
+          </ac:spMkLst>
+        </pc:spChg>
+        <pc:spChg chg="mod">
+          <ac:chgData name="Ken Hill" userId="7eb67d12b2902226" providerId="LiveId" clId="{832C7E6A-C4C5-47E8-8107-350B661CE4E2}" dt="2018-02-27T13:36:01.344" v="5909" actId="20577"/>
+          <ac:spMkLst>
+            <pc:docMk/>
+            <pc:sldMk cId="2635404593" sldId="269"/>
+            <ac:spMk id="3" creationId="{6E7F8D11-975E-46B8-8AB4-EC9E36A624AD}"/>
+          </ac:spMkLst>
+        </pc:spChg>
+      </pc:sldChg>
+      <pc:sldChg chg="modSp add">
+        <pc:chgData name="Ken Hill" userId="7eb67d12b2902226" providerId="LiveId" clId="{832C7E6A-C4C5-47E8-8107-350B661CE4E2}" dt="2018-02-27T12:59:23.845" v="4101" actId="20577"/>
+        <pc:sldMkLst>
+          <pc:docMk/>
+          <pc:sldMk cId="1684594128" sldId="270"/>
+        </pc:sldMkLst>
+        <pc:spChg chg="mod">
+          <ac:chgData name="Ken Hill" userId="7eb67d12b2902226" providerId="LiveId" clId="{832C7E6A-C4C5-47E8-8107-350B661CE4E2}" dt="2018-02-27T12:50:08.384" v="3253" actId="20577"/>
+          <ac:spMkLst>
+            <pc:docMk/>
+            <pc:sldMk cId="1684594128" sldId="270"/>
+            <ac:spMk id="2" creationId="{DCA58F1A-F41E-4ABE-B971-E7D7A2948E0A}"/>
+          </ac:spMkLst>
+        </pc:spChg>
+        <pc:spChg chg="mod">
+          <ac:chgData name="Ken Hill" userId="7eb67d12b2902226" providerId="LiveId" clId="{832C7E6A-C4C5-47E8-8107-350B661CE4E2}" dt="2018-02-27T12:59:23.845" v="4101" actId="20577"/>
+          <ac:spMkLst>
+            <pc:docMk/>
+            <pc:sldMk cId="1684594128" sldId="270"/>
+            <ac:spMk id="3" creationId="{D7569734-1897-4C2C-BD84-C43F7DD1D3F0}"/>
+          </ac:spMkLst>
+        </pc:spChg>
+      </pc:sldChg>
+      <pc:sldChg chg="addSp delSp modSp add">
+        <pc:chgData name="Ken Hill" userId="7eb67d12b2902226" providerId="LiveId" clId="{832C7E6A-C4C5-47E8-8107-350B661CE4E2}" dt="2018-02-27T13:40:28.644" v="6006" actId="20577"/>
+        <pc:sldMkLst>
+          <pc:docMk/>
+          <pc:sldMk cId="682340386" sldId="271"/>
+        </pc:sldMkLst>
+        <pc:spChg chg="mod">
+          <ac:chgData name="Ken Hill" userId="7eb67d12b2902226" providerId="LiveId" clId="{832C7E6A-C4C5-47E8-8107-350B661CE4E2}" dt="2018-02-27T13:00:46.654" v="4117" actId="14100"/>
+          <ac:spMkLst>
+            <pc:docMk/>
+            <pc:sldMk cId="682340386" sldId="271"/>
+            <ac:spMk id="2" creationId="{DCA58F1A-F41E-4ABE-B971-E7D7A2948E0A}"/>
+          </ac:spMkLst>
+        </pc:spChg>
+        <pc:spChg chg="del">
+          <ac:chgData name="Ken Hill" userId="7eb67d12b2902226" providerId="LiveId" clId="{832C7E6A-C4C5-47E8-8107-350B661CE4E2}" dt="2018-02-27T13:00:43.209" v="4116" actId="478"/>
+          <ac:spMkLst>
+            <pc:docMk/>
+            <pc:sldMk cId="682340386" sldId="271"/>
+            <ac:spMk id="3" creationId="{D7569734-1897-4C2C-BD84-C43F7DD1D3F0}"/>
+          </ac:spMkLst>
+        </pc:spChg>
+        <pc:spChg chg="add mod">
+          <ac:chgData name="Ken Hill" userId="7eb67d12b2902226" providerId="LiveId" clId="{832C7E6A-C4C5-47E8-8107-350B661CE4E2}" dt="2018-02-27T13:40:28.644" v="6006" actId="20577"/>
+          <ac:spMkLst>
+            <pc:docMk/>
+            <pc:sldMk cId="682340386" sldId="271"/>
+            <ac:spMk id="5" creationId="{E214C638-E226-4B1E-ADCB-43E2C301E334}"/>
+          </ac:spMkLst>
+        </pc:spChg>
+      </pc:sldChg>
+      <pc:sldChg chg="addSp delSp modSp add">
+        <pc:chgData name="Ken Hill" userId="7eb67d12b2902226" providerId="LiveId" clId="{832C7E6A-C4C5-47E8-8107-350B661CE4E2}" dt="2018-02-27T13:12:29.325" v="5210" actId="255"/>
+        <pc:sldMkLst>
+          <pc:docMk/>
+          <pc:sldMk cId="3182931456" sldId="272"/>
+        </pc:sldMkLst>
+        <pc:spChg chg="mod">
+          <ac:chgData name="Ken Hill" userId="7eb67d12b2902226" providerId="LiveId" clId="{832C7E6A-C4C5-47E8-8107-350B661CE4E2}" dt="2018-02-27T13:08:56.928" v="4794" actId="14100"/>
+          <ac:spMkLst>
+            <pc:docMk/>
+            <pc:sldMk cId="3182931456" sldId="272"/>
+            <ac:spMk id="2" creationId="{C84D5C97-F32D-40FA-9158-36D14E0DABDA}"/>
+          </ac:spMkLst>
+        </pc:spChg>
+        <pc:spChg chg="del">
+          <ac:chgData name="Ken Hill" userId="7eb67d12b2902226" providerId="LiveId" clId="{832C7E6A-C4C5-47E8-8107-350B661CE4E2}" dt="2018-02-27T13:09:00.670" v="4795" actId="478"/>
+          <ac:spMkLst>
+            <pc:docMk/>
+            <pc:sldMk cId="3182931456" sldId="272"/>
+            <ac:spMk id="3" creationId="{743E1800-85DF-400E-AEE9-807A477774DE}"/>
+          </ac:spMkLst>
+        </pc:spChg>
+        <pc:spChg chg="add mod">
+          <ac:chgData name="Ken Hill" userId="7eb67d12b2902226" providerId="LiveId" clId="{832C7E6A-C4C5-47E8-8107-350B661CE4E2}" dt="2018-02-27T13:12:29.325" v="5210" actId="255"/>
+          <ac:spMkLst>
+            <pc:docMk/>
+            <pc:sldMk cId="3182931456" sldId="272"/>
+            <ac:spMk id="5" creationId="{A6716BE9-F64E-4E25-9ABB-DE512C45DC13}"/>
+          </ac:spMkLst>
+        </pc:spChg>
+      </pc:sldChg>
+      <pc:sldChg chg="addSp delSp modSp add">
+        <pc:chgData name="Ken Hill" userId="7eb67d12b2902226" providerId="LiveId" clId="{832C7E6A-C4C5-47E8-8107-350B661CE4E2}" dt="2018-02-27T13:25:49.083" v="5757" actId="1076"/>
+        <pc:sldMkLst>
+          <pc:docMk/>
+          <pc:sldMk cId="1385881067" sldId="273"/>
+        </pc:sldMkLst>
+        <pc:spChg chg="mod">
+          <ac:chgData name="Ken Hill" userId="7eb67d12b2902226" providerId="LiveId" clId="{832C7E6A-C4C5-47E8-8107-350B661CE4E2}" dt="2018-02-27T13:15:41.094" v="5239" actId="14100"/>
+          <ac:spMkLst>
+            <pc:docMk/>
+            <pc:sldMk cId="1385881067" sldId="273"/>
+            <ac:spMk id="2" creationId="{698DCFB2-A5EF-4C09-8A62-51C867F4D9E7}"/>
+          </ac:spMkLst>
+        </pc:spChg>
+        <pc:spChg chg="del mod">
+          <ac:chgData name="Ken Hill" userId="7eb67d12b2902226" providerId="LiveId" clId="{832C7E6A-C4C5-47E8-8107-350B661CE4E2}" dt="2018-02-27T13:16:40.098" v="5253" actId="478"/>
+          <ac:spMkLst>
+            <pc:docMk/>
+            <pc:sldMk cId="1385881067" sldId="273"/>
+            <ac:spMk id="3" creationId="{35E16F50-4453-43DE-87DD-D9D761E41AEC}"/>
+          </ac:spMkLst>
+        </pc:spChg>
+        <pc:spChg chg="add del mod">
+          <ac:chgData name="Ken Hill" userId="7eb67d12b2902226" providerId="LiveId" clId="{832C7E6A-C4C5-47E8-8107-350B661CE4E2}" dt="2018-02-27T13:25:26.372" v="5756" actId="20577"/>
+          <ac:spMkLst>
+            <pc:docMk/>
+            <pc:sldMk cId="1385881067" sldId="273"/>
+            <ac:spMk id="5" creationId="{C7F4E7CE-E3FF-4F15-92F4-C5BDD523ACCD}"/>
+          </ac:spMkLst>
+        </pc:spChg>
+        <pc:picChg chg="add mod">
+          <ac:chgData name="Ken Hill" userId="7eb67d12b2902226" providerId="LiveId" clId="{832C7E6A-C4C5-47E8-8107-350B661CE4E2}" dt="2018-02-27T13:25:49.083" v="5757" actId="1076"/>
+          <ac:picMkLst>
+            <pc:docMk/>
+            <pc:sldMk cId="1385881067" sldId="273"/>
+            <ac:picMk id="1026" creationId="{1F363A0D-95B0-4953-ABD6-A755570649A6}"/>
+          </ac:picMkLst>
+        </pc:picChg>
+      </pc:sldChg>
+      <pc:sldChg chg="addSp delSp modSp add">
+        <pc:chgData name="Ken Hill" userId="7eb67d12b2902226" providerId="LiveId" clId="{832C7E6A-C4C5-47E8-8107-350B661CE4E2}" dt="2018-02-27T13:28:41.852" v="5804" actId="1076"/>
+        <pc:sldMkLst>
+          <pc:docMk/>
+          <pc:sldMk cId="1475535424" sldId="274"/>
+        </pc:sldMkLst>
+        <pc:spChg chg="mod">
+          <ac:chgData name="Ken Hill" userId="7eb67d12b2902226" providerId="LiveId" clId="{832C7E6A-C4C5-47E8-8107-350B661CE4E2}" dt="2018-02-27T13:26:17.182" v="5799" actId="122"/>
+          <ac:spMkLst>
+            <pc:docMk/>
+            <pc:sldMk cId="1475535424" sldId="274"/>
+            <ac:spMk id="2" creationId="{9C6A87FE-C15E-48A8-8692-EA3224246F03}"/>
+          </ac:spMkLst>
+        </pc:spChg>
+        <pc:spChg chg="del">
+          <ac:chgData name="Ken Hill" userId="7eb67d12b2902226" providerId="LiveId" clId="{832C7E6A-C4C5-47E8-8107-350B661CE4E2}" dt="2018-02-27T13:28:32.611" v="5800" actId="478"/>
+          <ac:spMkLst>
+            <pc:docMk/>
+            <pc:sldMk cId="1475535424" sldId="274"/>
+            <ac:spMk id="3" creationId="{F81A136E-5F11-4DFD-8AB7-7C765D7F256D}"/>
+          </ac:spMkLst>
+        </pc:spChg>
+        <pc:picChg chg="add mod">
+          <ac:chgData name="Ken Hill" userId="7eb67d12b2902226" providerId="LiveId" clId="{832C7E6A-C4C5-47E8-8107-350B661CE4E2}" dt="2018-02-27T13:28:41.852" v="5804" actId="1076"/>
+          <ac:picMkLst>
+            <pc:docMk/>
+            <pc:sldMk cId="1475535424" sldId="274"/>
+            <ac:picMk id="2050" creationId="{92B9D1E8-2C1F-4EC9-BEC8-C69353370828}"/>
+          </ac:picMkLst>
+        </pc:picChg>
+      </pc:sldChg>
+      <pc:sldChg chg="addSp delSp modSp add">
+        <pc:chgData name="Ken Hill" userId="7eb67d12b2902226" providerId="LiveId" clId="{832C7E6A-C4C5-47E8-8107-350B661CE4E2}" dt="2018-02-27T13:33:23.776" v="5904" actId="1076"/>
+        <pc:sldMkLst>
+          <pc:docMk/>
+          <pc:sldMk cId="1831823395" sldId="275"/>
+        </pc:sldMkLst>
+        <pc:spChg chg="del">
+          <ac:chgData name="Ken Hill" userId="7eb67d12b2902226" providerId="LiveId" clId="{832C7E6A-C4C5-47E8-8107-350B661CE4E2}" dt="2018-02-27T13:28:58.787" v="5806" actId="478"/>
+          <ac:spMkLst>
+            <pc:docMk/>
+            <pc:sldMk cId="1831823395" sldId="275"/>
+            <ac:spMk id="2" creationId="{06B53E0E-014F-40E7-BC1F-4A942BDA43D4}"/>
+          </ac:spMkLst>
+        </pc:spChg>
+        <pc:spChg chg="del">
+          <ac:chgData name="Ken Hill" userId="7eb67d12b2902226" providerId="LiveId" clId="{832C7E6A-C4C5-47E8-8107-350B661CE4E2}" dt="2018-02-27T13:29:01.586" v="5807" actId="478"/>
+          <ac:spMkLst>
+            <pc:docMk/>
+            <pc:sldMk cId="1831823395" sldId="275"/>
+            <ac:spMk id="3" creationId="{6C66096A-0FD4-41CF-9B8B-A29193FE12DF}"/>
+          </ac:spMkLst>
+        </pc:spChg>
+        <pc:spChg chg="add mod">
+          <ac:chgData name="Ken Hill" userId="7eb67d12b2902226" providerId="LiveId" clId="{832C7E6A-C4C5-47E8-8107-350B661CE4E2}" dt="2018-02-27T13:33:23.776" v="5904" actId="1076"/>
+          <ac:spMkLst>
+            <pc:docMk/>
+            <pc:sldMk cId="1831823395" sldId="275"/>
+            <ac:spMk id="5" creationId="{EB43C8A6-5EC6-4E7A-95EE-B589A81CBAC0}"/>
+          </ac:spMkLst>
+        </pc:spChg>
+      </pc:sldChg>
+      <pc:sldChg chg="addSp delSp modSp add">
+        <pc:chgData name="Ken Hill" userId="7eb67d12b2902226" providerId="LiveId" clId="{832C7E6A-C4C5-47E8-8107-350B661CE4E2}" dt="2018-02-27T13:32:24.015" v="5869" actId="1076"/>
+        <pc:sldMkLst>
+          <pc:docMk/>
+          <pc:sldMk cId="3259424508" sldId="276"/>
+        </pc:sldMkLst>
+        <pc:spChg chg="mod">
+          <ac:chgData name="Ken Hill" userId="7eb67d12b2902226" providerId="LiveId" clId="{832C7E6A-C4C5-47E8-8107-350B661CE4E2}" dt="2018-02-27T13:32:12.950" v="5864" actId="20577"/>
+          <ac:spMkLst>
+            <pc:docMk/>
+            <pc:sldMk cId="3259424508" sldId="276"/>
+            <ac:spMk id="2" creationId="{45D0B4C0-4FB8-4824-9A30-5FE911A7CC0C}"/>
+          </ac:spMkLst>
+        </pc:spChg>
+        <pc:spChg chg="del">
+          <ac:chgData name="Ken Hill" userId="7eb67d12b2902226" providerId="LiveId" clId="{832C7E6A-C4C5-47E8-8107-350B661CE4E2}" dt="2018-02-27T13:31:59.041" v="5830" actId="478"/>
+          <ac:spMkLst>
+            <pc:docMk/>
+            <pc:sldMk cId="3259424508" sldId="276"/>
+            <ac:spMk id="3" creationId="{DADDB2BB-6388-4DBE-8254-31E49C57543A}"/>
+          </ac:spMkLst>
+        </pc:spChg>
+        <pc:picChg chg="add mod">
+          <ac:chgData name="Ken Hill" userId="7eb67d12b2902226" providerId="LiveId" clId="{832C7E6A-C4C5-47E8-8107-350B661CE4E2}" dt="2018-02-27T13:32:24.015" v="5869" actId="1076"/>
+          <ac:picMkLst>
+            <pc:docMk/>
+            <pc:sldMk cId="3259424508" sldId="276"/>
+            <ac:picMk id="3074" creationId="{7371E1F0-E29A-481A-875D-0190E8C348E7}"/>
+          </ac:picMkLst>
+        </pc:picChg>
+      </pc:sldChg>
+      <pc:sldChg chg="modSp add">
+        <pc:chgData name="Ken Hill" userId="7eb67d12b2902226" providerId="LiveId" clId="{832C7E6A-C4C5-47E8-8107-350B661CE4E2}" dt="2018-02-27T13:46:28.372" v="6306" actId="5793"/>
+        <pc:sldMkLst>
+          <pc:docMk/>
+          <pc:sldMk cId="3933789139" sldId="277"/>
+        </pc:sldMkLst>
+        <pc:spChg chg="mod">
+          <ac:chgData name="Ken Hill" userId="7eb67d12b2902226" providerId="LiveId" clId="{832C7E6A-C4C5-47E8-8107-350B661CE4E2}" dt="2018-02-27T13:42:53.415" v="6132" actId="20577"/>
+          <ac:spMkLst>
+            <pc:docMk/>
+            <pc:sldMk cId="3933789139" sldId="277"/>
+            <ac:spMk id="2" creationId="{91712D14-C1E2-43E2-B619-A274F85F6BDF}"/>
+          </ac:spMkLst>
+        </pc:spChg>
+        <pc:spChg chg="mod">
+          <ac:chgData name="Ken Hill" userId="7eb67d12b2902226" providerId="LiveId" clId="{832C7E6A-C4C5-47E8-8107-350B661CE4E2}" dt="2018-02-27T13:46:28.372" v="6306" actId="5793"/>
+          <ac:spMkLst>
+            <pc:docMk/>
+            <pc:sldMk cId="3933789139" sldId="277"/>
+            <ac:spMk id="3" creationId="{7344FB00-FA52-4392-89D8-8C3EFECFFE8B}"/>
+          </ac:spMkLst>
+        </pc:spChg>
+      </pc:sldChg>
+    </pc:docChg>
+  </pc:docChgLst>
 </pc:chgInfo>
 </file>
 
@@ -415,7 +926,7 @@
           <a:p>
             <a:fld id="{7466FB45-3824-4364-BE7C-4718DE240533}" type="datetimeFigureOut">
               <a:rPr lang="en-US" smtClean="0"/>
-              <a:t>2/1/2018</a:t>
+              <a:t>2/26/2018</a:t>
             </a:fld>
             <a:endParaRPr lang="en-US"/>
           </a:p>
@@ -868,7 +1379,7 @@
           <a:p>
             <a:fld id="{DABB9DF7-C886-44C2-ACAD-72087B5D6ADB}" type="datetime1">
               <a:rPr lang="en-US" smtClean="0"/>
-              <a:t>2/1/2018</a:t>
+              <a:t>2/26/2018</a:t>
             </a:fld>
             <a:endParaRPr lang="en-US"/>
           </a:p>
@@ -1143,7 +1654,7 @@
           <a:p>
             <a:fld id="{A67F4DD1-3C8A-4830-8581-EE46F32B5C0B}" type="datetime1">
               <a:rPr lang="en-US" smtClean="0"/>
-              <a:t>2/1/2018</a:t>
+              <a:t>2/26/2018</a:t>
             </a:fld>
             <a:endParaRPr lang="en-US"/>
           </a:p>
@@ -1337,7 +1848,7 @@
           <a:p>
             <a:fld id="{14A383D3-1C2D-4C9D-BE6E-A2A0C4A9A561}" type="datetime1">
               <a:rPr lang="en-US" smtClean="0"/>
-              <a:t>2/1/2018</a:t>
+              <a:t>2/26/2018</a:t>
             </a:fld>
             <a:endParaRPr lang="en-US"/>
           </a:p>
@@ -1610,7 +2121,7 @@
           <a:p>
             <a:fld id="{F4954E6E-34BD-436E-BB05-1214C7D14B8E}" type="datetime1">
               <a:rPr lang="en-US" smtClean="0"/>
-              <a:t>2/1/2018</a:t>
+              <a:t>2/26/2018</a:t>
             </a:fld>
             <a:endParaRPr lang="en-US"/>
           </a:p>
@@ -1951,7 +2462,7 @@
           <a:p>
             <a:fld id="{214D6ABA-E6B2-46DC-A2FB-8B1C3B1D322D}" type="datetime1">
               <a:rPr lang="en-US" smtClean="0"/>
-              <a:t>2/1/2018</a:t>
+              <a:t>2/26/2018</a:t>
             </a:fld>
             <a:endParaRPr lang="en-US"/>
           </a:p>
@@ -2574,7 +3085,7 @@
           <a:p>
             <a:fld id="{D6B85D53-14EF-48AA-A1E5-7E3A506A2967}" type="datetime1">
               <a:rPr lang="en-US" smtClean="0"/>
-              <a:t>2/1/2018</a:t>
+              <a:t>2/26/2018</a:t>
             </a:fld>
             <a:endParaRPr lang="en-US"/>
           </a:p>
@@ -3434,7 +3945,7 @@
           <a:p>
             <a:fld id="{3A9CF7C8-B616-4757-8097-0734F4608CAE}" type="datetime1">
               <a:rPr lang="en-US" smtClean="0"/>
-              <a:t>2/1/2018</a:t>
+              <a:t>2/26/2018</a:t>
             </a:fld>
             <a:endParaRPr lang="en-US"/>
           </a:p>
@@ -3604,7 +4115,7 @@
           <a:p>
             <a:fld id="{BAD1A083-91E7-4136-AAC3-1D9FA545CB9D}" type="datetime1">
               <a:rPr lang="en-US" smtClean="0"/>
-              <a:t>2/1/2018</a:t>
+              <a:t>2/26/2018</a:t>
             </a:fld>
             <a:endParaRPr lang="en-US"/>
           </a:p>
@@ -3784,7 +4295,7 @@
           <a:p>
             <a:fld id="{874FB96F-EAE8-43DB-A7BC-8C585FA8689C}" type="datetime1">
               <a:rPr lang="en-US" smtClean="0"/>
-              <a:t>2/1/2018</a:t>
+              <a:t>2/26/2018</a:t>
             </a:fld>
             <a:endParaRPr lang="en-US"/>
           </a:p>
@@ -3954,7 +4465,7 @@
           <a:p>
             <a:fld id="{953F782B-D5A8-4024-B0D2-ADCE52429CD9}" type="datetime1">
               <a:rPr lang="en-US" smtClean="0"/>
-              <a:t>2/1/2018</a:t>
+              <a:t>2/26/2018</a:t>
             </a:fld>
             <a:endParaRPr lang="en-US"/>
           </a:p>
@@ -4201,7 +4712,7 @@
           <a:p>
             <a:fld id="{A38B33AD-3043-4FBF-A3AC-539B3922BE94}" type="datetime1">
               <a:rPr lang="en-US" smtClean="0"/>
-              <a:t>2/1/2018</a:t>
+              <a:t>2/26/2018</a:t>
             </a:fld>
             <a:endParaRPr lang="en-US"/>
           </a:p>
@@ -4493,7 +5004,7 @@
           <a:p>
             <a:fld id="{F06A09F4-A76D-45AF-B2D2-31E71E2A9D56}" type="datetime1">
               <a:rPr lang="en-US" smtClean="0"/>
-              <a:t>2/1/2018</a:t>
+              <a:t>2/26/2018</a:t>
             </a:fld>
             <a:endParaRPr lang="en-US"/>
           </a:p>
@@ -4937,7 +5448,7 @@
           <a:p>
             <a:fld id="{D5A13284-97ED-4650-B554-AC64CB4BBA5F}" type="datetime1">
               <a:rPr lang="en-US" smtClean="0"/>
-              <a:t>2/1/2018</a:t>
+              <a:t>2/26/2018</a:t>
             </a:fld>
             <a:endParaRPr lang="en-US"/>
           </a:p>
@@ -5055,7 +5566,7 @@
           <a:p>
             <a:fld id="{F0154598-5B52-4E7B-B381-A8AC47ADB07F}" type="datetime1">
               <a:rPr lang="en-US" smtClean="0"/>
-              <a:t>2/1/2018</a:t>
+              <a:t>2/26/2018</a:t>
             </a:fld>
             <a:endParaRPr lang="en-US"/>
           </a:p>
@@ -5150,7 +5661,7 @@
           <a:p>
             <a:fld id="{D8D881F5-0990-447C-9FB2-691E1DF4D89E}" type="datetime1">
               <a:rPr lang="en-US" smtClean="0"/>
-              <a:t>2/1/2018</a:t>
+              <a:t>2/26/2018</a:t>
             </a:fld>
             <a:endParaRPr lang="en-US"/>
           </a:p>
@@ -5429,7 +5940,7 @@
           <a:p>
             <a:fld id="{4B7A373B-7555-4378-982C-37BA33AA2243}" type="datetime1">
               <a:rPr lang="en-US" smtClean="0"/>
-              <a:t>2/1/2018</a:t>
+              <a:t>2/26/2018</a:t>
             </a:fld>
             <a:endParaRPr lang="en-US"/>
           </a:p>
@@ -5704,7 +6215,7 @@
           <a:p>
             <a:fld id="{17741447-A996-4DEB-A692-DB304B5AB9F8}" type="datetime1">
               <a:rPr lang="en-US" smtClean="0"/>
-              <a:t>2/1/2018</a:t>
+              <a:t>2/26/2018</a:t>
             </a:fld>
             <a:endParaRPr lang="en-US"/>
           </a:p>
@@ -6133,7 +6644,7 @@
           <a:p>
             <a:fld id="{802FB124-909D-4EC5-AE6A-2190DF69954A}" type="datetime1">
               <a:rPr lang="en-US" smtClean="0"/>
-              <a:t>2/1/2018</a:t>
+              <a:t>2/26/2018</a:t>
             </a:fld>
             <a:endParaRPr lang="en-US"/>
           </a:p>
@@ -6767,7 +7278,7 @@
           <p:cNvPr id="2" name="Title 1">
             <a:extLst>
               <a:ext uri="{FF2B5EF4-FFF2-40B4-BE49-F238E27FC236}">
-                <a16:creationId xmlns:a16="http://schemas.microsoft.com/office/drawing/2014/main" id="{59BAE30E-542C-4C72-8518-A24CDB90D61B}"/>
+                <a16:creationId xmlns:a16="http://schemas.microsoft.com/office/drawing/2014/main" id="{BEFA3574-0A1C-40DF-87E8-366E9E5ED24A}"/>
               </a:ext>
             </a:extLst>
           </p:cNvPr>
@@ -6785,52 +7296,8 @@
           <a:p>
             <a:r>
               <a:rPr lang="en-US" dirty="0"/>
-              <a:t>IOC in C#</a:t>
-            </a:r>
-            <a:br>
-              <a:rPr lang="en-US" dirty="0"/>
-            </a:br>
-            <a:r>
-              <a:rPr lang="en-US" dirty="0"/>
-              <a:t>	(.NET Framework - </a:t>
-            </a:r>
-            <a:r>
-              <a:rPr lang="en-US" dirty="0" err="1"/>
-              <a:t>Ninject</a:t>
-            </a:r>
-            <a:r>
-              <a:rPr lang="en-US" dirty="0"/>
-              <a:t>)</a:t>
-            </a:r>
-            <a:br>
-              <a:rPr lang="en-US" dirty="0"/>
-            </a:br>
-            <a:endParaRPr lang="en-US" dirty="0"/>
-          </a:p>
-        </p:txBody>
-      </p:sp>
-      <p:sp>
-        <p:nvSpPr>
-          <p:cNvPr id="3" name="Content Placeholder 2">
-            <a:extLst>
-              <a:ext uri="{FF2B5EF4-FFF2-40B4-BE49-F238E27FC236}">
-                <a16:creationId xmlns:a16="http://schemas.microsoft.com/office/drawing/2014/main" id="{0515283B-D8D3-4EB3-BE99-17835BB57068}"/>
-              </a:ext>
-            </a:extLst>
-          </p:cNvPr>
-          <p:cNvSpPr>
-            <a:spLocks noGrp="1"/>
-          </p:cNvSpPr>
-          <p:nvPr>
-            <p:ph idx="1"/>
-          </p:nvPr>
-        </p:nvSpPr>
-        <p:spPr/>
-        <p:txBody>
-          <a:bodyPr/>
-          <a:lstStyle/>
-          <a:p>
-            <a:endParaRPr lang="en-US"/>
+              <a:t>DI in C#</a:t>
+            </a:r>
           </a:p>
         </p:txBody>
       </p:sp>
@@ -6839,7 +7306,7 @@
           <p:cNvPr id="4" name="Slide Number Placeholder 3">
             <a:extLst>
               <a:ext uri="{FF2B5EF4-FFF2-40B4-BE49-F238E27FC236}">
-                <a16:creationId xmlns:a16="http://schemas.microsoft.com/office/drawing/2014/main" id="{A05CB4BC-BC6C-4D7C-A4E4-2F4B67CB3117}"/>
+                <a16:creationId xmlns:a16="http://schemas.microsoft.com/office/drawing/2014/main" id="{63DB85E8-618C-477F-BCB3-FA603799F1E5}"/>
               </a:ext>
             </a:extLst>
           </p:cNvPr>
@@ -6863,10 +7330,196 @@
           </a:p>
         </p:txBody>
       </p:sp>
+      <p:sp>
+        <p:nvSpPr>
+          <p:cNvPr id="5" name="TextBox 4">
+            <a:extLst>
+              <a:ext uri="{FF2B5EF4-FFF2-40B4-BE49-F238E27FC236}">
+                <a16:creationId xmlns:a16="http://schemas.microsoft.com/office/drawing/2014/main" id="{36E8B4C5-335A-4DCE-A34C-31519D3C08D6}"/>
+              </a:ext>
+            </a:extLst>
+          </p:cNvPr>
+          <p:cNvSpPr txBox="1"/>
+          <p:nvPr/>
+        </p:nvSpPr>
+        <p:spPr>
+          <a:xfrm>
+            <a:off x="832513" y="1473958"/>
+            <a:ext cx="10972800" cy="5078313"/>
+          </a:xfrm>
+          <a:prstGeom prst="rect">
+            <a:avLst/>
+          </a:prstGeom>
+          <a:noFill/>
+        </p:spPr>
+        <p:txBody>
+          <a:bodyPr wrap="square" rtlCol="0">
+            <a:spAutoFit/>
+          </a:bodyPr>
+          <a:lstStyle/>
+          <a:p>
+            <a:r>
+              <a:rPr lang="en-US" dirty="0"/>
+              <a:t>public class </a:t>
+            </a:r>
+            <a:r>
+              <a:rPr lang="en-US" dirty="0" err="1"/>
+              <a:t>DependentObject</a:t>
+            </a:r>
+            <a:endParaRPr lang="en-US" dirty="0"/>
+          </a:p>
+          <a:p>
+            <a:r>
+              <a:rPr lang="en-US" dirty="0"/>
+              <a:t>{</a:t>
+            </a:r>
+          </a:p>
+          <a:p>
+            <a:r>
+              <a:rPr lang="en-US" dirty="0"/>
+              <a:t>	public </a:t>
+            </a:r>
+            <a:r>
+              <a:rPr lang="en-US" dirty="0" err="1"/>
+              <a:t>DependentObject</a:t>
+            </a:r>
+            <a:r>
+              <a:rPr lang="en-US" dirty="0"/>
+              <a:t>(</a:t>
+            </a:r>
+            <a:r>
+              <a:rPr lang="en-US" dirty="0" err="1"/>
+              <a:t>DependencyObject</a:t>
+            </a:r>
+            <a:r>
+              <a:rPr lang="en-US" dirty="0"/>
+              <a:t> Dependency)</a:t>
+            </a:r>
+          </a:p>
+          <a:p>
+            <a:r>
+              <a:rPr lang="en-US" dirty="0"/>
+              <a:t>	{</a:t>
+            </a:r>
+          </a:p>
+          <a:p>
+            <a:r>
+              <a:rPr lang="en-US" dirty="0"/>
+              <a:t>	… do magic </a:t>
+            </a:r>
+          </a:p>
+          <a:p>
+            <a:r>
+              <a:rPr lang="en-US" dirty="0"/>
+              <a:t>	}</a:t>
+            </a:r>
+          </a:p>
+          <a:p>
+            <a:endParaRPr lang="en-US" dirty="0"/>
+          </a:p>
+          <a:p>
+            <a:r>
+              <a:rPr lang="en-US" dirty="0"/>
+              <a:t>	… do more magic</a:t>
+            </a:r>
+          </a:p>
+          <a:p>
+            <a:r>
+              <a:rPr lang="en-US" dirty="0"/>
+              <a:t>}</a:t>
+            </a:r>
+          </a:p>
+          <a:p>
+            <a:endParaRPr lang="en-US" dirty="0"/>
+          </a:p>
+          <a:p>
+            <a:r>
+              <a:rPr lang="en-US" dirty="0"/>
+              <a:t>Public class </a:t>
+            </a:r>
+            <a:r>
+              <a:rPr lang="en-US" dirty="0" err="1"/>
+              <a:t>DependencyObject</a:t>
+            </a:r>
+            <a:endParaRPr lang="en-US" dirty="0"/>
+          </a:p>
+          <a:p>
+            <a:r>
+              <a:rPr lang="en-US" dirty="0"/>
+              <a:t>{</a:t>
+            </a:r>
+          </a:p>
+          <a:p>
+            <a:r>
+              <a:rPr lang="en-US" dirty="0"/>
+              <a:t>	… do magic with properties, methods, </a:t>
+            </a:r>
+            <a:r>
+              <a:rPr lang="en-US" dirty="0" err="1"/>
+              <a:t>etc</a:t>
+            </a:r>
+            <a:r>
+              <a:rPr lang="en-US" dirty="0"/>
+              <a:t> that do work that the dependent object needs</a:t>
+            </a:r>
+          </a:p>
+          <a:p>
+            <a:r>
+              <a:rPr lang="en-US" dirty="0"/>
+              <a:t>	…(i.e. configuration parameters, connection strings, initialization data, etc.)</a:t>
+            </a:r>
+          </a:p>
+          <a:p>
+            <a:r>
+              <a:rPr lang="en-US" dirty="0"/>
+              <a:t>}</a:t>
+            </a:r>
+          </a:p>
+          <a:p>
+            <a:endParaRPr lang="en-US" dirty="0"/>
+          </a:p>
+          <a:p>
+            <a:r>
+              <a:rPr lang="en-US" dirty="0" err="1"/>
+              <a:t>DependencyObject</a:t>
+            </a:r>
+            <a:r>
+              <a:rPr lang="en-US" dirty="0"/>
+              <a:t> dependency=new </a:t>
+            </a:r>
+            <a:r>
+              <a:rPr lang="en-US" dirty="0" err="1"/>
+              <a:t>DependencyObject</a:t>
+            </a:r>
+            <a:r>
+              <a:rPr lang="en-US" dirty="0"/>
+              <a:t>()</a:t>
+            </a:r>
+          </a:p>
+          <a:p>
+            <a:r>
+              <a:rPr lang="en-US" dirty="0" err="1"/>
+              <a:t>DependentObject</a:t>
+            </a:r>
+            <a:r>
+              <a:rPr lang="en-US" dirty="0"/>
+              <a:t> dependent=new </a:t>
+            </a:r>
+            <a:r>
+              <a:rPr lang="en-US" dirty="0" err="1"/>
+              <a:t>DependentObject</a:t>
+            </a:r>
+            <a:r>
+              <a:rPr lang="en-US" dirty="0"/>
+              <a:t>(dependency)</a:t>
+            </a:r>
+          </a:p>
+        </p:txBody>
+      </p:sp>
     </p:spTree>
     <p:extLst>
       <p:ext uri="{BB962C8B-B14F-4D97-AF65-F5344CB8AC3E}">
-        <p14:creationId xmlns:p14="http://schemas.microsoft.com/office/powerpoint/2010/main" val="4134464957"/>
+        <p14:creationId xmlns:p14="http://schemas.microsoft.com/office/powerpoint/2010/main" val="3380224213"/>
       </p:ext>
     </p:extLst>
   </p:cSld>
@@ -6898,7 +7551,7 @@
           <p:cNvPr id="2" name="Title 1">
             <a:extLst>
               <a:ext uri="{FF2B5EF4-FFF2-40B4-BE49-F238E27FC236}">
-                <a16:creationId xmlns:a16="http://schemas.microsoft.com/office/drawing/2014/main" id="{59BAE30E-542C-4C72-8518-A24CDB90D61B}"/>
+                <a16:creationId xmlns:a16="http://schemas.microsoft.com/office/drawing/2014/main" id="{C5F6FC87-4F17-4153-AE34-427BF237906E}"/>
               </a:ext>
             </a:extLst>
           </p:cNvPr>
@@ -6916,23 +7569,15 @@
           <a:p>
             <a:r>
               <a:rPr lang="en-US" dirty="0"/>
-              <a:t>IOC in C#</a:t>
+              <a:t>What is IOC?</a:t>
             </a:r>
             <a:br>
               <a:rPr lang="en-US" dirty="0"/>
             </a:br>
             <a:r>
               <a:rPr lang="en-US" dirty="0"/>
-              <a:t>	(.NET </a:t>
-            </a:r>
-            <a:r>
-              <a:rPr lang="en-US"/>
-              <a:t>CORE 2.0 - Unity)</a:t>
-            </a:r>
-            <a:br>
-              <a:rPr lang="en-US" dirty="0"/>
-            </a:br>
-            <a:endParaRPr lang="en-US" dirty="0"/>
+              <a:t>	(Inversion of Control)</a:t>
+            </a:r>
           </a:p>
         </p:txBody>
       </p:sp>
@@ -6941,7 +7586,7 @@
           <p:cNvPr id="3" name="Content Placeholder 2">
             <a:extLst>
               <a:ext uri="{FF2B5EF4-FFF2-40B4-BE49-F238E27FC236}">
-                <a16:creationId xmlns:a16="http://schemas.microsoft.com/office/drawing/2014/main" id="{0515283B-D8D3-4EB3-BE99-17835BB57068}"/>
+                <a16:creationId xmlns:a16="http://schemas.microsoft.com/office/drawing/2014/main" id="{6E7F8D11-975E-46B8-8AB4-EC9E36A624AD}"/>
               </a:ext>
             </a:extLst>
           </p:cNvPr>
@@ -6957,7 +7602,16 @@
           <a:bodyPr/>
           <a:lstStyle/>
           <a:p>
-            <a:endParaRPr lang="en-US"/>
+            <a:r>
+              <a:rPr lang="en-US" dirty="0"/>
+              <a:t>A method of software engineering where object coupling bound at runtime as opposed to compile time.</a:t>
+            </a:r>
+          </a:p>
+          <a:p>
+            <a:endParaRPr lang="en-US" dirty="0"/>
+          </a:p>
+          <a:p>
+            <a:endParaRPr lang="en-US" dirty="0"/>
           </a:p>
         </p:txBody>
       </p:sp>
@@ -6966,7 +7620,7 @@
           <p:cNvPr id="4" name="Slide Number Placeholder 3">
             <a:extLst>
               <a:ext uri="{FF2B5EF4-FFF2-40B4-BE49-F238E27FC236}">
-                <a16:creationId xmlns:a16="http://schemas.microsoft.com/office/drawing/2014/main" id="{A05CB4BC-BC6C-4D7C-A4E4-2F4B67CB3117}"/>
+                <a16:creationId xmlns:a16="http://schemas.microsoft.com/office/drawing/2014/main" id="{5425486E-D18B-4D78-9D28-2E8A9FA88A0F}"/>
               </a:ext>
             </a:extLst>
           </p:cNvPr>
@@ -6990,10 +7644,370 @@
           </a:p>
         </p:txBody>
       </p:sp>
+      <p:sp>
+        <p:nvSpPr>
+          <p:cNvPr id="5" name="Rectangle 4">
+            <a:extLst>
+              <a:ext uri="{FF2B5EF4-FFF2-40B4-BE49-F238E27FC236}">
+                <a16:creationId xmlns:a16="http://schemas.microsoft.com/office/drawing/2014/main" id="{6C2BA4F4-FED3-4F10-BBD9-DC508C83013B}"/>
+              </a:ext>
+            </a:extLst>
+          </p:cNvPr>
+          <p:cNvSpPr/>
+          <p:nvPr/>
+        </p:nvSpPr>
+        <p:spPr>
+          <a:xfrm>
+            <a:off x="1741714" y="4016829"/>
+            <a:ext cx="2002971" cy="925286"/>
+          </a:xfrm>
+          <a:prstGeom prst="rect">
+            <a:avLst/>
+          </a:prstGeom>
+        </p:spPr>
+        <p:style>
+          <a:lnRef idx="2">
+            <a:schemeClr val="accent1">
+              <a:shade val="50000"/>
+            </a:schemeClr>
+          </a:lnRef>
+          <a:fillRef idx="1">
+            <a:schemeClr val="accent1"/>
+          </a:fillRef>
+          <a:effectRef idx="0">
+            <a:schemeClr val="accent1"/>
+          </a:effectRef>
+          <a:fontRef idx="minor">
+            <a:schemeClr val="lt1"/>
+          </a:fontRef>
+        </p:style>
+        <p:txBody>
+          <a:bodyPr rtlCol="0" anchor="ctr"/>
+          <a:lstStyle/>
+          <a:p>
+            <a:pPr algn="ctr"/>
+            <a:r>
+              <a:rPr lang="en-US" dirty="0"/>
+              <a:t>Interface</a:t>
+            </a:r>
+          </a:p>
+          <a:p>
+            <a:pPr algn="ctr"/>
+            <a:r>
+              <a:rPr lang="en-US" dirty="0"/>
+              <a:t>Or</a:t>
+            </a:r>
+          </a:p>
+          <a:p>
+            <a:pPr algn="ctr"/>
+            <a:r>
+              <a:rPr lang="en-US" dirty="0"/>
+              <a:t>Abstract Class</a:t>
+            </a:r>
+          </a:p>
+        </p:txBody>
+      </p:sp>
+      <p:sp>
+        <p:nvSpPr>
+          <p:cNvPr id="6" name="Rectangle 5">
+            <a:extLst>
+              <a:ext uri="{FF2B5EF4-FFF2-40B4-BE49-F238E27FC236}">
+                <a16:creationId xmlns:a16="http://schemas.microsoft.com/office/drawing/2014/main" id="{02507367-82D5-43CB-9E6E-D9614DDF1ABD}"/>
+              </a:ext>
+            </a:extLst>
+          </p:cNvPr>
+          <p:cNvSpPr/>
+          <p:nvPr/>
+        </p:nvSpPr>
+        <p:spPr>
+          <a:xfrm>
+            <a:off x="5617029" y="3298371"/>
+            <a:ext cx="2394857" cy="718458"/>
+          </a:xfrm>
+          <a:prstGeom prst="rect">
+            <a:avLst/>
+          </a:prstGeom>
+          <a:solidFill>
+            <a:schemeClr val="accent4">
+              <a:lumMod val="50000"/>
+            </a:schemeClr>
+          </a:solidFill>
+        </p:spPr>
+        <p:style>
+          <a:lnRef idx="2">
+            <a:schemeClr val="accent1">
+              <a:shade val="50000"/>
+            </a:schemeClr>
+          </a:lnRef>
+          <a:fillRef idx="1">
+            <a:schemeClr val="accent1"/>
+          </a:fillRef>
+          <a:effectRef idx="0">
+            <a:schemeClr val="accent1"/>
+          </a:effectRef>
+          <a:fontRef idx="minor">
+            <a:schemeClr val="lt1"/>
+          </a:fontRef>
+        </p:style>
+        <p:txBody>
+          <a:bodyPr rtlCol="0" anchor="ctr"/>
+          <a:lstStyle/>
+          <a:p>
+            <a:pPr algn="ctr"/>
+            <a:r>
+              <a:rPr lang="en-US" dirty="0"/>
+              <a:t>Implementation 1</a:t>
+            </a:r>
+          </a:p>
+        </p:txBody>
+      </p:sp>
+      <p:sp>
+        <p:nvSpPr>
+          <p:cNvPr id="7" name="Rectangle 6">
+            <a:extLst>
+              <a:ext uri="{FF2B5EF4-FFF2-40B4-BE49-F238E27FC236}">
+                <a16:creationId xmlns:a16="http://schemas.microsoft.com/office/drawing/2014/main" id="{76B4F1D0-9132-4E9A-8FDB-183460E00A21}"/>
+              </a:ext>
+            </a:extLst>
+          </p:cNvPr>
+          <p:cNvSpPr/>
+          <p:nvPr/>
+        </p:nvSpPr>
+        <p:spPr>
+          <a:xfrm>
+            <a:off x="5617029" y="4216499"/>
+            <a:ext cx="2394857" cy="718458"/>
+          </a:xfrm>
+          <a:prstGeom prst="rect">
+            <a:avLst/>
+          </a:prstGeom>
+          <a:solidFill>
+            <a:schemeClr val="accent4">
+              <a:lumMod val="50000"/>
+            </a:schemeClr>
+          </a:solidFill>
+        </p:spPr>
+        <p:style>
+          <a:lnRef idx="2">
+            <a:schemeClr val="accent1">
+              <a:shade val="50000"/>
+            </a:schemeClr>
+          </a:lnRef>
+          <a:fillRef idx="1">
+            <a:schemeClr val="accent1"/>
+          </a:fillRef>
+          <a:effectRef idx="0">
+            <a:schemeClr val="accent1"/>
+          </a:effectRef>
+          <a:fontRef idx="minor">
+            <a:schemeClr val="lt1"/>
+          </a:fontRef>
+        </p:style>
+        <p:txBody>
+          <a:bodyPr rtlCol="0" anchor="ctr"/>
+          <a:lstStyle/>
+          <a:p>
+            <a:pPr algn="ctr"/>
+            <a:r>
+              <a:rPr lang="en-US" dirty="0"/>
+              <a:t>Implementation 2</a:t>
+            </a:r>
+          </a:p>
+        </p:txBody>
+      </p:sp>
+      <p:sp>
+        <p:nvSpPr>
+          <p:cNvPr id="8" name="Rectangle 7">
+            <a:extLst>
+              <a:ext uri="{FF2B5EF4-FFF2-40B4-BE49-F238E27FC236}">
+                <a16:creationId xmlns:a16="http://schemas.microsoft.com/office/drawing/2014/main" id="{435221B3-A486-4B94-9B52-7395E62761C4}"/>
+              </a:ext>
+            </a:extLst>
+          </p:cNvPr>
+          <p:cNvSpPr/>
+          <p:nvPr/>
+        </p:nvSpPr>
+        <p:spPr>
+          <a:xfrm>
+            <a:off x="5617029" y="5159827"/>
+            <a:ext cx="2394857" cy="718458"/>
+          </a:xfrm>
+          <a:prstGeom prst="rect">
+            <a:avLst/>
+          </a:prstGeom>
+          <a:solidFill>
+            <a:schemeClr val="accent4">
+              <a:lumMod val="50000"/>
+            </a:schemeClr>
+          </a:solidFill>
+        </p:spPr>
+        <p:style>
+          <a:lnRef idx="2">
+            <a:schemeClr val="accent1">
+              <a:shade val="50000"/>
+            </a:schemeClr>
+          </a:lnRef>
+          <a:fillRef idx="1">
+            <a:schemeClr val="accent1"/>
+          </a:fillRef>
+          <a:effectRef idx="0">
+            <a:schemeClr val="accent1"/>
+          </a:effectRef>
+          <a:fontRef idx="minor">
+            <a:schemeClr val="lt1"/>
+          </a:fontRef>
+        </p:style>
+        <p:txBody>
+          <a:bodyPr rtlCol="0" anchor="ctr"/>
+          <a:lstStyle/>
+          <a:p>
+            <a:pPr algn="ctr"/>
+            <a:r>
+              <a:rPr lang="en-US" dirty="0"/>
+              <a:t>Implementation 3</a:t>
+            </a:r>
+          </a:p>
+        </p:txBody>
+      </p:sp>
+      <p:cxnSp>
+        <p:nvCxnSpPr>
+          <p:cNvPr id="10" name="Connector: Elbow 9">
+            <a:extLst>
+              <a:ext uri="{FF2B5EF4-FFF2-40B4-BE49-F238E27FC236}">
+                <a16:creationId xmlns:a16="http://schemas.microsoft.com/office/drawing/2014/main" id="{FEE21A9F-7F60-452E-B472-4380C6B36B6E}"/>
+              </a:ext>
+            </a:extLst>
+          </p:cNvPr>
+          <p:cNvCxnSpPr>
+            <a:cxnSpLocks/>
+            <a:endCxn id="6" idx="1"/>
+          </p:cNvCxnSpPr>
+          <p:nvPr/>
+        </p:nvCxnSpPr>
+        <p:spPr>
+          <a:xfrm flipV="1">
+            <a:off x="3744685" y="3657600"/>
+            <a:ext cx="1872344" cy="584099"/>
+          </a:xfrm>
+          <a:prstGeom prst="bentConnector3">
+            <a:avLst/>
+          </a:prstGeom>
+          <a:ln w="63500">
+            <a:solidFill>
+              <a:srgbClr val="FFFF00"/>
+            </a:solidFill>
+            <a:tailEnd type="triangle"/>
+          </a:ln>
+        </p:spPr>
+        <p:style>
+          <a:lnRef idx="1">
+            <a:schemeClr val="accent1"/>
+          </a:lnRef>
+          <a:fillRef idx="0">
+            <a:schemeClr val="accent1"/>
+          </a:fillRef>
+          <a:effectRef idx="0">
+            <a:schemeClr val="accent1"/>
+          </a:effectRef>
+          <a:fontRef idx="minor">
+            <a:schemeClr val="tx1"/>
+          </a:fontRef>
+        </p:style>
+      </p:cxnSp>
+      <p:cxnSp>
+        <p:nvCxnSpPr>
+          <p:cNvPr id="12" name="Connector: Elbow 11">
+            <a:extLst>
+              <a:ext uri="{FF2B5EF4-FFF2-40B4-BE49-F238E27FC236}">
+                <a16:creationId xmlns:a16="http://schemas.microsoft.com/office/drawing/2014/main" id="{537DBC81-96AB-4208-BB1D-320FDF228F86}"/>
+              </a:ext>
+            </a:extLst>
+          </p:cNvPr>
+          <p:cNvCxnSpPr>
+            <a:cxnSpLocks/>
+            <a:stCxn id="5" idx="3"/>
+          </p:cNvCxnSpPr>
+          <p:nvPr/>
+        </p:nvCxnSpPr>
+        <p:spPr>
+          <a:xfrm flipV="1">
+            <a:off x="3744685" y="4466569"/>
+            <a:ext cx="1872344" cy="12903"/>
+          </a:xfrm>
+          <a:prstGeom prst="bentConnector3">
+            <a:avLst/>
+          </a:prstGeom>
+          <a:ln w="63500">
+            <a:solidFill>
+              <a:srgbClr val="FFFF00"/>
+            </a:solidFill>
+            <a:tailEnd type="triangle"/>
+          </a:ln>
+        </p:spPr>
+        <p:style>
+          <a:lnRef idx="1">
+            <a:schemeClr val="accent1"/>
+          </a:lnRef>
+          <a:fillRef idx="0">
+            <a:schemeClr val="accent1"/>
+          </a:fillRef>
+          <a:effectRef idx="0">
+            <a:schemeClr val="accent1"/>
+          </a:effectRef>
+          <a:fontRef idx="minor">
+            <a:schemeClr val="tx1"/>
+          </a:fontRef>
+        </p:style>
+      </p:cxnSp>
+      <p:cxnSp>
+        <p:nvCxnSpPr>
+          <p:cNvPr id="16" name="Connector: Elbow 15">
+            <a:extLst>
+              <a:ext uri="{FF2B5EF4-FFF2-40B4-BE49-F238E27FC236}">
+                <a16:creationId xmlns:a16="http://schemas.microsoft.com/office/drawing/2014/main" id="{5074F6B5-6BB2-4B18-B740-D74E5C97E247}"/>
+              </a:ext>
+            </a:extLst>
+          </p:cNvPr>
+          <p:cNvCxnSpPr>
+            <a:cxnSpLocks/>
+            <a:endCxn id="8" idx="1"/>
+          </p:cNvCxnSpPr>
+          <p:nvPr/>
+        </p:nvCxnSpPr>
+        <p:spPr>
+          <a:xfrm>
+            <a:off x="3827496" y="4704343"/>
+            <a:ext cx="1789533" cy="814713"/>
+          </a:xfrm>
+          <a:prstGeom prst="bentConnector3">
+            <a:avLst/>
+          </a:prstGeom>
+          <a:ln w="63500">
+            <a:solidFill>
+              <a:srgbClr val="FFFF00"/>
+            </a:solidFill>
+            <a:tailEnd type="triangle"/>
+          </a:ln>
+        </p:spPr>
+        <p:style>
+          <a:lnRef idx="1">
+            <a:schemeClr val="accent1"/>
+          </a:lnRef>
+          <a:fillRef idx="0">
+            <a:schemeClr val="accent1"/>
+          </a:fillRef>
+          <a:effectRef idx="0">
+            <a:schemeClr val="accent1"/>
+          </a:effectRef>
+          <a:fontRef idx="minor">
+            <a:schemeClr val="tx1"/>
+          </a:fontRef>
+        </p:style>
+      </p:cxnSp>
     </p:spTree>
     <p:extLst>
       <p:ext uri="{BB962C8B-B14F-4D97-AF65-F5344CB8AC3E}">
-        <p14:creationId xmlns:p14="http://schemas.microsoft.com/office/powerpoint/2010/main" val="966552352"/>
+        <p14:creationId xmlns:p14="http://schemas.microsoft.com/office/powerpoint/2010/main" val="814672665"/>
       </p:ext>
     </p:extLst>
   </p:cSld>
@@ -7025,6 +8039,501 @@
           <p:cNvPr id="2" name="Title 1">
             <a:extLst>
               <a:ext uri="{FF2B5EF4-FFF2-40B4-BE49-F238E27FC236}">
+                <a16:creationId xmlns:a16="http://schemas.microsoft.com/office/drawing/2014/main" id="{59BAE30E-542C-4C72-8518-A24CDB90D61B}"/>
+              </a:ext>
+            </a:extLst>
+          </p:cNvPr>
+          <p:cNvSpPr>
+            <a:spLocks noGrp="1"/>
+          </p:cNvSpPr>
+          <p:nvPr>
+            <p:ph type="title"/>
+          </p:nvPr>
+        </p:nvSpPr>
+        <p:spPr>
+          <a:xfrm>
+            <a:off x="646111" y="452718"/>
+            <a:ext cx="9404723" cy="767687"/>
+          </a:xfrm>
+        </p:spPr>
+        <p:txBody>
+          <a:bodyPr/>
+          <a:lstStyle/>
+          <a:p>
+            <a:r>
+              <a:rPr lang="en-US" dirty="0"/>
+              <a:t>IOC in C#</a:t>
+            </a:r>
+            <a:br>
+              <a:rPr lang="en-US" dirty="0"/>
+            </a:br>
+            <a:endParaRPr lang="en-US" dirty="0"/>
+          </a:p>
+        </p:txBody>
+      </p:sp>
+      <p:sp>
+        <p:nvSpPr>
+          <p:cNvPr id="4" name="Slide Number Placeholder 3">
+            <a:extLst>
+              <a:ext uri="{FF2B5EF4-FFF2-40B4-BE49-F238E27FC236}">
+                <a16:creationId xmlns:a16="http://schemas.microsoft.com/office/drawing/2014/main" id="{A05CB4BC-BC6C-4D7C-A4E4-2F4B67CB3117}"/>
+              </a:ext>
+            </a:extLst>
+          </p:cNvPr>
+          <p:cNvSpPr>
+            <a:spLocks noGrp="1"/>
+          </p:cNvSpPr>
+          <p:nvPr>
+            <p:ph type="sldNum" sz="quarter" idx="12"/>
+          </p:nvPr>
+        </p:nvSpPr>
+        <p:spPr/>
+        <p:txBody>
+          <a:bodyPr/>
+          <a:lstStyle/>
+          <a:p>
+            <a:fld id="{FB95DE3D-2950-4E4A-8781-5E9E0271AEF0}" type="slidenum">
+              <a:rPr lang="en-US" smtClean="0"/>
+              <a:t>12</a:t>
+            </a:fld>
+            <a:endParaRPr lang="en-US"/>
+          </a:p>
+        </p:txBody>
+      </p:sp>
+      <p:sp>
+        <p:nvSpPr>
+          <p:cNvPr id="5" name="TextBox 4">
+            <a:extLst>
+              <a:ext uri="{FF2B5EF4-FFF2-40B4-BE49-F238E27FC236}">
+                <a16:creationId xmlns:a16="http://schemas.microsoft.com/office/drawing/2014/main" id="{A1B749C3-6A51-4B56-86A5-1B6E9FBCCD6C}"/>
+              </a:ext>
+            </a:extLst>
+          </p:cNvPr>
+          <p:cNvSpPr txBox="1"/>
+          <p:nvPr/>
+        </p:nvSpPr>
+        <p:spPr>
+          <a:xfrm>
+            <a:off x="109182" y="1385208"/>
+            <a:ext cx="11859905" cy="5355312"/>
+          </a:xfrm>
+          <a:prstGeom prst="rect">
+            <a:avLst/>
+          </a:prstGeom>
+          <a:noFill/>
+        </p:spPr>
+        <p:txBody>
+          <a:bodyPr wrap="square" numCol="2" rtlCol="0">
+            <a:spAutoFit/>
+          </a:bodyPr>
+          <a:lstStyle/>
+          <a:p>
+            <a:r>
+              <a:rPr lang="en-US" sz="1600" dirty="0"/>
+              <a:t>public interface </a:t>
+            </a:r>
+            <a:r>
+              <a:rPr lang="en-US" sz="1600" dirty="0" err="1"/>
+              <a:t>IMyInterface</a:t>
+            </a:r>
+            <a:endParaRPr lang="en-US" sz="1600" dirty="0"/>
+          </a:p>
+          <a:p>
+            <a:r>
+              <a:rPr lang="en-US" sz="1600" dirty="0"/>
+              <a:t>{</a:t>
+            </a:r>
+          </a:p>
+          <a:p>
+            <a:r>
+              <a:rPr lang="en-US" sz="1600" dirty="0"/>
+              <a:t>	… do magic</a:t>
+            </a:r>
+          </a:p>
+          <a:p>
+            <a:r>
+              <a:rPr lang="en-US" sz="1600" dirty="0"/>
+              <a:t>}</a:t>
+            </a:r>
+          </a:p>
+          <a:p>
+            <a:endParaRPr lang="en-US" sz="1600" dirty="0"/>
+          </a:p>
+          <a:p>
+            <a:r>
+              <a:rPr lang="en-US" sz="1600" dirty="0"/>
+              <a:t>public class MyClass1 : </a:t>
+            </a:r>
+            <a:r>
+              <a:rPr lang="en-US" sz="1600" dirty="0" err="1"/>
+              <a:t>IMyInterface</a:t>
+            </a:r>
+            <a:endParaRPr lang="en-US" sz="1600" dirty="0"/>
+          </a:p>
+          <a:p>
+            <a:r>
+              <a:rPr lang="en-US" sz="1600" dirty="0"/>
+              <a:t>{</a:t>
+            </a:r>
+          </a:p>
+          <a:p>
+            <a:r>
+              <a:rPr lang="en-US" sz="1600" dirty="0"/>
+              <a:t>	… do magic</a:t>
+            </a:r>
+          </a:p>
+          <a:p>
+            <a:r>
+              <a:rPr lang="en-US" sz="1600" dirty="0"/>
+              <a:t>}</a:t>
+            </a:r>
+          </a:p>
+          <a:p>
+            <a:endParaRPr lang="en-US" sz="1600" dirty="0"/>
+          </a:p>
+          <a:p>
+            <a:r>
+              <a:rPr lang="en-US" sz="1600" dirty="0"/>
+              <a:t>public class MyClass2 : </a:t>
+            </a:r>
+            <a:r>
+              <a:rPr lang="en-US" sz="1600" dirty="0" err="1"/>
+              <a:t>IMyInterface</a:t>
+            </a:r>
+            <a:endParaRPr lang="en-US" sz="1600" dirty="0"/>
+          </a:p>
+          <a:p>
+            <a:r>
+              <a:rPr lang="en-US" sz="1600" dirty="0"/>
+              <a:t>{</a:t>
+            </a:r>
+          </a:p>
+          <a:p>
+            <a:r>
+              <a:rPr lang="en-US" sz="1600" dirty="0"/>
+              <a:t>	… do magic</a:t>
+            </a:r>
+          </a:p>
+          <a:p>
+            <a:r>
+              <a:rPr lang="en-US" sz="1600" dirty="0"/>
+              <a:t>}</a:t>
+            </a:r>
+          </a:p>
+          <a:p>
+            <a:endParaRPr lang="en-US" sz="1600" dirty="0"/>
+          </a:p>
+          <a:p>
+            <a:r>
+              <a:rPr lang="en-US" sz="1600" dirty="0"/>
+              <a:t>Public class MyClass3 : </a:t>
+            </a:r>
+            <a:r>
+              <a:rPr lang="en-US" sz="1600" dirty="0" err="1"/>
+              <a:t>IMyInterface</a:t>
+            </a:r>
+            <a:endParaRPr lang="en-US" sz="1600" dirty="0"/>
+          </a:p>
+          <a:p>
+            <a:r>
+              <a:rPr lang="en-US" sz="1600" dirty="0"/>
+              <a:t>{</a:t>
+            </a:r>
+          </a:p>
+          <a:p>
+            <a:r>
+              <a:rPr lang="en-US" sz="1600" dirty="0"/>
+              <a:t>	… do magic</a:t>
+            </a:r>
+          </a:p>
+          <a:p>
+            <a:r>
+              <a:rPr lang="en-US" sz="1600" dirty="0"/>
+              <a:t>}</a:t>
+            </a:r>
+          </a:p>
+          <a:p>
+            <a:endParaRPr lang="en-US" sz="1600" dirty="0"/>
+          </a:p>
+          <a:p>
+            <a:endParaRPr lang="en-US" sz="1600" dirty="0"/>
+          </a:p>
+          <a:p>
+            <a:r>
+              <a:rPr lang="en-US" sz="1600" dirty="0" err="1"/>
+              <a:t>IOCContainer</a:t>
+            </a:r>
+            <a:r>
+              <a:rPr lang="en-US" sz="1600" dirty="0"/>
+              <a:t> </a:t>
+            </a:r>
+            <a:r>
+              <a:rPr lang="en-US" sz="1600" dirty="0" err="1"/>
+              <a:t>myContainer</a:t>
+            </a:r>
+            <a:r>
+              <a:rPr lang="en-US" sz="1600" dirty="0"/>
+              <a:t>=new </a:t>
+            </a:r>
+            <a:r>
+              <a:rPr lang="en-US" sz="1600" dirty="0" err="1"/>
+              <a:t>IOCContainer</a:t>
+            </a:r>
+            <a:r>
+              <a:rPr lang="en-US" sz="1600" dirty="0"/>
+              <a:t>();</a:t>
+            </a:r>
+          </a:p>
+          <a:p>
+            <a:r>
+              <a:rPr lang="en-US" sz="1600" dirty="0" err="1"/>
+              <a:t>myContainer.Bind</a:t>
+            </a:r>
+            <a:r>
+              <a:rPr lang="en-US" sz="1600" dirty="0"/>
+              <a:t>&lt;IMyInterface,MyClass1&gt;().Named(“1”);</a:t>
+            </a:r>
+          </a:p>
+          <a:p>
+            <a:r>
+              <a:rPr lang="en-US" sz="1600" dirty="0" err="1"/>
+              <a:t>myContainer.Bind</a:t>
+            </a:r>
+            <a:r>
+              <a:rPr lang="en-US" sz="1600" dirty="0"/>
+              <a:t>&lt;IMyInterface,MyClass2&gt;().Named(“2”);</a:t>
+            </a:r>
+          </a:p>
+          <a:p>
+            <a:r>
+              <a:rPr lang="en-US" sz="1600" dirty="0" err="1"/>
+              <a:t>myContainer.Bind</a:t>
+            </a:r>
+            <a:r>
+              <a:rPr lang="en-US" sz="1600" dirty="0"/>
+              <a:t>&lt;IMyInterface,MyClass3&gt;().Named(“3”);</a:t>
+            </a:r>
+          </a:p>
+          <a:p>
+            <a:endParaRPr lang="en-US" sz="1600" dirty="0"/>
+          </a:p>
+          <a:p>
+            <a:r>
+              <a:rPr lang="en-US" sz="1600" dirty="0"/>
+              <a:t>string </a:t>
+            </a:r>
+            <a:r>
+              <a:rPr lang="en-US" sz="1600" dirty="0" err="1"/>
+              <a:t>yourChoice</a:t>
+            </a:r>
+            <a:r>
+              <a:rPr lang="en-US" sz="1600" dirty="0"/>
+              <a:t>=</a:t>
+            </a:r>
+            <a:r>
+              <a:rPr lang="en-US" sz="1600" dirty="0" err="1"/>
+              <a:t>console.readline</a:t>
+            </a:r>
+            <a:r>
+              <a:rPr lang="en-US" sz="1600" dirty="0"/>
+              <a:t>();</a:t>
+            </a:r>
+          </a:p>
+          <a:p>
+            <a:r>
+              <a:rPr lang="en-US" sz="1600" dirty="0" err="1"/>
+              <a:t>IMyInterface</a:t>
+            </a:r>
+            <a:r>
+              <a:rPr lang="en-US" sz="1600" dirty="0"/>
+              <a:t> </a:t>
+            </a:r>
+            <a:r>
+              <a:rPr lang="en-US" sz="1600" dirty="0" err="1"/>
+              <a:t>myClass</a:t>
+            </a:r>
+            <a:r>
+              <a:rPr lang="en-US" sz="1600" dirty="0"/>
+              <a:t>=null;</a:t>
+            </a:r>
+          </a:p>
+          <a:p>
+            <a:r>
+              <a:rPr lang="en-US" sz="1600" dirty="0" err="1"/>
+              <a:t>myclass</a:t>
+            </a:r>
+            <a:r>
+              <a:rPr lang="en-US" sz="1600" dirty="0"/>
+              <a:t>=</a:t>
+            </a:r>
+            <a:r>
+              <a:rPr lang="en-US" sz="1600" dirty="0" err="1"/>
+              <a:t>myContainer.Get</a:t>
+            </a:r>
+            <a:r>
+              <a:rPr lang="en-US" sz="1600" dirty="0"/>
+              <a:t>&lt;</a:t>
+            </a:r>
+            <a:r>
+              <a:rPr lang="en-US" sz="1600" dirty="0" err="1"/>
+              <a:t>IMyInterface</a:t>
+            </a:r>
+            <a:r>
+              <a:rPr lang="en-US" sz="1600" dirty="0"/>
+              <a:t>&gt;()</a:t>
+            </a:r>
+          </a:p>
+          <a:p>
+            <a:r>
+              <a:rPr lang="en-US" sz="1600" dirty="0"/>
+              <a:t>					.</a:t>
+            </a:r>
+            <a:r>
+              <a:rPr lang="en-US" sz="1600" dirty="0" err="1"/>
+              <a:t>ByName</a:t>
+            </a:r>
+            <a:r>
+              <a:rPr lang="en-US" sz="1600" dirty="0"/>
+              <a:t>(</a:t>
+            </a:r>
+            <a:r>
+              <a:rPr lang="en-US" sz="1600" dirty="0" err="1"/>
+              <a:t>yourChoice</a:t>
+            </a:r>
+            <a:r>
+              <a:rPr lang="en-US" sz="1600" dirty="0"/>
+              <a:t>);</a:t>
+            </a:r>
+          </a:p>
+          <a:p>
+            <a:endParaRPr lang="en-US" sz="1600" dirty="0"/>
+          </a:p>
+          <a:p>
+            <a:r>
+              <a:rPr lang="en-US" sz="1600" dirty="0"/>
+              <a:t>Or</a:t>
+            </a:r>
+          </a:p>
+          <a:p>
+            <a:endParaRPr lang="en-US" sz="1600" dirty="0"/>
+          </a:p>
+          <a:p>
+            <a:r>
+              <a:rPr lang="en-US" sz="1600" dirty="0"/>
+              <a:t>public class </a:t>
+            </a:r>
+            <a:r>
+              <a:rPr lang="en-US" sz="1600" dirty="0" err="1"/>
+              <a:t>AnotherClass</a:t>
+            </a:r>
+            <a:endParaRPr lang="en-US" sz="1600" dirty="0"/>
+          </a:p>
+          <a:p>
+            <a:r>
+              <a:rPr lang="en-US" sz="1600" dirty="0"/>
+              <a:t>{</a:t>
+            </a:r>
+          </a:p>
+          <a:p>
+            <a:r>
+              <a:rPr lang="en-US" sz="1600" dirty="0"/>
+              <a:t>	public </a:t>
+            </a:r>
+            <a:r>
+              <a:rPr lang="en-US" sz="1600" dirty="0" err="1"/>
+              <a:t>AnotherClass</a:t>
+            </a:r>
+            <a:r>
+              <a:rPr lang="en-US" sz="1600" dirty="0"/>
+              <a:t>(</a:t>
+            </a:r>
+            <a:r>
+              <a:rPr lang="en-US" sz="1600" dirty="0" err="1"/>
+              <a:t>IMyInterface</a:t>
+            </a:r>
+            <a:r>
+              <a:rPr lang="en-US" sz="1600" dirty="0"/>
+              <a:t> </a:t>
+            </a:r>
+            <a:r>
+              <a:rPr lang="en-US" sz="1600" dirty="0" err="1"/>
+              <a:t>myClass</a:t>
+            </a:r>
+            <a:r>
+              <a:rPr lang="en-US" sz="1600" dirty="0"/>
+              <a:t>)</a:t>
+            </a:r>
+          </a:p>
+          <a:p>
+            <a:r>
+              <a:rPr lang="en-US" sz="1600" dirty="0"/>
+              <a:t>	{</a:t>
+            </a:r>
+          </a:p>
+          <a:p>
+            <a:r>
+              <a:rPr lang="en-US" sz="1600" dirty="0"/>
+              <a:t>	… do magic </a:t>
+            </a:r>
+          </a:p>
+          <a:p>
+            <a:r>
+              <a:rPr lang="en-US" sz="1600" dirty="0"/>
+              <a:t>	}</a:t>
+            </a:r>
+          </a:p>
+          <a:p>
+            <a:endParaRPr lang="en-US" sz="1600" dirty="0"/>
+          </a:p>
+          <a:p>
+            <a:r>
+              <a:rPr lang="en-US" sz="1600" dirty="0"/>
+              <a:t>	… do other magic</a:t>
+            </a:r>
+          </a:p>
+          <a:p>
+            <a:r>
+              <a:rPr lang="en-US" sz="1600" dirty="0"/>
+              <a:t>}</a:t>
+            </a:r>
+          </a:p>
+        </p:txBody>
+      </p:sp>
+    </p:spTree>
+    <p:extLst>
+      <p:ext uri="{BB962C8B-B14F-4D97-AF65-F5344CB8AC3E}">
+        <p14:creationId xmlns:p14="http://schemas.microsoft.com/office/powerpoint/2010/main" val="4134464957"/>
+      </p:ext>
+    </p:extLst>
+  </p:cSld>
+  <p:clrMapOvr>
+    <a:masterClrMapping/>
+  </p:clrMapOvr>
+</p:sld>
+</file>
+
+<file path=ppt/slides/slide13.xml><?xml version="1.0" encoding="utf-8"?>
+<p:sld xmlns:a="http://schemas.openxmlformats.org/drawingml/2006/main" xmlns:r="http://schemas.openxmlformats.org/officeDocument/2006/relationships" xmlns:p="http://schemas.openxmlformats.org/presentationml/2006/main">
+  <p:cSld>
+    <p:spTree>
+      <p:nvGrpSpPr>
+        <p:cNvPr id="1" name=""/>
+        <p:cNvGrpSpPr/>
+        <p:nvPr/>
+      </p:nvGrpSpPr>
+      <p:grpSpPr>
+        <a:xfrm>
+          <a:off x="0" y="0"/>
+          <a:ext cx="0" cy="0"/>
+          <a:chOff x="0" y="0"/>
+          <a:chExt cx="0" cy="0"/>
+        </a:xfrm>
+      </p:grpSpPr>
+      <p:sp>
+        <p:nvSpPr>
+          <p:cNvPr id="2" name="Title 1">
+            <a:extLst>
+              <a:ext uri="{FF2B5EF4-FFF2-40B4-BE49-F238E27FC236}">
                 <a16:creationId xmlns:a16="http://schemas.microsoft.com/office/drawing/2014/main" id="{DCA58F1A-F41E-4ABE-B971-E7D7A2948E0A}"/>
               </a:ext>
             </a:extLst>
@@ -7043,7 +8552,7 @@
           <a:p>
             <a:r>
               <a:rPr lang="en-US" dirty="0"/>
-              <a:t>What is Mocking?</a:t>
+              <a:t>What is Testing?</a:t>
             </a:r>
           </a:p>
         </p:txBody>
@@ -7064,12 +8573,44 @@
             <p:ph idx="1"/>
           </p:nvPr>
         </p:nvSpPr>
-        <p:spPr/>
+        <p:spPr>
+          <a:xfrm>
+            <a:off x="518615" y="1433016"/>
+            <a:ext cx="10972799" cy="4815384"/>
+          </a:xfrm>
+        </p:spPr>
         <p:txBody>
           <a:bodyPr/>
           <a:lstStyle/>
           <a:p>
-            <a:endParaRPr lang="en-US"/>
+            <a:r>
+              <a:rPr lang="en-US" dirty="0"/>
+              <a:t>A method of software engineering of writing a dedicated program to validate the correct processing of another program</a:t>
+            </a:r>
+          </a:p>
+          <a:p>
+            <a:r>
+              <a:rPr lang="en-US" dirty="0"/>
+              <a:t>Unit Testing is used to validate an individual package of code (frequently a single method and frequently devoid of external dependencies).</a:t>
+            </a:r>
+          </a:p>
+          <a:p>
+            <a:r>
+              <a:rPr lang="en-US" dirty="0"/>
+              <a:t>Integration Testing is used to validate a process that requires several packages of code to work together in a specific sequence (may include limited external dependencies).</a:t>
+            </a:r>
+          </a:p>
+          <a:p>
+            <a:r>
+              <a:rPr lang="en-US" dirty="0"/>
+              <a:t>Regression Testing is used to validate full software end to end processes and all dependencies meet business requirements.</a:t>
+            </a:r>
+          </a:p>
+          <a:p>
+            <a:r>
+              <a:rPr lang="en-US" dirty="0"/>
+              <a:t>Performance / Load Testing is used to validate a system can execute successfully within given time and resource constraints with a large number of requests or a large amount of data.</a:t>
+            </a:r>
           </a:p>
         </p:txBody>
       </p:sp>
@@ -7096,7 +8637,418 @@
           <a:p>
             <a:fld id="{FB95DE3D-2950-4E4A-8781-5E9E0271AEF0}" type="slidenum">
               <a:rPr lang="en-US" smtClean="0"/>
-              <a:t>12</a:t>
+              <a:t>13</a:t>
+            </a:fld>
+            <a:endParaRPr lang="en-US"/>
+          </a:p>
+        </p:txBody>
+      </p:sp>
+    </p:spTree>
+    <p:extLst>
+      <p:ext uri="{BB962C8B-B14F-4D97-AF65-F5344CB8AC3E}">
+        <p14:creationId xmlns:p14="http://schemas.microsoft.com/office/powerpoint/2010/main" val="1684594128"/>
+      </p:ext>
+    </p:extLst>
+  </p:cSld>
+  <p:clrMapOvr>
+    <a:masterClrMapping/>
+  </p:clrMapOvr>
+</p:sld>
+</file>
+
+<file path=ppt/slides/slide14.xml><?xml version="1.0" encoding="utf-8"?>
+<p:sld xmlns:a="http://schemas.openxmlformats.org/drawingml/2006/main" xmlns:r="http://schemas.openxmlformats.org/officeDocument/2006/relationships" xmlns:p="http://schemas.openxmlformats.org/presentationml/2006/main">
+  <p:cSld>
+    <p:spTree>
+      <p:nvGrpSpPr>
+        <p:cNvPr id="1" name=""/>
+        <p:cNvGrpSpPr/>
+        <p:nvPr/>
+      </p:nvGrpSpPr>
+      <p:grpSpPr>
+        <a:xfrm>
+          <a:off x="0" y="0"/>
+          <a:ext cx="0" cy="0"/>
+          <a:chOff x="0" y="0"/>
+          <a:chExt cx="0" cy="0"/>
+        </a:xfrm>
+      </p:grpSpPr>
+      <p:sp>
+        <p:nvSpPr>
+          <p:cNvPr id="2" name="Title 1">
+            <a:extLst>
+              <a:ext uri="{FF2B5EF4-FFF2-40B4-BE49-F238E27FC236}">
+                <a16:creationId xmlns:a16="http://schemas.microsoft.com/office/drawing/2014/main" id="{DCA58F1A-F41E-4ABE-B971-E7D7A2948E0A}"/>
+              </a:ext>
+            </a:extLst>
+          </p:cNvPr>
+          <p:cNvSpPr>
+            <a:spLocks noGrp="1"/>
+          </p:cNvSpPr>
+          <p:nvPr>
+            <p:ph type="title"/>
+          </p:nvPr>
+        </p:nvSpPr>
+        <p:spPr>
+          <a:xfrm>
+            <a:off x="646111" y="452718"/>
+            <a:ext cx="9404723" cy="767687"/>
+          </a:xfrm>
+        </p:spPr>
+        <p:txBody>
+          <a:bodyPr/>
+          <a:lstStyle/>
+          <a:p>
+            <a:r>
+              <a:rPr lang="en-US" dirty="0"/>
+              <a:t>Testing in C#?</a:t>
+            </a:r>
+          </a:p>
+        </p:txBody>
+      </p:sp>
+      <p:sp>
+        <p:nvSpPr>
+          <p:cNvPr id="4" name="Slide Number Placeholder 3">
+            <a:extLst>
+              <a:ext uri="{FF2B5EF4-FFF2-40B4-BE49-F238E27FC236}">
+                <a16:creationId xmlns:a16="http://schemas.microsoft.com/office/drawing/2014/main" id="{18F6B167-2E13-4CC5-8122-3C6CE539F95A}"/>
+              </a:ext>
+            </a:extLst>
+          </p:cNvPr>
+          <p:cNvSpPr>
+            <a:spLocks noGrp="1"/>
+          </p:cNvSpPr>
+          <p:nvPr>
+            <p:ph type="sldNum" sz="quarter" idx="12"/>
+          </p:nvPr>
+        </p:nvSpPr>
+        <p:spPr/>
+        <p:txBody>
+          <a:bodyPr/>
+          <a:lstStyle/>
+          <a:p>
+            <a:fld id="{FB95DE3D-2950-4E4A-8781-5E9E0271AEF0}" type="slidenum">
+              <a:rPr lang="en-US" smtClean="0"/>
+              <a:t>14</a:t>
+            </a:fld>
+            <a:endParaRPr lang="en-US"/>
+          </a:p>
+        </p:txBody>
+      </p:sp>
+      <p:sp>
+        <p:nvSpPr>
+          <p:cNvPr id="5" name="TextBox 4">
+            <a:extLst>
+              <a:ext uri="{FF2B5EF4-FFF2-40B4-BE49-F238E27FC236}">
+                <a16:creationId xmlns:a16="http://schemas.microsoft.com/office/drawing/2014/main" id="{E214C638-E226-4B1E-ADCB-43E2C301E334}"/>
+              </a:ext>
+            </a:extLst>
+          </p:cNvPr>
+          <p:cNvSpPr txBox="1"/>
+          <p:nvPr/>
+        </p:nvSpPr>
+        <p:spPr>
+          <a:xfrm>
+            <a:off x="627797" y="1555845"/>
+            <a:ext cx="11095630" cy="3693319"/>
+          </a:xfrm>
+          <a:prstGeom prst="rect">
+            <a:avLst/>
+          </a:prstGeom>
+          <a:noFill/>
+        </p:spPr>
+        <p:txBody>
+          <a:bodyPr wrap="square" rtlCol="0">
+            <a:spAutoFit/>
+          </a:bodyPr>
+          <a:lstStyle/>
+          <a:p>
+            <a:r>
+              <a:rPr lang="en-US" dirty="0"/>
+              <a:t>public </a:t>
+            </a:r>
+            <a:r>
+              <a:rPr lang="en-US" dirty="0" err="1"/>
+              <a:t>int</a:t>
+            </a:r>
+            <a:r>
+              <a:rPr lang="en-US" dirty="0"/>
+              <a:t> Add(</a:t>
+            </a:r>
+            <a:r>
+              <a:rPr lang="en-US" dirty="0" err="1"/>
+              <a:t>int</a:t>
+            </a:r>
+            <a:r>
+              <a:rPr lang="en-US" dirty="0"/>
+              <a:t> term1, </a:t>
+            </a:r>
+            <a:r>
+              <a:rPr lang="en-US" dirty="0" err="1"/>
+              <a:t>int</a:t>
+            </a:r>
+            <a:r>
+              <a:rPr lang="en-US" dirty="0"/>
+              <a:t> term2)</a:t>
+            </a:r>
+          </a:p>
+          <a:p>
+            <a:r>
+              <a:rPr lang="en-US" dirty="0"/>
+              <a:t>{</a:t>
+            </a:r>
+          </a:p>
+          <a:p>
+            <a:r>
+              <a:rPr lang="en-US" dirty="0"/>
+              <a:t>	return term1+term2;</a:t>
+            </a:r>
+          </a:p>
+          <a:p>
+            <a:r>
+              <a:rPr lang="en-US" dirty="0"/>
+              <a:t>}</a:t>
+            </a:r>
+          </a:p>
+          <a:p>
+            <a:endParaRPr lang="en-US" dirty="0"/>
+          </a:p>
+          <a:p>
+            <a:r>
+              <a:rPr lang="en-US" dirty="0"/>
+              <a:t>public void Given_2Terms_When_Add_ShouldReturn_SumOfTerms()</a:t>
+            </a:r>
+          </a:p>
+          <a:p>
+            <a:r>
+              <a:rPr lang="en-US" dirty="0"/>
+              <a:t>{</a:t>
+            </a:r>
+          </a:p>
+          <a:p>
+            <a:r>
+              <a:rPr lang="en-US" dirty="0"/>
+              <a:t>	</a:t>
+            </a:r>
+            <a:r>
+              <a:rPr lang="en-US" dirty="0" err="1"/>
+              <a:t>int</a:t>
+            </a:r>
+            <a:r>
+              <a:rPr lang="en-US" dirty="0"/>
+              <a:t> expected=5;</a:t>
+            </a:r>
+          </a:p>
+          <a:p>
+            <a:r>
+              <a:rPr lang="en-US" dirty="0"/>
+              <a:t>	</a:t>
+            </a:r>
+            <a:r>
+              <a:rPr lang="en-US" dirty="0" err="1"/>
+              <a:t>int</a:t>
+            </a:r>
+            <a:r>
+              <a:rPr lang="en-US" dirty="0"/>
+              <a:t> term1=2;</a:t>
+            </a:r>
+          </a:p>
+          <a:p>
+            <a:r>
+              <a:rPr lang="en-US" dirty="0"/>
+              <a:t>	</a:t>
+            </a:r>
+            <a:r>
+              <a:rPr lang="en-US" dirty="0" err="1"/>
+              <a:t>int</a:t>
+            </a:r>
+            <a:r>
+              <a:rPr lang="en-US" dirty="0"/>
+              <a:t> term2=3;</a:t>
+            </a:r>
+          </a:p>
+          <a:p>
+            <a:r>
+              <a:rPr lang="en-US" dirty="0"/>
+              <a:t>	</a:t>
+            </a:r>
+            <a:r>
+              <a:rPr lang="en-US" dirty="0" err="1"/>
+              <a:t>int</a:t>
+            </a:r>
+            <a:r>
+              <a:rPr lang="en-US" dirty="0"/>
+              <a:t> actual=Add(term1,term2);</a:t>
+            </a:r>
+          </a:p>
+          <a:p>
+            <a:r>
+              <a:rPr lang="en-US" dirty="0"/>
+              <a:t>	</a:t>
+            </a:r>
+            <a:r>
+              <a:rPr lang="en-US" dirty="0" err="1"/>
+              <a:t>Assert.AreEqual</a:t>
+            </a:r>
+            <a:r>
+              <a:rPr lang="en-US" dirty="0"/>
+              <a:t>(</a:t>
+            </a:r>
+            <a:r>
+              <a:rPr lang="en-US" dirty="0" err="1"/>
+              <a:t>actual,expected</a:t>
+            </a:r>
+            <a:r>
+              <a:rPr lang="en-US" dirty="0"/>
+              <a:t>);</a:t>
+            </a:r>
+          </a:p>
+          <a:p>
+            <a:r>
+              <a:rPr lang="en-US" dirty="0"/>
+              <a:t>}</a:t>
+            </a:r>
+          </a:p>
+        </p:txBody>
+      </p:sp>
+    </p:spTree>
+    <p:extLst>
+      <p:ext uri="{BB962C8B-B14F-4D97-AF65-F5344CB8AC3E}">
+        <p14:creationId xmlns:p14="http://schemas.microsoft.com/office/powerpoint/2010/main" val="682340386"/>
+      </p:ext>
+    </p:extLst>
+  </p:cSld>
+  <p:clrMapOvr>
+    <a:masterClrMapping/>
+  </p:clrMapOvr>
+</p:sld>
+</file>
+
+<file path=ppt/slides/slide15.xml><?xml version="1.0" encoding="utf-8"?>
+<p:sld xmlns:a="http://schemas.openxmlformats.org/drawingml/2006/main" xmlns:r="http://schemas.openxmlformats.org/officeDocument/2006/relationships" xmlns:p="http://schemas.openxmlformats.org/presentationml/2006/main">
+  <p:cSld>
+    <p:spTree>
+      <p:nvGrpSpPr>
+        <p:cNvPr id="1" name=""/>
+        <p:cNvGrpSpPr/>
+        <p:nvPr/>
+      </p:nvGrpSpPr>
+      <p:grpSpPr>
+        <a:xfrm>
+          <a:off x="0" y="0"/>
+          <a:ext cx="0" cy="0"/>
+          <a:chOff x="0" y="0"/>
+          <a:chExt cx="0" cy="0"/>
+        </a:xfrm>
+      </p:grpSpPr>
+      <p:sp>
+        <p:nvSpPr>
+          <p:cNvPr id="2" name="Title 1">
+            <a:extLst>
+              <a:ext uri="{FF2B5EF4-FFF2-40B4-BE49-F238E27FC236}">
+                <a16:creationId xmlns:a16="http://schemas.microsoft.com/office/drawing/2014/main" id="{DCA58F1A-F41E-4ABE-B971-E7D7A2948E0A}"/>
+              </a:ext>
+            </a:extLst>
+          </p:cNvPr>
+          <p:cNvSpPr>
+            <a:spLocks noGrp="1"/>
+          </p:cNvSpPr>
+          <p:nvPr>
+            <p:ph type="title"/>
+          </p:nvPr>
+        </p:nvSpPr>
+        <p:spPr>
+          <a:xfrm>
+            <a:off x="646111" y="452718"/>
+            <a:ext cx="9404723" cy="925706"/>
+          </a:xfrm>
+        </p:spPr>
+        <p:txBody>
+          <a:bodyPr/>
+          <a:lstStyle/>
+          <a:p>
+            <a:r>
+              <a:rPr lang="en-US" dirty="0"/>
+              <a:t>What is Mocking?</a:t>
+            </a:r>
+          </a:p>
+        </p:txBody>
+      </p:sp>
+      <p:sp>
+        <p:nvSpPr>
+          <p:cNvPr id="3" name="Content Placeholder 2">
+            <a:extLst>
+              <a:ext uri="{FF2B5EF4-FFF2-40B4-BE49-F238E27FC236}">
+                <a16:creationId xmlns:a16="http://schemas.microsoft.com/office/drawing/2014/main" id="{D7569734-1897-4C2C-BD84-C43F7DD1D3F0}"/>
+              </a:ext>
+            </a:extLst>
+          </p:cNvPr>
+          <p:cNvSpPr>
+            <a:spLocks noGrp="1"/>
+          </p:cNvSpPr>
+          <p:nvPr>
+            <p:ph idx="1"/>
+          </p:nvPr>
+        </p:nvSpPr>
+        <p:spPr>
+          <a:xfrm>
+            <a:off x="645130" y="1629837"/>
+            <a:ext cx="10545609" cy="4675429"/>
+          </a:xfrm>
+        </p:spPr>
+        <p:txBody>
+          <a:bodyPr/>
+          <a:lstStyle/>
+          <a:p>
+            <a:r>
+              <a:rPr lang="en-US" dirty="0"/>
+              <a:t>A method of software engineering whereby one object or method simulates the behavior of another object or method and is transparent to the underlying system.</a:t>
+            </a:r>
+          </a:p>
+          <a:p>
+            <a:r>
+              <a:rPr lang="en-US" dirty="0"/>
+              <a:t>Frequently used to remove external dependencies for Unit Testing</a:t>
+            </a:r>
+          </a:p>
+          <a:p>
+            <a:r>
+              <a:rPr lang="en-US" dirty="0"/>
+              <a:t>May be used in development or deployed when an external dependency is not available</a:t>
+            </a:r>
+          </a:p>
+          <a:p>
+            <a:r>
+              <a:rPr lang="en-US" dirty="0"/>
+              <a:t>May be used when simplified processing is sufficient</a:t>
+            </a:r>
+          </a:p>
+        </p:txBody>
+      </p:sp>
+      <p:sp>
+        <p:nvSpPr>
+          <p:cNvPr id="4" name="Slide Number Placeholder 3">
+            <a:extLst>
+              <a:ext uri="{FF2B5EF4-FFF2-40B4-BE49-F238E27FC236}">
+                <a16:creationId xmlns:a16="http://schemas.microsoft.com/office/drawing/2014/main" id="{18F6B167-2E13-4CC5-8122-3C6CE539F95A}"/>
+              </a:ext>
+            </a:extLst>
+          </p:cNvPr>
+          <p:cNvSpPr>
+            <a:spLocks noGrp="1"/>
+          </p:cNvSpPr>
+          <p:nvPr>
+            <p:ph type="sldNum" sz="quarter" idx="12"/>
+          </p:nvPr>
+        </p:nvSpPr>
+        <p:spPr/>
+        <p:txBody>
+          <a:bodyPr/>
+          <a:lstStyle/>
+          <a:p>
+            <a:fld id="{FB95DE3D-2950-4E4A-8781-5E9E0271AEF0}" type="slidenum">
+              <a:rPr lang="en-US" smtClean="0"/>
+              <a:t>15</a:t>
             </a:fld>
             <a:endParaRPr lang="en-US"/>
           </a:p>
@@ -7106,6 +9058,996 @@
     <p:extLst>
       <p:ext uri="{BB962C8B-B14F-4D97-AF65-F5344CB8AC3E}">
         <p14:creationId xmlns:p14="http://schemas.microsoft.com/office/powerpoint/2010/main" val="3948583333"/>
+      </p:ext>
+    </p:extLst>
+  </p:cSld>
+  <p:clrMapOvr>
+    <a:masterClrMapping/>
+  </p:clrMapOvr>
+</p:sld>
+</file>
+
+<file path=ppt/slides/slide16.xml><?xml version="1.0" encoding="utf-8"?>
+<p:sld xmlns:a="http://schemas.openxmlformats.org/drawingml/2006/main" xmlns:r="http://schemas.openxmlformats.org/officeDocument/2006/relationships" xmlns:p="http://schemas.openxmlformats.org/presentationml/2006/main">
+  <p:cSld>
+    <p:spTree>
+      <p:nvGrpSpPr>
+        <p:cNvPr id="1" name=""/>
+        <p:cNvGrpSpPr/>
+        <p:nvPr/>
+      </p:nvGrpSpPr>
+      <p:grpSpPr>
+        <a:xfrm>
+          <a:off x="0" y="0"/>
+          <a:ext cx="0" cy="0"/>
+          <a:chOff x="0" y="0"/>
+          <a:chExt cx="0" cy="0"/>
+        </a:xfrm>
+      </p:grpSpPr>
+      <p:sp>
+        <p:nvSpPr>
+          <p:cNvPr id="2" name="Title 1">
+            <a:extLst>
+              <a:ext uri="{FF2B5EF4-FFF2-40B4-BE49-F238E27FC236}">
+                <a16:creationId xmlns:a16="http://schemas.microsoft.com/office/drawing/2014/main" id="{C84D5C97-F32D-40FA-9158-36D14E0DABDA}"/>
+              </a:ext>
+            </a:extLst>
+          </p:cNvPr>
+          <p:cNvSpPr>
+            <a:spLocks noGrp="1"/>
+          </p:cNvSpPr>
+          <p:nvPr>
+            <p:ph type="title"/>
+          </p:nvPr>
+        </p:nvSpPr>
+        <p:spPr>
+          <a:xfrm>
+            <a:off x="646111" y="452718"/>
+            <a:ext cx="9404723" cy="767687"/>
+          </a:xfrm>
+        </p:spPr>
+        <p:txBody>
+          <a:bodyPr/>
+          <a:lstStyle/>
+          <a:p>
+            <a:r>
+              <a:rPr lang="en-US" dirty="0"/>
+              <a:t>Mocking in C#</a:t>
+            </a:r>
+          </a:p>
+        </p:txBody>
+      </p:sp>
+      <p:sp>
+        <p:nvSpPr>
+          <p:cNvPr id="4" name="Slide Number Placeholder 3">
+            <a:extLst>
+              <a:ext uri="{FF2B5EF4-FFF2-40B4-BE49-F238E27FC236}">
+                <a16:creationId xmlns:a16="http://schemas.microsoft.com/office/drawing/2014/main" id="{F2A483DB-7C90-4984-8889-8D07A266C39B}"/>
+              </a:ext>
+            </a:extLst>
+          </p:cNvPr>
+          <p:cNvSpPr>
+            <a:spLocks noGrp="1"/>
+          </p:cNvSpPr>
+          <p:nvPr>
+            <p:ph type="sldNum" sz="quarter" idx="12"/>
+          </p:nvPr>
+        </p:nvSpPr>
+        <p:spPr/>
+        <p:txBody>
+          <a:bodyPr/>
+          <a:lstStyle/>
+          <a:p>
+            <a:fld id="{FB95DE3D-2950-4E4A-8781-5E9E0271AEF0}" type="slidenum">
+              <a:rPr lang="en-US" smtClean="0"/>
+              <a:t>16</a:t>
+            </a:fld>
+            <a:endParaRPr lang="en-US"/>
+          </a:p>
+        </p:txBody>
+      </p:sp>
+      <p:sp>
+        <p:nvSpPr>
+          <p:cNvPr id="5" name="TextBox 4">
+            <a:extLst>
+              <a:ext uri="{FF2B5EF4-FFF2-40B4-BE49-F238E27FC236}">
+                <a16:creationId xmlns:a16="http://schemas.microsoft.com/office/drawing/2014/main" id="{A6716BE9-F64E-4E25-9ABB-DE512C45DC13}"/>
+              </a:ext>
+            </a:extLst>
+          </p:cNvPr>
+          <p:cNvSpPr txBox="1"/>
+          <p:nvPr/>
+        </p:nvSpPr>
+        <p:spPr>
+          <a:xfrm>
+            <a:off x="436728" y="1337481"/>
+            <a:ext cx="11423176" cy="5016758"/>
+          </a:xfrm>
+          <a:prstGeom prst="rect">
+            <a:avLst/>
+          </a:prstGeom>
+          <a:noFill/>
+        </p:spPr>
+        <p:txBody>
+          <a:bodyPr wrap="square" rtlCol="0">
+            <a:spAutoFit/>
+          </a:bodyPr>
+          <a:lstStyle/>
+          <a:p>
+            <a:r>
+              <a:rPr lang="en-US" sz="1600" dirty="0"/>
+              <a:t>public class </a:t>
+            </a:r>
+            <a:r>
+              <a:rPr lang="en-US" sz="1600" dirty="0" err="1"/>
+              <a:t>MyClass</a:t>
+            </a:r>
+            <a:endParaRPr lang="en-US" sz="1600" dirty="0"/>
+          </a:p>
+          <a:p>
+            <a:r>
+              <a:rPr lang="en-US" sz="1600" dirty="0"/>
+              <a:t>{</a:t>
+            </a:r>
+          </a:p>
+          <a:p>
+            <a:r>
+              <a:rPr lang="en-US" sz="1600" dirty="0"/>
+              <a:t>	public virtual </a:t>
+            </a:r>
+            <a:r>
+              <a:rPr lang="en-US" sz="1600" dirty="0" err="1"/>
+              <a:t>int</a:t>
+            </a:r>
+            <a:r>
+              <a:rPr lang="en-US" sz="1600" dirty="0"/>
+              <a:t> </a:t>
+            </a:r>
+            <a:r>
+              <a:rPr lang="en-US" sz="1600" dirty="0" err="1"/>
+              <a:t>ComplexCalculation</a:t>
+            </a:r>
+            <a:r>
+              <a:rPr lang="en-US" sz="1600" dirty="0"/>
+              <a:t>(</a:t>
+            </a:r>
+            <a:r>
+              <a:rPr lang="en-US" sz="1600" dirty="0" err="1"/>
+              <a:t>int</a:t>
+            </a:r>
+            <a:r>
+              <a:rPr lang="en-US" sz="1600" dirty="0"/>
+              <a:t> p1, </a:t>
+            </a:r>
+            <a:r>
+              <a:rPr lang="en-US" sz="1600" dirty="0" err="1"/>
+              <a:t>int</a:t>
+            </a:r>
+            <a:r>
+              <a:rPr lang="en-US" sz="1600" dirty="0"/>
+              <a:t> p2, </a:t>
+            </a:r>
+            <a:r>
+              <a:rPr lang="en-US" sz="1600" dirty="0" err="1"/>
+              <a:t>int</a:t>
+            </a:r>
+            <a:r>
+              <a:rPr lang="en-US" sz="1600" dirty="0"/>
+              <a:t> p3)</a:t>
+            </a:r>
+          </a:p>
+          <a:p>
+            <a:r>
+              <a:rPr lang="en-US" sz="1600" dirty="0"/>
+              <a:t>	{</a:t>
+            </a:r>
+          </a:p>
+          <a:p>
+            <a:r>
+              <a:rPr lang="en-US" sz="1600" dirty="0"/>
+              <a:t>	… do magic</a:t>
+            </a:r>
+          </a:p>
+          <a:p>
+            <a:r>
+              <a:rPr lang="en-US" sz="1600" dirty="0"/>
+              <a:t>	}</a:t>
+            </a:r>
+          </a:p>
+          <a:p>
+            <a:r>
+              <a:rPr lang="en-US" sz="1600" dirty="0"/>
+              <a:t>}</a:t>
+            </a:r>
+          </a:p>
+          <a:p>
+            <a:endParaRPr lang="en-US" sz="1600" dirty="0"/>
+          </a:p>
+          <a:p>
+            <a:r>
+              <a:rPr lang="en-US" sz="1600" dirty="0"/>
+              <a:t>public class </a:t>
+            </a:r>
+            <a:r>
+              <a:rPr lang="en-US" sz="1600" dirty="0" err="1"/>
+              <a:t>MyClassMock</a:t>
+            </a:r>
+            <a:r>
+              <a:rPr lang="en-US" sz="1600" dirty="0"/>
+              <a:t> : </a:t>
+            </a:r>
+            <a:r>
+              <a:rPr lang="en-US" sz="1600" dirty="0" err="1"/>
+              <a:t>MyClass</a:t>
+            </a:r>
+            <a:endParaRPr lang="en-US" sz="1600" dirty="0"/>
+          </a:p>
+          <a:p>
+            <a:r>
+              <a:rPr lang="en-US" sz="1600" dirty="0"/>
+              <a:t>{</a:t>
+            </a:r>
+          </a:p>
+          <a:p>
+            <a:r>
+              <a:rPr lang="en-US" sz="1600" dirty="0"/>
+              <a:t>	public override </a:t>
+            </a:r>
+            <a:r>
+              <a:rPr lang="en-US" sz="1600" dirty="0" err="1"/>
+              <a:t>int</a:t>
+            </a:r>
+            <a:r>
+              <a:rPr lang="en-US" sz="1600" dirty="0"/>
+              <a:t> </a:t>
+            </a:r>
+            <a:r>
+              <a:rPr lang="en-US" sz="1600" dirty="0" err="1"/>
+              <a:t>ComplexCalculation</a:t>
+            </a:r>
+            <a:r>
+              <a:rPr lang="en-US" sz="1600" dirty="0"/>
+              <a:t>(</a:t>
+            </a:r>
+            <a:r>
+              <a:rPr lang="en-US" sz="1600" dirty="0" err="1"/>
+              <a:t>int</a:t>
+            </a:r>
+            <a:r>
+              <a:rPr lang="en-US" sz="1600" dirty="0"/>
+              <a:t> p1, </a:t>
+            </a:r>
+            <a:r>
+              <a:rPr lang="en-US" sz="1600" dirty="0" err="1"/>
+              <a:t>int</a:t>
+            </a:r>
+            <a:r>
+              <a:rPr lang="en-US" sz="1600" dirty="0"/>
+              <a:t> p2, </a:t>
+            </a:r>
+            <a:r>
+              <a:rPr lang="en-US" sz="1600" dirty="0" err="1"/>
+              <a:t>int</a:t>
+            </a:r>
+            <a:r>
+              <a:rPr lang="en-US" sz="1600" dirty="0"/>
+              <a:t> p3)</a:t>
+            </a:r>
+          </a:p>
+          <a:p>
+            <a:r>
+              <a:rPr lang="en-US" sz="1600" dirty="0"/>
+              <a:t>	{</a:t>
+            </a:r>
+          </a:p>
+          <a:p>
+            <a:r>
+              <a:rPr lang="en-US" sz="1600" dirty="0"/>
+              <a:t>	return 1;</a:t>
+            </a:r>
+          </a:p>
+          <a:p>
+            <a:r>
+              <a:rPr lang="en-US" sz="1600" dirty="0"/>
+              <a:t>	}</a:t>
+            </a:r>
+          </a:p>
+          <a:p>
+            <a:r>
+              <a:rPr lang="en-US" sz="1600" dirty="0"/>
+              <a:t>}</a:t>
+            </a:r>
+          </a:p>
+          <a:p>
+            <a:endParaRPr lang="en-US" sz="1600" dirty="0"/>
+          </a:p>
+          <a:p>
+            <a:r>
+              <a:rPr lang="en-US" sz="1600" dirty="0"/>
+              <a:t>public </a:t>
+            </a:r>
+            <a:r>
+              <a:rPr lang="en-US" sz="1600" dirty="0" err="1"/>
+              <a:t>int</a:t>
+            </a:r>
+            <a:r>
+              <a:rPr lang="en-US" sz="1600" dirty="0"/>
+              <a:t> </a:t>
+            </a:r>
+            <a:r>
+              <a:rPr lang="en-US" sz="1600" dirty="0" err="1"/>
+              <a:t>DoWork</a:t>
+            </a:r>
+            <a:r>
+              <a:rPr lang="en-US" sz="1600" dirty="0"/>
+              <a:t>(</a:t>
+            </a:r>
+            <a:r>
+              <a:rPr lang="en-US" sz="1600" dirty="0" err="1"/>
+              <a:t>MyClass</a:t>
+            </a:r>
+            <a:r>
+              <a:rPr lang="en-US" sz="1600" dirty="0"/>
+              <a:t> </a:t>
+            </a:r>
+            <a:r>
+              <a:rPr lang="en-US" sz="1600" dirty="0" err="1"/>
+              <a:t>myClass</a:t>
+            </a:r>
+            <a:r>
+              <a:rPr lang="en-US" sz="1600" dirty="0"/>
+              <a:t>)</a:t>
+            </a:r>
+          </a:p>
+          <a:p>
+            <a:r>
+              <a:rPr lang="en-US" sz="1600" dirty="0"/>
+              <a:t>{</a:t>
+            </a:r>
+          </a:p>
+          <a:p>
+            <a:r>
+              <a:rPr lang="en-US" sz="1600" dirty="0"/>
+              <a:t>	return </a:t>
+            </a:r>
+            <a:r>
+              <a:rPr lang="en-US" sz="1600" dirty="0" err="1"/>
+              <a:t>myClass.ComplexCalculations</a:t>
+            </a:r>
+            <a:r>
+              <a:rPr lang="en-US" sz="1600" dirty="0"/>
+              <a:t>(1,2,3);</a:t>
+            </a:r>
+          </a:p>
+          <a:p>
+            <a:r>
+              <a:rPr lang="en-US" sz="1600" dirty="0"/>
+              <a:t>}</a:t>
+            </a:r>
+          </a:p>
+        </p:txBody>
+      </p:sp>
+    </p:spTree>
+    <p:extLst>
+      <p:ext uri="{BB962C8B-B14F-4D97-AF65-F5344CB8AC3E}">
+        <p14:creationId xmlns:p14="http://schemas.microsoft.com/office/powerpoint/2010/main" val="3182931456"/>
+      </p:ext>
+    </p:extLst>
+  </p:cSld>
+  <p:clrMapOvr>
+    <a:masterClrMapping/>
+  </p:clrMapOvr>
+</p:sld>
+</file>
+
+<file path=ppt/slides/slide17.xml><?xml version="1.0" encoding="utf-8"?>
+<p:sld xmlns:a="http://schemas.openxmlformats.org/drawingml/2006/main" xmlns:r="http://schemas.openxmlformats.org/officeDocument/2006/relationships" xmlns:p="http://schemas.openxmlformats.org/presentationml/2006/main">
+  <p:cSld>
+    <p:spTree>
+      <p:nvGrpSpPr>
+        <p:cNvPr id="1" name=""/>
+        <p:cNvGrpSpPr/>
+        <p:nvPr/>
+      </p:nvGrpSpPr>
+      <p:grpSpPr>
+        <a:xfrm>
+          <a:off x="0" y="0"/>
+          <a:ext cx="0" cy="0"/>
+          <a:chOff x="0" y="0"/>
+          <a:chExt cx="0" cy="0"/>
+        </a:xfrm>
+      </p:grpSpPr>
+      <p:sp>
+        <p:nvSpPr>
+          <p:cNvPr id="2" name="Title 1">
+            <a:extLst>
+              <a:ext uri="{FF2B5EF4-FFF2-40B4-BE49-F238E27FC236}">
+                <a16:creationId xmlns:a16="http://schemas.microsoft.com/office/drawing/2014/main" id="{698DCFB2-A5EF-4C09-8A62-51C867F4D9E7}"/>
+              </a:ext>
+            </a:extLst>
+          </p:cNvPr>
+          <p:cNvSpPr>
+            <a:spLocks noGrp="1"/>
+          </p:cNvSpPr>
+          <p:nvPr>
+            <p:ph type="title"/>
+          </p:nvPr>
+        </p:nvSpPr>
+        <p:spPr>
+          <a:xfrm>
+            <a:off x="646111" y="452718"/>
+            <a:ext cx="9404723" cy="810368"/>
+          </a:xfrm>
+        </p:spPr>
+        <p:txBody>
+          <a:bodyPr/>
+          <a:lstStyle/>
+          <a:p>
+            <a:r>
+              <a:rPr lang="en-US" dirty="0"/>
+              <a:t>Lots of Libraries</a:t>
+            </a:r>
+          </a:p>
+        </p:txBody>
+      </p:sp>
+      <p:sp>
+        <p:nvSpPr>
+          <p:cNvPr id="4" name="Slide Number Placeholder 3">
+            <a:extLst>
+              <a:ext uri="{FF2B5EF4-FFF2-40B4-BE49-F238E27FC236}">
+                <a16:creationId xmlns:a16="http://schemas.microsoft.com/office/drawing/2014/main" id="{A7015707-4745-45D7-9E1F-C8D15AFFFA57}"/>
+              </a:ext>
+            </a:extLst>
+          </p:cNvPr>
+          <p:cNvSpPr>
+            <a:spLocks noGrp="1"/>
+          </p:cNvSpPr>
+          <p:nvPr>
+            <p:ph type="sldNum" sz="quarter" idx="12"/>
+          </p:nvPr>
+        </p:nvSpPr>
+        <p:spPr/>
+        <p:txBody>
+          <a:bodyPr/>
+          <a:lstStyle/>
+          <a:p>
+            <a:fld id="{FB95DE3D-2950-4E4A-8781-5E9E0271AEF0}" type="slidenum">
+              <a:rPr lang="en-US" smtClean="0"/>
+              <a:t>17</a:t>
+            </a:fld>
+            <a:endParaRPr lang="en-US"/>
+          </a:p>
+        </p:txBody>
+      </p:sp>
+      <p:pic>
+        <p:nvPicPr>
+          <p:cNvPr id="1026" name="Picture 2" descr="https://i.imgflip.com/25duel.jpg">
+            <a:extLst>
+              <a:ext uri="{FF2B5EF4-FFF2-40B4-BE49-F238E27FC236}">
+                <a16:creationId xmlns:a16="http://schemas.microsoft.com/office/drawing/2014/main" id="{1F363A0D-95B0-4953-ABD6-A755570649A6}"/>
+              </a:ext>
+            </a:extLst>
+          </p:cNvPr>
+          <p:cNvPicPr>
+            <a:picLocks noChangeAspect="1" noChangeArrowheads="1"/>
+          </p:cNvPicPr>
+          <p:nvPr/>
+        </p:nvPicPr>
+        <p:blipFill>
+          <a:blip r:embed="rId2">
+            <a:extLst>
+              <a:ext uri="{28A0092B-C50C-407E-A947-70E740481C1C}">
+                <a14:useLocalDpi xmlns:a14="http://schemas.microsoft.com/office/drawing/2010/main" val="0"/>
+              </a:ext>
+            </a:extLst>
+          </a:blip>
+          <a:srcRect/>
+          <a:stretch>
+            <a:fillRect/>
+          </a:stretch>
+        </p:blipFill>
+        <p:spPr bwMode="auto">
+          <a:xfrm>
+            <a:off x="6783390" y="1873784"/>
+            <a:ext cx="4762500" cy="3629025"/>
+          </a:xfrm>
+          <a:prstGeom prst="rect">
+            <a:avLst/>
+          </a:prstGeom>
+          <a:noFill/>
+          <a:extLst>
+            <a:ext uri="{909E8E84-426E-40DD-AFC4-6F175D3DCCD1}">
+              <a14:hiddenFill xmlns:a14="http://schemas.microsoft.com/office/drawing/2010/main">
+                <a:solidFill>
+                  <a:srgbClr val="FFFFFF"/>
+                </a:solidFill>
+              </a14:hiddenFill>
+            </a:ext>
+          </a:extLst>
+        </p:spPr>
+      </p:pic>
+      <p:sp>
+        <p:nvSpPr>
+          <p:cNvPr id="5" name="TextBox 4">
+            <a:extLst>
+              <a:ext uri="{FF2B5EF4-FFF2-40B4-BE49-F238E27FC236}">
+                <a16:creationId xmlns:a16="http://schemas.microsoft.com/office/drawing/2014/main" id="{C7F4E7CE-E3FF-4F15-92F4-C5BDD523ACCD}"/>
+              </a:ext>
+            </a:extLst>
+          </p:cNvPr>
+          <p:cNvSpPr txBox="1"/>
+          <p:nvPr/>
+        </p:nvSpPr>
+        <p:spPr>
+          <a:xfrm>
+            <a:off x="646110" y="1263086"/>
+            <a:ext cx="6288055" cy="4893647"/>
+          </a:xfrm>
+          <a:prstGeom prst="rect">
+            <a:avLst/>
+          </a:prstGeom>
+          <a:noFill/>
+        </p:spPr>
+        <p:txBody>
+          <a:bodyPr wrap="square" numCol="3" rtlCol="0">
+            <a:spAutoFit/>
+          </a:bodyPr>
+          <a:lstStyle/>
+          <a:p>
+            <a:r>
+              <a:rPr lang="en-US" sz="2400" b="1" u="sng" dirty="0"/>
+              <a:t>DI/IOC</a:t>
+            </a:r>
+          </a:p>
+          <a:p>
+            <a:r>
+              <a:rPr lang="en-US" sz="2400" dirty="0"/>
+              <a:t>Castle</a:t>
+            </a:r>
+          </a:p>
+          <a:p>
+            <a:r>
+              <a:rPr lang="en-US" sz="2400" dirty="0"/>
+              <a:t>Structure Map</a:t>
+            </a:r>
+          </a:p>
+          <a:p>
+            <a:r>
+              <a:rPr lang="en-US" sz="2400" dirty="0"/>
+              <a:t>Spring.NET</a:t>
+            </a:r>
+          </a:p>
+          <a:p>
+            <a:r>
+              <a:rPr lang="en-US" sz="2400" dirty="0" err="1"/>
+              <a:t>Autofac</a:t>
+            </a:r>
+            <a:endParaRPr lang="en-US" sz="2400" dirty="0"/>
+          </a:p>
+          <a:p>
+            <a:r>
+              <a:rPr lang="en-US" sz="2400" dirty="0"/>
+              <a:t>Unity</a:t>
+            </a:r>
+          </a:p>
+          <a:p>
+            <a:r>
+              <a:rPr lang="en-US" sz="2400" dirty="0" err="1"/>
+              <a:t>Ninject</a:t>
+            </a:r>
+            <a:endParaRPr lang="en-US" sz="2400" dirty="0"/>
+          </a:p>
+          <a:p>
+            <a:r>
+              <a:rPr lang="en-US" sz="2400" dirty="0" err="1"/>
+              <a:t>LinFu</a:t>
+            </a:r>
+            <a:endParaRPr lang="en-US" sz="2400" dirty="0"/>
+          </a:p>
+          <a:p>
+            <a:r>
+              <a:rPr lang="en-US" sz="2400" dirty="0"/>
+              <a:t>DIY</a:t>
+            </a:r>
+          </a:p>
+          <a:p>
+            <a:endParaRPr lang="en-US" sz="2400" dirty="0"/>
+          </a:p>
+          <a:p>
+            <a:endParaRPr lang="en-US" sz="2400" dirty="0"/>
+          </a:p>
+          <a:p>
+            <a:endParaRPr lang="en-US" sz="2400" dirty="0"/>
+          </a:p>
+          <a:p>
+            <a:r>
+              <a:rPr lang="en-US" sz="2400" b="1" u="sng" dirty="0"/>
+              <a:t>Testing</a:t>
+            </a:r>
+          </a:p>
+          <a:p>
+            <a:r>
+              <a:rPr lang="en-US" sz="2400" dirty="0" err="1"/>
+              <a:t>MSTest</a:t>
+            </a:r>
+            <a:endParaRPr lang="en-US" sz="2400" dirty="0"/>
+          </a:p>
+          <a:p>
+            <a:r>
+              <a:rPr lang="en-US" sz="2400" dirty="0" err="1"/>
+              <a:t>NUnit</a:t>
+            </a:r>
+            <a:endParaRPr lang="en-US" sz="2400" dirty="0"/>
+          </a:p>
+          <a:p>
+            <a:r>
+              <a:rPr lang="en-US" sz="2400" dirty="0"/>
+              <a:t>Fuchu</a:t>
+            </a:r>
+          </a:p>
+          <a:p>
+            <a:r>
+              <a:rPr lang="en-US" sz="2400" dirty="0"/>
+              <a:t>DIY</a:t>
+            </a:r>
+          </a:p>
+          <a:p>
+            <a:endParaRPr lang="en-US" sz="2400" dirty="0"/>
+          </a:p>
+          <a:p>
+            <a:endParaRPr lang="en-US" sz="2400" dirty="0"/>
+          </a:p>
+          <a:p>
+            <a:endParaRPr lang="en-US" sz="2400" dirty="0"/>
+          </a:p>
+          <a:p>
+            <a:endParaRPr lang="en-US" sz="2400" dirty="0"/>
+          </a:p>
+          <a:p>
+            <a:endParaRPr lang="en-US" sz="2400" dirty="0"/>
+          </a:p>
+          <a:p>
+            <a:endParaRPr lang="en-US" sz="2400" dirty="0"/>
+          </a:p>
+          <a:p>
+            <a:endParaRPr lang="en-US" sz="2400" dirty="0"/>
+          </a:p>
+          <a:p>
+            <a:endParaRPr lang="en-US" sz="2400" dirty="0"/>
+          </a:p>
+          <a:p>
+            <a:r>
+              <a:rPr lang="en-US" sz="2400" b="1" u="sng" dirty="0"/>
+              <a:t>Mocking</a:t>
+            </a:r>
+          </a:p>
+          <a:p>
+            <a:r>
+              <a:rPr lang="en-US" sz="2400" dirty="0" err="1"/>
+              <a:t>FakeItEasy</a:t>
+            </a:r>
+            <a:endParaRPr lang="en-US" sz="2400" dirty="0"/>
+          </a:p>
+          <a:p>
+            <a:r>
+              <a:rPr lang="en-US" sz="2400" dirty="0" err="1"/>
+              <a:t>NSubstitute</a:t>
+            </a:r>
+            <a:endParaRPr lang="en-US" sz="2400" dirty="0"/>
+          </a:p>
+          <a:p>
+            <a:r>
+              <a:rPr lang="en-US" sz="2400" dirty="0" err="1"/>
+              <a:t>JustMock</a:t>
+            </a:r>
+            <a:endParaRPr lang="en-US" sz="2400" dirty="0"/>
+          </a:p>
+          <a:p>
+            <a:r>
+              <a:rPr lang="en-US" sz="2400" dirty="0" err="1"/>
+              <a:t>Moq</a:t>
+            </a:r>
+            <a:endParaRPr lang="en-US" sz="2400" dirty="0"/>
+          </a:p>
+          <a:p>
+            <a:r>
+              <a:rPr lang="en-US" sz="2400" dirty="0"/>
+              <a:t>DIY</a:t>
+            </a:r>
+          </a:p>
+        </p:txBody>
+      </p:sp>
+    </p:spTree>
+    <p:extLst>
+      <p:ext uri="{BB962C8B-B14F-4D97-AF65-F5344CB8AC3E}">
+        <p14:creationId xmlns:p14="http://schemas.microsoft.com/office/powerpoint/2010/main" val="1385881067"/>
+      </p:ext>
+    </p:extLst>
+  </p:cSld>
+  <p:clrMapOvr>
+    <a:masterClrMapping/>
+  </p:clrMapOvr>
+</p:sld>
+</file>
+
+<file path=ppt/slides/slide18.xml><?xml version="1.0" encoding="utf-8"?>
+<p:sld xmlns:a="http://schemas.openxmlformats.org/drawingml/2006/main" xmlns:r="http://schemas.openxmlformats.org/officeDocument/2006/relationships" xmlns:p="http://schemas.openxmlformats.org/presentationml/2006/main">
+  <p:cSld>
+    <p:spTree>
+      <p:nvGrpSpPr>
+        <p:cNvPr id="1" name=""/>
+        <p:cNvGrpSpPr/>
+        <p:nvPr/>
+      </p:nvGrpSpPr>
+      <p:grpSpPr>
+        <a:xfrm>
+          <a:off x="0" y="0"/>
+          <a:ext cx="0" cy="0"/>
+          <a:chOff x="0" y="0"/>
+          <a:chExt cx="0" cy="0"/>
+        </a:xfrm>
+      </p:grpSpPr>
+      <p:sp>
+        <p:nvSpPr>
+          <p:cNvPr id="2" name="Title 1">
+            <a:extLst>
+              <a:ext uri="{FF2B5EF4-FFF2-40B4-BE49-F238E27FC236}">
+                <a16:creationId xmlns:a16="http://schemas.microsoft.com/office/drawing/2014/main" id="{91712D14-C1E2-43E2-B619-A274F85F6BDF}"/>
+              </a:ext>
+            </a:extLst>
+          </p:cNvPr>
+          <p:cNvSpPr>
+            <a:spLocks noGrp="1"/>
+          </p:cNvSpPr>
+          <p:nvPr>
+            <p:ph type="title"/>
+          </p:nvPr>
+        </p:nvSpPr>
+        <p:spPr/>
+        <p:txBody>
+          <a:bodyPr/>
+          <a:lstStyle/>
+          <a:p>
+            <a:r>
+              <a:rPr lang="en-US" dirty="0"/>
+              <a:t>DI and IOC more than just mocking and testing</a:t>
+            </a:r>
+          </a:p>
+        </p:txBody>
+      </p:sp>
+      <p:sp>
+        <p:nvSpPr>
+          <p:cNvPr id="3" name="Content Placeholder 2">
+            <a:extLst>
+              <a:ext uri="{FF2B5EF4-FFF2-40B4-BE49-F238E27FC236}">
+                <a16:creationId xmlns:a16="http://schemas.microsoft.com/office/drawing/2014/main" id="{7344FB00-FA52-4392-89D8-8C3EFECFFE8B}"/>
+              </a:ext>
+            </a:extLst>
+          </p:cNvPr>
+          <p:cNvSpPr>
+            <a:spLocks noGrp="1"/>
+          </p:cNvSpPr>
+          <p:nvPr>
+            <p:ph idx="1"/>
+          </p:nvPr>
+        </p:nvSpPr>
+        <p:spPr/>
+        <p:txBody>
+          <a:bodyPr/>
+          <a:lstStyle/>
+          <a:p>
+            <a:r>
+              <a:rPr lang="en-US" dirty="0"/>
+              <a:t>Aspect Oriented Programming (AOP)</a:t>
+            </a:r>
+          </a:p>
+          <a:p>
+            <a:r>
+              <a:rPr lang="en-US" dirty="0"/>
+              <a:t>Event Management</a:t>
+            </a:r>
+          </a:p>
+          <a:p>
+            <a:r>
+              <a:rPr lang="en-US" dirty="0"/>
+              <a:t>Command Pattern</a:t>
+            </a:r>
+          </a:p>
+          <a:p>
+            <a:r>
+              <a:rPr lang="en-US" dirty="0"/>
+              <a:t>Lambda Composition</a:t>
+            </a:r>
+          </a:p>
+          <a:p>
+            <a:r>
+              <a:rPr lang="en-US" dirty="0"/>
+              <a:t>State Management</a:t>
+            </a:r>
+          </a:p>
+          <a:p>
+            <a:r>
+              <a:rPr lang="en-US" dirty="0"/>
+              <a:t>Functional Programming</a:t>
+            </a:r>
+          </a:p>
+          <a:p>
+            <a:r>
+              <a:rPr lang="en-US"/>
+              <a:t>Many more…</a:t>
+            </a:r>
+            <a:endParaRPr lang="en-US" dirty="0"/>
+          </a:p>
+        </p:txBody>
+      </p:sp>
+      <p:sp>
+        <p:nvSpPr>
+          <p:cNvPr id="4" name="Slide Number Placeholder 3">
+            <a:extLst>
+              <a:ext uri="{FF2B5EF4-FFF2-40B4-BE49-F238E27FC236}">
+                <a16:creationId xmlns:a16="http://schemas.microsoft.com/office/drawing/2014/main" id="{343F7C04-6FFA-462A-A174-210455564817}"/>
+              </a:ext>
+            </a:extLst>
+          </p:cNvPr>
+          <p:cNvSpPr>
+            <a:spLocks noGrp="1"/>
+          </p:cNvSpPr>
+          <p:nvPr>
+            <p:ph type="sldNum" sz="quarter" idx="12"/>
+          </p:nvPr>
+        </p:nvSpPr>
+        <p:spPr/>
+        <p:txBody>
+          <a:bodyPr/>
+          <a:lstStyle/>
+          <a:p>
+            <a:fld id="{FB95DE3D-2950-4E4A-8781-5E9E0271AEF0}" type="slidenum">
+              <a:rPr lang="en-US" smtClean="0"/>
+              <a:t>18</a:t>
+            </a:fld>
+            <a:endParaRPr lang="en-US"/>
+          </a:p>
+        </p:txBody>
+      </p:sp>
+    </p:spTree>
+    <p:extLst>
+      <p:ext uri="{BB962C8B-B14F-4D97-AF65-F5344CB8AC3E}">
+        <p14:creationId xmlns:p14="http://schemas.microsoft.com/office/powerpoint/2010/main" val="3933789139"/>
+      </p:ext>
+    </p:extLst>
+  </p:cSld>
+  <p:clrMapOvr>
+    <a:masterClrMapping/>
+  </p:clrMapOvr>
+</p:sld>
+</file>
+
+<file path=ppt/slides/slide19.xml><?xml version="1.0" encoding="utf-8"?>
+<p:sld xmlns:a="http://schemas.openxmlformats.org/drawingml/2006/main" xmlns:r="http://schemas.openxmlformats.org/officeDocument/2006/relationships" xmlns:p="http://schemas.openxmlformats.org/presentationml/2006/main">
+  <p:cSld>
+    <p:spTree>
+      <p:nvGrpSpPr>
+        <p:cNvPr id="1" name=""/>
+        <p:cNvGrpSpPr/>
+        <p:nvPr/>
+      </p:nvGrpSpPr>
+      <p:grpSpPr>
+        <a:xfrm>
+          <a:off x="0" y="0"/>
+          <a:ext cx="0" cy="0"/>
+          <a:chOff x="0" y="0"/>
+          <a:chExt cx="0" cy="0"/>
+        </a:xfrm>
+      </p:grpSpPr>
+      <p:sp>
+        <p:nvSpPr>
+          <p:cNvPr id="2" name="Title 1">
+            <a:extLst>
+              <a:ext uri="{FF2B5EF4-FFF2-40B4-BE49-F238E27FC236}">
+                <a16:creationId xmlns:a16="http://schemas.microsoft.com/office/drawing/2014/main" id="{9C6A87FE-C15E-48A8-8692-EA3224246F03}"/>
+              </a:ext>
+            </a:extLst>
+          </p:cNvPr>
+          <p:cNvSpPr>
+            <a:spLocks noGrp="1"/>
+          </p:cNvSpPr>
+          <p:nvPr>
+            <p:ph type="title"/>
+          </p:nvPr>
+        </p:nvSpPr>
+        <p:spPr/>
+        <p:txBody>
+          <a:bodyPr/>
+          <a:lstStyle/>
+          <a:p>
+            <a:pPr algn="ctr"/>
+            <a:r>
+              <a:rPr lang="en-US" dirty="0"/>
+              <a:t>Let’s see the freaking code already!!!!</a:t>
+            </a:r>
+          </a:p>
+        </p:txBody>
+      </p:sp>
+      <p:sp>
+        <p:nvSpPr>
+          <p:cNvPr id="4" name="Slide Number Placeholder 3">
+            <a:extLst>
+              <a:ext uri="{FF2B5EF4-FFF2-40B4-BE49-F238E27FC236}">
+                <a16:creationId xmlns:a16="http://schemas.microsoft.com/office/drawing/2014/main" id="{2B9FAFDB-0B39-4593-96B9-AC82AC648700}"/>
+              </a:ext>
+            </a:extLst>
+          </p:cNvPr>
+          <p:cNvSpPr>
+            <a:spLocks noGrp="1"/>
+          </p:cNvSpPr>
+          <p:nvPr>
+            <p:ph type="sldNum" sz="quarter" idx="12"/>
+          </p:nvPr>
+        </p:nvSpPr>
+        <p:spPr/>
+        <p:txBody>
+          <a:bodyPr/>
+          <a:lstStyle/>
+          <a:p>
+            <a:fld id="{FB95DE3D-2950-4E4A-8781-5E9E0271AEF0}" type="slidenum">
+              <a:rPr lang="en-US" smtClean="0"/>
+              <a:t>19</a:t>
+            </a:fld>
+            <a:endParaRPr lang="en-US"/>
+          </a:p>
+        </p:txBody>
+      </p:sp>
+      <p:pic>
+        <p:nvPicPr>
+          <p:cNvPr id="2050" name="Picture 2" descr="https://i.imgflip.com/25dv84.jpg">
+            <a:extLst>
+              <a:ext uri="{FF2B5EF4-FFF2-40B4-BE49-F238E27FC236}">
+                <a16:creationId xmlns:a16="http://schemas.microsoft.com/office/drawing/2014/main" id="{92B9D1E8-2C1F-4EC9-BEC8-C69353370828}"/>
+              </a:ext>
+            </a:extLst>
+          </p:cNvPr>
+          <p:cNvPicPr>
+            <a:picLocks noChangeAspect="1" noChangeArrowheads="1"/>
+          </p:cNvPicPr>
+          <p:nvPr/>
+        </p:nvPicPr>
+        <p:blipFill>
+          <a:blip r:embed="rId2">
+            <a:extLst>
+              <a:ext uri="{28A0092B-C50C-407E-A947-70E740481C1C}">
+                <a14:useLocalDpi xmlns:a14="http://schemas.microsoft.com/office/drawing/2010/main" val="0"/>
+              </a:ext>
+            </a:extLst>
+          </a:blip>
+          <a:srcRect/>
+          <a:stretch>
+            <a:fillRect/>
+          </a:stretch>
+        </p:blipFill>
+        <p:spPr bwMode="auto">
+          <a:xfrm>
+            <a:off x="1640254" y="1888356"/>
+            <a:ext cx="8227077" cy="4436169"/>
+          </a:xfrm>
+          <a:prstGeom prst="rect">
+            <a:avLst/>
+          </a:prstGeom>
+          <a:noFill/>
+          <a:extLst>
+            <a:ext uri="{909E8E84-426E-40DD-AFC4-6F175D3DCCD1}">
+              <a14:hiddenFill xmlns:a14="http://schemas.microsoft.com/office/drawing/2010/main">
+                <a:solidFill>
+                  <a:srgbClr val="FFFFFF"/>
+                </a:solidFill>
+              </a14:hiddenFill>
+            </a:ext>
+          </a:extLst>
+        </p:spPr>
+      </p:pic>
+    </p:spTree>
+    <p:extLst>
+      <p:ext uri="{BB962C8B-B14F-4D97-AF65-F5344CB8AC3E}">
+        <p14:creationId xmlns:p14="http://schemas.microsoft.com/office/powerpoint/2010/main" val="1475535424"/>
       </p:ext>
     </p:extLst>
   </p:cSld>
@@ -7313,6 +10255,250 @@
     <p:extLst>
       <p:ext uri="{BB962C8B-B14F-4D97-AF65-F5344CB8AC3E}">
         <p14:creationId xmlns:p14="http://schemas.microsoft.com/office/powerpoint/2010/main" val="2232725823"/>
+      </p:ext>
+    </p:extLst>
+  </p:cSld>
+  <p:clrMapOvr>
+    <a:masterClrMapping/>
+  </p:clrMapOvr>
+</p:sld>
+</file>
+
+<file path=ppt/slides/slide20.xml><?xml version="1.0" encoding="utf-8"?>
+<p:sld xmlns:a="http://schemas.openxmlformats.org/drawingml/2006/main" xmlns:r="http://schemas.openxmlformats.org/officeDocument/2006/relationships" xmlns:p="http://schemas.openxmlformats.org/presentationml/2006/main">
+  <p:cSld>
+    <p:spTree>
+      <p:nvGrpSpPr>
+        <p:cNvPr id="1" name=""/>
+        <p:cNvGrpSpPr/>
+        <p:nvPr/>
+      </p:nvGrpSpPr>
+      <p:grpSpPr>
+        <a:xfrm>
+          <a:off x="0" y="0"/>
+          <a:ext cx="0" cy="0"/>
+          <a:chOff x="0" y="0"/>
+          <a:chExt cx="0" cy="0"/>
+        </a:xfrm>
+      </p:grpSpPr>
+      <p:sp>
+        <p:nvSpPr>
+          <p:cNvPr id="4" name="Slide Number Placeholder 3">
+            <a:extLst>
+              <a:ext uri="{FF2B5EF4-FFF2-40B4-BE49-F238E27FC236}">
+                <a16:creationId xmlns:a16="http://schemas.microsoft.com/office/drawing/2014/main" id="{22F25255-59B8-4D74-A569-151A6B9D47DF}"/>
+              </a:ext>
+            </a:extLst>
+          </p:cNvPr>
+          <p:cNvSpPr>
+            <a:spLocks noGrp="1"/>
+          </p:cNvSpPr>
+          <p:nvPr>
+            <p:ph type="sldNum" sz="quarter" idx="12"/>
+          </p:nvPr>
+        </p:nvSpPr>
+        <p:spPr/>
+        <p:txBody>
+          <a:bodyPr/>
+          <a:lstStyle/>
+          <a:p>
+            <a:fld id="{FB95DE3D-2950-4E4A-8781-5E9E0271AEF0}" type="slidenum">
+              <a:rPr lang="en-US" smtClean="0"/>
+              <a:t>20</a:t>
+            </a:fld>
+            <a:endParaRPr lang="en-US"/>
+          </a:p>
+        </p:txBody>
+      </p:sp>
+      <p:sp>
+        <p:nvSpPr>
+          <p:cNvPr id="5" name="TextBox 4">
+            <a:extLst>
+              <a:ext uri="{FF2B5EF4-FFF2-40B4-BE49-F238E27FC236}">
+                <a16:creationId xmlns:a16="http://schemas.microsoft.com/office/drawing/2014/main" id="{EB43C8A6-5EC6-4E7A-95EE-B589A81CBAC0}"/>
+              </a:ext>
+            </a:extLst>
+          </p:cNvPr>
+          <p:cNvSpPr txBox="1"/>
+          <p:nvPr/>
+        </p:nvSpPr>
+        <p:spPr>
+          <a:xfrm>
+            <a:off x="1619534" y="2274838"/>
+            <a:ext cx="8952932" cy="2308324"/>
+          </a:xfrm>
+          <a:prstGeom prst="rect">
+            <a:avLst/>
+          </a:prstGeom>
+          <a:noFill/>
+        </p:spPr>
+        <p:txBody>
+          <a:bodyPr wrap="square" rtlCol="0">
+            <a:spAutoFit/>
+          </a:bodyPr>
+          <a:lstStyle/>
+          <a:p>
+            <a:pPr algn="ctr"/>
+            <a:r>
+              <a:rPr lang="en-US" sz="7200" dirty="0"/>
+              <a:t>Switch to </a:t>
+            </a:r>
+          </a:p>
+          <a:p>
+            <a:pPr algn="ctr"/>
+            <a:r>
+              <a:rPr lang="en-US" sz="7200" dirty="0"/>
+              <a:t>Visual Stupid Slow</a:t>
+            </a:r>
+          </a:p>
+        </p:txBody>
+      </p:sp>
+    </p:spTree>
+    <p:extLst>
+      <p:ext uri="{BB962C8B-B14F-4D97-AF65-F5344CB8AC3E}">
+        <p14:creationId xmlns:p14="http://schemas.microsoft.com/office/powerpoint/2010/main" val="1831823395"/>
+      </p:ext>
+    </p:extLst>
+  </p:cSld>
+  <p:clrMapOvr>
+    <a:masterClrMapping/>
+  </p:clrMapOvr>
+</p:sld>
+</file>
+
+<file path=ppt/slides/slide21.xml><?xml version="1.0" encoding="utf-8"?>
+<p:sld xmlns:a="http://schemas.openxmlformats.org/drawingml/2006/main" xmlns:r="http://schemas.openxmlformats.org/officeDocument/2006/relationships" xmlns:p="http://schemas.openxmlformats.org/presentationml/2006/main">
+  <p:cSld>
+    <p:spTree>
+      <p:nvGrpSpPr>
+        <p:cNvPr id="1" name=""/>
+        <p:cNvGrpSpPr/>
+        <p:nvPr/>
+      </p:nvGrpSpPr>
+      <p:grpSpPr>
+        <a:xfrm>
+          <a:off x="0" y="0"/>
+          <a:ext cx="0" cy="0"/>
+          <a:chOff x="0" y="0"/>
+          <a:chExt cx="0" cy="0"/>
+        </a:xfrm>
+      </p:grpSpPr>
+      <p:sp>
+        <p:nvSpPr>
+          <p:cNvPr id="2" name="Title 1">
+            <a:extLst>
+              <a:ext uri="{FF2B5EF4-FFF2-40B4-BE49-F238E27FC236}">
+                <a16:creationId xmlns:a16="http://schemas.microsoft.com/office/drawing/2014/main" id="{45D0B4C0-4FB8-4824-9A30-5FE911A7CC0C}"/>
+              </a:ext>
+            </a:extLst>
+          </p:cNvPr>
+          <p:cNvSpPr>
+            <a:spLocks noGrp="1"/>
+          </p:cNvSpPr>
+          <p:nvPr>
+            <p:ph type="title"/>
+          </p:nvPr>
+        </p:nvSpPr>
+        <p:spPr/>
+        <p:txBody>
+          <a:bodyPr/>
+          <a:lstStyle/>
+          <a:p>
+            <a:pPr algn="ctr"/>
+            <a:r>
+              <a:rPr lang="en-US" dirty="0"/>
+              <a:t>The true reason why we are here</a:t>
+            </a:r>
+            <a:br>
+              <a:rPr lang="en-US" dirty="0"/>
+            </a:br>
+            <a:r>
+              <a:rPr lang="en-US" dirty="0"/>
+              <a:t>Prizes and Beer!!!</a:t>
+            </a:r>
+          </a:p>
+        </p:txBody>
+      </p:sp>
+      <p:sp>
+        <p:nvSpPr>
+          <p:cNvPr id="4" name="Slide Number Placeholder 3">
+            <a:extLst>
+              <a:ext uri="{FF2B5EF4-FFF2-40B4-BE49-F238E27FC236}">
+                <a16:creationId xmlns:a16="http://schemas.microsoft.com/office/drawing/2014/main" id="{2CC71003-5009-406E-95DF-486EBE9F6B16}"/>
+              </a:ext>
+            </a:extLst>
+          </p:cNvPr>
+          <p:cNvSpPr>
+            <a:spLocks noGrp="1"/>
+          </p:cNvSpPr>
+          <p:nvPr>
+            <p:ph type="sldNum" sz="quarter" idx="12"/>
+          </p:nvPr>
+        </p:nvSpPr>
+        <p:spPr/>
+        <p:txBody>
+          <a:bodyPr/>
+          <a:lstStyle/>
+          <a:p>
+            <a:fld id="{FB95DE3D-2950-4E4A-8781-5E9E0271AEF0}" type="slidenum">
+              <a:rPr lang="en-US" smtClean="0"/>
+              <a:t>21</a:t>
+            </a:fld>
+            <a:endParaRPr lang="en-US"/>
+          </a:p>
+        </p:txBody>
+      </p:sp>
+      <p:pic>
+        <p:nvPicPr>
+          <p:cNvPr id="3074" name="Picture 2" descr="https://i.imgflip.com/25dvgl.jpg">
+            <a:extLst>
+              <a:ext uri="{FF2B5EF4-FFF2-40B4-BE49-F238E27FC236}">
+                <a16:creationId xmlns:a16="http://schemas.microsoft.com/office/drawing/2014/main" id="{7371E1F0-E29A-481A-875D-0190E8C348E7}"/>
+              </a:ext>
+            </a:extLst>
+          </p:cNvPr>
+          <p:cNvPicPr>
+            <a:picLocks noChangeAspect="1" noChangeArrowheads="1"/>
+          </p:cNvPicPr>
+          <p:nvPr/>
+        </p:nvPicPr>
+        <p:blipFill>
+          <a:blip r:embed="rId2">
+            <a:extLst>
+              <a:ext uri="{28A0092B-C50C-407E-A947-70E740481C1C}">
+                <a14:useLocalDpi xmlns:a14="http://schemas.microsoft.com/office/drawing/2010/main" val="0"/>
+              </a:ext>
+            </a:extLst>
+          </a:blip>
+          <a:srcRect/>
+          <a:stretch>
+            <a:fillRect/>
+          </a:stretch>
+        </p:blipFill>
+        <p:spPr bwMode="auto">
+          <a:xfrm>
+            <a:off x="2141166" y="1853248"/>
+            <a:ext cx="6461675" cy="4689925"/>
+          </a:xfrm>
+          <a:prstGeom prst="rect">
+            <a:avLst/>
+          </a:prstGeom>
+          <a:noFill/>
+          <a:extLst>
+            <a:ext uri="{909E8E84-426E-40DD-AFC4-6F175D3DCCD1}">
+              <a14:hiddenFill xmlns:a14="http://schemas.microsoft.com/office/drawing/2010/main">
+                <a:solidFill>
+                  <a:srgbClr val="FFFFFF"/>
+                </a:solidFill>
+              </a14:hiddenFill>
+            </a:ext>
+          </a:extLst>
+        </p:spPr>
+      </p:pic>
+    </p:spTree>
+    <p:extLst>
+      <p:ext uri="{BB962C8B-B14F-4D97-AF65-F5344CB8AC3E}">
+        <p14:creationId xmlns:p14="http://schemas.microsoft.com/office/powerpoint/2010/main" val="3259424508"/>
       </p:ext>
     </p:extLst>
   </p:cSld>
@@ -8030,7 +11216,7 @@
         </p:nvSpPr>
         <p:spPr>
           <a:xfrm>
-            <a:off x="562774" y="1596788"/>
+            <a:off x="344405" y="1596788"/>
             <a:ext cx="8946541" cy="4637963"/>
           </a:xfrm>
         </p:spPr>
@@ -8233,7 +11419,7 @@
         </p:blipFill>
         <p:spPr bwMode="auto">
           <a:xfrm>
-            <a:off x="8871402" y="1853248"/>
+            <a:off x="8569696" y="1596788"/>
             <a:ext cx="2962275" cy="3810000"/>
           </a:xfrm>
           <a:prstGeom prst="rect">
@@ -8477,7 +11663,7 @@
           <p:cNvPr id="2" name="Title 1">
             <a:extLst>
               <a:ext uri="{FF2B5EF4-FFF2-40B4-BE49-F238E27FC236}">
-                <a16:creationId xmlns:a16="http://schemas.microsoft.com/office/drawing/2014/main" id="{20682A1B-32ED-4EA8-A382-DBDB5A66B256}"/>
+                <a16:creationId xmlns:a16="http://schemas.microsoft.com/office/drawing/2014/main" id="{C5F6FC87-4F17-4153-AE34-427BF237906E}"/>
               </a:ext>
             </a:extLst>
           </p:cNvPr>
@@ -8488,21 +11674,20 @@
             <p:ph type="title"/>
           </p:nvPr>
         </p:nvSpPr>
-        <p:spPr/>
+        <p:spPr>
+          <a:xfrm>
+            <a:off x="646111" y="452717"/>
+            <a:ext cx="9404723" cy="1444321"/>
+          </a:xfrm>
+        </p:spPr>
         <p:txBody>
           <a:bodyPr/>
           <a:lstStyle/>
           <a:p>
-            <a:r>
-              <a:rPr lang="en-US" dirty="0"/>
-              <a:t>What is DI?</a:t>
-            </a:r>
-            <a:br>
-              <a:rPr lang="en-US" dirty="0"/>
-            </a:br>
-            <a:r>
-              <a:rPr lang="en-US" dirty="0"/>
-              <a:t>	(Dependency Injection)</a:t>
+            <a:pPr algn="ctr"/>
+            <a:r>
+              <a:rPr lang="en-US" dirty="0"/>
+              <a:t>3 Types of Software Engineering Abstractions</a:t>
             </a:r>
           </a:p>
         </p:txBody>
@@ -8512,7 +11697,7 @@
           <p:cNvPr id="3" name="Content Placeholder 2">
             <a:extLst>
               <a:ext uri="{FF2B5EF4-FFF2-40B4-BE49-F238E27FC236}">
-                <a16:creationId xmlns:a16="http://schemas.microsoft.com/office/drawing/2014/main" id="{B4B912AC-4C96-4499-9B8F-134A6D06A133}"/>
+                <a16:creationId xmlns:a16="http://schemas.microsoft.com/office/drawing/2014/main" id="{6E7F8D11-975E-46B8-8AB4-EC9E36A624AD}"/>
               </a:ext>
             </a:extLst>
           </p:cNvPr>
@@ -8523,12 +11708,97 @@
             <p:ph idx="1"/>
           </p:nvPr>
         </p:nvSpPr>
-        <p:spPr/>
+        <p:spPr>
+          <a:xfrm>
+            <a:off x="1103312" y="1801504"/>
+            <a:ext cx="10442577" cy="4760767"/>
+          </a:xfrm>
+        </p:spPr>
         <p:txBody>
           <a:bodyPr/>
           <a:lstStyle/>
           <a:p>
-            <a:endParaRPr lang="en-US" dirty="0"/>
+            <a:r>
+              <a:rPr lang="en-US" b="1" u="sng" dirty="0"/>
+              <a:t>Structural Abstractions (What)</a:t>
+            </a:r>
+          </a:p>
+          <a:p>
+            <a:pPr lvl="1"/>
+            <a:r>
+              <a:rPr lang="en-US" dirty="0"/>
+              <a:t>What the objects and methods want to process data</a:t>
+            </a:r>
+          </a:p>
+          <a:p>
+            <a:pPr lvl="1"/>
+            <a:r>
+              <a:rPr lang="en-US" dirty="0"/>
+              <a:t>Shape of objects (public properties, methods, </a:t>
+            </a:r>
+            <a:r>
+              <a:rPr lang="en-US" dirty="0" err="1"/>
+              <a:t>enums</a:t>
+            </a:r>
+            <a:r>
+              <a:rPr lang="en-US" dirty="0"/>
+              <a:t>, etc.)</a:t>
+            </a:r>
+          </a:p>
+          <a:p>
+            <a:pPr lvl="1"/>
+            <a:r>
+              <a:rPr lang="en-US" dirty="0"/>
+              <a:t>Shape of execution (parameters, return types, etc.)</a:t>
+            </a:r>
+          </a:p>
+          <a:p>
+            <a:r>
+              <a:rPr lang="en-US" b="1" u="sng" dirty="0"/>
+              <a:t>Functional Abstractions (How)</a:t>
+            </a:r>
+          </a:p>
+          <a:p>
+            <a:pPr lvl="1"/>
+            <a:r>
+              <a:rPr lang="en-US" dirty="0"/>
+              <a:t>How the program works (algorithms, order of execution, problem dissection)</a:t>
+            </a:r>
+          </a:p>
+          <a:p>
+            <a:pPr lvl="1"/>
+            <a:r>
+              <a:rPr lang="en-US" dirty="0"/>
+              <a:t>Implementations of objects (code specific processing)</a:t>
+            </a:r>
+          </a:p>
+          <a:p>
+            <a:r>
+              <a:rPr lang="en-US" b="1" u="sng" dirty="0"/>
+              <a:t>Conceptual Abstractions (Why)</a:t>
+            </a:r>
+          </a:p>
+          <a:p>
+            <a:pPr lvl="1"/>
+            <a:r>
+              <a:rPr lang="en-US" dirty="0"/>
+              <a:t>Why the developer organized code and processing (private properties, methods, </a:t>
+            </a:r>
+            <a:r>
+              <a:rPr lang="en-US" dirty="0" err="1"/>
+              <a:t>enums</a:t>
+            </a:r>
+            <a:r>
+              <a:rPr lang="en-US" dirty="0"/>
+              <a:t>, etc.)</a:t>
+            </a:r>
+          </a:p>
+          <a:p>
+            <a:pPr lvl="1"/>
+            <a:r>
+              <a:rPr lang="en-US" dirty="0"/>
+              <a:t>Variable and Method naming</a:t>
+            </a:r>
           </a:p>
         </p:txBody>
       </p:sp>
@@ -8537,7 +11807,7 @@
           <p:cNvPr id="4" name="Slide Number Placeholder 3">
             <a:extLst>
               <a:ext uri="{FF2B5EF4-FFF2-40B4-BE49-F238E27FC236}">
-                <a16:creationId xmlns:a16="http://schemas.microsoft.com/office/drawing/2014/main" id="{1C40F3ED-0859-414E-A689-6B2CD69C7E31}"/>
+                <a16:creationId xmlns:a16="http://schemas.microsoft.com/office/drawing/2014/main" id="{5425486E-D18B-4D78-9D28-2E8A9FA88A0F}"/>
               </a:ext>
             </a:extLst>
           </p:cNvPr>
@@ -8564,7 +11834,7 @@
     </p:spTree>
     <p:extLst>
       <p:ext uri="{BB962C8B-B14F-4D97-AF65-F5344CB8AC3E}">
-        <p14:creationId xmlns:p14="http://schemas.microsoft.com/office/powerpoint/2010/main" val="758762179"/>
+        <p14:creationId xmlns:p14="http://schemas.microsoft.com/office/powerpoint/2010/main" val="2635404593"/>
       </p:ext>
     </p:extLst>
   </p:cSld>
@@ -8596,7 +11866,7 @@
           <p:cNvPr id="2" name="Title 1">
             <a:extLst>
               <a:ext uri="{FF2B5EF4-FFF2-40B4-BE49-F238E27FC236}">
-                <a16:creationId xmlns:a16="http://schemas.microsoft.com/office/drawing/2014/main" id="{BEFA3574-0A1C-40DF-87E8-366E9E5ED24A}"/>
+                <a16:creationId xmlns:a16="http://schemas.microsoft.com/office/drawing/2014/main" id="{C5F6FC87-4F17-4153-AE34-427BF237906E}"/>
               </a:ext>
             </a:extLst>
           </p:cNvPr>
@@ -8607,14 +11877,19 @@
             <p:ph type="title"/>
           </p:nvPr>
         </p:nvSpPr>
-        <p:spPr/>
+        <p:spPr>
+          <a:xfrm>
+            <a:off x="646111" y="452718"/>
+            <a:ext cx="9404723" cy="939354"/>
+          </a:xfrm>
+        </p:spPr>
         <p:txBody>
           <a:bodyPr/>
           <a:lstStyle/>
           <a:p>
             <a:r>
               <a:rPr lang="en-US" dirty="0"/>
-              <a:t>DI in C#</a:t>
+              <a:t>DI and IOC</a:t>
             </a:r>
           </a:p>
         </p:txBody>
@@ -8624,7 +11899,7 @@
           <p:cNvPr id="3" name="Content Placeholder 2">
             <a:extLst>
               <a:ext uri="{FF2B5EF4-FFF2-40B4-BE49-F238E27FC236}">
-                <a16:creationId xmlns:a16="http://schemas.microsoft.com/office/drawing/2014/main" id="{EF67EFA2-4549-4181-AD8D-44007BC83E28}"/>
+                <a16:creationId xmlns:a16="http://schemas.microsoft.com/office/drawing/2014/main" id="{6E7F8D11-975E-46B8-8AB4-EC9E36A624AD}"/>
               </a:ext>
             </a:extLst>
           </p:cNvPr>
@@ -8640,7 +11915,40 @@
           <a:bodyPr/>
           <a:lstStyle/>
           <a:p>
-            <a:endParaRPr lang="en-US"/>
+            <a:r>
+              <a:rPr lang="en-US" dirty="0"/>
+              <a:t>Using DI and IOC are structural abstractions</a:t>
+            </a:r>
+          </a:p>
+          <a:p>
+            <a:r>
+              <a:rPr lang="en-US" dirty="0"/>
+              <a:t>How you implement and use DI and IOC are functional abstractions</a:t>
+            </a:r>
+          </a:p>
+          <a:p>
+            <a:r>
+              <a:rPr lang="en-US" dirty="0"/>
+              <a:t>Frequently used together (kissing cousins)</a:t>
+            </a:r>
+          </a:p>
+          <a:p>
+            <a:r>
+              <a:rPr lang="en-US" dirty="0"/>
+              <a:t>May be used separately</a:t>
+            </a:r>
+          </a:p>
+          <a:p>
+            <a:r>
+              <a:rPr lang="en-US" dirty="0"/>
+              <a:t>Distinctly different techniques</a:t>
+            </a:r>
+          </a:p>
+          <a:p>
+            <a:r>
+              <a:rPr lang="en-US" dirty="0"/>
+              <a:t>Multiple ways to do each</a:t>
+            </a:r>
           </a:p>
         </p:txBody>
       </p:sp>
@@ -8649,7 +11957,7 @@
           <p:cNvPr id="4" name="Slide Number Placeholder 3">
             <a:extLst>
               <a:ext uri="{FF2B5EF4-FFF2-40B4-BE49-F238E27FC236}">
-                <a16:creationId xmlns:a16="http://schemas.microsoft.com/office/drawing/2014/main" id="{63DB85E8-618C-477F-BCB3-FA603799F1E5}"/>
+                <a16:creationId xmlns:a16="http://schemas.microsoft.com/office/drawing/2014/main" id="{5425486E-D18B-4D78-9D28-2E8A9FA88A0F}"/>
               </a:ext>
             </a:extLst>
           </p:cNvPr>
@@ -8676,7 +11984,7 @@
     </p:spTree>
     <p:extLst>
       <p:ext uri="{BB962C8B-B14F-4D97-AF65-F5344CB8AC3E}">
-        <p14:creationId xmlns:p14="http://schemas.microsoft.com/office/powerpoint/2010/main" val="3380224213"/>
+        <p14:creationId xmlns:p14="http://schemas.microsoft.com/office/powerpoint/2010/main" val="2253168129"/>
       </p:ext>
     </p:extLst>
   </p:cSld>
@@ -8708,7 +12016,7 @@
           <p:cNvPr id="2" name="Title 1">
             <a:extLst>
               <a:ext uri="{FF2B5EF4-FFF2-40B4-BE49-F238E27FC236}">
-                <a16:creationId xmlns:a16="http://schemas.microsoft.com/office/drawing/2014/main" id="{C5F6FC87-4F17-4153-AE34-427BF237906E}"/>
+                <a16:creationId xmlns:a16="http://schemas.microsoft.com/office/drawing/2014/main" id="{20682A1B-32ED-4EA8-A382-DBDB5A66B256}"/>
               </a:ext>
             </a:extLst>
           </p:cNvPr>
@@ -8726,14 +12034,14 @@
           <a:p>
             <a:r>
               <a:rPr lang="en-US" dirty="0"/>
-              <a:t>What is IOC?</a:t>
+              <a:t>What is DI?</a:t>
             </a:r>
             <a:br>
               <a:rPr lang="en-US" dirty="0"/>
             </a:br>
             <a:r>
               <a:rPr lang="en-US" dirty="0"/>
-              <a:t>	(Inversion of Control)</a:t>
+              <a:t>	(Dependency Injection)</a:t>
             </a:r>
           </a:p>
         </p:txBody>
@@ -8743,7 +12051,7 @@
           <p:cNvPr id="3" name="Content Placeholder 2">
             <a:extLst>
               <a:ext uri="{FF2B5EF4-FFF2-40B4-BE49-F238E27FC236}">
-                <a16:creationId xmlns:a16="http://schemas.microsoft.com/office/drawing/2014/main" id="{6E7F8D11-975E-46B8-8AB4-EC9E36A624AD}"/>
+                <a16:creationId xmlns:a16="http://schemas.microsoft.com/office/drawing/2014/main" id="{B4B912AC-4C96-4499-9B8F-134A6D06A133}"/>
               </a:ext>
             </a:extLst>
           </p:cNvPr>
@@ -8754,12 +12062,35 @@
             <p:ph idx="1"/>
           </p:nvPr>
         </p:nvSpPr>
-        <p:spPr/>
+        <p:spPr>
+          <a:xfrm>
+            <a:off x="1104293" y="2020261"/>
+            <a:ext cx="8946541" cy="4385021"/>
+          </a:xfrm>
+        </p:spPr>
         <p:txBody>
           <a:bodyPr/>
           <a:lstStyle/>
           <a:p>
-            <a:endParaRPr lang="en-US"/>
+            <a:r>
+              <a:rPr lang="en-US" dirty="0"/>
+              <a:t>A method of software engineering where one object supplies the dependencies of another object.</a:t>
+            </a:r>
+          </a:p>
+          <a:p>
+            <a:r>
+              <a:rPr lang="en-US" dirty="0"/>
+              <a:t>A dependency is an object that contains data or processes that another object needs</a:t>
+            </a:r>
+          </a:p>
+          <a:p>
+            <a:r>
+              <a:rPr lang="en-US" dirty="0"/>
+              <a:t>Injection is the act of passing the dependency to the dependent object (frequently via the constructor) rather than the dependent object creating the dependency internally.</a:t>
+            </a:r>
+          </a:p>
+          <a:p>
+            <a:endParaRPr lang="en-US" dirty="0"/>
           </a:p>
         </p:txBody>
       </p:sp>
@@ -8768,7 +12099,7 @@
           <p:cNvPr id="4" name="Slide Number Placeholder 3">
             <a:extLst>
               <a:ext uri="{FF2B5EF4-FFF2-40B4-BE49-F238E27FC236}">
-                <a16:creationId xmlns:a16="http://schemas.microsoft.com/office/drawing/2014/main" id="{5425486E-D18B-4D78-9D28-2E8A9FA88A0F}"/>
+                <a16:creationId xmlns:a16="http://schemas.microsoft.com/office/drawing/2014/main" id="{1C40F3ED-0859-414E-A689-6B2CD69C7E31}"/>
               </a:ext>
             </a:extLst>
           </p:cNvPr>
@@ -8792,10 +12123,161 @@
           </a:p>
         </p:txBody>
       </p:sp>
+      <p:sp>
+        <p:nvSpPr>
+          <p:cNvPr id="5" name="Rectangle 4">
+            <a:extLst>
+              <a:ext uri="{FF2B5EF4-FFF2-40B4-BE49-F238E27FC236}">
+                <a16:creationId xmlns:a16="http://schemas.microsoft.com/office/drawing/2014/main" id="{D7EDD74E-2343-4BA9-AE62-8F795AC8536D}"/>
+              </a:ext>
+            </a:extLst>
+          </p:cNvPr>
+          <p:cNvSpPr/>
+          <p:nvPr/>
+        </p:nvSpPr>
+        <p:spPr>
+          <a:xfrm>
+            <a:off x="6662058" y="5590460"/>
+            <a:ext cx="1665514" cy="729343"/>
+          </a:xfrm>
+          <a:prstGeom prst="rect">
+            <a:avLst/>
+          </a:prstGeom>
+        </p:spPr>
+        <p:style>
+          <a:lnRef idx="2">
+            <a:schemeClr val="accent1">
+              <a:shade val="50000"/>
+            </a:schemeClr>
+          </a:lnRef>
+          <a:fillRef idx="1">
+            <a:schemeClr val="accent1"/>
+          </a:fillRef>
+          <a:effectRef idx="0">
+            <a:schemeClr val="accent1"/>
+          </a:effectRef>
+          <a:fontRef idx="minor">
+            <a:schemeClr val="lt1"/>
+          </a:fontRef>
+        </p:style>
+        <p:txBody>
+          <a:bodyPr rtlCol="0" anchor="ctr"/>
+          <a:lstStyle/>
+          <a:p>
+            <a:pPr algn="ctr"/>
+            <a:r>
+              <a:rPr lang="en-US" dirty="0"/>
+              <a:t>Object</a:t>
+            </a:r>
+          </a:p>
+        </p:txBody>
+      </p:sp>
+      <p:sp>
+        <p:nvSpPr>
+          <p:cNvPr id="6" name="Rectangle 5">
+            <a:extLst>
+              <a:ext uri="{FF2B5EF4-FFF2-40B4-BE49-F238E27FC236}">
+                <a16:creationId xmlns:a16="http://schemas.microsoft.com/office/drawing/2014/main" id="{FE81CF9A-A145-47BC-8D55-51BE0B245326}"/>
+              </a:ext>
+            </a:extLst>
+          </p:cNvPr>
+          <p:cNvSpPr/>
+          <p:nvPr/>
+        </p:nvSpPr>
+        <p:spPr>
+          <a:xfrm>
+            <a:off x="2596324" y="4914898"/>
+            <a:ext cx="1785257" cy="685800"/>
+          </a:xfrm>
+          <a:prstGeom prst="rect">
+            <a:avLst/>
+          </a:prstGeom>
+          <a:solidFill>
+            <a:schemeClr val="accent4">
+              <a:lumMod val="50000"/>
+            </a:schemeClr>
+          </a:solidFill>
+        </p:spPr>
+        <p:style>
+          <a:lnRef idx="2">
+            <a:schemeClr val="accent1">
+              <a:shade val="50000"/>
+            </a:schemeClr>
+          </a:lnRef>
+          <a:fillRef idx="1">
+            <a:schemeClr val="accent1"/>
+          </a:fillRef>
+          <a:effectRef idx="0">
+            <a:schemeClr val="accent1"/>
+          </a:effectRef>
+          <a:fontRef idx="minor">
+            <a:schemeClr val="lt1"/>
+          </a:fontRef>
+        </p:style>
+        <p:txBody>
+          <a:bodyPr rtlCol="0" anchor="ctr"/>
+          <a:lstStyle/>
+          <a:p>
+            <a:pPr algn="ctr"/>
+            <a:r>
+              <a:rPr lang="en-US" dirty="0"/>
+              <a:t>Dependency</a:t>
+            </a:r>
+          </a:p>
+        </p:txBody>
+      </p:sp>
+      <p:cxnSp>
+        <p:nvCxnSpPr>
+          <p:cNvPr id="8" name="Connector: Elbow 7">
+            <a:extLst>
+              <a:ext uri="{FF2B5EF4-FFF2-40B4-BE49-F238E27FC236}">
+                <a16:creationId xmlns:a16="http://schemas.microsoft.com/office/drawing/2014/main" id="{E7AEF8CA-7361-4BF1-A8A7-0B25F3747DAE}"/>
+              </a:ext>
+            </a:extLst>
+          </p:cNvPr>
+          <p:cNvCxnSpPr>
+            <a:cxnSpLocks/>
+            <a:stCxn id="6" idx="3"/>
+            <a:endCxn id="5" idx="1"/>
+          </p:cNvCxnSpPr>
+          <p:nvPr/>
+        </p:nvCxnSpPr>
+        <p:spPr>
+          <a:xfrm>
+            <a:off x="4381581" y="5257798"/>
+            <a:ext cx="2280477" cy="697334"/>
+          </a:xfrm>
+          <a:prstGeom prst="bentConnector3">
+            <a:avLst>
+              <a:gd name="adj1" fmla="val 50000"/>
+            </a:avLst>
+          </a:prstGeom>
+          <a:ln w="63500">
+            <a:solidFill>
+              <a:srgbClr val="FFFF00"/>
+            </a:solidFill>
+            <a:tailEnd type="triangle"/>
+          </a:ln>
+        </p:spPr>
+        <p:style>
+          <a:lnRef idx="1">
+            <a:schemeClr val="accent1"/>
+          </a:lnRef>
+          <a:fillRef idx="0">
+            <a:schemeClr val="accent1"/>
+          </a:fillRef>
+          <a:effectRef idx="0">
+            <a:schemeClr val="accent1"/>
+          </a:effectRef>
+          <a:fontRef idx="minor">
+            <a:schemeClr val="tx1"/>
+          </a:fontRef>
+        </p:style>
+      </p:cxnSp>
     </p:spTree>
     <p:extLst>
       <p:ext uri="{BB962C8B-B14F-4D97-AF65-F5344CB8AC3E}">
-        <p14:creationId xmlns:p14="http://schemas.microsoft.com/office/powerpoint/2010/main" val="814672665"/>
+        <p14:creationId xmlns:p14="http://schemas.microsoft.com/office/powerpoint/2010/main" val="758762179"/>
       </p:ext>
     </p:extLst>
   </p:cSld>

--- a/Using DI and IOC - Mocking and Testing/Using DI and IOC - Mocking and Testing.pptx
+++ b/Using DI and IOC - Mocking and Testing/Using DI and IOC - Mocking and Testing.pptx
@@ -5,30 +5,31 @@
     <p:sldMasterId id="2147483660" r:id="rId1"/>
   </p:sldMasterIdLst>
   <p:notesMasterIdLst>
-    <p:notesMasterId r:id="rId23"/>
+    <p:notesMasterId r:id="rId24"/>
   </p:notesMasterIdLst>
   <p:sldIdLst>
     <p:sldId id="256" r:id="rId2"/>
     <p:sldId id="259" r:id="rId3"/>
-    <p:sldId id="258" r:id="rId4"/>
-    <p:sldId id="267" r:id="rId5"/>
-    <p:sldId id="266" r:id="rId6"/>
-    <p:sldId id="257" r:id="rId7"/>
-    <p:sldId id="269" r:id="rId8"/>
-    <p:sldId id="268" r:id="rId9"/>
-    <p:sldId id="260" r:id="rId10"/>
-    <p:sldId id="262" r:id="rId11"/>
-    <p:sldId id="261" r:id="rId12"/>
-    <p:sldId id="263" r:id="rId13"/>
-    <p:sldId id="270" r:id="rId14"/>
-    <p:sldId id="271" r:id="rId15"/>
-    <p:sldId id="265" r:id="rId16"/>
-    <p:sldId id="272" r:id="rId17"/>
-    <p:sldId id="273" r:id="rId18"/>
-    <p:sldId id="277" r:id="rId19"/>
-    <p:sldId id="274" r:id="rId20"/>
-    <p:sldId id="275" r:id="rId21"/>
-    <p:sldId id="276" r:id="rId22"/>
+    <p:sldId id="278" r:id="rId4"/>
+    <p:sldId id="258" r:id="rId5"/>
+    <p:sldId id="267" r:id="rId6"/>
+    <p:sldId id="266" r:id="rId7"/>
+    <p:sldId id="257" r:id="rId8"/>
+    <p:sldId id="269" r:id="rId9"/>
+    <p:sldId id="268" r:id="rId10"/>
+    <p:sldId id="260" r:id="rId11"/>
+    <p:sldId id="262" r:id="rId12"/>
+    <p:sldId id="261" r:id="rId13"/>
+    <p:sldId id="263" r:id="rId14"/>
+    <p:sldId id="270" r:id="rId15"/>
+    <p:sldId id="271" r:id="rId16"/>
+    <p:sldId id="265" r:id="rId17"/>
+    <p:sldId id="272" r:id="rId18"/>
+    <p:sldId id="273" r:id="rId19"/>
+    <p:sldId id="277" r:id="rId20"/>
+    <p:sldId id="274" r:id="rId21"/>
+    <p:sldId id="275" r:id="rId22"/>
+    <p:sldId id="276" r:id="rId23"/>
   </p:sldIdLst>
   <p:sldSz cx="12192000" cy="6858000"/>
   <p:notesSz cx="6858000" cy="9144000"/>
@@ -332,7 +333,7 @@
   <pc:docChgLst>
     <pc:chgData name="Ken Hill" userId="7eb67d12b2902226" providerId="LiveId" clId="{832C7E6A-C4C5-47E8-8107-350B661CE4E2}"/>
     <pc:docChg chg="undo redo custSel addSld delSld modSld">
-      <pc:chgData name="Ken Hill" userId="7eb67d12b2902226" providerId="LiveId" clId="{832C7E6A-C4C5-47E8-8107-350B661CE4E2}" dt="2018-02-27T13:46:28.372" v="6306" actId="5793"/>
+      <pc:chgData name="Ken Hill" userId="7eb67d12b2902226" providerId="LiveId" clId="{832C7E6A-C4C5-47E8-8107-350B661CE4E2}" dt="2018-02-27T14:03:46.141" v="6552" actId="20577"/>
       <pc:docMkLst>
         <pc:docMk/>
       </pc:docMkLst>
@@ -839,6 +840,29 @@
           </ac:spMkLst>
         </pc:spChg>
       </pc:sldChg>
+      <pc:sldChg chg="modSp add">
+        <pc:chgData name="Ken Hill" userId="7eb67d12b2902226" providerId="LiveId" clId="{832C7E6A-C4C5-47E8-8107-350B661CE4E2}" dt="2018-02-27T14:03:46.141" v="6552" actId="20577"/>
+        <pc:sldMkLst>
+          <pc:docMk/>
+          <pc:sldMk cId="957262673" sldId="278"/>
+        </pc:sldMkLst>
+        <pc:spChg chg="mod">
+          <ac:chgData name="Ken Hill" userId="7eb67d12b2902226" providerId="LiveId" clId="{832C7E6A-C4C5-47E8-8107-350B661CE4E2}" dt="2018-02-27T13:52:23.595" v="6365" actId="20577"/>
+          <ac:spMkLst>
+            <pc:docMk/>
+            <pc:sldMk cId="957262673" sldId="278"/>
+            <ac:spMk id="2" creationId="{785A12CB-9B54-44E5-A8F0-F913DB68FF1F}"/>
+          </ac:spMkLst>
+        </pc:spChg>
+        <pc:spChg chg="mod">
+          <ac:chgData name="Ken Hill" userId="7eb67d12b2902226" providerId="LiveId" clId="{832C7E6A-C4C5-47E8-8107-350B661CE4E2}" dt="2018-02-27T14:03:46.141" v="6552" actId="20577"/>
+          <ac:spMkLst>
+            <pc:docMk/>
+            <pc:sldMk cId="957262673" sldId="278"/>
+            <ac:spMk id="3" creationId="{8C2773A2-BF39-4415-B902-A0371554BB63}"/>
+          </ac:spMkLst>
+        </pc:spChg>
+      </pc:sldChg>
     </pc:docChg>
   </pc:docChgLst>
 </pc:chgInfo>
@@ -926,7 +950,7 @@
           <a:p>
             <a:fld id="{7466FB45-3824-4364-BE7C-4718DE240533}" type="datetimeFigureOut">
               <a:rPr lang="en-US" smtClean="0"/>
-              <a:t>2/26/2018</a:t>
+              <a:t>2/27/2018</a:t>
             </a:fld>
             <a:endParaRPr lang="en-US"/>
           </a:p>
@@ -1379,7 +1403,7 @@
           <a:p>
             <a:fld id="{DABB9DF7-C886-44C2-ACAD-72087B5D6ADB}" type="datetime1">
               <a:rPr lang="en-US" smtClean="0"/>
-              <a:t>2/26/2018</a:t>
+              <a:t>2/27/2018</a:t>
             </a:fld>
             <a:endParaRPr lang="en-US"/>
           </a:p>
@@ -1654,7 +1678,7 @@
           <a:p>
             <a:fld id="{A67F4DD1-3C8A-4830-8581-EE46F32B5C0B}" type="datetime1">
               <a:rPr lang="en-US" smtClean="0"/>
-              <a:t>2/26/2018</a:t>
+              <a:t>2/27/2018</a:t>
             </a:fld>
             <a:endParaRPr lang="en-US"/>
           </a:p>
@@ -1848,7 +1872,7 @@
           <a:p>
             <a:fld id="{14A383D3-1C2D-4C9D-BE6E-A2A0C4A9A561}" type="datetime1">
               <a:rPr lang="en-US" smtClean="0"/>
-              <a:t>2/26/2018</a:t>
+              <a:t>2/27/2018</a:t>
             </a:fld>
             <a:endParaRPr lang="en-US"/>
           </a:p>
@@ -2121,7 +2145,7 @@
           <a:p>
             <a:fld id="{F4954E6E-34BD-436E-BB05-1214C7D14B8E}" type="datetime1">
               <a:rPr lang="en-US" smtClean="0"/>
-              <a:t>2/26/2018</a:t>
+              <a:t>2/27/2018</a:t>
             </a:fld>
             <a:endParaRPr lang="en-US"/>
           </a:p>
@@ -2462,7 +2486,7 @@
           <a:p>
             <a:fld id="{214D6ABA-E6B2-46DC-A2FB-8B1C3B1D322D}" type="datetime1">
               <a:rPr lang="en-US" smtClean="0"/>
-              <a:t>2/26/2018</a:t>
+              <a:t>2/27/2018</a:t>
             </a:fld>
             <a:endParaRPr lang="en-US"/>
           </a:p>
@@ -3085,7 +3109,7 @@
           <a:p>
             <a:fld id="{D6B85D53-14EF-48AA-A1E5-7E3A506A2967}" type="datetime1">
               <a:rPr lang="en-US" smtClean="0"/>
-              <a:t>2/26/2018</a:t>
+              <a:t>2/27/2018</a:t>
             </a:fld>
             <a:endParaRPr lang="en-US"/>
           </a:p>
@@ -3945,7 +3969,7 @@
           <a:p>
             <a:fld id="{3A9CF7C8-B616-4757-8097-0734F4608CAE}" type="datetime1">
               <a:rPr lang="en-US" smtClean="0"/>
-              <a:t>2/26/2018</a:t>
+              <a:t>2/27/2018</a:t>
             </a:fld>
             <a:endParaRPr lang="en-US"/>
           </a:p>
@@ -4115,7 +4139,7 @@
           <a:p>
             <a:fld id="{BAD1A083-91E7-4136-AAC3-1D9FA545CB9D}" type="datetime1">
               <a:rPr lang="en-US" smtClean="0"/>
-              <a:t>2/26/2018</a:t>
+              <a:t>2/27/2018</a:t>
             </a:fld>
             <a:endParaRPr lang="en-US"/>
           </a:p>
@@ -4295,7 +4319,7 @@
           <a:p>
             <a:fld id="{874FB96F-EAE8-43DB-A7BC-8C585FA8689C}" type="datetime1">
               <a:rPr lang="en-US" smtClean="0"/>
-              <a:t>2/26/2018</a:t>
+              <a:t>2/27/2018</a:t>
             </a:fld>
             <a:endParaRPr lang="en-US"/>
           </a:p>
@@ -4465,7 +4489,7 @@
           <a:p>
             <a:fld id="{953F782B-D5A8-4024-B0D2-ADCE52429CD9}" type="datetime1">
               <a:rPr lang="en-US" smtClean="0"/>
-              <a:t>2/26/2018</a:t>
+              <a:t>2/27/2018</a:t>
             </a:fld>
             <a:endParaRPr lang="en-US"/>
           </a:p>
@@ -4712,7 +4736,7 @@
           <a:p>
             <a:fld id="{A38B33AD-3043-4FBF-A3AC-539B3922BE94}" type="datetime1">
               <a:rPr lang="en-US" smtClean="0"/>
-              <a:t>2/26/2018</a:t>
+              <a:t>2/27/2018</a:t>
             </a:fld>
             <a:endParaRPr lang="en-US"/>
           </a:p>
@@ -5004,7 +5028,7 @@
           <a:p>
             <a:fld id="{F06A09F4-A76D-45AF-B2D2-31E71E2A9D56}" type="datetime1">
               <a:rPr lang="en-US" smtClean="0"/>
-              <a:t>2/26/2018</a:t>
+              <a:t>2/27/2018</a:t>
             </a:fld>
             <a:endParaRPr lang="en-US"/>
           </a:p>
@@ -5448,7 +5472,7 @@
           <a:p>
             <a:fld id="{D5A13284-97ED-4650-B554-AC64CB4BBA5F}" type="datetime1">
               <a:rPr lang="en-US" smtClean="0"/>
-              <a:t>2/26/2018</a:t>
+              <a:t>2/27/2018</a:t>
             </a:fld>
             <a:endParaRPr lang="en-US"/>
           </a:p>
@@ -5566,7 +5590,7 @@
           <a:p>
             <a:fld id="{F0154598-5B52-4E7B-B381-A8AC47ADB07F}" type="datetime1">
               <a:rPr lang="en-US" smtClean="0"/>
-              <a:t>2/26/2018</a:t>
+              <a:t>2/27/2018</a:t>
             </a:fld>
             <a:endParaRPr lang="en-US"/>
           </a:p>
@@ -5661,7 +5685,7 @@
           <a:p>
             <a:fld id="{D8D881F5-0990-447C-9FB2-691E1DF4D89E}" type="datetime1">
               <a:rPr lang="en-US" smtClean="0"/>
-              <a:t>2/26/2018</a:t>
+              <a:t>2/27/2018</a:t>
             </a:fld>
             <a:endParaRPr lang="en-US"/>
           </a:p>
@@ -5940,7 +5964,7 @@
           <a:p>
             <a:fld id="{4B7A373B-7555-4378-982C-37BA33AA2243}" type="datetime1">
               <a:rPr lang="en-US" smtClean="0"/>
-              <a:t>2/26/2018</a:t>
+              <a:t>2/27/2018</a:t>
             </a:fld>
             <a:endParaRPr lang="en-US"/>
           </a:p>
@@ -6215,7 +6239,7 @@
           <a:p>
             <a:fld id="{17741447-A996-4DEB-A692-DB304B5AB9F8}" type="datetime1">
               <a:rPr lang="en-US" smtClean="0"/>
-              <a:t>2/26/2018</a:t>
+              <a:t>2/27/2018</a:t>
             </a:fld>
             <a:endParaRPr lang="en-US"/>
           </a:p>
@@ -6644,7 +6668,7 @@
           <a:p>
             <a:fld id="{802FB124-909D-4EC5-AE6A-2190DF69954A}" type="datetime1">
               <a:rPr lang="en-US" smtClean="0"/>
-              <a:t>2/26/2018</a:t>
+              <a:t>2/27/2018</a:t>
             </a:fld>
             <a:endParaRPr lang="en-US"/>
           </a:p>
@@ -7278,7 +7302,7 @@
           <p:cNvPr id="2" name="Title 1">
             <a:extLst>
               <a:ext uri="{FF2B5EF4-FFF2-40B4-BE49-F238E27FC236}">
-                <a16:creationId xmlns:a16="http://schemas.microsoft.com/office/drawing/2014/main" id="{BEFA3574-0A1C-40DF-87E8-366E9E5ED24A}"/>
+                <a16:creationId xmlns:a16="http://schemas.microsoft.com/office/drawing/2014/main" id="{20682A1B-32ED-4EA8-A382-DBDB5A66B256}"/>
               </a:ext>
             </a:extLst>
           </p:cNvPr>
@@ -7296,8 +7320,63 @@
           <a:p>
             <a:r>
               <a:rPr lang="en-US" dirty="0"/>
-              <a:t>DI in C#</a:t>
-            </a:r>
+              <a:t>What is DI?</a:t>
+            </a:r>
+            <a:br>
+              <a:rPr lang="en-US" dirty="0"/>
+            </a:br>
+            <a:r>
+              <a:rPr lang="en-US" dirty="0"/>
+              <a:t>	(Dependency Injection)</a:t>
+            </a:r>
+          </a:p>
+        </p:txBody>
+      </p:sp>
+      <p:sp>
+        <p:nvSpPr>
+          <p:cNvPr id="3" name="Content Placeholder 2">
+            <a:extLst>
+              <a:ext uri="{FF2B5EF4-FFF2-40B4-BE49-F238E27FC236}">
+                <a16:creationId xmlns:a16="http://schemas.microsoft.com/office/drawing/2014/main" id="{B4B912AC-4C96-4499-9B8F-134A6D06A133}"/>
+              </a:ext>
+            </a:extLst>
+          </p:cNvPr>
+          <p:cNvSpPr>
+            <a:spLocks noGrp="1"/>
+          </p:cNvSpPr>
+          <p:nvPr>
+            <p:ph idx="1"/>
+          </p:nvPr>
+        </p:nvSpPr>
+        <p:spPr>
+          <a:xfrm>
+            <a:off x="1104293" y="2020261"/>
+            <a:ext cx="8946541" cy="4385021"/>
+          </a:xfrm>
+        </p:spPr>
+        <p:txBody>
+          <a:bodyPr/>
+          <a:lstStyle/>
+          <a:p>
+            <a:r>
+              <a:rPr lang="en-US" dirty="0"/>
+              <a:t>A method of software engineering where one object supplies the dependencies of another object.</a:t>
+            </a:r>
+          </a:p>
+          <a:p>
+            <a:r>
+              <a:rPr lang="en-US" dirty="0"/>
+              <a:t>A dependency is an object that contains data or processes that another object needs</a:t>
+            </a:r>
+          </a:p>
+          <a:p>
+            <a:r>
+              <a:rPr lang="en-US" dirty="0"/>
+              <a:t>Injection is the act of passing the dependency to the dependent object (frequently via the constructor) rather than the dependent object creating the dependency internally.</a:t>
+            </a:r>
+          </a:p>
+          <a:p>
+            <a:endParaRPr lang="en-US" dirty="0"/>
           </a:p>
         </p:txBody>
       </p:sp>
@@ -7306,7 +7385,7 @@
           <p:cNvPr id="4" name="Slide Number Placeholder 3">
             <a:extLst>
               <a:ext uri="{FF2B5EF4-FFF2-40B4-BE49-F238E27FC236}">
-                <a16:creationId xmlns:a16="http://schemas.microsoft.com/office/drawing/2014/main" id="{63DB85E8-618C-477F-BCB3-FA603799F1E5}"/>
+                <a16:creationId xmlns:a16="http://schemas.microsoft.com/office/drawing/2014/main" id="{1C40F3ED-0859-414E-A689-6B2CD69C7E31}"/>
               </a:ext>
             </a:extLst>
           </p:cNvPr>
@@ -7332,194 +7411,159 @@
       </p:sp>
       <p:sp>
         <p:nvSpPr>
-          <p:cNvPr id="5" name="TextBox 4">
+          <p:cNvPr id="5" name="Rectangle 4">
             <a:extLst>
               <a:ext uri="{FF2B5EF4-FFF2-40B4-BE49-F238E27FC236}">
-                <a16:creationId xmlns:a16="http://schemas.microsoft.com/office/drawing/2014/main" id="{36E8B4C5-335A-4DCE-A34C-31519D3C08D6}"/>
+                <a16:creationId xmlns:a16="http://schemas.microsoft.com/office/drawing/2014/main" id="{D7EDD74E-2343-4BA9-AE62-8F795AC8536D}"/>
               </a:ext>
             </a:extLst>
           </p:cNvPr>
-          <p:cNvSpPr txBox="1"/>
+          <p:cNvSpPr/>
           <p:nvPr/>
         </p:nvSpPr>
         <p:spPr>
           <a:xfrm>
-            <a:off x="832513" y="1473958"/>
-            <a:ext cx="10972800" cy="5078313"/>
+            <a:off x="6662058" y="5590460"/>
+            <a:ext cx="1665514" cy="729343"/>
           </a:xfrm>
           <a:prstGeom prst="rect">
             <a:avLst/>
           </a:prstGeom>
-          <a:noFill/>
         </p:spPr>
-        <p:txBody>
-          <a:bodyPr wrap="square" rtlCol="0">
-            <a:spAutoFit/>
-          </a:bodyPr>
+        <p:style>
+          <a:lnRef idx="2">
+            <a:schemeClr val="accent1">
+              <a:shade val="50000"/>
+            </a:schemeClr>
+          </a:lnRef>
+          <a:fillRef idx="1">
+            <a:schemeClr val="accent1"/>
+          </a:fillRef>
+          <a:effectRef idx="0">
+            <a:schemeClr val="accent1"/>
+          </a:effectRef>
+          <a:fontRef idx="minor">
+            <a:schemeClr val="lt1"/>
+          </a:fontRef>
+        </p:style>
+        <p:txBody>
+          <a:bodyPr rtlCol="0" anchor="ctr"/>
           <a:lstStyle/>
           <a:p>
-            <a:r>
-              <a:rPr lang="en-US" dirty="0"/>
-              <a:t>public class </a:t>
-            </a:r>
-            <a:r>
-              <a:rPr lang="en-US" dirty="0" err="1"/>
-              <a:t>DependentObject</a:t>
-            </a:r>
-            <a:endParaRPr lang="en-US" dirty="0"/>
-          </a:p>
-          <a:p>
-            <a:r>
-              <a:rPr lang="en-US" dirty="0"/>
-              <a:t>{</a:t>
-            </a:r>
-          </a:p>
-          <a:p>
-            <a:r>
-              <a:rPr lang="en-US" dirty="0"/>
-              <a:t>	public </a:t>
-            </a:r>
-            <a:r>
-              <a:rPr lang="en-US" dirty="0" err="1"/>
-              <a:t>DependentObject</a:t>
-            </a:r>
-            <a:r>
-              <a:rPr lang="en-US" dirty="0"/>
-              <a:t>(</a:t>
-            </a:r>
-            <a:r>
-              <a:rPr lang="en-US" dirty="0" err="1"/>
-              <a:t>DependencyObject</a:t>
-            </a:r>
-            <a:r>
-              <a:rPr lang="en-US" dirty="0"/>
-              <a:t> Dependency)</a:t>
-            </a:r>
-          </a:p>
-          <a:p>
-            <a:r>
-              <a:rPr lang="en-US" dirty="0"/>
-              <a:t>	{</a:t>
-            </a:r>
-          </a:p>
-          <a:p>
-            <a:r>
-              <a:rPr lang="en-US" dirty="0"/>
-              <a:t>	… do magic </a:t>
-            </a:r>
-          </a:p>
-          <a:p>
-            <a:r>
-              <a:rPr lang="en-US" dirty="0"/>
-              <a:t>	}</a:t>
-            </a:r>
-          </a:p>
-          <a:p>
-            <a:endParaRPr lang="en-US" dirty="0"/>
-          </a:p>
-          <a:p>
-            <a:r>
-              <a:rPr lang="en-US" dirty="0"/>
-              <a:t>	… do more magic</a:t>
-            </a:r>
-          </a:p>
-          <a:p>
-            <a:r>
-              <a:rPr lang="en-US" dirty="0"/>
-              <a:t>}</a:t>
-            </a:r>
-          </a:p>
-          <a:p>
-            <a:endParaRPr lang="en-US" dirty="0"/>
-          </a:p>
-          <a:p>
-            <a:r>
-              <a:rPr lang="en-US" dirty="0"/>
-              <a:t>Public class </a:t>
-            </a:r>
-            <a:r>
-              <a:rPr lang="en-US" dirty="0" err="1"/>
-              <a:t>DependencyObject</a:t>
-            </a:r>
-            <a:endParaRPr lang="en-US" dirty="0"/>
-          </a:p>
-          <a:p>
-            <a:r>
-              <a:rPr lang="en-US" dirty="0"/>
-              <a:t>{</a:t>
-            </a:r>
-          </a:p>
-          <a:p>
-            <a:r>
-              <a:rPr lang="en-US" dirty="0"/>
-              <a:t>	… do magic with properties, methods, </a:t>
-            </a:r>
-            <a:r>
-              <a:rPr lang="en-US" dirty="0" err="1"/>
-              <a:t>etc</a:t>
-            </a:r>
-            <a:r>
-              <a:rPr lang="en-US" dirty="0"/>
-              <a:t> that do work that the dependent object needs</a:t>
-            </a:r>
-          </a:p>
-          <a:p>
-            <a:r>
-              <a:rPr lang="en-US" dirty="0"/>
-              <a:t>	…(i.e. configuration parameters, connection strings, initialization data, etc.)</a:t>
-            </a:r>
-          </a:p>
-          <a:p>
-            <a:r>
-              <a:rPr lang="en-US" dirty="0"/>
-              <a:t>}</a:t>
-            </a:r>
-          </a:p>
-          <a:p>
-            <a:endParaRPr lang="en-US" dirty="0"/>
-          </a:p>
-          <a:p>
-            <a:r>
-              <a:rPr lang="en-US" dirty="0" err="1"/>
-              <a:t>DependencyObject</a:t>
-            </a:r>
-            <a:r>
-              <a:rPr lang="en-US" dirty="0"/>
-              <a:t> dependency=new </a:t>
-            </a:r>
-            <a:r>
-              <a:rPr lang="en-US" dirty="0" err="1"/>
-              <a:t>DependencyObject</a:t>
-            </a:r>
-            <a:r>
-              <a:rPr lang="en-US" dirty="0"/>
-              <a:t>()</a:t>
-            </a:r>
-          </a:p>
-          <a:p>
-            <a:r>
-              <a:rPr lang="en-US" dirty="0" err="1"/>
-              <a:t>DependentObject</a:t>
-            </a:r>
-            <a:r>
-              <a:rPr lang="en-US" dirty="0"/>
-              <a:t> dependent=new </a:t>
-            </a:r>
-            <a:r>
-              <a:rPr lang="en-US" dirty="0" err="1"/>
-              <a:t>DependentObject</a:t>
-            </a:r>
-            <a:r>
-              <a:rPr lang="en-US" dirty="0"/>
-              <a:t>(dependency)</a:t>
-            </a:r>
-          </a:p>
-        </p:txBody>
-      </p:sp>
+            <a:pPr algn="ctr"/>
+            <a:r>
+              <a:rPr lang="en-US" dirty="0"/>
+              <a:t>Object</a:t>
+            </a:r>
+          </a:p>
+        </p:txBody>
+      </p:sp>
+      <p:sp>
+        <p:nvSpPr>
+          <p:cNvPr id="6" name="Rectangle 5">
+            <a:extLst>
+              <a:ext uri="{FF2B5EF4-FFF2-40B4-BE49-F238E27FC236}">
+                <a16:creationId xmlns:a16="http://schemas.microsoft.com/office/drawing/2014/main" id="{FE81CF9A-A145-47BC-8D55-51BE0B245326}"/>
+              </a:ext>
+            </a:extLst>
+          </p:cNvPr>
+          <p:cNvSpPr/>
+          <p:nvPr/>
+        </p:nvSpPr>
+        <p:spPr>
+          <a:xfrm>
+            <a:off x="2596324" y="4914898"/>
+            <a:ext cx="1785257" cy="685800"/>
+          </a:xfrm>
+          <a:prstGeom prst="rect">
+            <a:avLst/>
+          </a:prstGeom>
+          <a:solidFill>
+            <a:schemeClr val="accent4">
+              <a:lumMod val="50000"/>
+            </a:schemeClr>
+          </a:solidFill>
+        </p:spPr>
+        <p:style>
+          <a:lnRef idx="2">
+            <a:schemeClr val="accent1">
+              <a:shade val="50000"/>
+            </a:schemeClr>
+          </a:lnRef>
+          <a:fillRef idx="1">
+            <a:schemeClr val="accent1"/>
+          </a:fillRef>
+          <a:effectRef idx="0">
+            <a:schemeClr val="accent1"/>
+          </a:effectRef>
+          <a:fontRef idx="minor">
+            <a:schemeClr val="lt1"/>
+          </a:fontRef>
+        </p:style>
+        <p:txBody>
+          <a:bodyPr rtlCol="0" anchor="ctr"/>
+          <a:lstStyle/>
+          <a:p>
+            <a:pPr algn="ctr"/>
+            <a:r>
+              <a:rPr lang="en-US" dirty="0"/>
+              <a:t>Dependency</a:t>
+            </a:r>
+          </a:p>
+        </p:txBody>
+      </p:sp>
+      <p:cxnSp>
+        <p:nvCxnSpPr>
+          <p:cNvPr id="8" name="Connector: Elbow 7">
+            <a:extLst>
+              <a:ext uri="{FF2B5EF4-FFF2-40B4-BE49-F238E27FC236}">
+                <a16:creationId xmlns:a16="http://schemas.microsoft.com/office/drawing/2014/main" id="{E7AEF8CA-7361-4BF1-A8A7-0B25F3747DAE}"/>
+              </a:ext>
+            </a:extLst>
+          </p:cNvPr>
+          <p:cNvCxnSpPr>
+            <a:cxnSpLocks/>
+            <a:stCxn id="6" idx="3"/>
+            <a:endCxn id="5" idx="1"/>
+          </p:cNvCxnSpPr>
+          <p:nvPr/>
+        </p:nvCxnSpPr>
+        <p:spPr>
+          <a:xfrm>
+            <a:off x="4381581" y="5257798"/>
+            <a:ext cx="2280477" cy="697334"/>
+          </a:xfrm>
+          <a:prstGeom prst="bentConnector3">
+            <a:avLst>
+              <a:gd name="adj1" fmla="val 50000"/>
+            </a:avLst>
+          </a:prstGeom>
+          <a:ln w="63500">
+            <a:solidFill>
+              <a:srgbClr val="FFFF00"/>
+            </a:solidFill>
+            <a:tailEnd type="triangle"/>
+          </a:ln>
+        </p:spPr>
+        <p:style>
+          <a:lnRef idx="1">
+            <a:schemeClr val="accent1"/>
+          </a:lnRef>
+          <a:fillRef idx="0">
+            <a:schemeClr val="accent1"/>
+          </a:fillRef>
+          <a:effectRef idx="0">
+            <a:schemeClr val="accent1"/>
+          </a:effectRef>
+          <a:fontRef idx="minor">
+            <a:schemeClr val="tx1"/>
+          </a:fontRef>
+        </p:style>
+      </p:cxnSp>
     </p:spTree>
     <p:extLst>
       <p:ext uri="{BB962C8B-B14F-4D97-AF65-F5344CB8AC3E}">
-        <p14:creationId xmlns:p14="http://schemas.microsoft.com/office/powerpoint/2010/main" val="3380224213"/>
+        <p14:creationId xmlns:p14="http://schemas.microsoft.com/office/powerpoint/2010/main" val="758762179"/>
       </p:ext>
     </p:extLst>
   </p:cSld>
@@ -7551,6 +7595,279 @@
           <p:cNvPr id="2" name="Title 1">
             <a:extLst>
               <a:ext uri="{FF2B5EF4-FFF2-40B4-BE49-F238E27FC236}">
+                <a16:creationId xmlns:a16="http://schemas.microsoft.com/office/drawing/2014/main" id="{BEFA3574-0A1C-40DF-87E8-366E9E5ED24A}"/>
+              </a:ext>
+            </a:extLst>
+          </p:cNvPr>
+          <p:cNvSpPr>
+            <a:spLocks noGrp="1"/>
+          </p:cNvSpPr>
+          <p:nvPr>
+            <p:ph type="title"/>
+          </p:nvPr>
+        </p:nvSpPr>
+        <p:spPr/>
+        <p:txBody>
+          <a:bodyPr/>
+          <a:lstStyle/>
+          <a:p>
+            <a:r>
+              <a:rPr lang="en-US" dirty="0"/>
+              <a:t>DI in C#</a:t>
+            </a:r>
+          </a:p>
+        </p:txBody>
+      </p:sp>
+      <p:sp>
+        <p:nvSpPr>
+          <p:cNvPr id="4" name="Slide Number Placeholder 3">
+            <a:extLst>
+              <a:ext uri="{FF2B5EF4-FFF2-40B4-BE49-F238E27FC236}">
+                <a16:creationId xmlns:a16="http://schemas.microsoft.com/office/drawing/2014/main" id="{63DB85E8-618C-477F-BCB3-FA603799F1E5}"/>
+              </a:ext>
+            </a:extLst>
+          </p:cNvPr>
+          <p:cNvSpPr>
+            <a:spLocks noGrp="1"/>
+          </p:cNvSpPr>
+          <p:nvPr>
+            <p:ph type="sldNum" sz="quarter" idx="12"/>
+          </p:nvPr>
+        </p:nvSpPr>
+        <p:spPr/>
+        <p:txBody>
+          <a:bodyPr/>
+          <a:lstStyle/>
+          <a:p>
+            <a:fld id="{FB95DE3D-2950-4E4A-8781-5E9E0271AEF0}" type="slidenum">
+              <a:rPr lang="en-US" smtClean="0"/>
+              <a:t>11</a:t>
+            </a:fld>
+            <a:endParaRPr lang="en-US"/>
+          </a:p>
+        </p:txBody>
+      </p:sp>
+      <p:sp>
+        <p:nvSpPr>
+          <p:cNvPr id="5" name="TextBox 4">
+            <a:extLst>
+              <a:ext uri="{FF2B5EF4-FFF2-40B4-BE49-F238E27FC236}">
+                <a16:creationId xmlns:a16="http://schemas.microsoft.com/office/drawing/2014/main" id="{36E8B4C5-335A-4DCE-A34C-31519D3C08D6}"/>
+              </a:ext>
+            </a:extLst>
+          </p:cNvPr>
+          <p:cNvSpPr txBox="1"/>
+          <p:nvPr/>
+        </p:nvSpPr>
+        <p:spPr>
+          <a:xfrm>
+            <a:off x="832513" y="1473958"/>
+            <a:ext cx="10972800" cy="5078313"/>
+          </a:xfrm>
+          <a:prstGeom prst="rect">
+            <a:avLst/>
+          </a:prstGeom>
+          <a:noFill/>
+        </p:spPr>
+        <p:txBody>
+          <a:bodyPr wrap="square" rtlCol="0">
+            <a:spAutoFit/>
+          </a:bodyPr>
+          <a:lstStyle/>
+          <a:p>
+            <a:r>
+              <a:rPr lang="en-US" dirty="0"/>
+              <a:t>public class </a:t>
+            </a:r>
+            <a:r>
+              <a:rPr lang="en-US" dirty="0" err="1"/>
+              <a:t>DependentObject</a:t>
+            </a:r>
+            <a:endParaRPr lang="en-US" dirty="0"/>
+          </a:p>
+          <a:p>
+            <a:r>
+              <a:rPr lang="en-US" dirty="0"/>
+              <a:t>{</a:t>
+            </a:r>
+          </a:p>
+          <a:p>
+            <a:r>
+              <a:rPr lang="en-US" dirty="0"/>
+              <a:t>	public </a:t>
+            </a:r>
+            <a:r>
+              <a:rPr lang="en-US" dirty="0" err="1"/>
+              <a:t>DependentObject</a:t>
+            </a:r>
+            <a:r>
+              <a:rPr lang="en-US" dirty="0"/>
+              <a:t>(</a:t>
+            </a:r>
+            <a:r>
+              <a:rPr lang="en-US" dirty="0" err="1"/>
+              <a:t>DependencyObject</a:t>
+            </a:r>
+            <a:r>
+              <a:rPr lang="en-US" dirty="0"/>
+              <a:t> Dependency)</a:t>
+            </a:r>
+          </a:p>
+          <a:p>
+            <a:r>
+              <a:rPr lang="en-US" dirty="0"/>
+              <a:t>	{</a:t>
+            </a:r>
+          </a:p>
+          <a:p>
+            <a:r>
+              <a:rPr lang="en-US" dirty="0"/>
+              <a:t>	… do magic </a:t>
+            </a:r>
+          </a:p>
+          <a:p>
+            <a:r>
+              <a:rPr lang="en-US" dirty="0"/>
+              <a:t>	}</a:t>
+            </a:r>
+          </a:p>
+          <a:p>
+            <a:endParaRPr lang="en-US" dirty="0"/>
+          </a:p>
+          <a:p>
+            <a:r>
+              <a:rPr lang="en-US" dirty="0"/>
+              <a:t>	… do more magic</a:t>
+            </a:r>
+          </a:p>
+          <a:p>
+            <a:r>
+              <a:rPr lang="en-US" dirty="0"/>
+              <a:t>}</a:t>
+            </a:r>
+          </a:p>
+          <a:p>
+            <a:endParaRPr lang="en-US" dirty="0"/>
+          </a:p>
+          <a:p>
+            <a:r>
+              <a:rPr lang="en-US" dirty="0"/>
+              <a:t>Public class </a:t>
+            </a:r>
+            <a:r>
+              <a:rPr lang="en-US" dirty="0" err="1"/>
+              <a:t>DependencyObject</a:t>
+            </a:r>
+            <a:endParaRPr lang="en-US" dirty="0"/>
+          </a:p>
+          <a:p>
+            <a:r>
+              <a:rPr lang="en-US" dirty="0"/>
+              <a:t>{</a:t>
+            </a:r>
+          </a:p>
+          <a:p>
+            <a:r>
+              <a:rPr lang="en-US" dirty="0"/>
+              <a:t>	… do magic with properties, methods, </a:t>
+            </a:r>
+            <a:r>
+              <a:rPr lang="en-US" dirty="0" err="1"/>
+              <a:t>etc</a:t>
+            </a:r>
+            <a:r>
+              <a:rPr lang="en-US" dirty="0"/>
+              <a:t> that do work that the dependent object needs</a:t>
+            </a:r>
+          </a:p>
+          <a:p>
+            <a:r>
+              <a:rPr lang="en-US" dirty="0"/>
+              <a:t>	…(i.e. configuration parameters, connection strings, initialization data, etc.)</a:t>
+            </a:r>
+          </a:p>
+          <a:p>
+            <a:r>
+              <a:rPr lang="en-US" dirty="0"/>
+              <a:t>}</a:t>
+            </a:r>
+          </a:p>
+          <a:p>
+            <a:endParaRPr lang="en-US" dirty="0"/>
+          </a:p>
+          <a:p>
+            <a:r>
+              <a:rPr lang="en-US" dirty="0" err="1"/>
+              <a:t>DependencyObject</a:t>
+            </a:r>
+            <a:r>
+              <a:rPr lang="en-US" dirty="0"/>
+              <a:t> dependency=new </a:t>
+            </a:r>
+            <a:r>
+              <a:rPr lang="en-US" dirty="0" err="1"/>
+              <a:t>DependencyObject</a:t>
+            </a:r>
+            <a:r>
+              <a:rPr lang="en-US" dirty="0"/>
+              <a:t>()</a:t>
+            </a:r>
+          </a:p>
+          <a:p>
+            <a:r>
+              <a:rPr lang="en-US" dirty="0" err="1"/>
+              <a:t>DependentObject</a:t>
+            </a:r>
+            <a:r>
+              <a:rPr lang="en-US" dirty="0"/>
+              <a:t> dependent=new </a:t>
+            </a:r>
+            <a:r>
+              <a:rPr lang="en-US" dirty="0" err="1"/>
+              <a:t>DependentObject</a:t>
+            </a:r>
+            <a:r>
+              <a:rPr lang="en-US" dirty="0"/>
+              <a:t>(dependency)</a:t>
+            </a:r>
+          </a:p>
+        </p:txBody>
+      </p:sp>
+    </p:spTree>
+    <p:extLst>
+      <p:ext uri="{BB962C8B-B14F-4D97-AF65-F5344CB8AC3E}">
+        <p14:creationId xmlns:p14="http://schemas.microsoft.com/office/powerpoint/2010/main" val="3380224213"/>
+      </p:ext>
+    </p:extLst>
+  </p:cSld>
+  <p:clrMapOvr>
+    <a:masterClrMapping/>
+  </p:clrMapOvr>
+</p:sld>
+</file>
+
+<file path=ppt/slides/slide12.xml><?xml version="1.0" encoding="utf-8"?>
+<p:sld xmlns:a="http://schemas.openxmlformats.org/drawingml/2006/main" xmlns:r="http://schemas.openxmlformats.org/officeDocument/2006/relationships" xmlns:p="http://schemas.openxmlformats.org/presentationml/2006/main">
+  <p:cSld>
+    <p:spTree>
+      <p:nvGrpSpPr>
+        <p:cNvPr id="1" name=""/>
+        <p:cNvGrpSpPr/>
+        <p:nvPr/>
+      </p:nvGrpSpPr>
+      <p:grpSpPr>
+        <a:xfrm>
+          <a:off x="0" y="0"/>
+          <a:ext cx="0" cy="0"/>
+          <a:chOff x="0" y="0"/>
+          <a:chExt cx="0" cy="0"/>
+        </a:xfrm>
+      </p:grpSpPr>
+      <p:sp>
+        <p:nvSpPr>
+          <p:cNvPr id="2" name="Title 1">
+            <a:extLst>
+              <a:ext uri="{FF2B5EF4-FFF2-40B4-BE49-F238E27FC236}">
                 <a16:creationId xmlns:a16="http://schemas.microsoft.com/office/drawing/2014/main" id="{C5F6FC87-4F17-4153-AE34-427BF237906E}"/>
               </a:ext>
             </a:extLst>
@@ -7638,7 +7955,7 @@
           <a:p>
             <a:fld id="{FB95DE3D-2950-4E4A-8781-5E9E0271AEF0}" type="slidenum">
               <a:rPr lang="en-US" smtClean="0"/>
-              <a:t>11</a:t>
+              <a:t>12</a:t>
             </a:fld>
             <a:endParaRPr lang="en-US"/>
           </a:p>
@@ -8017,501 +8334,6 @@
 </p:sld>
 </file>
 
-<file path=ppt/slides/slide12.xml><?xml version="1.0" encoding="utf-8"?>
-<p:sld xmlns:a="http://schemas.openxmlformats.org/drawingml/2006/main" xmlns:r="http://schemas.openxmlformats.org/officeDocument/2006/relationships" xmlns:p="http://schemas.openxmlformats.org/presentationml/2006/main">
-  <p:cSld>
-    <p:spTree>
-      <p:nvGrpSpPr>
-        <p:cNvPr id="1" name=""/>
-        <p:cNvGrpSpPr/>
-        <p:nvPr/>
-      </p:nvGrpSpPr>
-      <p:grpSpPr>
-        <a:xfrm>
-          <a:off x="0" y="0"/>
-          <a:ext cx="0" cy="0"/>
-          <a:chOff x="0" y="0"/>
-          <a:chExt cx="0" cy="0"/>
-        </a:xfrm>
-      </p:grpSpPr>
-      <p:sp>
-        <p:nvSpPr>
-          <p:cNvPr id="2" name="Title 1">
-            <a:extLst>
-              <a:ext uri="{FF2B5EF4-FFF2-40B4-BE49-F238E27FC236}">
-                <a16:creationId xmlns:a16="http://schemas.microsoft.com/office/drawing/2014/main" id="{59BAE30E-542C-4C72-8518-A24CDB90D61B}"/>
-              </a:ext>
-            </a:extLst>
-          </p:cNvPr>
-          <p:cNvSpPr>
-            <a:spLocks noGrp="1"/>
-          </p:cNvSpPr>
-          <p:nvPr>
-            <p:ph type="title"/>
-          </p:nvPr>
-        </p:nvSpPr>
-        <p:spPr>
-          <a:xfrm>
-            <a:off x="646111" y="452718"/>
-            <a:ext cx="9404723" cy="767687"/>
-          </a:xfrm>
-        </p:spPr>
-        <p:txBody>
-          <a:bodyPr/>
-          <a:lstStyle/>
-          <a:p>
-            <a:r>
-              <a:rPr lang="en-US" dirty="0"/>
-              <a:t>IOC in C#</a:t>
-            </a:r>
-            <a:br>
-              <a:rPr lang="en-US" dirty="0"/>
-            </a:br>
-            <a:endParaRPr lang="en-US" dirty="0"/>
-          </a:p>
-        </p:txBody>
-      </p:sp>
-      <p:sp>
-        <p:nvSpPr>
-          <p:cNvPr id="4" name="Slide Number Placeholder 3">
-            <a:extLst>
-              <a:ext uri="{FF2B5EF4-FFF2-40B4-BE49-F238E27FC236}">
-                <a16:creationId xmlns:a16="http://schemas.microsoft.com/office/drawing/2014/main" id="{A05CB4BC-BC6C-4D7C-A4E4-2F4B67CB3117}"/>
-              </a:ext>
-            </a:extLst>
-          </p:cNvPr>
-          <p:cNvSpPr>
-            <a:spLocks noGrp="1"/>
-          </p:cNvSpPr>
-          <p:nvPr>
-            <p:ph type="sldNum" sz="quarter" idx="12"/>
-          </p:nvPr>
-        </p:nvSpPr>
-        <p:spPr/>
-        <p:txBody>
-          <a:bodyPr/>
-          <a:lstStyle/>
-          <a:p>
-            <a:fld id="{FB95DE3D-2950-4E4A-8781-5E9E0271AEF0}" type="slidenum">
-              <a:rPr lang="en-US" smtClean="0"/>
-              <a:t>12</a:t>
-            </a:fld>
-            <a:endParaRPr lang="en-US"/>
-          </a:p>
-        </p:txBody>
-      </p:sp>
-      <p:sp>
-        <p:nvSpPr>
-          <p:cNvPr id="5" name="TextBox 4">
-            <a:extLst>
-              <a:ext uri="{FF2B5EF4-FFF2-40B4-BE49-F238E27FC236}">
-                <a16:creationId xmlns:a16="http://schemas.microsoft.com/office/drawing/2014/main" id="{A1B749C3-6A51-4B56-86A5-1B6E9FBCCD6C}"/>
-              </a:ext>
-            </a:extLst>
-          </p:cNvPr>
-          <p:cNvSpPr txBox="1"/>
-          <p:nvPr/>
-        </p:nvSpPr>
-        <p:spPr>
-          <a:xfrm>
-            <a:off x="109182" y="1385208"/>
-            <a:ext cx="11859905" cy="5355312"/>
-          </a:xfrm>
-          <a:prstGeom prst="rect">
-            <a:avLst/>
-          </a:prstGeom>
-          <a:noFill/>
-        </p:spPr>
-        <p:txBody>
-          <a:bodyPr wrap="square" numCol="2" rtlCol="0">
-            <a:spAutoFit/>
-          </a:bodyPr>
-          <a:lstStyle/>
-          <a:p>
-            <a:r>
-              <a:rPr lang="en-US" sz="1600" dirty="0"/>
-              <a:t>public interface </a:t>
-            </a:r>
-            <a:r>
-              <a:rPr lang="en-US" sz="1600" dirty="0" err="1"/>
-              <a:t>IMyInterface</a:t>
-            </a:r>
-            <a:endParaRPr lang="en-US" sz="1600" dirty="0"/>
-          </a:p>
-          <a:p>
-            <a:r>
-              <a:rPr lang="en-US" sz="1600" dirty="0"/>
-              <a:t>{</a:t>
-            </a:r>
-          </a:p>
-          <a:p>
-            <a:r>
-              <a:rPr lang="en-US" sz="1600" dirty="0"/>
-              <a:t>	… do magic</a:t>
-            </a:r>
-          </a:p>
-          <a:p>
-            <a:r>
-              <a:rPr lang="en-US" sz="1600" dirty="0"/>
-              <a:t>}</a:t>
-            </a:r>
-          </a:p>
-          <a:p>
-            <a:endParaRPr lang="en-US" sz="1600" dirty="0"/>
-          </a:p>
-          <a:p>
-            <a:r>
-              <a:rPr lang="en-US" sz="1600" dirty="0"/>
-              <a:t>public class MyClass1 : </a:t>
-            </a:r>
-            <a:r>
-              <a:rPr lang="en-US" sz="1600" dirty="0" err="1"/>
-              <a:t>IMyInterface</a:t>
-            </a:r>
-            <a:endParaRPr lang="en-US" sz="1600" dirty="0"/>
-          </a:p>
-          <a:p>
-            <a:r>
-              <a:rPr lang="en-US" sz="1600" dirty="0"/>
-              <a:t>{</a:t>
-            </a:r>
-          </a:p>
-          <a:p>
-            <a:r>
-              <a:rPr lang="en-US" sz="1600" dirty="0"/>
-              <a:t>	… do magic</a:t>
-            </a:r>
-          </a:p>
-          <a:p>
-            <a:r>
-              <a:rPr lang="en-US" sz="1600" dirty="0"/>
-              <a:t>}</a:t>
-            </a:r>
-          </a:p>
-          <a:p>
-            <a:endParaRPr lang="en-US" sz="1600" dirty="0"/>
-          </a:p>
-          <a:p>
-            <a:r>
-              <a:rPr lang="en-US" sz="1600" dirty="0"/>
-              <a:t>public class MyClass2 : </a:t>
-            </a:r>
-            <a:r>
-              <a:rPr lang="en-US" sz="1600" dirty="0" err="1"/>
-              <a:t>IMyInterface</a:t>
-            </a:r>
-            <a:endParaRPr lang="en-US" sz="1600" dirty="0"/>
-          </a:p>
-          <a:p>
-            <a:r>
-              <a:rPr lang="en-US" sz="1600" dirty="0"/>
-              <a:t>{</a:t>
-            </a:r>
-          </a:p>
-          <a:p>
-            <a:r>
-              <a:rPr lang="en-US" sz="1600" dirty="0"/>
-              <a:t>	… do magic</a:t>
-            </a:r>
-          </a:p>
-          <a:p>
-            <a:r>
-              <a:rPr lang="en-US" sz="1600" dirty="0"/>
-              <a:t>}</a:t>
-            </a:r>
-          </a:p>
-          <a:p>
-            <a:endParaRPr lang="en-US" sz="1600" dirty="0"/>
-          </a:p>
-          <a:p>
-            <a:r>
-              <a:rPr lang="en-US" sz="1600" dirty="0"/>
-              <a:t>Public class MyClass3 : </a:t>
-            </a:r>
-            <a:r>
-              <a:rPr lang="en-US" sz="1600" dirty="0" err="1"/>
-              <a:t>IMyInterface</a:t>
-            </a:r>
-            <a:endParaRPr lang="en-US" sz="1600" dirty="0"/>
-          </a:p>
-          <a:p>
-            <a:r>
-              <a:rPr lang="en-US" sz="1600" dirty="0"/>
-              <a:t>{</a:t>
-            </a:r>
-          </a:p>
-          <a:p>
-            <a:r>
-              <a:rPr lang="en-US" sz="1600" dirty="0"/>
-              <a:t>	… do magic</a:t>
-            </a:r>
-          </a:p>
-          <a:p>
-            <a:r>
-              <a:rPr lang="en-US" sz="1600" dirty="0"/>
-              <a:t>}</a:t>
-            </a:r>
-          </a:p>
-          <a:p>
-            <a:endParaRPr lang="en-US" sz="1600" dirty="0"/>
-          </a:p>
-          <a:p>
-            <a:endParaRPr lang="en-US" sz="1600" dirty="0"/>
-          </a:p>
-          <a:p>
-            <a:r>
-              <a:rPr lang="en-US" sz="1600" dirty="0" err="1"/>
-              <a:t>IOCContainer</a:t>
-            </a:r>
-            <a:r>
-              <a:rPr lang="en-US" sz="1600" dirty="0"/>
-              <a:t> </a:t>
-            </a:r>
-            <a:r>
-              <a:rPr lang="en-US" sz="1600" dirty="0" err="1"/>
-              <a:t>myContainer</a:t>
-            </a:r>
-            <a:r>
-              <a:rPr lang="en-US" sz="1600" dirty="0"/>
-              <a:t>=new </a:t>
-            </a:r>
-            <a:r>
-              <a:rPr lang="en-US" sz="1600" dirty="0" err="1"/>
-              <a:t>IOCContainer</a:t>
-            </a:r>
-            <a:r>
-              <a:rPr lang="en-US" sz="1600" dirty="0"/>
-              <a:t>();</a:t>
-            </a:r>
-          </a:p>
-          <a:p>
-            <a:r>
-              <a:rPr lang="en-US" sz="1600" dirty="0" err="1"/>
-              <a:t>myContainer.Bind</a:t>
-            </a:r>
-            <a:r>
-              <a:rPr lang="en-US" sz="1600" dirty="0"/>
-              <a:t>&lt;IMyInterface,MyClass1&gt;().Named(“1”);</a:t>
-            </a:r>
-          </a:p>
-          <a:p>
-            <a:r>
-              <a:rPr lang="en-US" sz="1600" dirty="0" err="1"/>
-              <a:t>myContainer.Bind</a:t>
-            </a:r>
-            <a:r>
-              <a:rPr lang="en-US" sz="1600" dirty="0"/>
-              <a:t>&lt;IMyInterface,MyClass2&gt;().Named(“2”);</a:t>
-            </a:r>
-          </a:p>
-          <a:p>
-            <a:r>
-              <a:rPr lang="en-US" sz="1600" dirty="0" err="1"/>
-              <a:t>myContainer.Bind</a:t>
-            </a:r>
-            <a:r>
-              <a:rPr lang="en-US" sz="1600" dirty="0"/>
-              <a:t>&lt;IMyInterface,MyClass3&gt;().Named(“3”);</a:t>
-            </a:r>
-          </a:p>
-          <a:p>
-            <a:endParaRPr lang="en-US" sz="1600" dirty="0"/>
-          </a:p>
-          <a:p>
-            <a:r>
-              <a:rPr lang="en-US" sz="1600" dirty="0"/>
-              <a:t>string </a:t>
-            </a:r>
-            <a:r>
-              <a:rPr lang="en-US" sz="1600" dirty="0" err="1"/>
-              <a:t>yourChoice</a:t>
-            </a:r>
-            <a:r>
-              <a:rPr lang="en-US" sz="1600" dirty="0"/>
-              <a:t>=</a:t>
-            </a:r>
-            <a:r>
-              <a:rPr lang="en-US" sz="1600" dirty="0" err="1"/>
-              <a:t>console.readline</a:t>
-            </a:r>
-            <a:r>
-              <a:rPr lang="en-US" sz="1600" dirty="0"/>
-              <a:t>();</a:t>
-            </a:r>
-          </a:p>
-          <a:p>
-            <a:r>
-              <a:rPr lang="en-US" sz="1600" dirty="0" err="1"/>
-              <a:t>IMyInterface</a:t>
-            </a:r>
-            <a:r>
-              <a:rPr lang="en-US" sz="1600" dirty="0"/>
-              <a:t> </a:t>
-            </a:r>
-            <a:r>
-              <a:rPr lang="en-US" sz="1600" dirty="0" err="1"/>
-              <a:t>myClass</a:t>
-            </a:r>
-            <a:r>
-              <a:rPr lang="en-US" sz="1600" dirty="0"/>
-              <a:t>=null;</a:t>
-            </a:r>
-          </a:p>
-          <a:p>
-            <a:r>
-              <a:rPr lang="en-US" sz="1600" dirty="0" err="1"/>
-              <a:t>myclass</a:t>
-            </a:r>
-            <a:r>
-              <a:rPr lang="en-US" sz="1600" dirty="0"/>
-              <a:t>=</a:t>
-            </a:r>
-            <a:r>
-              <a:rPr lang="en-US" sz="1600" dirty="0" err="1"/>
-              <a:t>myContainer.Get</a:t>
-            </a:r>
-            <a:r>
-              <a:rPr lang="en-US" sz="1600" dirty="0"/>
-              <a:t>&lt;</a:t>
-            </a:r>
-            <a:r>
-              <a:rPr lang="en-US" sz="1600" dirty="0" err="1"/>
-              <a:t>IMyInterface</a:t>
-            </a:r>
-            <a:r>
-              <a:rPr lang="en-US" sz="1600" dirty="0"/>
-              <a:t>&gt;()</a:t>
-            </a:r>
-          </a:p>
-          <a:p>
-            <a:r>
-              <a:rPr lang="en-US" sz="1600" dirty="0"/>
-              <a:t>					.</a:t>
-            </a:r>
-            <a:r>
-              <a:rPr lang="en-US" sz="1600" dirty="0" err="1"/>
-              <a:t>ByName</a:t>
-            </a:r>
-            <a:r>
-              <a:rPr lang="en-US" sz="1600" dirty="0"/>
-              <a:t>(</a:t>
-            </a:r>
-            <a:r>
-              <a:rPr lang="en-US" sz="1600" dirty="0" err="1"/>
-              <a:t>yourChoice</a:t>
-            </a:r>
-            <a:r>
-              <a:rPr lang="en-US" sz="1600" dirty="0"/>
-              <a:t>);</a:t>
-            </a:r>
-          </a:p>
-          <a:p>
-            <a:endParaRPr lang="en-US" sz="1600" dirty="0"/>
-          </a:p>
-          <a:p>
-            <a:r>
-              <a:rPr lang="en-US" sz="1600" dirty="0"/>
-              <a:t>Or</a:t>
-            </a:r>
-          </a:p>
-          <a:p>
-            <a:endParaRPr lang="en-US" sz="1600" dirty="0"/>
-          </a:p>
-          <a:p>
-            <a:r>
-              <a:rPr lang="en-US" sz="1600" dirty="0"/>
-              <a:t>public class </a:t>
-            </a:r>
-            <a:r>
-              <a:rPr lang="en-US" sz="1600" dirty="0" err="1"/>
-              <a:t>AnotherClass</a:t>
-            </a:r>
-            <a:endParaRPr lang="en-US" sz="1600" dirty="0"/>
-          </a:p>
-          <a:p>
-            <a:r>
-              <a:rPr lang="en-US" sz="1600" dirty="0"/>
-              <a:t>{</a:t>
-            </a:r>
-          </a:p>
-          <a:p>
-            <a:r>
-              <a:rPr lang="en-US" sz="1600" dirty="0"/>
-              <a:t>	public </a:t>
-            </a:r>
-            <a:r>
-              <a:rPr lang="en-US" sz="1600" dirty="0" err="1"/>
-              <a:t>AnotherClass</a:t>
-            </a:r>
-            <a:r>
-              <a:rPr lang="en-US" sz="1600" dirty="0"/>
-              <a:t>(</a:t>
-            </a:r>
-            <a:r>
-              <a:rPr lang="en-US" sz="1600" dirty="0" err="1"/>
-              <a:t>IMyInterface</a:t>
-            </a:r>
-            <a:r>
-              <a:rPr lang="en-US" sz="1600" dirty="0"/>
-              <a:t> </a:t>
-            </a:r>
-            <a:r>
-              <a:rPr lang="en-US" sz="1600" dirty="0" err="1"/>
-              <a:t>myClass</a:t>
-            </a:r>
-            <a:r>
-              <a:rPr lang="en-US" sz="1600" dirty="0"/>
-              <a:t>)</a:t>
-            </a:r>
-          </a:p>
-          <a:p>
-            <a:r>
-              <a:rPr lang="en-US" sz="1600" dirty="0"/>
-              <a:t>	{</a:t>
-            </a:r>
-          </a:p>
-          <a:p>
-            <a:r>
-              <a:rPr lang="en-US" sz="1600" dirty="0"/>
-              <a:t>	… do magic </a:t>
-            </a:r>
-          </a:p>
-          <a:p>
-            <a:r>
-              <a:rPr lang="en-US" sz="1600" dirty="0"/>
-              <a:t>	}</a:t>
-            </a:r>
-          </a:p>
-          <a:p>
-            <a:endParaRPr lang="en-US" sz="1600" dirty="0"/>
-          </a:p>
-          <a:p>
-            <a:r>
-              <a:rPr lang="en-US" sz="1600" dirty="0"/>
-              <a:t>	… do other magic</a:t>
-            </a:r>
-          </a:p>
-          <a:p>
-            <a:r>
-              <a:rPr lang="en-US" sz="1600" dirty="0"/>
-              <a:t>}</a:t>
-            </a:r>
-          </a:p>
-        </p:txBody>
-      </p:sp>
-    </p:spTree>
-    <p:extLst>
-      <p:ext uri="{BB962C8B-B14F-4D97-AF65-F5344CB8AC3E}">
-        <p14:creationId xmlns:p14="http://schemas.microsoft.com/office/powerpoint/2010/main" val="4134464957"/>
-      </p:ext>
-    </p:extLst>
-  </p:cSld>
-  <p:clrMapOvr>
-    <a:masterClrMapping/>
-  </p:clrMapOvr>
-</p:sld>
-</file>
-
 <file path=ppt/slides/slide13.xml><?xml version="1.0" encoding="utf-8"?>
 <p:sld xmlns:a="http://schemas.openxmlformats.org/drawingml/2006/main" xmlns:r="http://schemas.openxmlformats.org/officeDocument/2006/relationships" xmlns:p="http://schemas.openxmlformats.org/presentationml/2006/main">
   <p:cSld>
@@ -8534,7 +8356,7 @@
           <p:cNvPr id="2" name="Title 1">
             <a:extLst>
               <a:ext uri="{FF2B5EF4-FFF2-40B4-BE49-F238E27FC236}">
-                <a16:creationId xmlns:a16="http://schemas.microsoft.com/office/drawing/2014/main" id="{DCA58F1A-F41E-4ABE-B971-E7D7A2948E0A}"/>
+                <a16:creationId xmlns:a16="http://schemas.microsoft.com/office/drawing/2014/main" id="{59BAE30E-542C-4C72-8518-A24CDB90D61B}"/>
               </a:ext>
             </a:extLst>
           </p:cNvPr>
@@ -8545,72 +8367,24 @@
             <p:ph type="title"/>
           </p:nvPr>
         </p:nvSpPr>
-        <p:spPr/>
+        <p:spPr>
+          <a:xfrm>
+            <a:off x="646111" y="452718"/>
+            <a:ext cx="9404723" cy="767687"/>
+          </a:xfrm>
+        </p:spPr>
         <p:txBody>
           <a:bodyPr/>
           <a:lstStyle/>
           <a:p>
             <a:r>
               <a:rPr lang="en-US" dirty="0"/>
-              <a:t>What is Testing?</a:t>
-            </a:r>
-          </a:p>
-        </p:txBody>
-      </p:sp>
-      <p:sp>
-        <p:nvSpPr>
-          <p:cNvPr id="3" name="Content Placeholder 2">
-            <a:extLst>
-              <a:ext uri="{FF2B5EF4-FFF2-40B4-BE49-F238E27FC236}">
-                <a16:creationId xmlns:a16="http://schemas.microsoft.com/office/drawing/2014/main" id="{D7569734-1897-4C2C-BD84-C43F7DD1D3F0}"/>
-              </a:ext>
-            </a:extLst>
-          </p:cNvPr>
-          <p:cNvSpPr>
-            <a:spLocks noGrp="1"/>
-          </p:cNvSpPr>
-          <p:nvPr>
-            <p:ph idx="1"/>
-          </p:nvPr>
-        </p:nvSpPr>
-        <p:spPr>
-          <a:xfrm>
-            <a:off x="518615" y="1433016"/>
-            <a:ext cx="10972799" cy="4815384"/>
-          </a:xfrm>
-        </p:spPr>
-        <p:txBody>
-          <a:bodyPr/>
-          <a:lstStyle/>
-          <a:p>
-            <a:r>
-              <a:rPr lang="en-US" dirty="0"/>
-              <a:t>A method of software engineering of writing a dedicated program to validate the correct processing of another program</a:t>
-            </a:r>
-          </a:p>
-          <a:p>
-            <a:r>
-              <a:rPr lang="en-US" dirty="0"/>
-              <a:t>Unit Testing is used to validate an individual package of code (frequently a single method and frequently devoid of external dependencies).</a:t>
-            </a:r>
-          </a:p>
-          <a:p>
-            <a:r>
-              <a:rPr lang="en-US" dirty="0"/>
-              <a:t>Integration Testing is used to validate a process that requires several packages of code to work together in a specific sequence (may include limited external dependencies).</a:t>
-            </a:r>
-          </a:p>
-          <a:p>
-            <a:r>
-              <a:rPr lang="en-US" dirty="0"/>
-              <a:t>Regression Testing is used to validate full software end to end processes and all dependencies meet business requirements.</a:t>
-            </a:r>
-          </a:p>
-          <a:p>
-            <a:r>
-              <a:rPr lang="en-US" dirty="0"/>
-              <a:t>Performance / Load Testing is used to validate a system can execute successfully within given time and resource constraints with a large number of requests or a large amount of data.</a:t>
-            </a:r>
+              <a:t>IOC in C#</a:t>
+            </a:r>
+            <a:br>
+              <a:rPr lang="en-US" dirty="0"/>
+            </a:br>
+            <a:endParaRPr lang="en-US" dirty="0"/>
           </a:p>
         </p:txBody>
       </p:sp>
@@ -8619,7 +8393,7 @@
           <p:cNvPr id="4" name="Slide Number Placeholder 3">
             <a:extLst>
               <a:ext uri="{FF2B5EF4-FFF2-40B4-BE49-F238E27FC236}">
-                <a16:creationId xmlns:a16="http://schemas.microsoft.com/office/drawing/2014/main" id="{18F6B167-2E13-4CC5-8122-3C6CE539F95A}"/>
+                <a16:creationId xmlns:a16="http://schemas.microsoft.com/office/drawing/2014/main" id="{A05CB4BC-BC6C-4D7C-A4E4-2F4B67CB3117}"/>
               </a:ext>
             </a:extLst>
           </p:cNvPr>
@@ -8643,10 +8417,409 @@
           </a:p>
         </p:txBody>
       </p:sp>
+      <p:sp>
+        <p:nvSpPr>
+          <p:cNvPr id="5" name="TextBox 4">
+            <a:extLst>
+              <a:ext uri="{FF2B5EF4-FFF2-40B4-BE49-F238E27FC236}">
+                <a16:creationId xmlns:a16="http://schemas.microsoft.com/office/drawing/2014/main" id="{A1B749C3-6A51-4B56-86A5-1B6E9FBCCD6C}"/>
+              </a:ext>
+            </a:extLst>
+          </p:cNvPr>
+          <p:cNvSpPr txBox="1"/>
+          <p:nvPr/>
+        </p:nvSpPr>
+        <p:spPr>
+          <a:xfrm>
+            <a:off x="109182" y="1385208"/>
+            <a:ext cx="11859905" cy="5355312"/>
+          </a:xfrm>
+          <a:prstGeom prst="rect">
+            <a:avLst/>
+          </a:prstGeom>
+          <a:noFill/>
+        </p:spPr>
+        <p:txBody>
+          <a:bodyPr wrap="square" numCol="2" rtlCol="0">
+            <a:spAutoFit/>
+          </a:bodyPr>
+          <a:lstStyle/>
+          <a:p>
+            <a:r>
+              <a:rPr lang="en-US" sz="1600" dirty="0"/>
+              <a:t>public interface </a:t>
+            </a:r>
+            <a:r>
+              <a:rPr lang="en-US" sz="1600" dirty="0" err="1"/>
+              <a:t>IMyInterface</a:t>
+            </a:r>
+            <a:endParaRPr lang="en-US" sz="1600" dirty="0"/>
+          </a:p>
+          <a:p>
+            <a:r>
+              <a:rPr lang="en-US" sz="1600" dirty="0"/>
+              <a:t>{</a:t>
+            </a:r>
+          </a:p>
+          <a:p>
+            <a:r>
+              <a:rPr lang="en-US" sz="1600" dirty="0"/>
+              <a:t>	… do magic</a:t>
+            </a:r>
+          </a:p>
+          <a:p>
+            <a:r>
+              <a:rPr lang="en-US" sz="1600" dirty="0"/>
+              <a:t>}</a:t>
+            </a:r>
+          </a:p>
+          <a:p>
+            <a:endParaRPr lang="en-US" sz="1600" dirty="0"/>
+          </a:p>
+          <a:p>
+            <a:r>
+              <a:rPr lang="en-US" sz="1600" dirty="0"/>
+              <a:t>public class MyClass1 : </a:t>
+            </a:r>
+            <a:r>
+              <a:rPr lang="en-US" sz="1600" dirty="0" err="1"/>
+              <a:t>IMyInterface</a:t>
+            </a:r>
+            <a:endParaRPr lang="en-US" sz="1600" dirty="0"/>
+          </a:p>
+          <a:p>
+            <a:r>
+              <a:rPr lang="en-US" sz="1600" dirty="0"/>
+              <a:t>{</a:t>
+            </a:r>
+          </a:p>
+          <a:p>
+            <a:r>
+              <a:rPr lang="en-US" sz="1600" dirty="0"/>
+              <a:t>	… do magic</a:t>
+            </a:r>
+          </a:p>
+          <a:p>
+            <a:r>
+              <a:rPr lang="en-US" sz="1600" dirty="0"/>
+              <a:t>}</a:t>
+            </a:r>
+          </a:p>
+          <a:p>
+            <a:endParaRPr lang="en-US" sz="1600" dirty="0"/>
+          </a:p>
+          <a:p>
+            <a:r>
+              <a:rPr lang="en-US" sz="1600" dirty="0"/>
+              <a:t>public class MyClass2 : </a:t>
+            </a:r>
+            <a:r>
+              <a:rPr lang="en-US" sz="1600" dirty="0" err="1"/>
+              <a:t>IMyInterface</a:t>
+            </a:r>
+            <a:endParaRPr lang="en-US" sz="1600" dirty="0"/>
+          </a:p>
+          <a:p>
+            <a:r>
+              <a:rPr lang="en-US" sz="1600" dirty="0"/>
+              <a:t>{</a:t>
+            </a:r>
+          </a:p>
+          <a:p>
+            <a:r>
+              <a:rPr lang="en-US" sz="1600" dirty="0"/>
+              <a:t>	… do magic</a:t>
+            </a:r>
+          </a:p>
+          <a:p>
+            <a:r>
+              <a:rPr lang="en-US" sz="1600" dirty="0"/>
+              <a:t>}</a:t>
+            </a:r>
+          </a:p>
+          <a:p>
+            <a:endParaRPr lang="en-US" sz="1600" dirty="0"/>
+          </a:p>
+          <a:p>
+            <a:r>
+              <a:rPr lang="en-US" sz="1600" dirty="0"/>
+              <a:t>Public class MyClass3 : </a:t>
+            </a:r>
+            <a:r>
+              <a:rPr lang="en-US" sz="1600" dirty="0" err="1"/>
+              <a:t>IMyInterface</a:t>
+            </a:r>
+            <a:endParaRPr lang="en-US" sz="1600" dirty="0"/>
+          </a:p>
+          <a:p>
+            <a:r>
+              <a:rPr lang="en-US" sz="1600" dirty="0"/>
+              <a:t>{</a:t>
+            </a:r>
+          </a:p>
+          <a:p>
+            <a:r>
+              <a:rPr lang="en-US" sz="1600" dirty="0"/>
+              <a:t>	… do magic</a:t>
+            </a:r>
+          </a:p>
+          <a:p>
+            <a:r>
+              <a:rPr lang="en-US" sz="1600" dirty="0"/>
+              <a:t>}</a:t>
+            </a:r>
+          </a:p>
+          <a:p>
+            <a:endParaRPr lang="en-US" sz="1600" dirty="0"/>
+          </a:p>
+          <a:p>
+            <a:endParaRPr lang="en-US" sz="1600" dirty="0"/>
+          </a:p>
+          <a:p>
+            <a:r>
+              <a:rPr lang="en-US" sz="1600" dirty="0" err="1"/>
+              <a:t>IOCContainer</a:t>
+            </a:r>
+            <a:r>
+              <a:rPr lang="en-US" sz="1600" dirty="0"/>
+              <a:t> </a:t>
+            </a:r>
+            <a:r>
+              <a:rPr lang="en-US" sz="1600" dirty="0" err="1"/>
+              <a:t>myContainer</a:t>
+            </a:r>
+            <a:r>
+              <a:rPr lang="en-US" sz="1600" dirty="0"/>
+              <a:t>=new </a:t>
+            </a:r>
+            <a:r>
+              <a:rPr lang="en-US" sz="1600" dirty="0" err="1"/>
+              <a:t>IOCContainer</a:t>
+            </a:r>
+            <a:r>
+              <a:rPr lang="en-US" sz="1600" dirty="0"/>
+              <a:t>();</a:t>
+            </a:r>
+          </a:p>
+          <a:p>
+            <a:r>
+              <a:rPr lang="en-US" sz="1600" dirty="0" err="1"/>
+              <a:t>myContainer.Bind</a:t>
+            </a:r>
+            <a:r>
+              <a:rPr lang="en-US" sz="1600" dirty="0"/>
+              <a:t>&lt;IMyInterface,MyClass1&gt;().Named(“1”);</a:t>
+            </a:r>
+          </a:p>
+          <a:p>
+            <a:r>
+              <a:rPr lang="en-US" sz="1600" dirty="0" err="1"/>
+              <a:t>myContainer.Bind</a:t>
+            </a:r>
+            <a:r>
+              <a:rPr lang="en-US" sz="1600" dirty="0"/>
+              <a:t>&lt;IMyInterface,MyClass2&gt;().Named(“2”);</a:t>
+            </a:r>
+          </a:p>
+          <a:p>
+            <a:r>
+              <a:rPr lang="en-US" sz="1600" dirty="0" err="1"/>
+              <a:t>myContainer.Bind</a:t>
+            </a:r>
+            <a:r>
+              <a:rPr lang="en-US" sz="1600" dirty="0"/>
+              <a:t>&lt;IMyInterface,MyClass3&gt;().Named(“3”);</a:t>
+            </a:r>
+          </a:p>
+          <a:p>
+            <a:endParaRPr lang="en-US" sz="1600" dirty="0"/>
+          </a:p>
+          <a:p>
+            <a:r>
+              <a:rPr lang="en-US" sz="1600" dirty="0"/>
+              <a:t>string </a:t>
+            </a:r>
+            <a:r>
+              <a:rPr lang="en-US" sz="1600" dirty="0" err="1"/>
+              <a:t>yourChoice</a:t>
+            </a:r>
+            <a:r>
+              <a:rPr lang="en-US" sz="1600" dirty="0"/>
+              <a:t>=</a:t>
+            </a:r>
+            <a:r>
+              <a:rPr lang="en-US" sz="1600" dirty="0" err="1"/>
+              <a:t>console.readline</a:t>
+            </a:r>
+            <a:r>
+              <a:rPr lang="en-US" sz="1600" dirty="0"/>
+              <a:t>();</a:t>
+            </a:r>
+          </a:p>
+          <a:p>
+            <a:r>
+              <a:rPr lang="en-US" sz="1600" dirty="0" err="1"/>
+              <a:t>IMyInterface</a:t>
+            </a:r>
+            <a:r>
+              <a:rPr lang="en-US" sz="1600" dirty="0"/>
+              <a:t> </a:t>
+            </a:r>
+            <a:r>
+              <a:rPr lang="en-US" sz="1600" dirty="0" err="1"/>
+              <a:t>myClass</a:t>
+            </a:r>
+            <a:r>
+              <a:rPr lang="en-US" sz="1600" dirty="0"/>
+              <a:t>=null;</a:t>
+            </a:r>
+          </a:p>
+          <a:p>
+            <a:r>
+              <a:rPr lang="en-US" sz="1600" dirty="0" err="1"/>
+              <a:t>myclass</a:t>
+            </a:r>
+            <a:r>
+              <a:rPr lang="en-US" sz="1600" dirty="0"/>
+              <a:t>=</a:t>
+            </a:r>
+            <a:r>
+              <a:rPr lang="en-US" sz="1600" dirty="0" err="1"/>
+              <a:t>myContainer.Get</a:t>
+            </a:r>
+            <a:r>
+              <a:rPr lang="en-US" sz="1600" dirty="0"/>
+              <a:t>&lt;</a:t>
+            </a:r>
+            <a:r>
+              <a:rPr lang="en-US" sz="1600" dirty="0" err="1"/>
+              <a:t>IMyInterface</a:t>
+            </a:r>
+            <a:r>
+              <a:rPr lang="en-US" sz="1600" dirty="0"/>
+              <a:t>&gt;()</a:t>
+            </a:r>
+          </a:p>
+          <a:p>
+            <a:r>
+              <a:rPr lang="en-US" sz="1600" dirty="0"/>
+              <a:t>					.</a:t>
+            </a:r>
+            <a:r>
+              <a:rPr lang="en-US" sz="1600" dirty="0" err="1"/>
+              <a:t>ByName</a:t>
+            </a:r>
+            <a:r>
+              <a:rPr lang="en-US" sz="1600" dirty="0"/>
+              <a:t>(</a:t>
+            </a:r>
+            <a:r>
+              <a:rPr lang="en-US" sz="1600" dirty="0" err="1"/>
+              <a:t>yourChoice</a:t>
+            </a:r>
+            <a:r>
+              <a:rPr lang="en-US" sz="1600" dirty="0"/>
+              <a:t>);</a:t>
+            </a:r>
+          </a:p>
+          <a:p>
+            <a:endParaRPr lang="en-US" sz="1600" dirty="0"/>
+          </a:p>
+          <a:p>
+            <a:r>
+              <a:rPr lang="en-US" sz="1600" dirty="0"/>
+              <a:t>Or</a:t>
+            </a:r>
+          </a:p>
+          <a:p>
+            <a:endParaRPr lang="en-US" sz="1600" dirty="0"/>
+          </a:p>
+          <a:p>
+            <a:r>
+              <a:rPr lang="en-US" sz="1600" dirty="0"/>
+              <a:t>public class </a:t>
+            </a:r>
+            <a:r>
+              <a:rPr lang="en-US" sz="1600" dirty="0" err="1"/>
+              <a:t>AnotherClass</a:t>
+            </a:r>
+            <a:endParaRPr lang="en-US" sz="1600" dirty="0"/>
+          </a:p>
+          <a:p>
+            <a:r>
+              <a:rPr lang="en-US" sz="1600" dirty="0"/>
+              <a:t>{</a:t>
+            </a:r>
+          </a:p>
+          <a:p>
+            <a:r>
+              <a:rPr lang="en-US" sz="1600" dirty="0"/>
+              <a:t>	public </a:t>
+            </a:r>
+            <a:r>
+              <a:rPr lang="en-US" sz="1600" dirty="0" err="1"/>
+              <a:t>AnotherClass</a:t>
+            </a:r>
+            <a:r>
+              <a:rPr lang="en-US" sz="1600" dirty="0"/>
+              <a:t>(</a:t>
+            </a:r>
+            <a:r>
+              <a:rPr lang="en-US" sz="1600" dirty="0" err="1"/>
+              <a:t>IMyInterface</a:t>
+            </a:r>
+            <a:r>
+              <a:rPr lang="en-US" sz="1600" dirty="0"/>
+              <a:t> </a:t>
+            </a:r>
+            <a:r>
+              <a:rPr lang="en-US" sz="1600" dirty="0" err="1"/>
+              <a:t>myClass</a:t>
+            </a:r>
+            <a:r>
+              <a:rPr lang="en-US" sz="1600" dirty="0"/>
+              <a:t>)</a:t>
+            </a:r>
+          </a:p>
+          <a:p>
+            <a:r>
+              <a:rPr lang="en-US" sz="1600" dirty="0"/>
+              <a:t>	{</a:t>
+            </a:r>
+          </a:p>
+          <a:p>
+            <a:r>
+              <a:rPr lang="en-US" sz="1600" dirty="0"/>
+              <a:t>	… do magic </a:t>
+            </a:r>
+          </a:p>
+          <a:p>
+            <a:r>
+              <a:rPr lang="en-US" sz="1600" dirty="0"/>
+              <a:t>	}</a:t>
+            </a:r>
+          </a:p>
+          <a:p>
+            <a:endParaRPr lang="en-US" sz="1600" dirty="0"/>
+          </a:p>
+          <a:p>
+            <a:r>
+              <a:rPr lang="en-US" sz="1600" dirty="0"/>
+              <a:t>	… do other magic</a:t>
+            </a:r>
+          </a:p>
+          <a:p>
+            <a:r>
+              <a:rPr lang="en-US" sz="1600" dirty="0"/>
+              <a:t>}</a:t>
+            </a:r>
+          </a:p>
+        </p:txBody>
+      </p:sp>
     </p:spTree>
     <p:extLst>
       <p:ext uri="{BB962C8B-B14F-4D97-AF65-F5344CB8AC3E}">
-        <p14:creationId xmlns:p14="http://schemas.microsoft.com/office/powerpoint/2010/main" val="1684594128"/>
+        <p14:creationId xmlns:p14="http://schemas.microsoft.com/office/powerpoint/2010/main" val="4134464957"/>
       </p:ext>
     </p:extLst>
   </p:cSld>
@@ -8689,10 +8862,38 @@
             <p:ph type="title"/>
           </p:nvPr>
         </p:nvSpPr>
+        <p:spPr/>
+        <p:txBody>
+          <a:bodyPr/>
+          <a:lstStyle/>
+          <a:p>
+            <a:r>
+              <a:rPr lang="en-US" dirty="0"/>
+              <a:t>What is Testing?</a:t>
+            </a:r>
+          </a:p>
+        </p:txBody>
+      </p:sp>
+      <p:sp>
+        <p:nvSpPr>
+          <p:cNvPr id="3" name="Content Placeholder 2">
+            <a:extLst>
+              <a:ext uri="{FF2B5EF4-FFF2-40B4-BE49-F238E27FC236}">
+                <a16:creationId xmlns:a16="http://schemas.microsoft.com/office/drawing/2014/main" id="{D7569734-1897-4C2C-BD84-C43F7DD1D3F0}"/>
+              </a:ext>
+            </a:extLst>
+          </p:cNvPr>
+          <p:cNvSpPr>
+            <a:spLocks noGrp="1"/>
+          </p:cNvSpPr>
+          <p:nvPr>
+            <p:ph idx="1"/>
+          </p:nvPr>
+        </p:nvSpPr>
         <p:spPr>
           <a:xfrm>
-            <a:off x="646111" y="452718"/>
-            <a:ext cx="9404723" cy="767687"/>
+            <a:off x="518615" y="1433016"/>
+            <a:ext cx="10972799" cy="4815384"/>
           </a:xfrm>
         </p:spPr>
         <p:txBody>
@@ -8701,7 +8902,31 @@
           <a:p>
             <a:r>
               <a:rPr lang="en-US" dirty="0"/>
-              <a:t>Testing in C#?</a:t>
+              <a:t>A method of software engineering of writing a dedicated program to validate the correct processing of another program</a:t>
+            </a:r>
+          </a:p>
+          <a:p>
+            <a:r>
+              <a:rPr lang="en-US" dirty="0"/>
+              <a:t>Unit Testing is used to validate an individual package of code (frequently a single method and frequently devoid of external dependencies).</a:t>
+            </a:r>
+          </a:p>
+          <a:p>
+            <a:r>
+              <a:rPr lang="en-US" dirty="0"/>
+              <a:t>Integration Testing is used to validate a process that requires several packages of code to work together in a specific sequence (may include limited external dependencies).</a:t>
+            </a:r>
+          </a:p>
+          <a:p>
+            <a:r>
+              <a:rPr lang="en-US" dirty="0"/>
+              <a:t>Regression Testing is used to validate full software end to end processes and all dependencies meet business requirements.</a:t>
+            </a:r>
+          </a:p>
+          <a:p>
+            <a:r>
+              <a:rPr lang="en-US" dirty="0"/>
+              <a:t>Performance / Load Testing is used to validate a system can execute successfully within given time and resource constraints with a large number of requests or a large amount of data.</a:t>
             </a:r>
           </a:p>
         </p:txBody>
@@ -8735,186 +8960,10 @@
           </a:p>
         </p:txBody>
       </p:sp>
-      <p:sp>
-        <p:nvSpPr>
-          <p:cNvPr id="5" name="TextBox 4">
-            <a:extLst>
-              <a:ext uri="{FF2B5EF4-FFF2-40B4-BE49-F238E27FC236}">
-                <a16:creationId xmlns:a16="http://schemas.microsoft.com/office/drawing/2014/main" id="{E214C638-E226-4B1E-ADCB-43E2C301E334}"/>
-              </a:ext>
-            </a:extLst>
-          </p:cNvPr>
-          <p:cNvSpPr txBox="1"/>
-          <p:nvPr/>
-        </p:nvSpPr>
-        <p:spPr>
-          <a:xfrm>
-            <a:off x="627797" y="1555845"/>
-            <a:ext cx="11095630" cy="3693319"/>
-          </a:xfrm>
-          <a:prstGeom prst="rect">
-            <a:avLst/>
-          </a:prstGeom>
-          <a:noFill/>
-        </p:spPr>
-        <p:txBody>
-          <a:bodyPr wrap="square" rtlCol="0">
-            <a:spAutoFit/>
-          </a:bodyPr>
-          <a:lstStyle/>
-          <a:p>
-            <a:r>
-              <a:rPr lang="en-US" dirty="0"/>
-              <a:t>public </a:t>
-            </a:r>
-            <a:r>
-              <a:rPr lang="en-US" dirty="0" err="1"/>
-              <a:t>int</a:t>
-            </a:r>
-            <a:r>
-              <a:rPr lang="en-US" dirty="0"/>
-              <a:t> Add(</a:t>
-            </a:r>
-            <a:r>
-              <a:rPr lang="en-US" dirty="0" err="1"/>
-              <a:t>int</a:t>
-            </a:r>
-            <a:r>
-              <a:rPr lang="en-US" dirty="0"/>
-              <a:t> term1, </a:t>
-            </a:r>
-            <a:r>
-              <a:rPr lang="en-US" dirty="0" err="1"/>
-              <a:t>int</a:t>
-            </a:r>
-            <a:r>
-              <a:rPr lang="en-US" dirty="0"/>
-              <a:t> term2)</a:t>
-            </a:r>
-          </a:p>
-          <a:p>
-            <a:r>
-              <a:rPr lang="en-US" dirty="0"/>
-              <a:t>{</a:t>
-            </a:r>
-          </a:p>
-          <a:p>
-            <a:r>
-              <a:rPr lang="en-US" dirty="0"/>
-              <a:t>	return term1+term2;</a:t>
-            </a:r>
-          </a:p>
-          <a:p>
-            <a:r>
-              <a:rPr lang="en-US" dirty="0"/>
-              <a:t>}</a:t>
-            </a:r>
-          </a:p>
-          <a:p>
-            <a:endParaRPr lang="en-US" dirty="0"/>
-          </a:p>
-          <a:p>
-            <a:r>
-              <a:rPr lang="en-US" dirty="0"/>
-              <a:t>public void Given_2Terms_When_Add_ShouldReturn_SumOfTerms()</a:t>
-            </a:r>
-          </a:p>
-          <a:p>
-            <a:r>
-              <a:rPr lang="en-US" dirty="0"/>
-              <a:t>{</a:t>
-            </a:r>
-          </a:p>
-          <a:p>
-            <a:r>
-              <a:rPr lang="en-US" dirty="0"/>
-              <a:t>	</a:t>
-            </a:r>
-            <a:r>
-              <a:rPr lang="en-US" dirty="0" err="1"/>
-              <a:t>int</a:t>
-            </a:r>
-            <a:r>
-              <a:rPr lang="en-US" dirty="0"/>
-              <a:t> expected=5;</a:t>
-            </a:r>
-          </a:p>
-          <a:p>
-            <a:r>
-              <a:rPr lang="en-US" dirty="0"/>
-              <a:t>	</a:t>
-            </a:r>
-            <a:r>
-              <a:rPr lang="en-US" dirty="0" err="1"/>
-              <a:t>int</a:t>
-            </a:r>
-            <a:r>
-              <a:rPr lang="en-US" dirty="0"/>
-              <a:t> term1=2;</a:t>
-            </a:r>
-          </a:p>
-          <a:p>
-            <a:r>
-              <a:rPr lang="en-US" dirty="0"/>
-              <a:t>	</a:t>
-            </a:r>
-            <a:r>
-              <a:rPr lang="en-US" dirty="0" err="1"/>
-              <a:t>int</a:t>
-            </a:r>
-            <a:r>
-              <a:rPr lang="en-US" dirty="0"/>
-              <a:t> term2=3;</a:t>
-            </a:r>
-          </a:p>
-          <a:p>
-            <a:r>
-              <a:rPr lang="en-US" dirty="0"/>
-              <a:t>	</a:t>
-            </a:r>
-            <a:r>
-              <a:rPr lang="en-US" dirty="0" err="1"/>
-              <a:t>int</a:t>
-            </a:r>
-            <a:r>
-              <a:rPr lang="en-US" dirty="0"/>
-              <a:t> actual=Add(term1,term2);</a:t>
-            </a:r>
-          </a:p>
-          <a:p>
-            <a:r>
-              <a:rPr lang="en-US" dirty="0"/>
-              <a:t>	</a:t>
-            </a:r>
-            <a:r>
-              <a:rPr lang="en-US" dirty="0" err="1"/>
-              <a:t>Assert.AreEqual</a:t>
-            </a:r>
-            <a:r>
-              <a:rPr lang="en-US" dirty="0"/>
-              <a:t>(</a:t>
-            </a:r>
-            <a:r>
-              <a:rPr lang="en-US" dirty="0" err="1"/>
-              <a:t>actual,expected</a:t>
-            </a:r>
-            <a:r>
-              <a:rPr lang="en-US" dirty="0"/>
-              <a:t>);</a:t>
-            </a:r>
-          </a:p>
-          <a:p>
-            <a:r>
-              <a:rPr lang="en-US" dirty="0"/>
-              <a:t>}</a:t>
-            </a:r>
-          </a:p>
-        </p:txBody>
-      </p:sp>
     </p:spTree>
     <p:extLst>
       <p:ext uri="{BB962C8B-B14F-4D97-AF65-F5344CB8AC3E}">
-        <p14:creationId xmlns:p14="http://schemas.microsoft.com/office/powerpoint/2010/main" val="682340386"/>
+        <p14:creationId xmlns:p14="http://schemas.microsoft.com/office/powerpoint/2010/main" val="1684594128"/>
       </p:ext>
     </p:extLst>
   </p:cSld>
@@ -8960,7 +9009,7 @@
         <p:spPr>
           <a:xfrm>
             <a:off x="646111" y="452718"/>
-            <a:ext cx="9404723" cy="925706"/>
+            <a:ext cx="9404723" cy="767687"/>
           </a:xfrm>
         </p:spPr>
         <p:txBody>
@@ -8969,58 +9018,7 @@
           <a:p>
             <a:r>
               <a:rPr lang="en-US" dirty="0"/>
-              <a:t>What is Mocking?</a:t>
-            </a:r>
-          </a:p>
-        </p:txBody>
-      </p:sp>
-      <p:sp>
-        <p:nvSpPr>
-          <p:cNvPr id="3" name="Content Placeholder 2">
-            <a:extLst>
-              <a:ext uri="{FF2B5EF4-FFF2-40B4-BE49-F238E27FC236}">
-                <a16:creationId xmlns:a16="http://schemas.microsoft.com/office/drawing/2014/main" id="{D7569734-1897-4C2C-BD84-C43F7DD1D3F0}"/>
-              </a:ext>
-            </a:extLst>
-          </p:cNvPr>
-          <p:cNvSpPr>
-            <a:spLocks noGrp="1"/>
-          </p:cNvSpPr>
-          <p:nvPr>
-            <p:ph idx="1"/>
-          </p:nvPr>
-        </p:nvSpPr>
-        <p:spPr>
-          <a:xfrm>
-            <a:off x="645130" y="1629837"/>
-            <a:ext cx="10545609" cy="4675429"/>
-          </a:xfrm>
-        </p:spPr>
-        <p:txBody>
-          <a:bodyPr/>
-          <a:lstStyle/>
-          <a:p>
-            <a:r>
-              <a:rPr lang="en-US" dirty="0"/>
-              <a:t>A method of software engineering whereby one object or method simulates the behavior of another object or method and is transparent to the underlying system.</a:t>
-            </a:r>
-          </a:p>
-          <a:p>
-            <a:r>
-              <a:rPr lang="en-US" dirty="0"/>
-              <a:t>Frequently used to remove external dependencies for Unit Testing</a:t>
-            </a:r>
-          </a:p>
-          <a:p>
-            <a:r>
-              <a:rPr lang="en-US" dirty="0"/>
-              <a:t>May be used in development or deployed when an external dependency is not available</a:t>
-            </a:r>
-          </a:p>
-          <a:p>
-            <a:r>
-              <a:rPr lang="en-US" dirty="0"/>
-              <a:t>May be used when simplified processing is sufficient</a:t>
+              <a:t>Testing in C#?</a:t>
             </a:r>
           </a:p>
         </p:txBody>
@@ -9054,10 +9052,186 @@
           </a:p>
         </p:txBody>
       </p:sp>
+      <p:sp>
+        <p:nvSpPr>
+          <p:cNvPr id="5" name="TextBox 4">
+            <a:extLst>
+              <a:ext uri="{FF2B5EF4-FFF2-40B4-BE49-F238E27FC236}">
+                <a16:creationId xmlns:a16="http://schemas.microsoft.com/office/drawing/2014/main" id="{E214C638-E226-4B1E-ADCB-43E2C301E334}"/>
+              </a:ext>
+            </a:extLst>
+          </p:cNvPr>
+          <p:cNvSpPr txBox="1"/>
+          <p:nvPr/>
+        </p:nvSpPr>
+        <p:spPr>
+          <a:xfrm>
+            <a:off x="627797" y="1555845"/>
+            <a:ext cx="11095630" cy="3693319"/>
+          </a:xfrm>
+          <a:prstGeom prst="rect">
+            <a:avLst/>
+          </a:prstGeom>
+          <a:noFill/>
+        </p:spPr>
+        <p:txBody>
+          <a:bodyPr wrap="square" rtlCol="0">
+            <a:spAutoFit/>
+          </a:bodyPr>
+          <a:lstStyle/>
+          <a:p>
+            <a:r>
+              <a:rPr lang="en-US" dirty="0"/>
+              <a:t>public </a:t>
+            </a:r>
+            <a:r>
+              <a:rPr lang="en-US" dirty="0" err="1"/>
+              <a:t>int</a:t>
+            </a:r>
+            <a:r>
+              <a:rPr lang="en-US" dirty="0"/>
+              <a:t> Add(</a:t>
+            </a:r>
+            <a:r>
+              <a:rPr lang="en-US" dirty="0" err="1"/>
+              <a:t>int</a:t>
+            </a:r>
+            <a:r>
+              <a:rPr lang="en-US" dirty="0"/>
+              <a:t> term1, </a:t>
+            </a:r>
+            <a:r>
+              <a:rPr lang="en-US" dirty="0" err="1"/>
+              <a:t>int</a:t>
+            </a:r>
+            <a:r>
+              <a:rPr lang="en-US" dirty="0"/>
+              <a:t> term2)</a:t>
+            </a:r>
+          </a:p>
+          <a:p>
+            <a:r>
+              <a:rPr lang="en-US" dirty="0"/>
+              <a:t>{</a:t>
+            </a:r>
+          </a:p>
+          <a:p>
+            <a:r>
+              <a:rPr lang="en-US" dirty="0"/>
+              <a:t>	return term1+term2;</a:t>
+            </a:r>
+          </a:p>
+          <a:p>
+            <a:r>
+              <a:rPr lang="en-US" dirty="0"/>
+              <a:t>}</a:t>
+            </a:r>
+          </a:p>
+          <a:p>
+            <a:endParaRPr lang="en-US" dirty="0"/>
+          </a:p>
+          <a:p>
+            <a:r>
+              <a:rPr lang="en-US" dirty="0"/>
+              <a:t>public void Given_2Terms_When_Add_ShouldReturn_SumOfTerms()</a:t>
+            </a:r>
+          </a:p>
+          <a:p>
+            <a:r>
+              <a:rPr lang="en-US" dirty="0"/>
+              <a:t>{</a:t>
+            </a:r>
+          </a:p>
+          <a:p>
+            <a:r>
+              <a:rPr lang="en-US" dirty="0"/>
+              <a:t>	</a:t>
+            </a:r>
+            <a:r>
+              <a:rPr lang="en-US" dirty="0" err="1"/>
+              <a:t>int</a:t>
+            </a:r>
+            <a:r>
+              <a:rPr lang="en-US" dirty="0"/>
+              <a:t> expected=5;</a:t>
+            </a:r>
+          </a:p>
+          <a:p>
+            <a:r>
+              <a:rPr lang="en-US" dirty="0"/>
+              <a:t>	</a:t>
+            </a:r>
+            <a:r>
+              <a:rPr lang="en-US" dirty="0" err="1"/>
+              <a:t>int</a:t>
+            </a:r>
+            <a:r>
+              <a:rPr lang="en-US" dirty="0"/>
+              <a:t> term1=2;</a:t>
+            </a:r>
+          </a:p>
+          <a:p>
+            <a:r>
+              <a:rPr lang="en-US" dirty="0"/>
+              <a:t>	</a:t>
+            </a:r>
+            <a:r>
+              <a:rPr lang="en-US" dirty="0" err="1"/>
+              <a:t>int</a:t>
+            </a:r>
+            <a:r>
+              <a:rPr lang="en-US" dirty="0"/>
+              <a:t> term2=3;</a:t>
+            </a:r>
+          </a:p>
+          <a:p>
+            <a:r>
+              <a:rPr lang="en-US" dirty="0"/>
+              <a:t>	</a:t>
+            </a:r>
+            <a:r>
+              <a:rPr lang="en-US" dirty="0" err="1"/>
+              <a:t>int</a:t>
+            </a:r>
+            <a:r>
+              <a:rPr lang="en-US" dirty="0"/>
+              <a:t> actual=Add(term1,term2);</a:t>
+            </a:r>
+          </a:p>
+          <a:p>
+            <a:r>
+              <a:rPr lang="en-US" dirty="0"/>
+              <a:t>	</a:t>
+            </a:r>
+            <a:r>
+              <a:rPr lang="en-US" dirty="0" err="1"/>
+              <a:t>Assert.AreEqual</a:t>
+            </a:r>
+            <a:r>
+              <a:rPr lang="en-US" dirty="0"/>
+              <a:t>(</a:t>
+            </a:r>
+            <a:r>
+              <a:rPr lang="en-US" dirty="0" err="1"/>
+              <a:t>actual,expected</a:t>
+            </a:r>
+            <a:r>
+              <a:rPr lang="en-US" dirty="0"/>
+              <a:t>);</a:t>
+            </a:r>
+          </a:p>
+          <a:p>
+            <a:r>
+              <a:rPr lang="en-US" dirty="0"/>
+              <a:t>}</a:t>
+            </a:r>
+          </a:p>
+        </p:txBody>
+      </p:sp>
     </p:spTree>
     <p:extLst>
       <p:ext uri="{BB962C8B-B14F-4D97-AF65-F5344CB8AC3E}">
-        <p14:creationId xmlns:p14="http://schemas.microsoft.com/office/powerpoint/2010/main" val="3948583333"/>
+        <p14:creationId xmlns:p14="http://schemas.microsoft.com/office/powerpoint/2010/main" val="682340386"/>
       </p:ext>
     </p:extLst>
   </p:cSld>
@@ -9089,7 +9263,7 @@
           <p:cNvPr id="2" name="Title 1">
             <a:extLst>
               <a:ext uri="{FF2B5EF4-FFF2-40B4-BE49-F238E27FC236}">
-                <a16:creationId xmlns:a16="http://schemas.microsoft.com/office/drawing/2014/main" id="{C84D5C97-F32D-40FA-9158-36D14E0DABDA}"/>
+                <a16:creationId xmlns:a16="http://schemas.microsoft.com/office/drawing/2014/main" id="{DCA58F1A-F41E-4ABE-B971-E7D7A2948E0A}"/>
               </a:ext>
             </a:extLst>
           </p:cNvPr>
@@ -9103,7 +9277,7 @@
         <p:spPr>
           <a:xfrm>
             <a:off x="646111" y="452718"/>
-            <a:ext cx="9404723" cy="767687"/>
+            <a:ext cx="9404723" cy="925706"/>
           </a:xfrm>
         </p:spPr>
         <p:txBody>
@@ -9112,7 +9286,58 @@
           <a:p>
             <a:r>
               <a:rPr lang="en-US" dirty="0"/>
-              <a:t>Mocking in C#</a:t>
+              <a:t>What is Mocking?</a:t>
+            </a:r>
+          </a:p>
+        </p:txBody>
+      </p:sp>
+      <p:sp>
+        <p:nvSpPr>
+          <p:cNvPr id="3" name="Content Placeholder 2">
+            <a:extLst>
+              <a:ext uri="{FF2B5EF4-FFF2-40B4-BE49-F238E27FC236}">
+                <a16:creationId xmlns:a16="http://schemas.microsoft.com/office/drawing/2014/main" id="{D7569734-1897-4C2C-BD84-C43F7DD1D3F0}"/>
+              </a:ext>
+            </a:extLst>
+          </p:cNvPr>
+          <p:cNvSpPr>
+            <a:spLocks noGrp="1"/>
+          </p:cNvSpPr>
+          <p:nvPr>
+            <p:ph idx="1"/>
+          </p:nvPr>
+        </p:nvSpPr>
+        <p:spPr>
+          <a:xfrm>
+            <a:off x="645130" y="1629837"/>
+            <a:ext cx="10545609" cy="4675429"/>
+          </a:xfrm>
+        </p:spPr>
+        <p:txBody>
+          <a:bodyPr/>
+          <a:lstStyle/>
+          <a:p>
+            <a:r>
+              <a:rPr lang="en-US" dirty="0"/>
+              <a:t>A method of software engineering whereby one object or method simulates the behavior of another object or method and is transparent to the underlying system.</a:t>
+            </a:r>
+          </a:p>
+          <a:p>
+            <a:r>
+              <a:rPr lang="en-US" dirty="0"/>
+              <a:t>Frequently used to remove external dependencies for Unit Testing</a:t>
+            </a:r>
+          </a:p>
+          <a:p>
+            <a:r>
+              <a:rPr lang="en-US" dirty="0"/>
+              <a:t>May be used in development or deployed when an external dependency is not available</a:t>
+            </a:r>
+          </a:p>
+          <a:p>
+            <a:r>
+              <a:rPr lang="en-US" dirty="0"/>
+              <a:t>May be used when simplified processing is sufficient</a:t>
             </a:r>
           </a:p>
         </p:txBody>
@@ -9122,7 +9347,7 @@
           <p:cNvPr id="4" name="Slide Number Placeholder 3">
             <a:extLst>
               <a:ext uri="{FF2B5EF4-FFF2-40B4-BE49-F238E27FC236}">
-                <a16:creationId xmlns:a16="http://schemas.microsoft.com/office/drawing/2014/main" id="{F2A483DB-7C90-4984-8889-8D07A266C39B}"/>
+                <a16:creationId xmlns:a16="http://schemas.microsoft.com/office/drawing/2014/main" id="{18F6B167-2E13-4CC5-8122-3C6CE539F95A}"/>
               </a:ext>
             </a:extLst>
           </p:cNvPr>
@@ -9146,291 +9371,10 @@
           </a:p>
         </p:txBody>
       </p:sp>
-      <p:sp>
-        <p:nvSpPr>
-          <p:cNvPr id="5" name="TextBox 4">
-            <a:extLst>
-              <a:ext uri="{FF2B5EF4-FFF2-40B4-BE49-F238E27FC236}">
-                <a16:creationId xmlns:a16="http://schemas.microsoft.com/office/drawing/2014/main" id="{A6716BE9-F64E-4E25-9ABB-DE512C45DC13}"/>
-              </a:ext>
-            </a:extLst>
-          </p:cNvPr>
-          <p:cNvSpPr txBox="1"/>
-          <p:nvPr/>
-        </p:nvSpPr>
-        <p:spPr>
-          <a:xfrm>
-            <a:off x="436728" y="1337481"/>
-            <a:ext cx="11423176" cy="5016758"/>
-          </a:xfrm>
-          <a:prstGeom prst="rect">
-            <a:avLst/>
-          </a:prstGeom>
-          <a:noFill/>
-        </p:spPr>
-        <p:txBody>
-          <a:bodyPr wrap="square" rtlCol="0">
-            <a:spAutoFit/>
-          </a:bodyPr>
-          <a:lstStyle/>
-          <a:p>
-            <a:r>
-              <a:rPr lang="en-US" sz="1600" dirty="0"/>
-              <a:t>public class </a:t>
-            </a:r>
-            <a:r>
-              <a:rPr lang="en-US" sz="1600" dirty="0" err="1"/>
-              <a:t>MyClass</a:t>
-            </a:r>
-            <a:endParaRPr lang="en-US" sz="1600" dirty="0"/>
-          </a:p>
-          <a:p>
-            <a:r>
-              <a:rPr lang="en-US" sz="1600" dirty="0"/>
-              <a:t>{</a:t>
-            </a:r>
-          </a:p>
-          <a:p>
-            <a:r>
-              <a:rPr lang="en-US" sz="1600" dirty="0"/>
-              <a:t>	public virtual </a:t>
-            </a:r>
-            <a:r>
-              <a:rPr lang="en-US" sz="1600" dirty="0" err="1"/>
-              <a:t>int</a:t>
-            </a:r>
-            <a:r>
-              <a:rPr lang="en-US" sz="1600" dirty="0"/>
-              <a:t> </a:t>
-            </a:r>
-            <a:r>
-              <a:rPr lang="en-US" sz="1600" dirty="0" err="1"/>
-              <a:t>ComplexCalculation</a:t>
-            </a:r>
-            <a:r>
-              <a:rPr lang="en-US" sz="1600" dirty="0"/>
-              <a:t>(</a:t>
-            </a:r>
-            <a:r>
-              <a:rPr lang="en-US" sz="1600" dirty="0" err="1"/>
-              <a:t>int</a:t>
-            </a:r>
-            <a:r>
-              <a:rPr lang="en-US" sz="1600" dirty="0"/>
-              <a:t> p1, </a:t>
-            </a:r>
-            <a:r>
-              <a:rPr lang="en-US" sz="1600" dirty="0" err="1"/>
-              <a:t>int</a:t>
-            </a:r>
-            <a:r>
-              <a:rPr lang="en-US" sz="1600" dirty="0"/>
-              <a:t> p2, </a:t>
-            </a:r>
-            <a:r>
-              <a:rPr lang="en-US" sz="1600" dirty="0" err="1"/>
-              <a:t>int</a:t>
-            </a:r>
-            <a:r>
-              <a:rPr lang="en-US" sz="1600" dirty="0"/>
-              <a:t> p3)</a:t>
-            </a:r>
-          </a:p>
-          <a:p>
-            <a:r>
-              <a:rPr lang="en-US" sz="1600" dirty="0"/>
-              <a:t>	{</a:t>
-            </a:r>
-          </a:p>
-          <a:p>
-            <a:r>
-              <a:rPr lang="en-US" sz="1600" dirty="0"/>
-              <a:t>	… do magic</a:t>
-            </a:r>
-          </a:p>
-          <a:p>
-            <a:r>
-              <a:rPr lang="en-US" sz="1600" dirty="0"/>
-              <a:t>	}</a:t>
-            </a:r>
-          </a:p>
-          <a:p>
-            <a:r>
-              <a:rPr lang="en-US" sz="1600" dirty="0"/>
-              <a:t>}</a:t>
-            </a:r>
-          </a:p>
-          <a:p>
-            <a:endParaRPr lang="en-US" sz="1600" dirty="0"/>
-          </a:p>
-          <a:p>
-            <a:r>
-              <a:rPr lang="en-US" sz="1600" dirty="0"/>
-              <a:t>public class </a:t>
-            </a:r>
-            <a:r>
-              <a:rPr lang="en-US" sz="1600" dirty="0" err="1"/>
-              <a:t>MyClassMock</a:t>
-            </a:r>
-            <a:r>
-              <a:rPr lang="en-US" sz="1600" dirty="0"/>
-              <a:t> : </a:t>
-            </a:r>
-            <a:r>
-              <a:rPr lang="en-US" sz="1600" dirty="0" err="1"/>
-              <a:t>MyClass</a:t>
-            </a:r>
-            <a:endParaRPr lang="en-US" sz="1600" dirty="0"/>
-          </a:p>
-          <a:p>
-            <a:r>
-              <a:rPr lang="en-US" sz="1600" dirty="0"/>
-              <a:t>{</a:t>
-            </a:r>
-          </a:p>
-          <a:p>
-            <a:r>
-              <a:rPr lang="en-US" sz="1600" dirty="0"/>
-              <a:t>	public override </a:t>
-            </a:r>
-            <a:r>
-              <a:rPr lang="en-US" sz="1600" dirty="0" err="1"/>
-              <a:t>int</a:t>
-            </a:r>
-            <a:r>
-              <a:rPr lang="en-US" sz="1600" dirty="0"/>
-              <a:t> </a:t>
-            </a:r>
-            <a:r>
-              <a:rPr lang="en-US" sz="1600" dirty="0" err="1"/>
-              <a:t>ComplexCalculation</a:t>
-            </a:r>
-            <a:r>
-              <a:rPr lang="en-US" sz="1600" dirty="0"/>
-              <a:t>(</a:t>
-            </a:r>
-            <a:r>
-              <a:rPr lang="en-US" sz="1600" dirty="0" err="1"/>
-              <a:t>int</a:t>
-            </a:r>
-            <a:r>
-              <a:rPr lang="en-US" sz="1600" dirty="0"/>
-              <a:t> p1, </a:t>
-            </a:r>
-            <a:r>
-              <a:rPr lang="en-US" sz="1600" dirty="0" err="1"/>
-              <a:t>int</a:t>
-            </a:r>
-            <a:r>
-              <a:rPr lang="en-US" sz="1600" dirty="0"/>
-              <a:t> p2, </a:t>
-            </a:r>
-            <a:r>
-              <a:rPr lang="en-US" sz="1600" dirty="0" err="1"/>
-              <a:t>int</a:t>
-            </a:r>
-            <a:r>
-              <a:rPr lang="en-US" sz="1600" dirty="0"/>
-              <a:t> p3)</a:t>
-            </a:r>
-          </a:p>
-          <a:p>
-            <a:r>
-              <a:rPr lang="en-US" sz="1600" dirty="0"/>
-              <a:t>	{</a:t>
-            </a:r>
-          </a:p>
-          <a:p>
-            <a:r>
-              <a:rPr lang="en-US" sz="1600" dirty="0"/>
-              <a:t>	return 1;</a:t>
-            </a:r>
-          </a:p>
-          <a:p>
-            <a:r>
-              <a:rPr lang="en-US" sz="1600" dirty="0"/>
-              <a:t>	}</a:t>
-            </a:r>
-          </a:p>
-          <a:p>
-            <a:r>
-              <a:rPr lang="en-US" sz="1600" dirty="0"/>
-              <a:t>}</a:t>
-            </a:r>
-          </a:p>
-          <a:p>
-            <a:endParaRPr lang="en-US" sz="1600" dirty="0"/>
-          </a:p>
-          <a:p>
-            <a:r>
-              <a:rPr lang="en-US" sz="1600" dirty="0"/>
-              <a:t>public </a:t>
-            </a:r>
-            <a:r>
-              <a:rPr lang="en-US" sz="1600" dirty="0" err="1"/>
-              <a:t>int</a:t>
-            </a:r>
-            <a:r>
-              <a:rPr lang="en-US" sz="1600" dirty="0"/>
-              <a:t> </a:t>
-            </a:r>
-            <a:r>
-              <a:rPr lang="en-US" sz="1600" dirty="0" err="1"/>
-              <a:t>DoWork</a:t>
-            </a:r>
-            <a:r>
-              <a:rPr lang="en-US" sz="1600" dirty="0"/>
-              <a:t>(</a:t>
-            </a:r>
-            <a:r>
-              <a:rPr lang="en-US" sz="1600" dirty="0" err="1"/>
-              <a:t>MyClass</a:t>
-            </a:r>
-            <a:r>
-              <a:rPr lang="en-US" sz="1600" dirty="0"/>
-              <a:t> </a:t>
-            </a:r>
-            <a:r>
-              <a:rPr lang="en-US" sz="1600" dirty="0" err="1"/>
-              <a:t>myClass</a:t>
-            </a:r>
-            <a:r>
-              <a:rPr lang="en-US" sz="1600" dirty="0"/>
-              <a:t>)</a:t>
-            </a:r>
-          </a:p>
-          <a:p>
-            <a:r>
-              <a:rPr lang="en-US" sz="1600" dirty="0"/>
-              <a:t>{</a:t>
-            </a:r>
-          </a:p>
-          <a:p>
-            <a:r>
-              <a:rPr lang="en-US" sz="1600" dirty="0"/>
-              <a:t>	return </a:t>
-            </a:r>
-            <a:r>
-              <a:rPr lang="en-US" sz="1600" dirty="0" err="1"/>
-              <a:t>myClass.ComplexCalculations</a:t>
-            </a:r>
-            <a:r>
-              <a:rPr lang="en-US" sz="1600" dirty="0"/>
-              <a:t>(1,2,3);</a:t>
-            </a:r>
-          </a:p>
-          <a:p>
-            <a:r>
-              <a:rPr lang="en-US" sz="1600" dirty="0"/>
-              <a:t>}</a:t>
-            </a:r>
-          </a:p>
-        </p:txBody>
-      </p:sp>
     </p:spTree>
     <p:extLst>
       <p:ext uri="{BB962C8B-B14F-4D97-AF65-F5344CB8AC3E}">
-        <p14:creationId xmlns:p14="http://schemas.microsoft.com/office/powerpoint/2010/main" val="3182931456"/>
+        <p14:creationId xmlns:p14="http://schemas.microsoft.com/office/powerpoint/2010/main" val="3948583333"/>
       </p:ext>
     </p:extLst>
   </p:cSld>
@@ -9462,6 +9406,379 @@
           <p:cNvPr id="2" name="Title 1">
             <a:extLst>
               <a:ext uri="{FF2B5EF4-FFF2-40B4-BE49-F238E27FC236}">
+                <a16:creationId xmlns:a16="http://schemas.microsoft.com/office/drawing/2014/main" id="{C84D5C97-F32D-40FA-9158-36D14E0DABDA}"/>
+              </a:ext>
+            </a:extLst>
+          </p:cNvPr>
+          <p:cNvSpPr>
+            <a:spLocks noGrp="1"/>
+          </p:cNvSpPr>
+          <p:nvPr>
+            <p:ph type="title"/>
+          </p:nvPr>
+        </p:nvSpPr>
+        <p:spPr>
+          <a:xfrm>
+            <a:off x="646111" y="452718"/>
+            <a:ext cx="9404723" cy="767687"/>
+          </a:xfrm>
+        </p:spPr>
+        <p:txBody>
+          <a:bodyPr/>
+          <a:lstStyle/>
+          <a:p>
+            <a:r>
+              <a:rPr lang="en-US" dirty="0"/>
+              <a:t>Mocking in C#</a:t>
+            </a:r>
+          </a:p>
+        </p:txBody>
+      </p:sp>
+      <p:sp>
+        <p:nvSpPr>
+          <p:cNvPr id="4" name="Slide Number Placeholder 3">
+            <a:extLst>
+              <a:ext uri="{FF2B5EF4-FFF2-40B4-BE49-F238E27FC236}">
+                <a16:creationId xmlns:a16="http://schemas.microsoft.com/office/drawing/2014/main" id="{F2A483DB-7C90-4984-8889-8D07A266C39B}"/>
+              </a:ext>
+            </a:extLst>
+          </p:cNvPr>
+          <p:cNvSpPr>
+            <a:spLocks noGrp="1"/>
+          </p:cNvSpPr>
+          <p:nvPr>
+            <p:ph type="sldNum" sz="quarter" idx="12"/>
+          </p:nvPr>
+        </p:nvSpPr>
+        <p:spPr/>
+        <p:txBody>
+          <a:bodyPr/>
+          <a:lstStyle/>
+          <a:p>
+            <a:fld id="{FB95DE3D-2950-4E4A-8781-5E9E0271AEF0}" type="slidenum">
+              <a:rPr lang="en-US" smtClean="0"/>
+              <a:t>17</a:t>
+            </a:fld>
+            <a:endParaRPr lang="en-US"/>
+          </a:p>
+        </p:txBody>
+      </p:sp>
+      <p:sp>
+        <p:nvSpPr>
+          <p:cNvPr id="5" name="TextBox 4">
+            <a:extLst>
+              <a:ext uri="{FF2B5EF4-FFF2-40B4-BE49-F238E27FC236}">
+                <a16:creationId xmlns:a16="http://schemas.microsoft.com/office/drawing/2014/main" id="{A6716BE9-F64E-4E25-9ABB-DE512C45DC13}"/>
+              </a:ext>
+            </a:extLst>
+          </p:cNvPr>
+          <p:cNvSpPr txBox="1"/>
+          <p:nvPr/>
+        </p:nvSpPr>
+        <p:spPr>
+          <a:xfrm>
+            <a:off x="436728" y="1337481"/>
+            <a:ext cx="11423176" cy="5016758"/>
+          </a:xfrm>
+          <a:prstGeom prst="rect">
+            <a:avLst/>
+          </a:prstGeom>
+          <a:noFill/>
+        </p:spPr>
+        <p:txBody>
+          <a:bodyPr wrap="square" rtlCol="0">
+            <a:spAutoFit/>
+          </a:bodyPr>
+          <a:lstStyle/>
+          <a:p>
+            <a:r>
+              <a:rPr lang="en-US" sz="1600" dirty="0"/>
+              <a:t>public class </a:t>
+            </a:r>
+            <a:r>
+              <a:rPr lang="en-US" sz="1600" dirty="0" err="1"/>
+              <a:t>MyClass</a:t>
+            </a:r>
+            <a:endParaRPr lang="en-US" sz="1600" dirty="0"/>
+          </a:p>
+          <a:p>
+            <a:r>
+              <a:rPr lang="en-US" sz="1600" dirty="0"/>
+              <a:t>{</a:t>
+            </a:r>
+          </a:p>
+          <a:p>
+            <a:r>
+              <a:rPr lang="en-US" sz="1600" dirty="0"/>
+              <a:t>	public virtual </a:t>
+            </a:r>
+            <a:r>
+              <a:rPr lang="en-US" sz="1600" dirty="0" err="1"/>
+              <a:t>int</a:t>
+            </a:r>
+            <a:r>
+              <a:rPr lang="en-US" sz="1600" dirty="0"/>
+              <a:t> </a:t>
+            </a:r>
+            <a:r>
+              <a:rPr lang="en-US" sz="1600" dirty="0" err="1"/>
+              <a:t>ComplexCalculation</a:t>
+            </a:r>
+            <a:r>
+              <a:rPr lang="en-US" sz="1600" dirty="0"/>
+              <a:t>(</a:t>
+            </a:r>
+            <a:r>
+              <a:rPr lang="en-US" sz="1600" dirty="0" err="1"/>
+              <a:t>int</a:t>
+            </a:r>
+            <a:r>
+              <a:rPr lang="en-US" sz="1600" dirty="0"/>
+              <a:t> p1, </a:t>
+            </a:r>
+            <a:r>
+              <a:rPr lang="en-US" sz="1600" dirty="0" err="1"/>
+              <a:t>int</a:t>
+            </a:r>
+            <a:r>
+              <a:rPr lang="en-US" sz="1600" dirty="0"/>
+              <a:t> p2, </a:t>
+            </a:r>
+            <a:r>
+              <a:rPr lang="en-US" sz="1600" dirty="0" err="1"/>
+              <a:t>int</a:t>
+            </a:r>
+            <a:r>
+              <a:rPr lang="en-US" sz="1600" dirty="0"/>
+              <a:t> p3)</a:t>
+            </a:r>
+          </a:p>
+          <a:p>
+            <a:r>
+              <a:rPr lang="en-US" sz="1600" dirty="0"/>
+              <a:t>	{</a:t>
+            </a:r>
+          </a:p>
+          <a:p>
+            <a:r>
+              <a:rPr lang="en-US" sz="1600" dirty="0"/>
+              <a:t>	… do magic</a:t>
+            </a:r>
+          </a:p>
+          <a:p>
+            <a:r>
+              <a:rPr lang="en-US" sz="1600" dirty="0"/>
+              <a:t>	}</a:t>
+            </a:r>
+          </a:p>
+          <a:p>
+            <a:r>
+              <a:rPr lang="en-US" sz="1600" dirty="0"/>
+              <a:t>}</a:t>
+            </a:r>
+          </a:p>
+          <a:p>
+            <a:endParaRPr lang="en-US" sz="1600" dirty="0"/>
+          </a:p>
+          <a:p>
+            <a:r>
+              <a:rPr lang="en-US" sz="1600" dirty="0"/>
+              <a:t>public class </a:t>
+            </a:r>
+            <a:r>
+              <a:rPr lang="en-US" sz="1600" dirty="0" err="1"/>
+              <a:t>MyClassMock</a:t>
+            </a:r>
+            <a:r>
+              <a:rPr lang="en-US" sz="1600" dirty="0"/>
+              <a:t> : </a:t>
+            </a:r>
+            <a:r>
+              <a:rPr lang="en-US" sz="1600" dirty="0" err="1"/>
+              <a:t>MyClass</a:t>
+            </a:r>
+            <a:endParaRPr lang="en-US" sz="1600" dirty="0"/>
+          </a:p>
+          <a:p>
+            <a:r>
+              <a:rPr lang="en-US" sz="1600" dirty="0"/>
+              <a:t>{</a:t>
+            </a:r>
+          </a:p>
+          <a:p>
+            <a:r>
+              <a:rPr lang="en-US" sz="1600" dirty="0"/>
+              <a:t>	public override </a:t>
+            </a:r>
+            <a:r>
+              <a:rPr lang="en-US" sz="1600" dirty="0" err="1"/>
+              <a:t>int</a:t>
+            </a:r>
+            <a:r>
+              <a:rPr lang="en-US" sz="1600" dirty="0"/>
+              <a:t> </a:t>
+            </a:r>
+            <a:r>
+              <a:rPr lang="en-US" sz="1600" dirty="0" err="1"/>
+              <a:t>ComplexCalculation</a:t>
+            </a:r>
+            <a:r>
+              <a:rPr lang="en-US" sz="1600" dirty="0"/>
+              <a:t>(</a:t>
+            </a:r>
+            <a:r>
+              <a:rPr lang="en-US" sz="1600" dirty="0" err="1"/>
+              <a:t>int</a:t>
+            </a:r>
+            <a:r>
+              <a:rPr lang="en-US" sz="1600" dirty="0"/>
+              <a:t> p1, </a:t>
+            </a:r>
+            <a:r>
+              <a:rPr lang="en-US" sz="1600" dirty="0" err="1"/>
+              <a:t>int</a:t>
+            </a:r>
+            <a:r>
+              <a:rPr lang="en-US" sz="1600" dirty="0"/>
+              <a:t> p2, </a:t>
+            </a:r>
+            <a:r>
+              <a:rPr lang="en-US" sz="1600" dirty="0" err="1"/>
+              <a:t>int</a:t>
+            </a:r>
+            <a:r>
+              <a:rPr lang="en-US" sz="1600" dirty="0"/>
+              <a:t> p3)</a:t>
+            </a:r>
+          </a:p>
+          <a:p>
+            <a:r>
+              <a:rPr lang="en-US" sz="1600" dirty="0"/>
+              <a:t>	{</a:t>
+            </a:r>
+          </a:p>
+          <a:p>
+            <a:r>
+              <a:rPr lang="en-US" sz="1600" dirty="0"/>
+              <a:t>	return 1;</a:t>
+            </a:r>
+          </a:p>
+          <a:p>
+            <a:r>
+              <a:rPr lang="en-US" sz="1600" dirty="0"/>
+              <a:t>	}</a:t>
+            </a:r>
+          </a:p>
+          <a:p>
+            <a:r>
+              <a:rPr lang="en-US" sz="1600" dirty="0"/>
+              <a:t>}</a:t>
+            </a:r>
+          </a:p>
+          <a:p>
+            <a:endParaRPr lang="en-US" sz="1600" dirty="0"/>
+          </a:p>
+          <a:p>
+            <a:r>
+              <a:rPr lang="en-US" sz="1600" dirty="0"/>
+              <a:t>public </a:t>
+            </a:r>
+            <a:r>
+              <a:rPr lang="en-US" sz="1600" dirty="0" err="1"/>
+              <a:t>int</a:t>
+            </a:r>
+            <a:r>
+              <a:rPr lang="en-US" sz="1600" dirty="0"/>
+              <a:t> </a:t>
+            </a:r>
+            <a:r>
+              <a:rPr lang="en-US" sz="1600" dirty="0" err="1"/>
+              <a:t>DoWork</a:t>
+            </a:r>
+            <a:r>
+              <a:rPr lang="en-US" sz="1600" dirty="0"/>
+              <a:t>(</a:t>
+            </a:r>
+            <a:r>
+              <a:rPr lang="en-US" sz="1600" dirty="0" err="1"/>
+              <a:t>MyClass</a:t>
+            </a:r>
+            <a:r>
+              <a:rPr lang="en-US" sz="1600" dirty="0"/>
+              <a:t> </a:t>
+            </a:r>
+            <a:r>
+              <a:rPr lang="en-US" sz="1600" dirty="0" err="1"/>
+              <a:t>myClass</a:t>
+            </a:r>
+            <a:r>
+              <a:rPr lang="en-US" sz="1600" dirty="0"/>
+              <a:t>)</a:t>
+            </a:r>
+          </a:p>
+          <a:p>
+            <a:r>
+              <a:rPr lang="en-US" sz="1600" dirty="0"/>
+              <a:t>{</a:t>
+            </a:r>
+          </a:p>
+          <a:p>
+            <a:r>
+              <a:rPr lang="en-US" sz="1600" dirty="0"/>
+              <a:t>	return </a:t>
+            </a:r>
+            <a:r>
+              <a:rPr lang="en-US" sz="1600" dirty="0" err="1"/>
+              <a:t>myClass.ComplexCalculations</a:t>
+            </a:r>
+            <a:r>
+              <a:rPr lang="en-US" sz="1600" dirty="0"/>
+              <a:t>(1,2,3);</a:t>
+            </a:r>
+          </a:p>
+          <a:p>
+            <a:r>
+              <a:rPr lang="en-US" sz="1600" dirty="0"/>
+              <a:t>}</a:t>
+            </a:r>
+          </a:p>
+        </p:txBody>
+      </p:sp>
+    </p:spTree>
+    <p:extLst>
+      <p:ext uri="{BB962C8B-B14F-4D97-AF65-F5344CB8AC3E}">
+        <p14:creationId xmlns:p14="http://schemas.microsoft.com/office/powerpoint/2010/main" val="3182931456"/>
+      </p:ext>
+    </p:extLst>
+  </p:cSld>
+  <p:clrMapOvr>
+    <a:masterClrMapping/>
+  </p:clrMapOvr>
+</p:sld>
+</file>
+
+<file path=ppt/slides/slide18.xml><?xml version="1.0" encoding="utf-8"?>
+<p:sld xmlns:a="http://schemas.openxmlformats.org/drawingml/2006/main" xmlns:r="http://schemas.openxmlformats.org/officeDocument/2006/relationships" xmlns:p="http://schemas.openxmlformats.org/presentationml/2006/main">
+  <p:cSld>
+    <p:spTree>
+      <p:nvGrpSpPr>
+        <p:cNvPr id="1" name=""/>
+        <p:cNvGrpSpPr/>
+        <p:nvPr/>
+      </p:nvGrpSpPr>
+      <p:grpSpPr>
+        <a:xfrm>
+          <a:off x="0" y="0"/>
+          <a:ext cx="0" cy="0"/>
+          <a:chOff x="0" y="0"/>
+          <a:chExt cx="0" cy="0"/>
+        </a:xfrm>
+      </p:grpSpPr>
+      <p:sp>
+        <p:nvSpPr>
+          <p:cNvPr id="2" name="Title 1">
+            <a:extLst>
+              <a:ext uri="{FF2B5EF4-FFF2-40B4-BE49-F238E27FC236}">
                 <a16:creationId xmlns:a16="http://schemas.microsoft.com/office/drawing/2014/main" id="{698DCFB2-A5EF-4C09-8A62-51C867F4D9E7}"/>
               </a:ext>
             </a:extLst>
@@ -9513,7 +9830,7 @@
           <a:p>
             <a:fld id="{FB95DE3D-2950-4E4A-8781-5E9E0271AEF0}" type="slidenum">
               <a:rPr lang="en-US" smtClean="0"/>
-              <a:t>17</a:t>
+              <a:t>18</a:t>
             </a:fld>
             <a:endParaRPr lang="en-US"/>
           </a:p>
@@ -9770,158 +10087,6 @@
 </p:sld>
 </file>
 
-<file path=ppt/slides/slide18.xml><?xml version="1.0" encoding="utf-8"?>
-<p:sld xmlns:a="http://schemas.openxmlformats.org/drawingml/2006/main" xmlns:r="http://schemas.openxmlformats.org/officeDocument/2006/relationships" xmlns:p="http://schemas.openxmlformats.org/presentationml/2006/main">
-  <p:cSld>
-    <p:spTree>
-      <p:nvGrpSpPr>
-        <p:cNvPr id="1" name=""/>
-        <p:cNvGrpSpPr/>
-        <p:nvPr/>
-      </p:nvGrpSpPr>
-      <p:grpSpPr>
-        <a:xfrm>
-          <a:off x="0" y="0"/>
-          <a:ext cx="0" cy="0"/>
-          <a:chOff x="0" y="0"/>
-          <a:chExt cx="0" cy="0"/>
-        </a:xfrm>
-      </p:grpSpPr>
-      <p:sp>
-        <p:nvSpPr>
-          <p:cNvPr id="2" name="Title 1">
-            <a:extLst>
-              <a:ext uri="{FF2B5EF4-FFF2-40B4-BE49-F238E27FC236}">
-                <a16:creationId xmlns:a16="http://schemas.microsoft.com/office/drawing/2014/main" id="{91712D14-C1E2-43E2-B619-A274F85F6BDF}"/>
-              </a:ext>
-            </a:extLst>
-          </p:cNvPr>
-          <p:cNvSpPr>
-            <a:spLocks noGrp="1"/>
-          </p:cNvSpPr>
-          <p:nvPr>
-            <p:ph type="title"/>
-          </p:nvPr>
-        </p:nvSpPr>
-        <p:spPr/>
-        <p:txBody>
-          <a:bodyPr/>
-          <a:lstStyle/>
-          <a:p>
-            <a:r>
-              <a:rPr lang="en-US" dirty="0"/>
-              <a:t>DI and IOC more than just mocking and testing</a:t>
-            </a:r>
-          </a:p>
-        </p:txBody>
-      </p:sp>
-      <p:sp>
-        <p:nvSpPr>
-          <p:cNvPr id="3" name="Content Placeholder 2">
-            <a:extLst>
-              <a:ext uri="{FF2B5EF4-FFF2-40B4-BE49-F238E27FC236}">
-                <a16:creationId xmlns:a16="http://schemas.microsoft.com/office/drawing/2014/main" id="{7344FB00-FA52-4392-89D8-8C3EFECFFE8B}"/>
-              </a:ext>
-            </a:extLst>
-          </p:cNvPr>
-          <p:cNvSpPr>
-            <a:spLocks noGrp="1"/>
-          </p:cNvSpPr>
-          <p:nvPr>
-            <p:ph idx="1"/>
-          </p:nvPr>
-        </p:nvSpPr>
-        <p:spPr/>
-        <p:txBody>
-          <a:bodyPr/>
-          <a:lstStyle/>
-          <a:p>
-            <a:r>
-              <a:rPr lang="en-US" dirty="0"/>
-              <a:t>Aspect Oriented Programming (AOP)</a:t>
-            </a:r>
-          </a:p>
-          <a:p>
-            <a:r>
-              <a:rPr lang="en-US" dirty="0"/>
-              <a:t>Event Management</a:t>
-            </a:r>
-          </a:p>
-          <a:p>
-            <a:r>
-              <a:rPr lang="en-US" dirty="0"/>
-              <a:t>Command Pattern</a:t>
-            </a:r>
-          </a:p>
-          <a:p>
-            <a:r>
-              <a:rPr lang="en-US" dirty="0"/>
-              <a:t>Lambda Composition</a:t>
-            </a:r>
-          </a:p>
-          <a:p>
-            <a:r>
-              <a:rPr lang="en-US" dirty="0"/>
-              <a:t>State Management</a:t>
-            </a:r>
-          </a:p>
-          <a:p>
-            <a:r>
-              <a:rPr lang="en-US" dirty="0"/>
-              <a:t>Functional Programming</a:t>
-            </a:r>
-          </a:p>
-          <a:p>
-            <a:r>
-              <a:rPr lang="en-US"/>
-              <a:t>Many more…</a:t>
-            </a:r>
-            <a:endParaRPr lang="en-US" dirty="0"/>
-          </a:p>
-        </p:txBody>
-      </p:sp>
-      <p:sp>
-        <p:nvSpPr>
-          <p:cNvPr id="4" name="Slide Number Placeholder 3">
-            <a:extLst>
-              <a:ext uri="{FF2B5EF4-FFF2-40B4-BE49-F238E27FC236}">
-                <a16:creationId xmlns:a16="http://schemas.microsoft.com/office/drawing/2014/main" id="{343F7C04-6FFA-462A-A174-210455564817}"/>
-              </a:ext>
-            </a:extLst>
-          </p:cNvPr>
-          <p:cNvSpPr>
-            <a:spLocks noGrp="1"/>
-          </p:cNvSpPr>
-          <p:nvPr>
-            <p:ph type="sldNum" sz="quarter" idx="12"/>
-          </p:nvPr>
-        </p:nvSpPr>
-        <p:spPr/>
-        <p:txBody>
-          <a:bodyPr/>
-          <a:lstStyle/>
-          <a:p>
-            <a:fld id="{FB95DE3D-2950-4E4A-8781-5E9E0271AEF0}" type="slidenum">
-              <a:rPr lang="en-US" smtClean="0"/>
-              <a:t>18</a:t>
-            </a:fld>
-            <a:endParaRPr lang="en-US"/>
-          </a:p>
-        </p:txBody>
-      </p:sp>
-    </p:spTree>
-    <p:extLst>
-      <p:ext uri="{BB962C8B-B14F-4D97-AF65-F5344CB8AC3E}">
-        <p14:creationId xmlns:p14="http://schemas.microsoft.com/office/powerpoint/2010/main" val="3933789139"/>
-      </p:ext>
-    </p:extLst>
-  </p:cSld>
-  <p:clrMapOvr>
-    <a:masterClrMapping/>
-  </p:clrMapOvr>
-</p:sld>
-</file>
-
 <file path=ppt/slides/slide19.xml><?xml version="1.0" encoding="utf-8"?>
 <p:sld xmlns:a="http://schemas.openxmlformats.org/drawingml/2006/main" xmlns:r="http://schemas.openxmlformats.org/officeDocument/2006/relationships" xmlns:p="http://schemas.openxmlformats.org/presentationml/2006/main">
   <p:cSld>
@@ -9944,6 +10109,365 @@
           <p:cNvPr id="2" name="Title 1">
             <a:extLst>
               <a:ext uri="{FF2B5EF4-FFF2-40B4-BE49-F238E27FC236}">
+                <a16:creationId xmlns:a16="http://schemas.microsoft.com/office/drawing/2014/main" id="{91712D14-C1E2-43E2-B619-A274F85F6BDF}"/>
+              </a:ext>
+            </a:extLst>
+          </p:cNvPr>
+          <p:cNvSpPr>
+            <a:spLocks noGrp="1"/>
+          </p:cNvSpPr>
+          <p:nvPr>
+            <p:ph type="title"/>
+          </p:nvPr>
+        </p:nvSpPr>
+        <p:spPr/>
+        <p:txBody>
+          <a:bodyPr/>
+          <a:lstStyle/>
+          <a:p>
+            <a:r>
+              <a:rPr lang="en-US" dirty="0"/>
+              <a:t>DI and IOC more than just mocking and testing</a:t>
+            </a:r>
+          </a:p>
+        </p:txBody>
+      </p:sp>
+      <p:sp>
+        <p:nvSpPr>
+          <p:cNvPr id="3" name="Content Placeholder 2">
+            <a:extLst>
+              <a:ext uri="{FF2B5EF4-FFF2-40B4-BE49-F238E27FC236}">
+                <a16:creationId xmlns:a16="http://schemas.microsoft.com/office/drawing/2014/main" id="{7344FB00-FA52-4392-89D8-8C3EFECFFE8B}"/>
+              </a:ext>
+            </a:extLst>
+          </p:cNvPr>
+          <p:cNvSpPr>
+            <a:spLocks noGrp="1"/>
+          </p:cNvSpPr>
+          <p:nvPr>
+            <p:ph idx="1"/>
+          </p:nvPr>
+        </p:nvSpPr>
+        <p:spPr/>
+        <p:txBody>
+          <a:bodyPr/>
+          <a:lstStyle/>
+          <a:p>
+            <a:r>
+              <a:rPr lang="en-US" dirty="0"/>
+              <a:t>Aspect Oriented Programming (AOP)</a:t>
+            </a:r>
+          </a:p>
+          <a:p>
+            <a:r>
+              <a:rPr lang="en-US" dirty="0"/>
+              <a:t>Event Management</a:t>
+            </a:r>
+          </a:p>
+          <a:p>
+            <a:r>
+              <a:rPr lang="en-US" dirty="0"/>
+              <a:t>Command Pattern</a:t>
+            </a:r>
+          </a:p>
+          <a:p>
+            <a:r>
+              <a:rPr lang="en-US" dirty="0"/>
+              <a:t>Lambda Composition</a:t>
+            </a:r>
+          </a:p>
+          <a:p>
+            <a:r>
+              <a:rPr lang="en-US" dirty="0"/>
+              <a:t>State Management</a:t>
+            </a:r>
+          </a:p>
+          <a:p>
+            <a:r>
+              <a:rPr lang="en-US" dirty="0"/>
+              <a:t>Functional Programming</a:t>
+            </a:r>
+          </a:p>
+          <a:p>
+            <a:r>
+              <a:rPr lang="en-US"/>
+              <a:t>Many more…</a:t>
+            </a:r>
+            <a:endParaRPr lang="en-US" dirty="0"/>
+          </a:p>
+        </p:txBody>
+      </p:sp>
+      <p:sp>
+        <p:nvSpPr>
+          <p:cNvPr id="4" name="Slide Number Placeholder 3">
+            <a:extLst>
+              <a:ext uri="{FF2B5EF4-FFF2-40B4-BE49-F238E27FC236}">
+                <a16:creationId xmlns:a16="http://schemas.microsoft.com/office/drawing/2014/main" id="{343F7C04-6FFA-462A-A174-210455564817}"/>
+              </a:ext>
+            </a:extLst>
+          </p:cNvPr>
+          <p:cNvSpPr>
+            <a:spLocks noGrp="1"/>
+          </p:cNvSpPr>
+          <p:nvPr>
+            <p:ph type="sldNum" sz="quarter" idx="12"/>
+          </p:nvPr>
+        </p:nvSpPr>
+        <p:spPr/>
+        <p:txBody>
+          <a:bodyPr/>
+          <a:lstStyle/>
+          <a:p>
+            <a:fld id="{FB95DE3D-2950-4E4A-8781-5E9E0271AEF0}" type="slidenum">
+              <a:rPr lang="en-US" smtClean="0"/>
+              <a:t>19</a:t>
+            </a:fld>
+            <a:endParaRPr lang="en-US"/>
+          </a:p>
+        </p:txBody>
+      </p:sp>
+    </p:spTree>
+    <p:extLst>
+      <p:ext uri="{BB962C8B-B14F-4D97-AF65-F5344CB8AC3E}">
+        <p14:creationId xmlns:p14="http://schemas.microsoft.com/office/powerpoint/2010/main" val="3933789139"/>
+      </p:ext>
+    </p:extLst>
+  </p:cSld>
+  <p:clrMapOvr>
+    <a:masterClrMapping/>
+  </p:clrMapOvr>
+</p:sld>
+</file>
+
+<file path=ppt/slides/slide2.xml><?xml version="1.0" encoding="utf-8"?>
+<p:sld xmlns:a="http://schemas.openxmlformats.org/drawingml/2006/main" xmlns:r="http://schemas.openxmlformats.org/officeDocument/2006/relationships" xmlns:p="http://schemas.openxmlformats.org/presentationml/2006/main">
+  <p:cSld>
+    <p:spTree>
+      <p:nvGrpSpPr>
+        <p:cNvPr id="1" name=""/>
+        <p:cNvGrpSpPr/>
+        <p:nvPr/>
+      </p:nvGrpSpPr>
+      <p:grpSpPr>
+        <a:xfrm>
+          <a:off x="0" y="0"/>
+          <a:ext cx="0" cy="0"/>
+          <a:chOff x="0" y="0"/>
+          <a:chExt cx="0" cy="0"/>
+        </a:xfrm>
+      </p:grpSpPr>
+      <p:sp>
+        <p:nvSpPr>
+          <p:cNvPr id="2" name="Title 1">
+            <a:extLst>
+              <a:ext uri="{FF2B5EF4-FFF2-40B4-BE49-F238E27FC236}">
+                <a16:creationId xmlns:a16="http://schemas.microsoft.com/office/drawing/2014/main" id="{ED0D9BA1-B0FD-4876-80A2-CF790F40CC76}"/>
+              </a:ext>
+            </a:extLst>
+          </p:cNvPr>
+          <p:cNvSpPr>
+            <a:spLocks noGrp="1"/>
+          </p:cNvSpPr>
+          <p:nvPr>
+            <p:ph type="title"/>
+          </p:nvPr>
+        </p:nvSpPr>
+        <p:spPr/>
+        <p:txBody>
+          <a:bodyPr/>
+          <a:lstStyle/>
+          <a:p>
+            <a:r>
+              <a:rPr lang="en-US" dirty="0"/>
+              <a:t>About me:</a:t>
+            </a:r>
+          </a:p>
+        </p:txBody>
+      </p:sp>
+      <p:sp>
+        <p:nvSpPr>
+          <p:cNvPr id="3" name="Content Placeholder 2">
+            <a:extLst>
+              <a:ext uri="{FF2B5EF4-FFF2-40B4-BE49-F238E27FC236}">
+                <a16:creationId xmlns:a16="http://schemas.microsoft.com/office/drawing/2014/main" id="{2A84862B-86CF-49A7-8EEC-6D27E3BCF88C}"/>
+              </a:ext>
+            </a:extLst>
+          </p:cNvPr>
+          <p:cNvSpPr>
+            <a:spLocks noGrp="1"/>
+          </p:cNvSpPr>
+          <p:nvPr>
+            <p:ph idx="1"/>
+          </p:nvPr>
+        </p:nvSpPr>
+        <p:spPr>
+          <a:xfrm>
+            <a:off x="1104293" y="1152982"/>
+            <a:ext cx="8946541" cy="5252299"/>
+          </a:xfrm>
+        </p:spPr>
+        <p:txBody>
+          <a:bodyPr>
+            <a:normAutofit/>
+          </a:bodyPr>
+          <a:lstStyle/>
+          <a:p>
+            <a:r>
+              <a:rPr lang="en-US" dirty="0"/>
+              <a:t>Application/Cloud Architect UMB</a:t>
+            </a:r>
+          </a:p>
+          <a:p>
+            <a:r>
+              <a:rPr lang="en-US" dirty="0"/>
+              <a:t>20+ years of software development</a:t>
+            </a:r>
+          </a:p>
+          <a:p>
+            <a:pPr lvl="1"/>
+            <a:r>
+              <a:rPr lang="en-US" dirty="0"/>
+              <a:t>First program on Apple II in 4</a:t>
+            </a:r>
+            <a:r>
+              <a:rPr lang="en-US" baseline="30000" dirty="0"/>
+              <a:t>th</a:t>
+            </a:r>
+            <a:r>
+              <a:rPr lang="en-US" dirty="0"/>
+              <a:t> grade (8 years old)</a:t>
+            </a:r>
+          </a:p>
+          <a:p>
+            <a:pPr lvl="1"/>
+            <a:r>
+              <a:rPr lang="en-US" dirty="0"/>
+              <a:t>Cobol, Fortran, Mark IV </a:t>
+            </a:r>
+          </a:p>
+          <a:p>
+            <a:pPr lvl="1"/>
+            <a:r>
+              <a:rPr lang="en-US" dirty="0"/>
+              <a:t>VB6, VBS, VBA, VB.NET, C#, JavaScript</a:t>
+            </a:r>
+          </a:p>
+          <a:p>
+            <a:pPr lvl="1"/>
+            <a:r>
+              <a:rPr lang="en-US" dirty="0"/>
+              <a:t>.NET Framework 1-4, .NET Core 1-2</a:t>
+            </a:r>
+          </a:p>
+          <a:p>
+            <a:pPr lvl="1"/>
+            <a:r>
+              <a:rPr lang="en-US" dirty="0"/>
+              <a:t>Node.JS</a:t>
+            </a:r>
+          </a:p>
+          <a:p>
+            <a:pPr lvl="1"/>
+            <a:r>
+              <a:rPr lang="en-US" dirty="0" err="1"/>
+              <a:t>JQuery</a:t>
+            </a:r>
+            <a:r>
+              <a:rPr lang="en-US" dirty="0"/>
+              <a:t>, Angular, Bootstrap, etc.</a:t>
+            </a:r>
+          </a:p>
+          <a:p>
+            <a:r>
+              <a:rPr lang="en-US" dirty="0"/>
+              <a:t>Higher education, Banking and Finance, Legal Discovery, CRM, Advertising</a:t>
+            </a:r>
+          </a:p>
+          <a:p>
+            <a:r>
+              <a:rPr lang="en-US" dirty="0"/>
+              <a:t>Married HS sweetheart (met at 15, married at 19, married 29 years)</a:t>
+            </a:r>
+          </a:p>
+          <a:p>
+            <a:pPr lvl="1"/>
+            <a:r>
+              <a:rPr lang="en-US" dirty="0"/>
+              <a:t>One son, currently in Medical School ($$$$$)</a:t>
+            </a:r>
+          </a:p>
+          <a:p>
+            <a:r>
+              <a:rPr lang="en-US" dirty="0"/>
+              <a:t>YASDB (Yet Another Software Development Book)</a:t>
+            </a:r>
+          </a:p>
+        </p:txBody>
+      </p:sp>
+      <p:sp>
+        <p:nvSpPr>
+          <p:cNvPr id="4" name="Slide Number Placeholder 3">
+            <a:extLst>
+              <a:ext uri="{FF2B5EF4-FFF2-40B4-BE49-F238E27FC236}">
+                <a16:creationId xmlns:a16="http://schemas.microsoft.com/office/drawing/2014/main" id="{5699FA03-EFBA-4684-B551-82F09BF72ABF}"/>
+              </a:ext>
+            </a:extLst>
+          </p:cNvPr>
+          <p:cNvSpPr>
+            <a:spLocks noGrp="1"/>
+          </p:cNvSpPr>
+          <p:nvPr>
+            <p:ph type="sldNum" sz="quarter" idx="12"/>
+          </p:nvPr>
+        </p:nvSpPr>
+        <p:spPr/>
+        <p:txBody>
+          <a:bodyPr/>
+          <a:lstStyle/>
+          <a:p>
+            <a:fld id="{FB95DE3D-2950-4E4A-8781-5E9E0271AEF0}" type="slidenum">
+              <a:rPr lang="en-US" smtClean="0"/>
+              <a:t>2</a:t>
+            </a:fld>
+            <a:endParaRPr lang="en-US"/>
+          </a:p>
+        </p:txBody>
+      </p:sp>
+    </p:spTree>
+    <p:extLst>
+      <p:ext uri="{BB962C8B-B14F-4D97-AF65-F5344CB8AC3E}">
+        <p14:creationId xmlns:p14="http://schemas.microsoft.com/office/powerpoint/2010/main" val="2232725823"/>
+      </p:ext>
+    </p:extLst>
+  </p:cSld>
+  <p:clrMapOvr>
+    <a:masterClrMapping/>
+  </p:clrMapOvr>
+</p:sld>
+</file>
+
+<file path=ppt/slides/slide20.xml><?xml version="1.0" encoding="utf-8"?>
+<p:sld xmlns:a="http://schemas.openxmlformats.org/drawingml/2006/main" xmlns:r="http://schemas.openxmlformats.org/officeDocument/2006/relationships" xmlns:p="http://schemas.openxmlformats.org/presentationml/2006/main">
+  <p:cSld>
+    <p:spTree>
+      <p:nvGrpSpPr>
+        <p:cNvPr id="1" name=""/>
+        <p:cNvGrpSpPr/>
+        <p:nvPr/>
+      </p:nvGrpSpPr>
+      <p:grpSpPr>
+        <a:xfrm>
+          <a:off x="0" y="0"/>
+          <a:ext cx="0" cy="0"/>
+          <a:chOff x="0" y="0"/>
+          <a:chExt cx="0" cy="0"/>
+        </a:xfrm>
+      </p:grpSpPr>
+      <p:sp>
+        <p:nvSpPr>
+          <p:cNvPr id="2" name="Title 1">
+            <a:extLst>
+              <a:ext uri="{FF2B5EF4-FFF2-40B4-BE49-F238E27FC236}">
                 <a16:creationId xmlns:a16="http://schemas.microsoft.com/office/drawing/2014/main" id="{9C6A87FE-C15E-48A8-8692-EA3224246F03}"/>
               </a:ext>
             </a:extLst>
@@ -9991,7 +10515,7 @@
           <a:p>
             <a:fld id="{FB95DE3D-2950-4E4A-8781-5E9E0271AEF0}" type="slidenum">
               <a:rPr lang="en-US" smtClean="0"/>
-              <a:t>19</a:t>
+              <a:t>20</a:t>
             </a:fld>
             <a:endParaRPr lang="en-US"/>
           </a:p>
@@ -10057,315 +10581,6 @@
 </p:sld>
 </file>
 
-<file path=ppt/slides/slide2.xml><?xml version="1.0" encoding="utf-8"?>
-<p:sld xmlns:a="http://schemas.openxmlformats.org/drawingml/2006/main" xmlns:r="http://schemas.openxmlformats.org/officeDocument/2006/relationships" xmlns:p="http://schemas.openxmlformats.org/presentationml/2006/main">
-  <p:cSld>
-    <p:spTree>
-      <p:nvGrpSpPr>
-        <p:cNvPr id="1" name=""/>
-        <p:cNvGrpSpPr/>
-        <p:nvPr/>
-      </p:nvGrpSpPr>
-      <p:grpSpPr>
-        <a:xfrm>
-          <a:off x="0" y="0"/>
-          <a:ext cx="0" cy="0"/>
-          <a:chOff x="0" y="0"/>
-          <a:chExt cx="0" cy="0"/>
-        </a:xfrm>
-      </p:grpSpPr>
-      <p:sp>
-        <p:nvSpPr>
-          <p:cNvPr id="2" name="Title 1">
-            <a:extLst>
-              <a:ext uri="{FF2B5EF4-FFF2-40B4-BE49-F238E27FC236}">
-                <a16:creationId xmlns:a16="http://schemas.microsoft.com/office/drawing/2014/main" id="{ED0D9BA1-B0FD-4876-80A2-CF790F40CC76}"/>
-              </a:ext>
-            </a:extLst>
-          </p:cNvPr>
-          <p:cNvSpPr>
-            <a:spLocks noGrp="1"/>
-          </p:cNvSpPr>
-          <p:nvPr>
-            <p:ph type="title"/>
-          </p:nvPr>
-        </p:nvSpPr>
-        <p:spPr/>
-        <p:txBody>
-          <a:bodyPr/>
-          <a:lstStyle/>
-          <a:p>
-            <a:r>
-              <a:rPr lang="en-US" dirty="0"/>
-              <a:t>About me:</a:t>
-            </a:r>
-          </a:p>
-        </p:txBody>
-      </p:sp>
-      <p:sp>
-        <p:nvSpPr>
-          <p:cNvPr id="3" name="Content Placeholder 2">
-            <a:extLst>
-              <a:ext uri="{FF2B5EF4-FFF2-40B4-BE49-F238E27FC236}">
-                <a16:creationId xmlns:a16="http://schemas.microsoft.com/office/drawing/2014/main" id="{2A84862B-86CF-49A7-8EEC-6D27E3BCF88C}"/>
-              </a:ext>
-            </a:extLst>
-          </p:cNvPr>
-          <p:cNvSpPr>
-            <a:spLocks noGrp="1"/>
-          </p:cNvSpPr>
-          <p:nvPr>
-            <p:ph idx="1"/>
-          </p:nvPr>
-        </p:nvSpPr>
-        <p:spPr>
-          <a:xfrm>
-            <a:off x="1104293" y="1152982"/>
-            <a:ext cx="8946541" cy="5252299"/>
-          </a:xfrm>
-        </p:spPr>
-        <p:txBody>
-          <a:bodyPr>
-            <a:normAutofit/>
-          </a:bodyPr>
-          <a:lstStyle/>
-          <a:p>
-            <a:r>
-              <a:rPr lang="en-US" dirty="0"/>
-              <a:t>Application/Cloud Architect UMB</a:t>
-            </a:r>
-          </a:p>
-          <a:p>
-            <a:r>
-              <a:rPr lang="en-US" dirty="0"/>
-              <a:t>20+ years of software development</a:t>
-            </a:r>
-          </a:p>
-          <a:p>
-            <a:pPr lvl="1"/>
-            <a:r>
-              <a:rPr lang="en-US" dirty="0"/>
-              <a:t>First program on Apple II in 4</a:t>
-            </a:r>
-            <a:r>
-              <a:rPr lang="en-US" baseline="30000" dirty="0"/>
-              <a:t>th</a:t>
-            </a:r>
-            <a:r>
-              <a:rPr lang="en-US" dirty="0"/>
-              <a:t> grade (8 years old)</a:t>
-            </a:r>
-          </a:p>
-          <a:p>
-            <a:pPr lvl="1"/>
-            <a:r>
-              <a:rPr lang="en-US" dirty="0"/>
-              <a:t>Cobol, Fortran, Mark IV </a:t>
-            </a:r>
-          </a:p>
-          <a:p>
-            <a:pPr lvl="1"/>
-            <a:r>
-              <a:rPr lang="en-US" dirty="0"/>
-              <a:t>VB6, VBS, VBA, VB.NET, C#, JavaScript</a:t>
-            </a:r>
-          </a:p>
-          <a:p>
-            <a:pPr lvl="1"/>
-            <a:r>
-              <a:rPr lang="en-US" dirty="0"/>
-              <a:t>.NET Framework 1-4, .NET Core 1-2</a:t>
-            </a:r>
-          </a:p>
-          <a:p>
-            <a:pPr lvl="1"/>
-            <a:r>
-              <a:rPr lang="en-US" dirty="0"/>
-              <a:t>Node.JS</a:t>
-            </a:r>
-          </a:p>
-          <a:p>
-            <a:pPr lvl="1"/>
-            <a:r>
-              <a:rPr lang="en-US" dirty="0" err="1"/>
-              <a:t>JQuery</a:t>
-            </a:r>
-            <a:r>
-              <a:rPr lang="en-US" dirty="0"/>
-              <a:t>, Angular, Bootstrap, etc.</a:t>
-            </a:r>
-          </a:p>
-          <a:p>
-            <a:r>
-              <a:rPr lang="en-US" dirty="0"/>
-              <a:t>Higher education, Banking and Finance, Legal Discovery, CRM, Advertising</a:t>
-            </a:r>
-          </a:p>
-          <a:p>
-            <a:r>
-              <a:rPr lang="en-US" dirty="0"/>
-              <a:t>Married HS sweetheart (met at 15, married at 19, married 29 years)</a:t>
-            </a:r>
-          </a:p>
-          <a:p>
-            <a:pPr lvl="1"/>
-            <a:r>
-              <a:rPr lang="en-US" dirty="0"/>
-              <a:t>One son, currently in Medical School ($$$$$)</a:t>
-            </a:r>
-          </a:p>
-          <a:p>
-            <a:r>
-              <a:rPr lang="en-US" dirty="0"/>
-              <a:t>YASDB (Yet Another Software Development Book)</a:t>
-            </a:r>
-          </a:p>
-        </p:txBody>
-      </p:sp>
-      <p:sp>
-        <p:nvSpPr>
-          <p:cNvPr id="4" name="Slide Number Placeholder 3">
-            <a:extLst>
-              <a:ext uri="{FF2B5EF4-FFF2-40B4-BE49-F238E27FC236}">
-                <a16:creationId xmlns:a16="http://schemas.microsoft.com/office/drawing/2014/main" id="{5699FA03-EFBA-4684-B551-82F09BF72ABF}"/>
-              </a:ext>
-            </a:extLst>
-          </p:cNvPr>
-          <p:cNvSpPr>
-            <a:spLocks noGrp="1"/>
-          </p:cNvSpPr>
-          <p:nvPr>
-            <p:ph type="sldNum" sz="quarter" idx="12"/>
-          </p:nvPr>
-        </p:nvSpPr>
-        <p:spPr/>
-        <p:txBody>
-          <a:bodyPr/>
-          <a:lstStyle/>
-          <a:p>
-            <a:fld id="{FB95DE3D-2950-4E4A-8781-5E9E0271AEF0}" type="slidenum">
-              <a:rPr lang="en-US" smtClean="0"/>
-              <a:t>2</a:t>
-            </a:fld>
-            <a:endParaRPr lang="en-US"/>
-          </a:p>
-        </p:txBody>
-      </p:sp>
-    </p:spTree>
-    <p:extLst>
-      <p:ext uri="{BB962C8B-B14F-4D97-AF65-F5344CB8AC3E}">
-        <p14:creationId xmlns:p14="http://schemas.microsoft.com/office/powerpoint/2010/main" val="2232725823"/>
-      </p:ext>
-    </p:extLst>
-  </p:cSld>
-  <p:clrMapOvr>
-    <a:masterClrMapping/>
-  </p:clrMapOvr>
-</p:sld>
-</file>
-
-<file path=ppt/slides/slide20.xml><?xml version="1.0" encoding="utf-8"?>
-<p:sld xmlns:a="http://schemas.openxmlformats.org/drawingml/2006/main" xmlns:r="http://schemas.openxmlformats.org/officeDocument/2006/relationships" xmlns:p="http://schemas.openxmlformats.org/presentationml/2006/main">
-  <p:cSld>
-    <p:spTree>
-      <p:nvGrpSpPr>
-        <p:cNvPr id="1" name=""/>
-        <p:cNvGrpSpPr/>
-        <p:nvPr/>
-      </p:nvGrpSpPr>
-      <p:grpSpPr>
-        <a:xfrm>
-          <a:off x="0" y="0"/>
-          <a:ext cx="0" cy="0"/>
-          <a:chOff x="0" y="0"/>
-          <a:chExt cx="0" cy="0"/>
-        </a:xfrm>
-      </p:grpSpPr>
-      <p:sp>
-        <p:nvSpPr>
-          <p:cNvPr id="4" name="Slide Number Placeholder 3">
-            <a:extLst>
-              <a:ext uri="{FF2B5EF4-FFF2-40B4-BE49-F238E27FC236}">
-                <a16:creationId xmlns:a16="http://schemas.microsoft.com/office/drawing/2014/main" id="{22F25255-59B8-4D74-A569-151A6B9D47DF}"/>
-              </a:ext>
-            </a:extLst>
-          </p:cNvPr>
-          <p:cNvSpPr>
-            <a:spLocks noGrp="1"/>
-          </p:cNvSpPr>
-          <p:nvPr>
-            <p:ph type="sldNum" sz="quarter" idx="12"/>
-          </p:nvPr>
-        </p:nvSpPr>
-        <p:spPr/>
-        <p:txBody>
-          <a:bodyPr/>
-          <a:lstStyle/>
-          <a:p>
-            <a:fld id="{FB95DE3D-2950-4E4A-8781-5E9E0271AEF0}" type="slidenum">
-              <a:rPr lang="en-US" smtClean="0"/>
-              <a:t>20</a:t>
-            </a:fld>
-            <a:endParaRPr lang="en-US"/>
-          </a:p>
-        </p:txBody>
-      </p:sp>
-      <p:sp>
-        <p:nvSpPr>
-          <p:cNvPr id="5" name="TextBox 4">
-            <a:extLst>
-              <a:ext uri="{FF2B5EF4-FFF2-40B4-BE49-F238E27FC236}">
-                <a16:creationId xmlns:a16="http://schemas.microsoft.com/office/drawing/2014/main" id="{EB43C8A6-5EC6-4E7A-95EE-B589A81CBAC0}"/>
-              </a:ext>
-            </a:extLst>
-          </p:cNvPr>
-          <p:cNvSpPr txBox="1"/>
-          <p:nvPr/>
-        </p:nvSpPr>
-        <p:spPr>
-          <a:xfrm>
-            <a:off x="1619534" y="2274838"/>
-            <a:ext cx="8952932" cy="2308324"/>
-          </a:xfrm>
-          <a:prstGeom prst="rect">
-            <a:avLst/>
-          </a:prstGeom>
-          <a:noFill/>
-        </p:spPr>
-        <p:txBody>
-          <a:bodyPr wrap="square" rtlCol="0">
-            <a:spAutoFit/>
-          </a:bodyPr>
-          <a:lstStyle/>
-          <a:p>
-            <a:pPr algn="ctr"/>
-            <a:r>
-              <a:rPr lang="en-US" sz="7200" dirty="0"/>
-              <a:t>Switch to </a:t>
-            </a:r>
-          </a:p>
-          <a:p>
-            <a:pPr algn="ctr"/>
-            <a:r>
-              <a:rPr lang="en-US" sz="7200" dirty="0"/>
-              <a:t>Visual Stupid Slow</a:t>
-            </a:r>
-          </a:p>
-        </p:txBody>
-      </p:sp>
-    </p:spTree>
-    <p:extLst>
-      <p:ext uri="{BB962C8B-B14F-4D97-AF65-F5344CB8AC3E}">
-        <p14:creationId xmlns:p14="http://schemas.microsoft.com/office/powerpoint/2010/main" val="1831823395"/>
-      </p:ext>
-    </p:extLst>
-  </p:cSld>
-  <p:clrMapOvr>
-    <a:masterClrMapping/>
-  </p:clrMapOvr>
-</p:sld>
-</file>
-
 <file path=ppt/slides/slide21.xml><?xml version="1.0" encoding="utf-8"?>
 <p:sld xmlns:a="http://schemas.openxmlformats.org/drawingml/2006/main" xmlns:r="http://schemas.openxmlformats.org/officeDocument/2006/relationships" xmlns:p="http://schemas.openxmlformats.org/presentationml/2006/main">
   <p:cSld>
@@ -10385,6 +10600,108 @@
       </p:grpSpPr>
       <p:sp>
         <p:nvSpPr>
+          <p:cNvPr id="4" name="Slide Number Placeholder 3">
+            <a:extLst>
+              <a:ext uri="{FF2B5EF4-FFF2-40B4-BE49-F238E27FC236}">
+                <a16:creationId xmlns:a16="http://schemas.microsoft.com/office/drawing/2014/main" id="{22F25255-59B8-4D74-A569-151A6B9D47DF}"/>
+              </a:ext>
+            </a:extLst>
+          </p:cNvPr>
+          <p:cNvSpPr>
+            <a:spLocks noGrp="1"/>
+          </p:cNvSpPr>
+          <p:nvPr>
+            <p:ph type="sldNum" sz="quarter" idx="12"/>
+          </p:nvPr>
+        </p:nvSpPr>
+        <p:spPr/>
+        <p:txBody>
+          <a:bodyPr/>
+          <a:lstStyle/>
+          <a:p>
+            <a:fld id="{FB95DE3D-2950-4E4A-8781-5E9E0271AEF0}" type="slidenum">
+              <a:rPr lang="en-US" smtClean="0"/>
+              <a:t>21</a:t>
+            </a:fld>
+            <a:endParaRPr lang="en-US"/>
+          </a:p>
+        </p:txBody>
+      </p:sp>
+      <p:sp>
+        <p:nvSpPr>
+          <p:cNvPr id="5" name="TextBox 4">
+            <a:extLst>
+              <a:ext uri="{FF2B5EF4-FFF2-40B4-BE49-F238E27FC236}">
+                <a16:creationId xmlns:a16="http://schemas.microsoft.com/office/drawing/2014/main" id="{EB43C8A6-5EC6-4E7A-95EE-B589A81CBAC0}"/>
+              </a:ext>
+            </a:extLst>
+          </p:cNvPr>
+          <p:cNvSpPr txBox="1"/>
+          <p:nvPr/>
+        </p:nvSpPr>
+        <p:spPr>
+          <a:xfrm>
+            <a:off x="1619534" y="2274838"/>
+            <a:ext cx="8952932" cy="2308324"/>
+          </a:xfrm>
+          <a:prstGeom prst="rect">
+            <a:avLst/>
+          </a:prstGeom>
+          <a:noFill/>
+        </p:spPr>
+        <p:txBody>
+          <a:bodyPr wrap="square" rtlCol="0">
+            <a:spAutoFit/>
+          </a:bodyPr>
+          <a:lstStyle/>
+          <a:p>
+            <a:pPr algn="ctr"/>
+            <a:r>
+              <a:rPr lang="en-US" sz="7200" dirty="0"/>
+              <a:t>Switch to </a:t>
+            </a:r>
+          </a:p>
+          <a:p>
+            <a:pPr algn="ctr"/>
+            <a:r>
+              <a:rPr lang="en-US" sz="7200" dirty="0"/>
+              <a:t>Visual Stupid Slow</a:t>
+            </a:r>
+          </a:p>
+        </p:txBody>
+      </p:sp>
+    </p:spTree>
+    <p:extLst>
+      <p:ext uri="{BB962C8B-B14F-4D97-AF65-F5344CB8AC3E}">
+        <p14:creationId xmlns:p14="http://schemas.microsoft.com/office/powerpoint/2010/main" val="1831823395"/>
+      </p:ext>
+    </p:extLst>
+  </p:cSld>
+  <p:clrMapOvr>
+    <a:masterClrMapping/>
+  </p:clrMapOvr>
+</p:sld>
+</file>
+
+<file path=ppt/slides/slide22.xml><?xml version="1.0" encoding="utf-8"?>
+<p:sld xmlns:a="http://schemas.openxmlformats.org/drawingml/2006/main" xmlns:r="http://schemas.openxmlformats.org/officeDocument/2006/relationships" xmlns:p="http://schemas.openxmlformats.org/presentationml/2006/main">
+  <p:cSld>
+    <p:spTree>
+      <p:nvGrpSpPr>
+        <p:cNvPr id="1" name=""/>
+        <p:cNvGrpSpPr/>
+        <p:nvPr/>
+      </p:nvGrpSpPr>
+      <p:grpSpPr>
+        <a:xfrm>
+          <a:off x="0" y="0"/>
+          <a:ext cx="0" cy="0"/>
+          <a:chOff x="0" y="0"/>
+          <a:chExt cx="0" cy="0"/>
+        </a:xfrm>
+      </p:grpSpPr>
+      <p:sp>
+        <p:nvSpPr>
           <p:cNvPr id="2" name="Title 1">
             <a:extLst>
               <a:ext uri="{FF2B5EF4-FFF2-40B4-BE49-F238E27FC236}">
@@ -10442,7 +10759,7 @@
           <a:p>
             <a:fld id="{FB95DE3D-2950-4E4A-8781-5E9E0271AEF0}" type="slidenum">
               <a:rPr lang="en-US" smtClean="0"/>
-              <a:t>21</a:t>
+              <a:t>22</a:t>
             </a:fld>
             <a:endParaRPr lang="en-US"/>
           </a:p>
@@ -10530,6 +10847,193 @@
           <p:cNvPr id="2" name="Title 1">
             <a:extLst>
               <a:ext uri="{FF2B5EF4-FFF2-40B4-BE49-F238E27FC236}">
+                <a16:creationId xmlns:a16="http://schemas.microsoft.com/office/drawing/2014/main" id="{785A12CB-9B54-44E5-A8F0-F913DB68FF1F}"/>
+              </a:ext>
+            </a:extLst>
+          </p:cNvPr>
+          <p:cNvSpPr>
+            <a:spLocks noGrp="1"/>
+          </p:cNvSpPr>
+          <p:nvPr>
+            <p:ph type="title"/>
+          </p:nvPr>
+        </p:nvSpPr>
+        <p:spPr/>
+        <p:txBody>
+          <a:bodyPr/>
+          <a:lstStyle/>
+          <a:p>
+            <a:r>
+              <a:rPr lang="en-US" dirty="0"/>
+              <a:t>Contact</a:t>
+            </a:r>
+          </a:p>
+        </p:txBody>
+      </p:sp>
+      <p:sp>
+        <p:nvSpPr>
+          <p:cNvPr id="3" name="Content Placeholder 2">
+            <a:extLst>
+              <a:ext uri="{FF2B5EF4-FFF2-40B4-BE49-F238E27FC236}">
+                <a16:creationId xmlns:a16="http://schemas.microsoft.com/office/drawing/2014/main" id="{8C2773A2-BF39-4415-B902-A0371554BB63}"/>
+              </a:ext>
+            </a:extLst>
+          </p:cNvPr>
+          <p:cNvSpPr>
+            <a:spLocks noGrp="1"/>
+          </p:cNvSpPr>
+          <p:nvPr>
+            <p:ph idx="1"/>
+          </p:nvPr>
+        </p:nvSpPr>
+        <p:spPr/>
+        <p:txBody>
+          <a:bodyPr/>
+          <a:lstStyle/>
+          <a:p>
+            <a:r>
+              <a:rPr lang="en-US" dirty="0"/>
+              <a:t>GitHub: </a:t>
+            </a:r>
+            <a:r>
+              <a:rPr lang="en-US" dirty="0">
+                <a:hlinkClick r:id="rId2"/>
+              </a:rPr>
+              <a:t>https://github.com/flipthetrain</a:t>
+            </a:r>
+            <a:endParaRPr lang="en-US" dirty="0"/>
+          </a:p>
+          <a:p>
+            <a:pPr lvl="3"/>
+            <a:r>
+              <a:rPr lang="en-US">
+                <a:hlinkClick r:id="rId3"/>
+              </a:rPr>
+              <a:t>https://github.com/flipthetrain/softwarechange</a:t>
+            </a:r>
+            <a:endParaRPr lang="en-US"/>
+          </a:p>
+          <a:p>
+            <a:pPr lvl="3"/>
+            <a:endParaRPr lang="en-US" dirty="0"/>
+          </a:p>
+          <a:p>
+            <a:r>
+              <a:rPr lang="en-US" dirty="0"/>
+              <a:t>Twitter: </a:t>
+            </a:r>
+            <a:r>
+              <a:rPr lang="en-US" dirty="0">
+                <a:hlinkClick r:id="rId4"/>
+              </a:rPr>
+              <a:t>https://twitter.com/flipthetrain</a:t>
+            </a:r>
+            <a:endParaRPr lang="en-US" dirty="0"/>
+          </a:p>
+          <a:p>
+            <a:endParaRPr lang="en-US" dirty="0"/>
+          </a:p>
+          <a:p>
+            <a:r>
+              <a:rPr lang="en-US" dirty="0"/>
+              <a:t>Facebook: </a:t>
+            </a:r>
+            <a:r>
+              <a:rPr lang="en-US" dirty="0">
+                <a:hlinkClick r:id="rId5"/>
+              </a:rPr>
+              <a:t>https://www.facebook.com/flipthetrain</a:t>
+            </a:r>
+            <a:endParaRPr lang="en-US" dirty="0"/>
+          </a:p>
+          <a:p>
+            <a:endParaRPr lang="en-US" dirty="0"/>
+          </a:p>
+          <a:p>
+            <a:r>
+              <a:rPr lang="en-US" dirty="0"/>
+              <a:t>Gmail: </a:t>
+            </a:r>
+            <a:r>
+              <a:rPr lang="en-US" dirty="0">
+                <a:hlinkClick r:id="rId6"/>
+              </a:rPr>
+              <a:t>flipthetrain@gmail.com</a:t>
+            </a:r>
+            <a:endParaRPr lang="en-US" dirty="0"/>
+          </a:p>
+          <a:p>
+            <a:pPr marL="0" indent="0">
+              <a:buNone/>
+            </a:pPr>
+            <a:endParaRPr lang="en-US" dirty="0"/>
+          </a:p>
+        </p:txBody>
+      </p:sp>
+      <p:sp>
+        <p:nvSpPr>
+          <p:cNvPr id="4" name="Slide Number Placeholder 3">
+            <a:extLst>
+              <a:ext uri="{FF2B5EF4-FFF2-40B4-BE49-F238E27FC236}">
+                <a16:creationId xmlns:a16="http://schemas.microsoft.com/office/drawing/2014/main" id="{56301C65-A6F7-4E2F-881D-813354E1E930}"/>
+              </a:ext>
+            </a:extLst>
+          </p:cNvPr>
+          <p:cNvSpPr>
+            <a:spLocks noGrp="1"/>
+          </p:cNvSpPr>
+          <p:nvPr>
+            <p:ph type="sldNum" sz="quarter" idx="12"/>
+          </p:nvPr>
+        </p:nvSpPr>
+        <p:spPr/>
+        <p:txBody>
+          <a:bodyPr/>
+          <a:lstStyle/>
+          <a:p>
+            <a:fld id="{FB95DE3D-2950-4E4A-8781-5E9E0271AEF0}" type="slidenum">
+              <a:rPr lang="en-US" smtClean="0"/>
+              <a:t>3</a:t>
+            </a:fld>
+            <a:endParaRPr lang="en-US"/>
+          </a:p>
+        </p:txBody>
+      </p:sp>
+    </p:spTree>
+    <p:extLst>
+      <p:ext uri="{BB962C8B-B14F-4D97-AF65-F5344CB8AC3E}">
+        <p14:creationId xmlns:p14="http://schemas.microsoft.com/office/powerpoint/2010/main" val="957262673"/>
+      </p:ext>
+    </p:extLst>
+  </p:cSld>
+  <p:clrMapOvr>
+    <a:masterClrMapping/>
+  </p:clrMapOvr>
+</p:sld>
+</file>
+
+<file path=ppt/slides/slide4.xml><?xml version="1.0" encoding="utf-8"?>
+<p:sld xmlns:a="http://schemas.openxmlformats.org/drawingml/2006/main" xmlns:r="http://schemas.openxmlformats.org/officeDocument/2006/relationships" xmlns:p="http://schemas.openxmlformats.org/presentationml/2006/main">
+  <p:cSld>
+    <p:spTree>
+      <p:nvGrpSpPr>
+        <p:cNvPr id="1" name=""/>
+        <p:cNvGrpSpPr/>
+        <p:nvPr/>
+      </p:nvGrpSpPr>
+      <p:grpSpPr>
+        <a:xfrm>
+          <a:off x="0" y="0"/>
+          <a:ext cx="0" cy="0"/>
+          <a:chOff x="0" y="0"/>
+          <a:chExt cx="0" cy="0"/>
+        </a:xfrm>
+      </p:grpSpPr>
+      <p:sp>
+        <p:nvSpPr>
+          <p:cNvPr id="2" name="Title 1">
+            <a:extLst>
+              <a:ext uri="{FF2B5EF4-FFF2-40B4-BE49-F238E27FC236}">
                 <a16:creationId xmlns:a16="http://schemas.microsoft.com/office/drawing/2014/main" id="{BBD31667-03A0-4DF1-8DE4-5AC6CFBB96DE}"/>
               </a:ext>
             </a:extLst>
@@ -10596,7 +11100,7 @@
           <a:p>
             <a:fld id="{FB95DE3D-2950-4E4A-8781-5E9E0271AEF0}" type="slidenum">
               <a:rPr lang="en-US" smtClean="0"/>
-              <a:t>3</a:t>
+              <a:t>4</a:t>
             </a:fld>
             <a:endParaRPr lang="en-US"/>
           </a:p>
@@ -10723,436 +11227,6 @@
 </p:sld>
 </file>
 
-<file path=ppt/slides/slide4.xml><?xml version="1.0" encoding="utf-8"?>
-<p:sld xmlns:a="http://schemas.openxmlformats.org/drawingml/2006/main" xmlns:r="http://schemas.openxmlformats.org/officeDocument/2006/relationships" xmlns:p="http://schemas.openxmlformats.org/presentationml/2006/main">
-  <p:cSld>
-    <p:spTree>
-      <p:nvGrpSpPr>
-        <p:cNvPr id="1" name=""/>
-        <p:cNvGrpSpPr/>
-        <p:nvPr/>
-      </p:nvGrpSpPr>
-      <p:grpSpPr>
-        <a:xfrm>
-          <a:off x="0" y="0"/>
-          <a:ext cx="0" cy="0"/>
-          <a:chOff x="0" y="0"/>
-          <a:chExt cx="0" cy="0"/>
-        </a:xfrm>
-      </p:grpSpPr>
-      <p:sp>
-        <p:nvSpPr>
-          <p:cNvPr id="2" name="Title 1">
-            <a:extLst>
-              <a:ext uri="{FF2B5EF4-FFF2-40B4-BE49-F238E27FC236}">
-                <a16:creationId xmlns:a16="http://schemas.microsoft.com/office/drawing/2014/main" id="{8BCBFA54-7454-4AD2-97BE-B390EABFE4E5}"/>
-              </a:ext>
-            </a:extLst>
-          </p:cNvPr>
-          <p:cNvSpPr>
-            <a:spLocks noGrp="1"/>
-          </p:cNvSpPr>
-          <p:nvPr>
-            <p:ph type="title"/>
-          </p:nvPr>
-        </p:nvSpPr>
-        <p:spPr>
-          <a:xfrm>
-            <a:off x="646111" y="295729"/>
-            <a:ext cx="9404723" cy="1908345"/>
-          </a:xfrm>
-        </p:spPr>
-        <p:txBody>
-          <a:bodyPr/>
-          <a:lstStyle/>
-          <a:p>
-            <a:pPr algn="ctr"/>
-            <a:r>
-              <a:rPr lang="en-US" b="1" dirty="0"/>
-              <a:t>Designing, Building, Testing, and Managing Software Through Change using C#</a:t>
-            </a:r>
-            <a:br>
-              <a:rPr lang="en-US" dirty="0"/>
-            </a:br>
-            <a:endParaRPr lang="en-US" dirty="0"/>
-          </a:p>
-        </p:txBody>
-      </p:sp>
-      <p:sp>
-        <p:nvSpPr>
-          <p:cNvPr id="3" name="Content Placeholder 2">
-            <a:extLst>
-              <a:ext uri="{FF2B5EF4-FFF2-40B4-BE49-F238E27FC236}">
-                <a16:creationId xmlns:a16="http://schemas.microsoft.com/office/drawing/2014/main" id="{CB1E2334-C6D2-4A5A-BE1F-342300BFDAFA}"/>
-              </a:ext>
-            </a:extLst>
-          </p:cNvPr>
-          <p:cNvSpPr>
-            <a:spLocks noGrp="1"/>
-          </p:cNvSpPr>
-          <p:nvPr>
-            <p:ph idx="1"/>
-          </p:nvPr>
-        </p:nvSpPr>
-        <p:spPr>
-          <a:xfrm>
-            <a:off x="646111" y="2497539"/>
-            <a:ext cx="10394928" cy="3750859"/>
-          </a:xfrm>
-        </p:spPr>
-        <p:txBody>
-          <a:bodyPr numCol="3">
-            <a:normAutofit fontScale="55000" lnSpcReduction="20000"/>
-          </a:bodyPr>
-          <a:lstStyle/>
-          <a:p>
-            <a:pPr lvl="0"/>
-            <a:r>
-              <a:rPr lang="en-US" dirty="0"/>
-              <a:t>Object Design</a:t>
-            </a:r>
-          </a:p>
-          <a:p>
-            <a:pPr lvl="1"/>
-            <a:r>
-              <a:rPr lang="en-US" dirty="0"/>
-              <a:t>Application Object Design</a:t>
-            </a:r>
-          </a:p>
-          <a:p>
-            <a:pPr lvl="1"/>
-            <a:r>
-              <a:rPr lang="en-US" dirty="0"/>
-              <a:t>Retention Object Design</a:t>
-            </a:r>
-          </a:p>
-          <a:p>
-            <a:pPr lvl="1"/>
-            <a:r>
-              <a:rPr lang="en-US" dirty="0"/>
-              <a:t>Execution Object Design</a:t>
-            </a:r>
-          </a:p>
-          <a:p>
-            <a:pPr lvl="1"/>
-            <a:r>
-              <a:rPr lang="en-US" dirty="0"/>
-              <a:t>Communication Object Design</a:t>
-            </a:r>
-          </a:p>
-          <a:p>
-            <a:pPr lvl="1"/>
-            <a:r>
-              <a:rPr lang="en-US" dirty="0"/>
-              <a:t>Object Versioning</a:t>
-            </a:r>
-          </a:p>
-          <a:p>
-            <a:pPr lvl="0"/>
-            <a:r>
-              <a:rPr lang="en-US" dirty="0"/>
-              <a:t>Application Design</a:t>
-            </a:r>
-          </a:p>
-          <a:p>
-            <a:pPr lvl="1"/>
-            <a:r>
-              <a:rPr lang="en-US" dirty="0"/>
-              <a:t>Communication Layer</a:t>
-            </a:r>
-          </a:p>
-          <a:p>
-            <a:pPr lvl="1"/>
-            <a:r>
-              <a:rPr lang="en-US" dirty="0"/>
-              <a:t>Orchestration Layer</a:t>
-            </a:r>
-          </a:p>
-          <a:p>
-            <a:pPr lvl="1"/>
-            <a:r>
-              <a:rPr lang="en-US" dirty="0"/>
-              <a:t>Execution Layer</a:t>
-            </a:r>
-          </a:p>
-          <a:p>
-            <a:pPr lvl="1"/>
-            <a:r>
-              <a:rPr lang="en-US" dirty="0"/>
-              <a:t>Retention Layer</a:t>
-            </a:r>
-          </a:p>
-          <a:p>
-            <a:pPr lvl="0"/>
-            <a:r>
-              <a:rPr lang="en-US" dirty="0"/>
-              <a:t>Code File Design</a:t>
-            </a:r>
-          </a:p>
-          <a:p>
-            <a:pPr lvl="1"/>
-            <a:r>
-              <a:rPr lang="en-US" dirty="0"/>
-              <a:t>Code File Types</a:t>
-            </a:r>
-          </a:p>
-          <a:p>
-            <a:pPr lvl="1"/>
-            <a:r>
-              <a:rPr lang="en-US" dirty="0"/>
-              <a:t>Code File Elements</a:t>
-            </a:r>
-          </a:p>
-          <a:p>
-            <a:pPr lvl="1"/>
-            <a:r>
-              <a:rPr lang="en-US" dirty="0"/>
-              <a:t>Element Naming</a:t>
-            </a:r>
-          </a:p>
-          <a:p>
-            <a:pPr lvl="1"/>
-            <a:r>
-              <a:rPr lang="en-US" dirty="0"/>
-              <a:t>Access Levels</a:t>
-            </a:r>
-          </a:p>
-          <a:p>
-            <a:pPr lvl="1"/>
-            <a:r>
-              <a:rPr lang="en-US" dirty="0"/>
-              <a:t>Inheritance</a:t>
-            </a:r>
-          </a:p>
-          <a:p>
-            <a:pPr lvl="0"/>
-            <a:r>
-              <a:rPr lang="en-US" dirty="0"/>
-              <a:t>Design Patterns</a:t>
-            </a:r>
-          </a:p>
-          <a:p>
-            <a:pPr lvl="1"/>
-            <a:r>
-              <a:rPr lang="en-US" dirty="0"/>
-              <a:t>Bridge Pattern</a:t>
-            </a:r>
-          </a:p>
-          <a:p>
-            <a:pPr lvl="1"/>
-            <a:r>
-              <a:rPr lang="en-US" dirty="0"/>
-              <a:t>Command Pattern</a:t>
-            </a:r>
-          </a:p>
-          <a:p>
-            <a:pPr lvl="1"/>
-            <a:r>
-              <a:rPr lang="en-US" dirty="0"/>
-              <a:t>Strategy Pattern</a:t>
-            </a:r>
-          </a:p>
-          <a:p>
-            <a:pPr lvl="1"/>
-            <a:r>
-              <a:rPr lang="en-US" dirty="0"/>
-              <a:t>Singleton Pattern</a:t>
-            </a:r>
-          </a:p>
-          <a:p>
-            <a:pPr lvl="1"/>
-            <a:r>
-              <a:rPr lang="en-US" dirty="0"/>
-              <a:t>Factory Pattern</a:t>
-            </a:r>
-          </a:p>
-          <a:p>
-            <a:pPr lvl="1"/>
-            <a:r>
-              <a:rPr lang="en-US" dirty="0"/>
-              <a:t>Adapter Pattern</a:t>
-            </a:r>
-          </a:p>
-          <a:p>
-            <a:pPr lvl="1"/>
-            <a:r>
-              <a:rPr lang="en-US" dirty="0"/>
-              <a:t>Facade Pattern</a:t>
-            </a:r>
-          </a:p>
-          <a:p>
-            <a:pPr lvl="1"/>
-            <a:r>
-              <a:rPr lang="en-US" dirty="0"/>
-              <a:t>Builder Pattern</a:t>
-            </a:r>
-          </a:p>
-          <a:p>
-            <a:pPr lvl="1"/>
-            <a:r>
-              <a:rPr lang="en-US" dirty="0"/>
-              <a:t>Dependency Injection Pattern</a:t>
-            </a:r>
-          </a:p>
-          <a:p>
-            <a:pPr lvl="1"/>
-            <a:r>
-              <a:rPr lang="en-US" dirty="0"/>
-              <a:t>Inversion of Control Pattern</a:t>
-            </a:r>
-          </a:p>
-          <a:p>
-            <a:pPr lvl="0"/>
-            <a:r>
-              <a:rPr lang="en-US" dirty="0"/>
-              <a:t>Testing</a:t>
-            </a:r>
-          </a:p>
-          <a:p>
-            <a:pPr lvl="1"/>
-            <a:r>
-              <a:rPr lang="en-US" dirty="0"/>
-              <a:t>Unit Testing</a:t>
-            </a:r>
-          </a:p>
-          <a:p>
-            <a:pPr lvl="1"/>
-            <a:r>
-              <a:rPr lang="en-US" dirty="0"/>
-              <a:t>Integration Testing</a:t>
-            </a:r>
-          </a:p>
-          <a:p>
-            <a:pPr lvl="1"/>
-            <a:r>
-              <a:rPr lang="en-US" dirty="0"/>
-              <a:t>UI Testing</a:t>
-            </a:r>
-          </a:p>
-          <a:p>
-            <a:pPr lvl="0"/>
-            <a:r>
-              <a:rPr lang="en-US" dirty="0"/>
-              <a:t>Source Control Management</a:t>
-            </a:r>
-          </a:p>
-          <a:p>
-            <a:pPr lvl="1"/>
-            <a:r>
-              <a:rPr lang="en-US" dirty="0"/>
-              <a:t>SCM Systems</a:t>
-            </a:r>
-          </a:p>
-          <a:p>
-            <a:pPr lvl="1"/>
-            <a:r>
-              <a:rPr lang="en-US" dirty="0"/>
-              <a:t>Branching </a:t>
-            </a:r>
-          </a:p>
-          <a:p>
-            <a:pPr lvl="1"/>
-            <a:r>
-              <a:rPr lang="en-US" dirty="0"/>
-              <a:t>Merging</a:t>
-            </a:r>
-          </a:p>
-          <a:p>
-            <a:pPr lvl="1"/>
-            <a:r>
-              <a:rPr lang="en-US" dirty="0"/>
-              <a:t>Releases</a:t>
-            </a:r>
-          </a:p>
-          <a:p>
-            <a:pPr lvl="0"/>
-            <a:r>
-              <a:rPr lang="en-US" dirty="0"/>
-              <a:t>Deployment Management</a:t>
-            </a:r>
-          </a:p>
-          <a:p>
-            <a:pPr lvl="1"/>
-            <a:r>
-              <a:rPr lang="en-US" dirty="0"/>
-              <a:t>Environments</a:t>
-            </a:r>
-          </a:p>
-          <a:p>
-            <a:pPr lvl="1"/>
-            <a:r>
-              <a:rPr lang="en-US" dirty="0"/>
-              <a:t>Approvals</a:t>
-            </a:r>
-          </a:p>
-          <a:p>
-            <a:pPr lvl="1"/>
-            <a:r>
-              <a:rPr lang="en-US" dirty="0"/>
-              <a:t>Auditing</a:t>
-            </a:r>
-          </a:p>
-          <a:p>
-            <a:pPr lvl="1"/>
-            <a:r>
-              <a:rPr lang="en-US" dirty="0"/>
-              <a:t>Validation</a:t>
-            </a:r>
-          </a:p>
-          <a:p>
-            <a:pPr lvl="1"/>
-            <a:r>
-              <a:rPr lang="en-US" dirty="0"/>
-              <a:t>Rollback</a:t>
-            </a:r>
-          </a:p>
-          <a:p>
-            <a:endParaRPr lang="en-US" dirty="0"/>
-          </a:p>
-        </p:txBody>
-      </p:sp>
-      <p:sp>
-        <p:nvSpPr>
-          <p:cNvPr id="4" name="Slide Number Placeholder 3">
-            <a:extLst>
-              <a:ext uri="{FF2B5EF4-FFF2-40B4-BE49-F238E27FC236}">
-                <a16:creationId xmlns:a16="http://schemas.microsoft.com/office/drawing/2014/main" id="{9BFA931C-A3D5-4136-9E0D-F7C0B96D3A0D}"/>
-              </a:ext>
-            </a:extLst>
-          </p:cNvPr>
-          <p:cNvSpPr>
-            <a:spLocks noGrp="1"/>
-          </p:cNvSpPr>
-          <p:nvPr>
-            <p:ph type="sldNum" sz="quarter" idx="12"/>
-          </p:nvPr>
-        </p:nvSpPr>
-        <p:spPr/>
-        <p:txBody>
-          <a:bodyPr/>
-          <a:lstStyle/>
-          <a:p>
-            <a:fld id="{FB95DE3D-2950-4E4A-8781-5E9E0271AEF0}" type="slidenum">
-              <a:rPr lang="en-US" smtClean="0"/>
-              <a:t>4</a:t>
-            </a:fld>
-            <a:endParaRPr lang="en-US"/>
-          </a:p>
-        </p:txBody>
-      </p:sp>
-    </p:spTree>
-    <p:extLst>
-      <p:ext uri="{BB962C8B-B14F-4D97-AF65-F5344CB8AC3E}">
-        <p14:creationId xmlns:p14="http://schemas.microsoft.com/office/powerpoint/2010/main" val="1247365586"/>
-      </p:ext>
-    </p:extLst>
-  </p:cSld>
-  <p:clrMapOvr>
-    <a:masterClrMapping/>
-  </p:clrMapOvr>
-</p:sld>
-</file>
-
 <file path=ppt/slides/slide5.xml><?xml version="1.0" encoding="utf-8"?>
 <p:sld xmlns:a="http://schemas.openxmlformats.org/drawingml/2006/main" xmlns:r="http://schemas.openxmlformats.org/officeDocument/2006/relationships" xmlns:p="http://schemas.openxmlformats.org/presentationml/2006/main">
   <p:cSld>
@@ -11175,6 +11249,436 @@
           <p:cNvPr id="2" name="Title 1">
             <a:extLst>
               <a:ext uri="{FF2B5EF4-FFF2-40B4-BE49-F238E27FC236}">
+                <a16:creationId xmlns:a16="http://schemas.microsoft.com/office/drawing/2014/main" id="{8BCBFA54-7454-4AD2-97BE-B390EABFE4E5}"/>
+              </a:ext>
+            </a:extLst>
+          </p:cNvPr>
+          <p:cNvSpPr>
+            <a:spLocks noGrp="1"/>
+          </p:cNvSpPr>
+          <p:nvPr>
+            <p:ph type="title"/>
+          </p:nvPr>
+        </p:nvSpPr>
+        <p:spPr>
+          <a:xfrm>
+            <a:off x="646111" y="295729"/>
+            <a:ext cx="9404723" cy="1908345"/>
+          </a:xfrm>
+        </p:spPr>
+        <p:txBody>
+          <a:bodyPr/>
+          <a:lstStyle/>
+          <a:p>
+            <a:pPr algn="ctr"/>
+            <a:r>
+              <a:rPr lang="en-US" b="1" dirty="0"/>
+              <a:t>Designing, Building, Testing, and Managing Software Through Change using C#</a:t>
+            </a:r>
+            <a:br>
+              <a:rPr lang="en-US" dirty="0"/>
+            </a:br>
+            <a:endParaRPr lang="en-US" dirty="0"/>
+          </a:p>
+        </p:txBody>
+      </p:sp>
+      <p:sp>
+        <p:nvSpPr>
+          <p:cNvPr id="3" name="Content Placeholder 2">
+            <a:extLst>
+              <a:ext uri="{FF2B5EF4-FFF2-40B4-BE49-F238E27FC236}">
+                <a16:creationId xmlns:a16="http://schemas.microsoft.com/office/drawing/2014/main" id="{CB1E2334-C6D2-4A5A-BE1F-342300BFDAFA}"/>
+              </a:ext>
+            </a:extLst>
+          </p:cNvPr>
+          <p:cNvSpPr>
+            <a:spLocks noGrp="1"/>
+          </p:cNvSpPr>
+          <p:nvPr>
+            <p:ph idx="1"/>
+          </p:nvPr>
+        </p:nvSpPr>
+        <p:spPr>
+          <a:xfrm>
+            <a:off x="646111" y="2497539"/>
+            <a:ext cx="10394928" cy="3750859"/>
+          </a:xfrm>
+        </p:spPr>
+        <p:txBody>
+          <a:bodyPr numCol="3">
+            <a:normAutofit fontScale="55000" lnSpcReduction="20000"/>
+          </a:bodyPr>
+          <a:lstStyle/>
+          <a:p>
+            <a:pPr lvl="0"/>
+            <a:r>
+              <a:rPr lang="en-US" dirty="0"/>
+              <a:t>Object Design</a:t>
+            </a:r>
+          </a:p>
+          <a:p>
+            <a:pPr lvl="1"/>
+            <a:r>
+              <a:rPr lang="en-US" dirty="0"/>
+              <a:t>Application Object Design</a:t>
+            </a:r>
+          </a:p>
+          <a:p>
+            <a:pPr lvl="1"/>
+            <a:r>
+              <a:rPr lang="en-US" dirty="0"/>
+              <a:t>Retention Object Design</a:t>
+            </a:r>
+          </a:p>
+          <a:p>
+            <a:pPr lvl="1"/>
+            <a:r>
+              <a:rPr lang="en-US" dirty="0"/>
+              <a:t>Execution Object Design</a:t>
+            </a:r>
+          </a:p>
+          <a:p>
+            <a:pPr lvl="1"/>
+            <a:r>
+              <a:rPr lang="en-US" dirty="0"/>
+              <a:t>Communication Object Design</a:t>
+            </a:r>
+          </a:p>
+          <a:p>
+            <a:pPr lvl="1"/>
+            <a:r>
+              <a:rPr lang="en-US" dirty="0"/>
+              <a:t>Object Versioning</a:t>
+            </a:r>
+          </a:p>
+          <a:p>
+            <a:pPr lvl="0"/>
+            <a:r>
+              <a:rPr lang="en-US" dirty="0"/>
+              <a:t>Application Design</a:t>
+            </a:r>
+          </a:p>
+          <a:p>
+            <a:pPr lvl="1"/>
+            <a:r>
+              <a:rPr lang="en-US" dirty="0"/>
+              <a:t>Communication Layer</a:t>
+            </a:r>
+          </a:p>
+          <a:p>
+            <a:pPr lvl="1"/>
+            <a:r>
+              <a:rPr lang="en-US" dirty="0"/>
+              <a:t>Orchestration Layer</a:t>
+            </a:r>
+          </a:p>
+          <a:p>
+            <a:pPr lvl="1"/>
+            <a:r>
+              <a:rPr lang="en-US" dirty="0"/>
+              <a:t>Execution Layer</a:t>
+            </a:r>
+          </a:p>
+          <a:p>
+            <a:pPr lvl="1"/>
+            <a:r>
+              <a:rPr lang="en-US" dirty="0"/>
+              <a:t>Retention Layer</a:t>
+            </a:r>
+          </a:p>
+          <a:p>
+            <a:pPr lvl="0"/>
+            <a:r>
+              <a:rPr lang="en-US" dirty="0"/>
+              <a:t>Code File Design</a:t>
+            </a:r>
+          </a:p>
+          <a:p>
+            <a:pPr lvl="1"/>
+            <a:r>
+              <a:rPr lang="en-US" dirty="0"/>
+              <a:t>Code File Types</a:t>
+            </a:r>
+          </a:p>
+          <a:p>
+            <a:pPr lvl="1"/>
+            <a:r>
+              <a:rPr lang="en-US" dirty="0"/>
+              <a:t>Code File Elements</a:t>
+            </a:r>
+          </a:p>
+          <a:p>
+            <a:pPr lvl="1"/>
+            <a:r>
+              <a:rPr lang="en-US" dirty="0"/>
+              <a:t>Element Naming</a:t>
+            </a:r>
+          </a:p>
+          <a:p>
+            <a:pPr lvl="1"/>
+            <a:r>
+              <a:rPr lang="en-US" dirty="0"/>
+              <a:t>Access Levels</a:t>
+            </a:r>
+          </a:p>
+          <a:p>
+            <a:pPr lvl="1"/>
+            <a:r>
+              <a:rPr lang="en-US" dirty="0"/>
+              <a:t>Inheritance</a:t>
+            </a:r>
+          </a:p>
+          <a:p>
+            <a:pPr lvl="0"/>
+            <a:r>
+              <a:rPr lang="en-US" dirty="0"/>
+              <a:t>Design Patterns</a:t>
+            </a:r>
+          </a:p>
+          <a:p>
+            <a:pPr lvl="1"/>
+            <a:r>
+              <a:rPr lang="en-US" dirty="0"/>
+              <a:t>Bridge Pattern</a:t>
+            </a:r>
+          </a:p>
+          <a:p>
+            <a:pPr lvl="1"/>
+            <a:r>
+              <a:rPr lang="en-US" dirty="0"/>
+              <a:t>Command Pattern</a:t>
+            </a:r>
+          </a:p>
+          <a:p>
+            <a:pPr lvl="1"/>
+            <a:r>
+              <a:rPr lang="en-US" dirty="0"/>
+              <a:t>Strategy Pattern</a:t>
+            </a:r>
+          </a:p>
+          <a:p>
+            <a:pPr lvl="1"/>
+            <a:r>
+              <a:rPr lang="en-US" dirty="0"/>
+              <a:t>Singleton Pattern</a:t>
+            </a:r>
+          </a:p>
+          <a:p>
+            <a:pPr lvl="1"/>
+            <a:r>
+              <a:rPr lang="en-US" dirty="0"/>
+              <a:t>Factory Pattern</a:t>
+            </a:r>
+          </a:p>
+          <a:p>
+            <a:pPr lvl="1"/>
+            <a:r>
+              <a:rPr lang="en-US" dirty="0"/>
+              <a:t>Adapter Pattern</a:t>
+            </a:r>
+          </a:p>
+          <a:p>
+            <a:pPr lvl="1"/>
+            <a:r>
+              <a:rPr lang="en-US" dirty="0"/>
+              <a:t>Facade Pattern</a:t>
+            </a:r>
+          </a:p>
+          <a:p>
+            <a:pPr lvl="1"/>
+            <a:r>
+              <a:rPr lang="en-US" dirty="0"/>
+              <a:t>Builder Pattern</a:t>
+            </a:r>
+          </a:p>
+          <a:p>
+            <a:pPr lvl="1"/>
+            <a:r>
+              <a:rPr lang="en-US" dirty="0"/>
+              <a:t>Dependency Injection Pattern</a:t>
+            </a:r>
+          </a:p>
+          <a:p>
+            <a:pPr lvl="1"/>
+            <a:r>
+              <a:rPr lang="en-US" dirty="0"/>
+              <a:t>Inversion of Control Pattern</a:t>
+            </a:r>
+          </a:p>
+          <a:p>
+            <a:pPr lvl="0"/>
+            <a:r>
+              <a:rPr lang="en-US" dirty="0"/>
+              <a:t>Testing</a:t>
+            </a:r>
+          </a:p>
+          <a:p>
+            <a:pPr lvl="1"/>
+            <a:r>
+              <a:rPr lang="en-US" dirty="0"/>
+              <a:t>Unit Testing</a:t>
+            </a:r>
+          </a:p>
+          <a:p>
+            <a:pPr lvl="1"/>
+            <a:r>
+              <a:rPr lang="en-US" dirty="0"/>
+              <a:t>Integration Testing</a:t>
+            </a:r>
+          </a:p>
+          <a:p>
+            <a:pPr lvl="1"/>
+            <a:r>
+              <a:rPr lang="en-US" dirty="0"/>
+              <a:t>UI Testing</a:t>
+            </a:r>
+          </a:p>
+          <a:p>
+            <a:pPr lvl="0"/>
+            <a:r>
+              <a:rPr lang="en-US" dirty="0"/>
+              <a:t>Source Control Management</a:t>
+            </a:r>
+          </a:p>
+          <a:p>
+            <a:pPr lvl="1"/>
+            <a:r>
+              <a:rPr lang="en-US" dirty="0"/>
+              <a:t>SCM Systems</a:t>
+            </a:r>
+          </a:p>
+          <a:p>
+            <a:pPr lvl="1"/>
+            <a:r>
+              <a:rPr lang="en-US" dirty="0"/>
+              <a:t>Branching </a:t>
+            </a:r>
+          </a:p>
+          <a:p>
+            <a:pPr lvl="1"/>
+            <a:r>
+              <a:rPr lang="en-US" dirty="0"/>
+              <a:t>Merging</a:t>
+            </a:r>
+          </a:p>
+          <a:p>
+            <a:pPr lvl="1"/>
+            <a:r>
+              <a:rPr lang="en-US" dirty="0"/>
+              <a:t>Releases</a:t>
+            </a:r>
+          </a:p>
+          <a:p>
+            <a:pPr lvl="0"/>
+            <a:r>
+              <a:rPr lang="en-US" dirty="0"/>
+              <a:t>Deployment Management</a:t>
+            </a:r>
+          </a:p>
+          <a:p>
+            <a:pPr lvl="1"/>
+            <a:r>
+              <a:rPr lang="en-US" dirty="0"/>
+              <a:t>Environments</a:t>
+            </a:r>
+          </a:p>
+          <a:p>
+            <a:pPr lvl="1"/>
+            <a:r>
+              <a:rPr lang="en-US" dirty="0"/>
+              <a:t>Approvals</a:t>
+            </a:r>
+          </a:p>
+          <a:p>
+            <a:pPr lvl="1"/>
+            <a:r>
+              <a:rPr lang="en-US" dirty="0"/>
+              <a:t>Auditing</a:t>
+            </a:r>
+          </a:p>
+          <a:p>
+            <a:pPr lvl="1"/>
+            <a:r>
+              <a:rPr lang="en-US" dirty="0"/>
+              <a:t>Validation</a:t>
+            </a:r>
+          </a:p>
+          <a:p>
+            <a:pPr lvl="1"/>
+            <a:r>
+              <a:rPr lang="en-US" dirty="0"/>
+              <a:t>Rollback</a:t>
+            </a:r>
+          </a:p>
+          <a:p>
+            <a:endParaRPr lang="en-US" dirty="0"/>
+          </a:p>
+        </p:txBody>
+      </p:sp>
+      <p:sp>
+        <p:nvSpPr>
+          <p:cNvPr id="4" name="Slide Number Placeholder 3">
+            <a:extLst>
+              <a:ext uri="{FF2B5EF4-FFF2-40B4-BE49-F238E27FC236}">
+                <a16:creationId xmlns:a16="http://schemas.microsoft.com/office/drawing/2014/main" id="{9BFA931C-A3D5-4136-9E0D-F7C0B96D3A0D}"/>
+              </a:ext>
+            </a:extLst>
+          </p:cNvPr>
+          <p:cNvSpPr>
+            <a:spLocks noGrp="1"/>
+          </p:cNvSpPr>
+          <p:nvPr>
+            <p:ph type="sldNum" sz="quarter" idx="12"/>
+          </p:nvPr>
+        </p:nvSpPr>
+        <p:spPr/>
+        <p:txBody>
+          <a:bodyPr/>
+          <a:lstStyle/>
+          <a:p>
+            <a:fld id="{FB95DE3D-2950-4E4A-8781-5E9E0271AEF0}" type="slidenum">
+              <a:rPr lang="en-US" smtClean="0"/>
+              <a:t>5</a:t>
+            </a:fld>
+            <a:endParaRPr lang="en-US"/>
+          </a:p>
+        </p:txBody>
+      </p:sp>
+    </p:spTree>
+    <p:extLst>
+      <p:ext uri="{BB962C8B-B14F-4D97-AF65-F5344CB8AC3E}">
+        <p14:creationId xmlns:p14="http://schemas.microsoft.com/office/powerpoint/2010/main" val="1247365586"/>
+      </p:ext>
+    </p:extLst>
+  </p:cSld>
+  <p:clrMapOvr>
+    <a:masterClrMapping/>
+  </p:clrMapOvr>
+</p:sld>
+</file>
+
+<file path=ppt/slides/slide6.xml><?xml version="1.0" encoding="utf-8"?>
+<p:sld xmlns:a="http://schemas.openxmlformats.org/drawingml/2006/main" xmlns:r="http://schemas.openxmlformats.org/officeDocument/2006/relationships" xmlns:p="http://schemas.openxmlformats.org/presentationml/2006/main">
+  <p:cSld>
+    <p:spTree>
+      <p:nvGrpSpPr>
+        <p:cNvPr id="1" name=""/>
+        <p:cNvGrpSpPr/>
+        <p:nvPr/>
+      </p:nvGrpSpPr>
+      <p:grpSpPr>
+        <a:xfrm>
+          <a:off x="0" y="0"/>
+          <a:ext cx="0" cy="0"/>
+          <a:chOff x="0" y="0"/>
+          <a:chExt cx="0" cy="0"/>
+        </a:xfrm>
+      </p:grpSpPr>
+      <p:sp>
+        <p:nvSpPr>
+          <p:cNvPr id="2" name="Title 1">
+            <a:extLst>
+              <a:ext uri="{FF2B5EF4-FFF2-40B4-BE49-F238E27FC236}">
                 <a16:creationId xmlns:a16="http://schemas.microsoft.com/office/drawing/2014/main" id="{A6DCDEA7-C1CB-4BA7-9B5F-B617852BA43A}"/>
               </a:ext>
             </a:extLst>
@@ -11384,7 +11888,7 @@
           <a:p>
             <a:fld id="{FB95DE3D-2950-4E4A-8781-5E9E0271AEF0}" type="slidenum">
               <a:rPr lang="en-US" smtClean="0"/>
-              <a:t>5</a:t>
+              <a:t>6</a:t>
             </a:fld>
             <a:endParaRPr lang="en-US"/>
           </a:p>
@@ -11450,7 +11954,7 @@
 </p:sld>
 </file>
 
-<file path=ppt/slides/slide6.xml><?xml version="1.0" encoding="utf-8"?>
+<file path=ppt/slides/slide7.xml><?xml version="1.0" encoding="utf-8"?>
 <p:sld xmlns:a="http://schemas.openxmlformats.org/drawingml/2006/main" xmlns:r="http://schemas.openxmlformats.org/officeDocument/2006/relationships" xmlns:p="http://schemas.openxmlformats.org/presentationml/2006/main">
   <p:cSld>
     <p:spTree>
@@ -11586,7 +12090,7 @@
           <a:p>
             <a:fld id="{FB95DE3D-2950-4E4A-8781-5E9E0271AEF0}" type="slidenum">
               <a:rPr lang="en-US" smtClean="0"/>
-              <a:t>6</a:t>
+              <a:t>7</a:t>
             </a:fld>
             <a:endParaRPr lang="en-US"/>
           </a:p>
@@ -11632,209 +12136,6 @@
     <p:extLst>
       <p:ext uri="{BB962C8B-B14F-4D97-AF65-F5344CB8AC3E}">
         <p14:creationId xmlns:p14="http://schemas.microsoft.com/office/powerpoint/2010/main" val="4026193301"/>
-      </p:ext>
-    </p:extLst>
-  </p:cSld>
-  <p:clrMapOvr>
-    <a:masterClrMapping/>
-  </p:clrMapOvr>
-</p:sld>
-</file>
-
-<file path=ppt/slides/slide7.xml><?xml version="1.0" encoding="utf-8"?>
-<p:sld xmlns:a="http://schemas.openxmlformats.org/drawingml/2006/main" xmlns:r="http://schemas.openxmlformats.org/officeDocument/2006/relationships" xmlns:p="http://schemas.openxmlformats.org/presentationml/2006/main">
-  <p:cSld>
-    <p:spTree>
-      <p:nvGrpSpPr>
-        <p:cNvPr id="1" name=""/>
-        <p:cNvGrpSpPr/>
-        <p:nvPr/>
-      </p:nvGrpSpPr>
-      <p:grpSpPr>
-        <a:xfrm>
-          <a:off x="0" y="0"/>
-          <a:ext cx="0" cy="0"/>
-          <a:chOff x="0" y="0"/>
-          <a:chExt cx="0" cy="0"/>
-        </a:xfrm>
-      </p:grpSpPr>
-      <p:sp>
-        <p:nvSpPr>
-          <p:cNvPr id="2" name="Title 1">
-            <a:extLst>
-              <a:ext uri="{FF2B5EF4-FFF2-40B4-BE49-F238E27FC236}">
-                <a16:creationId xmlns:a16="http://schemas.microsoft.com/office/drawing/2014/main" id="{C5F6FC87-4F17-4153-AE34-427BF237906E}"/>
-              </a:ext>
-            </a:extLst>
-          </p:cNvPr>
-          <p:cNvSpPr>
-            <a:spLocks noGrp="1"/>
-          </p:cNvSpPr>
-          <p:nvPr>
-            <p:ph type="title"/>
-          </p:nvPr>
-        </p:nvSpPr>
-        <p:spPr>
-          <a:xfrm>
-            <a:off x="646111" y="452717"/>
-            <a:ext cx="9404723" cy="1444321"/>
-          </a:xfrm>
-        </p:spPr>
-        <p:txBody>
-          <a:bodyPr/>
-          <a:lstStyle/>
-          <a:p>
-            <a:pPr algn="ctr"/>
-            <a:r>
-              <a:rPr lang="en-US" dirty="0"/>
-              <a:t>3 Types of Software Engineering Abstractions</a:t>
-            </a:r>
-          </a:p>
-        </p:txBody>
-      </p:sp>
-      <p:sp>
-        <p:nvSpPr>
-          <p:cNvPr id="3" name="Content Placeholder 2">
-            <a:extLst>
-              <a:ext uri="{FF2B5EF4-FFF2-40B4-BE49-F238E27FC236}">
-                <a16:creationId xmlns:a16="http://schemas.microsoft.com/office/drawing/2014/main" id="{6E7F8D11-975E-46B8-8AB4-EC9E36A624AD}"/>
-              </a:ext>
-            </a:extLst>
-          </p:cNvPr>
-          <p:cNvSpPr>
-            <a:spLocks noGrp="1"/>
-          </p:cNvSpPr>
-          <p:nvPr>
-            <p:ph idx="1"/>
-          </p:nvPr>
-        </p:nvSpPr>
-        <p:spPr>
-          <a:xfrm>
-            <a:off x="1103312" y="1801504"/>
-            <a:ext cx="10442577" cy="4760767"/>
-          </a:xfrm>
-        </p:spPr>
-        <p:txBody>
-          <a:bodyPr/>
-          <a:lstStyle/>
-          <a:p>
-            <a:r>
-              <a:rPr lang="en-US" b="1" u="sng" dirty="0"/>
-              <a:t>Structural Abstractions (What)</a:t>
-            </a:r>
-          </a:p>
-          <a:p>
-            <a:pPr lvl="1"/>
-            <a:r>
-              <a:rPr lang="en-US" dirty="0"/>
-              <a:t>What the objects and methods want to process data</a:t>
-            </a:r>
-          </a:p>
-          <a:p>
-            <a:pPr lvl="1"/>
-            <a:r>
-              <a:rPr lang="en-US" dirty="0"/>
-              <a:t>Shape of objects (public properties, methods, </a:t>
-            </a:r>
-            <a:r>
-              <a:rPr lang="en-US" dirty="0" err="1"/>
-              <a:t>enums</a:t>
-            </a:r>
-            <a:r>
-              <a:rPr lang="en-US" dirty="0"/>
-              <a:t>, etc.)</a:t>
-            </a:r>
-          </a:p>
-          <a:p>
-            <a:pPr lvl="1"/>
-            <a:r>
-              <a:rPr lang="en-US" dirty="0"/>
-              <a:t>Shape of execution (parameters, return types, etc.)</a:t>
-            </a:r>
-          </a:p>
-          <a:p>
-            <a:r>
-              <a:rPr lang="en-US" b="1" u="sng" dirty="0"/>
-              <a:t>Functional Abstractions (How)</a:t>
-            </a:r>
-          </a:p>
-          <a:p>
-            <a:pPr lvl="1"/>
-            <a:r>
-              <a:rPr lang="en-US" dirty="0"/>
-              <a:t>How the program works (algorithms, order of execution, problem dissection)</a:t>
-            </a:r>
-          </a:p>
-          <a:p>
-            <a:pPr lvl="1"/>
-            <a:r>
-              <a:rPr lang="en-US" dirty="0"/>
-              <a:t>Implementations of objects (code specific processing)</a:t>
-            </a:r>
-          </a:p>
-          <a:p>
-            <a:r>
-              <a:rPr lang="en-US" b="1" u="sng" dirty="0"/>
-              <a:t>Conceptual Abstractions (Why)</a:t>
-            </a:r>
-          </a:p>
-          <a:p>
-            <a:pPr lvl="1"/>
-            <a:r>
-              <a:rPr lang="en-US" dirty="0"/>
-              <a:t>Why the developer organized code and processing (private properties, methods, </a:t>
-            </a:r>
-            <a:r>
-              <a:rPr lang="en-US" dirty="0" err="1"/>
-              <a:t>enums</a:t>
-            </a:r>
-            <a:r>
-              <a:rPr lang="en-US" dirty="0"/>
-              <a:t>, etc.)</a:t>
-            </a:r>
-          </a:p>
-          <a:p>
-            <a:pPr lvl="1"/>
-            <a:r>
-              <a:rPr lang="en-US" dirty="0"/>
-              <a:t>Variable and Method naming</a:t>
-            </a:r>
-          </a:p>
-        </p:txBody>
-      </p:sp>
-      <p:sp>
-        <p:nvSpPr>
-          <p:cNvPr id="4" name="Slide Number Placeholder 3">
-            <a:extLst>
-              <a:ext uri="{FF2B5EF4-FFF2-40B4-BE49-F238E27FC236}">
-                <a16:creationId xmlns:a16="http://schemas.microsoft.com/office/drawing/2014/main" id="{5425486E-D18B-4D78-9D28-2E8A9FA88A0F}"/>
-              </a:ext>
-            </a:extLst>
-          </p:cNvPr>
-          <p:cNvSpPr>
-            <a:spLocks noGrp="1"/>
-          </p:cNvSpPr>
-          <p:nvPr>
-            <p:ph type="sldNum" sz="quarter" idx="12"/>
-          </p:nvPr>
-        </p:nvSpPr>
-        <p:spPr/>
-        <p:txBody>
-          <a:bodyPr/>
-          <a:lstStyle/>
-          <a:p>
-            <a:fld id="{FB95DE3D-2950-4E4A-8781-5E9E0271AEF0}" type="slidenum">
-              <a:rPr lang="en-US" smtClean="0"/>
-              <a:t>7</a:t>
-            </a:fld>
-            <a:endParaRPr lang="en-US"/>
-          </a:p>
-        </p:txBody>
-      </p:sp>
-    </p:spTree>
-    <p:extLst>
-      <p:ext uri="{BB962C8B-B14F-4D97-AF65-F5344CB8AC3E}">
-        <p14:creationId xmlns:p14="http://schemas.microsoft.com/office/powerpoint/2010/main" val="2635404593"/>
       </p:ext>
     </p:extLst>
   </p:cSld>
@@ -11879,17 +12180,18 @@
         </p:nvSpPr>
         <p:spPr>
           <a:xfrm>
-            <a:off x="646111" y="452718"/>
-            <a:ext cx="9404723" cy="939354"/>
+            <a:off x="646111" y="452717"/>
+            <a:ext cx="9404723" cy="1444321"/>
           </a:xfrm>
         </p:spPr>
         <p:txBody>
           <a:bodyPr/>
           <a:lstStyle/>
           <a:p>
-            <a:r>
-              <a:rPr lang="en-US" dirty="0"/>
-              <a:t>DI and IOC</a:t>
+            <a:pPr algn="ctr"/>
+            <a:r>
+              <a:rPr lang="en-US" dirty="0"/>
+              <a:t>3 Types of Software Engineering Abstractions</a:t>
             </a:r>
           </a:p>
         </p:txBody>
@@ -11910,44 +12212,96 @@
             <p:ph idx="1"/>
           </p:nvPr>
         </p:nvSpPr>
-        <p:spPr/>
+        <p:spPr>
+          <a:xfrm>
+            <a:off x="1103312" y="1801504"/>
+            <a:ext cx="10442577" cy="4760767"/>
+          </a:xfrm>
+        </p:spPr>
         <p:txBody>
           <a:bodyPr/>
           <a:lstStyle/>
           <a:p>
             <a:r>
-              <a:rPr lang="en-US" dirty="0"/>
-              <a:t>Using DI and IOC are structural abstractions</a:t>
-            </a:r>
-          </a:p>
-          <a:p>
-            <a:r>
-              <a:rPr lang="en-US" dirty="0"/>
-              <a:t>How you implement and use DI and IOC are functional abstractions</a:t>
-            </a:r>
-          </a:p>
-          <a:p>
-            <a:r>
-              <a:rPr lang="en-US" dirty="0"/>
-              <a:t>Frequently used together (kissing cousins)</a:t>
-            </a:r>
-          </a:p>
-          <a:p>
-            <a:r>
-              <a:rPr lang="en-US" dirty="0"/>
-              <a:t>May be used separately</a:t>
-            </a:r>
-          </a:p>
-          <a:p>
-            <a:r>
-              <a:rPr lang="en-US" dirty="0"/>
-              <a:t>Distinctly different techniques</a:t>
-            </a:r>
-          </a:p>
-          <a:p>
-            <a:r>
-              <a:rPr lang="en-US" dirty="0"/>
-              <a:t>Multiple ways to do each</a:t>
+              <a:rPr lang="en-US" b="1" u="sng" dirty="0"/>
+              <a:t>Structural Abstractions (What)</a:t>
+            </a:r>
+          </a:p>
+          <a:p>
+            <a:pPr lvl="1"/>
+            <a:r>
+              <a:rPr lang="en-US" dirty="0"/>
+              <a:t>What the objects and methods want to process data</a:t>
+            </a:r>
+          </a:p>
+          <a:p>
+            <a:pPr lvl="1"/>
+            <a:r>
+              <a:rPr lang="en-US" dirty="0"/>
+              <a:t>Shape of objects (public properties, methods, </a:t>
+            </a:r>
+            <a:r>
+              <a:rPr lang="en-US" dirty="0" err="1"/>
+              <a:t>enums</a:t>
+            </a:r>
+            <a:r>
+              <a:rPr lang="en-US" dirty="0"/>
+              <a:t>, etc.)</a:t>
+            </a:r>
+          </a:p>
+          <a:p>
+            <a:pPr lvl="1"/>
+            <a:r>
+              <a:rPr lang="en-US" dirty="0"/>
+              <a:t>Shape of execution (parameters, return types, etc.)</a:t>
+            </a:r>
+          </a:p>
+          <a:p>
+            <a:r>
+              <a:rPr lang="en-US" b="1" u="sng" dirty="0"/>
+              <a:t>Functional Abstractions (How)</a:t>
+            </a:r>
+          </a:p>
+          <a:p>
+            <a:pPr lvl="1"/>
+            <a:r>
+              <a:rPr lang="en-US" dirty="0"/>
+              <a:t>How the program works (algorithms, order of execution, problem dissection)</a:t>
+            </a:r>
+          </a:p>
+          <a:p>
+            <a:pPr lvl="1"/>
+            <a:r>
+              <a:rPr lang="en-US" dirty="0"/>
+              <a:t>Implementations of objects (code specific processing)</a:t>
+            </a:r>
+          </a:p>
+          <a:p>
+            <a:r>
+              <a:rPr lang="en-US" b="1" u="sng" dirty="0"/>
+              <a:t>Conceptual Abstractions (Why)</a:t>
+            </a:r>
+          </a:p>
+          <a:p>
+            <a:pPr lvl="1"/>
+            <a:r>
+              <a:rPr lang="en-US" dirty="0"/>
+              <a:t>Why the developer organized code and processing (private properties, methods, </a:t>
+            </a:r>
+            <a:r>
+              <a:rPr lang="en-US" dirty="0" err="1"/>
+              <a:t>enums</a:t>
+            </a:r>
+            <a:r>
+              <a:rPr lang="en-US" dirty="0"/>
+              <a:t>, etc.)</a:t>
+            </a:r>
+          </a:p>
+          <a:p>
+            <a:pPr lvl="1"/>
+            <a:r>
+              <a:rPr lang="en-US" dirty="0"/>
+              <a:t>Variable and Method naming</a:t>
             </a:r>
           </a:p>
         </p:txBody>
@@ -11984,7 +12338,7 @@
     </p:spTree>
     <p:extLst>
       <p:ext uri="{BB962C8B-B14F-4D97-AF65-F5344CB8AC3E}">
-        <p14:creationId xmlns:p14="http://schemas.microsoft.com/office/powerpoint/2010/main" val="2253168129"/>
+        <p14:creationId xmlns:p14="http://schemas.microsoft.com/office/powerpoint/2010/main" val="2635404593"/>
       </p:ext>
     </p:extLst>
   </p:cSld>
@@ -12016,7 +12370,7 @@
           <p:cNvPr id="2" name="Title 1">
             <a:extLst>
               <a:ext uri="{FF2B5EF4-FFF2-40B4-BE49-F238E27FC236}">
-                <a16:creationId xmlns:a16="http://schemas.microsoft.com/office/drawing/2014/main" id="{20682A1B-32ED-4EA8-A382-DBDB5A66B256}"/>
+                <a16:creationId xmlns:a16="http://schemas.microsoft.com/office/drawing/2014/main" id="{C5F6FC87-4F17-4153-AE34-427BF237906E}"/>
               </a:ext>
             </a:extLst>
           </p:cNvPr>
@@ -12027,21 +12381,19 @@
             <p:ph type="title"/>
           </p:nvPr>
         </p:nvSpPr>
-        <p:spPr/>
+        <p:spPr>
+          <a:xfrm>
+            <a:off x="646111" y="452718"/>
+            <a:ext cx="9404723" cy="939354"/>
+          </a:xfrm>
+        </p:spPr>
         <p:txBody>
           <a:bodyPr/>
           <a:lstStyle/>
           <a:p>
             <a:r>
               <a:rPr lang="en-US" dirty="0"/>
-              <a:t>What is DI?</a:t>
-            </a:r>
-            <a:br>
-              <a:rPr lang="en-US" dirty="0"/>
-            </a:br>
-            <a:r>
-              <a:rPr lang="en-US" dirty="0"/>
-              <a:t>	(Dependency Injection)</a:t>
+              <a:t>DI and IOC</a:t>
             </a:r>
           </a:p>
         </p:txBody>
@@ -12051,7 +12403,7 @@
           <p:cNvPr id="3" name="Content Placeholder 2">
             <a:extLst>
               <a:ext uri="{FF2B5EF4-FFF2-40B4-BE49-F238E27FC236}">
-                <a16:creationId xmlns:a16="http://schemas.microsoft.com/office/drawing/2014/main" id="{B4B912AC-4C96-4499-9B8F-134A6D06A133}"/>
+                <a16:creationId xmlns:a16="http://schemas.microsoft.com/office/drawing/2014/main" id="{6E7F8D11-975E-46B8-8AB4-EC9E36A624AD}"/>
               </a:ext>
             </a:extLst>
           </p:cNvPr>
@@ -12062,35 +12414,45 @@
             <p:ph idx="1"/>
           </p:nvPr>
         </p:nvSpPr>
-        <p:spPr>
-          <a:xfrm>
-            <a:off x="1104293" y="2020261"/>
-            <a:ext cx="8946541" cy="4385021"/>
-          </a:xfrm>
-        </p:spPr>
+        <p:spPr/>
         <p:txBody>
           <a:bodyPr/>
           <a:lstStyle/>
           <a:p>
             <a:r>
               <a:rPr lang="en-US" dirty="0"/>
-              <a:t>A method of software engineering where one object supplies the dependencies of another object.</a:t>
-            </a:r>
-          </a:p>
-          <a:p>
-            <a:r>
-              <a:rPr lang="en-US" dirty="0"/>
-              <a:t>A dependency is an object that contains data or processes that another object needs</a:t>
-            </a:r>
-          </a:p>
-          <a:p>
-            <a:r>
-              <a:rPr lang="en-US" dirty="0"/>
-              <a:t>Injection is the act of passing the dependency to the dependent object (frequently via the constructor) rather than the dependent object creating the dependency internally.</a:t>
-            </a:r>
-          </a:p>
-          <a:p>
-            <a:endParaRPr lang="en-US" dirty="0"/>
+              <a:t>Using DI and IOC are structural abstractions</a:t>
+            </a:r>
+          </a:p>
+          <a:p>
+            <a:r>
+              <a:rPr lang="en-US" dirty="0"/>
+              <a:t>How you implement and use DI and IOC are functional abstractions</a:t>
+            </a:r>
+          </a:p>
+          <a:p>
+            <a:r>
+              <a:rPr lang="en-US" dirty="0"/>
+              <a:t>Frequently used together (kissing cousins)</a:t>
+            </a:r>
+          </a:p>
+          <a:p>
+            <a:r>
+              <a:rPr lang="en-US" dirty="0"/>
+              <a:t>May be used separately</a:t>
+            </a:r>
+          </a:p>
+          <a:p>
+            <a:r>
+              <a:rPr lang="en-US" dirty="0"/>
+              <a:t>Distinctly different techniques</a:t>
+            </a:r>
+          </a:p>
+          <a:p>
+            <a:r>
+              <a:rPr lang="en-US" dirty="0"/>
+              <a:t>Multiple ways to do each</a:t>
+            </a:r>
           </a:p>
         </p:txBody>
       </p:sp>
@@ -12099,7 +12461,7 @@
           <p:cNvPr id="4" name="Slide Number Placeholder 3">
             <a:extLst>
               <a:ext uri="{FF2B5EF4-FFF2-40B4-BE49-F238E27FC236}">
-                <a16:creationId xmlns:a16="http://schemas.microsoft.com/office/drawing/2014/main" id="{1C40F3ED-0859-414E-A689-6B2CD69C7E31}"/>
+                <a16:creationId xmlns:a16="http://schemas.microsoft.com/office/drawing/2014/main" id="{5425486E-D18B-4D78-9D28-2E8A9FA88A0F}"/>
               </a:ext>
             </a:extLst>
           </p:cNvPr>
@@ -12123,161 +12485,10 @@
           </a:p>
         </p:txBody>
       </p:sp>
-      <p:sp>
-        <p:nvSpPr>
-          <p:cNvPr id="5" name="Rectangle 4">
-            <a:extLst>
-              <a:ext uri="{FF2B5EF4-FFF2-40B4-BE49-F238E27FC236}">
-                <a16:creationId xmlns:a16="http://schemas.microsoft.com/office/drawing/2014/main" id="{D7EDD74E-2343-4BA9-AE62-8F795AC8536D}"/>
-              </a:ext>
-            </a:extLst>
-          </p:cNvPr>
-          <p:cNvSpPr/>
-          <p:nvPr/>
-        </p:nvSpPr>
-        <p:spPr>
-          <a:xfrm>
-            <a:off x="6662058" y="5590460"/>
-            <a:ext cx="1665514" cy="729343"/>
-          </a:xfrm>
-          <a:prstGeom prst="rect">
-            <a:avLst/>
-          </a:prstGeom>
-        </p:spPr>
-        <p:style>
-          <a:lnRef idx="2">
-            <a:schemeClr val="accent1">
-              <a:shade val="50000"/>
-            </a:schemeClr>
-          </a:lnRef>
-          <a:fillRef idx="1">
-            <a:schemeClr val="accent1"/>
-          </a:fillRef>
-          <a:effectRef idx="0">
-            <a:schemeClr val="accent1"/>
-          </a:effectRef>
-          <a:fontRef idx="minor">
-            <a:schemeClr val="lt1"/>
-          </a:fontRef>
-        </p:style>
-        <p:txBody>
-          <a:bodyPr rtlCol="0" anchor="ctr"/>
-          <a:lstStyle/>
-          <a:p>
-            <a:pPr algn="ctr"/>
-            <a:r>
-              <a:rPr lang="en-US" dirty="0"/>
-              <a:t>Object</a:t>
-            </a:r>
-          </a:p>
-        </p:txBody>
-      </p:sp>
-      <p:sp>
-        <p:nvSpPr>
-          <p:cNvPr id="6" name="Rectangle 5">
-            <a:extLst>
-              <a:ext uri="{FF2B5EF4-FFF2-40B4-BE49-F238E27FC236}">
-                <a16:creationId xmlns:a16="http://schemas.microsoft.com/office/drawing/2014/main" id="{FE81CF9A-A145-47BC-8D55-51BE0B245326}"/>
-              </a:ext>
-            </a:extLst>
-          </p:cNvPr>
-          <p:cNvSpPr/>
-          <p:nvPr/>
-        </p:nvSpPr>
-        <p:spPr>
-          <a:xfrm>
-            <a:off x="2596324" y="4914898"/>
-            <a:ext cx="1785257" cy="685800"/>
-          </a:xfrm>
-          <a:prstGeom prst="rect">
-            <a:avLst/>
-          </a:prstGeom>
-          <a:solidFill>
-            <a:schemeClr val="accent4">
-              <a:lumMod val="50000"/>
-            </a:schemeClr>
-          </a:solidFill>
-        </p:spPr>
-        <p:style>
-          <a:lnRef idx="2">
-            <a:schemeClr val="accent1">
-              <a:shade val="50000"/>
-            </a:schemeClr>
-          </a:lnRef>
-          <a:fillRef idx="1">
-            <a:schemeClr val="accent1"/>
-          </a:fillRef>
-          <a:effectRef idx="0">
-            <a:schemeClr val="accent1"/>
-          </a:effectRef>
-          <a:fontRef idx="minor">
-            <a:schemeClr val="lt1"/>
-          </a:fontRef>
-        </p:style>
-        <p:txBody>
-          <a:bodyPr rtlCol="0" anchor="ctr"/>
-          <a:lstStyle/>
-          <a:p>
-            <a:pPr algn="ctr"/>
-            <a:r>
-              <a:rPr lang="en-US" dirty="0"/>
-              <a:t>Dependency</a:t>
-            </a:r>
-          </a:p>
-        </p:txBody>
-      </p:sp>
-      <p:cxnSp>
-        <p:nvCxnSpPr>
-          <p:cNvPr id="8" name="Connector: Elbow 7">
-            <a:extLst>
-              <a:ext uri="{FF2B5EF4-FFF2-40B4-BE49-F238E27FC236}">
-                <a16:creationId xmlns:a16="http://schemas.microsoft.com/office/drawing/2014/main" id="{E7AEF8CA-7361-4BF1-A8A7-0B25F3747DAE}"/>
-              </a:ext>
-            </a:extLst>
-          </p:cNvPr>
-          <p:cNvCxnSpPr>
-            <a:cxnSpLocks/>
-            <a:stCxn id="6" idx="3"/>
-            <a:endCxn id="5" idx="1"/>
-          </p:cNvCxnSpPr>
-          <p:nvPr/>
-        </p:nvCxnSpPr>
-        <p:spPr>
-          <a:xfrm>
-            <a:off x="4381581" y="5257798"/>
-            <a:ext cx="2280477" cy="697334"/>
-          </a:xfrm>
-          <a:prstGeom prst="bentConnector3">
-            <a:avLst>
-              <a:gd name="adj1" fmla="val 50000"/>
-            </a:avLst>
-          </a:prstGeom>
-          <a:ln w="63500">
-            <a:solidFill>
-              <a:srgbClr val="FFFF00"/>
-            </a:solidFill>
-            <a:tailEnd type="triangle"/>
-          </a:ln>
-        </p:spPr>
-        <p:style>
-          <a:lnRef idx="1">
-            <a:schemeClr val="accent1"/>
-          </a:lnRef>
-          <a:fillRef idx="0">
-            <a:schemeClr val="accent1"/>
-          </a:fillRef>
-          <a:effectRef idx="0">
-            <a:schemeClr val="accent1"/>
-          </a:effectRef>
-          <a:fontRef idx="minor">
-            <a:schemeClr val="tx1"/>
-          </a:fontRef>
-        </p:style>
-      </p:cxnSp>
     </p:spTree>
     <p:extLst>
       <p:ext uri="{BB962C8B-B14F-4D97-AF65-F5344CB8AC3E}">
-        <p14:creationId xmlns:p14="http://schemas.microsoft.com/office/powerpoint/2010/main" val="758762179"/>
+        <p14:creationId xmlns:p14="http://schemas.microsoft.com/office/powerpoint/2010/main" val="2253168129"/>
       </p:ext>
     </p:extLst>
   </p:cSld>
